--- a/documentation/presentation.pptx
+++ b/documentation/presentation.pptx
@@ -5,10 +5,10 @@
     <p:sldMasterId id="2147483780" r:id="rId3"/>
   </p:sldMasterIdLst>
   <p:notesMasterIdLst>
-    <p:notesMasterId r:id="rId16"/>
+    <p:notesMasterId r:id="rId22"/>
   </p:notesMasterIdLst>
   <p:handoutMasterIdLst>
-    <p:handoutMasterId r:id="rId17"/>
+    <p:handoutMasterId r:id="rId23"/>
   </p:handoutMasterIdLst>
   <p:sldIdLst>
     <p:sldId id="256" r:id="rId4"/>
@@ -16,13 +16,19 @@
     <p:sldId id="261" r:id="rId6"/>
     <p:sldId id="262" r:id="rId7"/>
     <p:sldId id="257" r:id="rId8"/>
-    <p:sldId id="258" r:id="rId9"/>
-    <p:sldId id="259" r:id="rId10"/>
-    <p:sldId id="263" r:id="rId11"/>
+    <p:sldId id="259" r:id="rId9"/>
+    <p:sldId id="263" r:id="rId10"/>
+    <p:sldId id="273" r:id="rId11"/>
     <p:sldId id="265" r:id="rId12"/>
     <p:sldId id="264" r:id="rId13"/>
-    <p:sldId id="266" r:id="rId14"/>
-    <p:sldId id="268" r:id="rId15"/>
+    <p:sldId id="258" r:id="rId14"/>
+    <p:sldId id="270" r:id="rId15"/>
+    <p:sldId id="271" r:id="rId16"/>
+    <p:sldId id="272" r:id="rId17"/>
+    <p:sldId id="268" r:id="rId18"/>
+    <p:sldId id="266" r:id="rId19"/>
+    <p:sldId id="275" r:id="rId20"/>
+    <p:sldId id="274" r:id="rId21"/>
   </p:sldIdLst>
   <p:sldSz cx="12192000" cy="6858000"/>
   <p:notesSz cx="6858000" cy="9144000"/>
@@ -121,6 +127,11 @@
       </a:defRPr>
     </a:lvl9pPr>
   </p:defaultTextStyle>
+  <p:extLst>
+    <p:ext uri="{EFAFB233-063F-42B5-8137-9DF3F51BA10A}">
+      <p15:sldGuideLst xmlns:p15="http://schemas.microsoft.com/office/powerpoint/2012/main"/>
+    </p:ext>
+  </p:extLst>
 </p:presentation>
 </file>
 
@@ -206,7 +217,7 @@
           <a:p>
             <a:fld id="{A856B199-1789-4443-9DE1-FA33660B713B}" type="datetimeFigureOut">
               <a:rPr lang="en-US" smtClean="0"/>
-              <a:t>10/22/2018</a:t>
+              <a:t>11/27/2018</a:t>
             </a:fld>
             <a:endParaRPr lang="en-US"/>
           </a:p>
@@ -371,7 +382,7 @@
           <a:p>
             <a:fld id="{0DCB8767-B91D-4925-A33B-64438006F0C1}" type="datetimeFigureOut">
               <a:rPr lang="en-US" smtClean="0"/>
-              <a:t>10/22/2018</a:t>
+              <a:t>11/27/2018</a:t>
             </a:fld>
             <a:endParaRPr lang="en-US"/>
           </a:p>
@@ -928,7 +939,7 @@
           <a:bodyPr/>
           <a:lstStyle/>
           <a:p>
-            <a:endParaRPr lang="en-US" dirty="0"/>
+            <a:endParaRPr lang="en-US"/>
           </a:p>
         </p:txBody>
       </p:sp>
@@ -996,7 +1007,7 @@
     </p:spTree>
     <p:extLst>
       <p:ext uri="{BB962C8B-B14F-4D97-AF65-F5344CB8AC3E}">
-        <p14:creationId xmlns:p14="http://schemas.microsoft.com/office/powerpoint/2010/main" val="832951166"/>
+        <p14:creationId xmlns:p14="http://schemas.microsoft.com/office/powerpoint/2010/main" val="3125904450"/>
       </p:ext>
     </p:extLst>
   </p:cSld>
@@ -1118,7 +1129,739 @@
     </p:spTree>
     <p:extLst>
       <p:ext uri="{BB962C8B-B14F-4D97-AF65-F5344CB8AC3E}">
+        <p14:creationId xmlns:p14="http://schemas.microsoft.com/office/powerpoint/2010/main" val="188547113"/>
+      </p:ext>
+    </p:extLst>
+  </p:cSld>
+  <p:clrMapOvr>
+    <a:masterClrMapping/>
+  </p:clrMapOvr>
+</p:notes>
+</file>
+
+<file path=ppt/notesSlides/notesSlide13.xml><?xml version="1.0" encoding="utf-8"?>
+<p:notes xmlns:a="http://schemas.openxmlformats.org/drawingml/2006/main" xmlns:r="http://schemas.openxmlformats.org/officeDocument/2006/relationships" xmlns:p="http://schemas.openxmlformats.org/presentationml/2006/main">
+  <p:cSld>
+    <p:spTree>
+      <p:nvGrpSpPr>
+        <p:cNvPr id="1" name=""/>
+        <p:cNvGrpSpPr/>
+        <p:nvPr/>
+      </p:nvGrpSpPr>
+      <p:grpSpPr>
+        <a:xfrm>
+          <a:off x="0" y="0"/>
+          <a:ext cx="0" cy="0"/>
+          <a:chOff x="0" y="0"/>
+          <a:chExt cx="0" cy="0"/>
+        </a:xfrm>
+      </p:grpSpPr>
+      <p:sp>
+        <p:nvSpPr>
+          <p:cNvPr id="2" name="Slide Image Placeholder 1"/>
+          <p:cNvSpPr>
+            <a:spLocks noGrp="1" noRot="1" noChangeAspect="1"/>
+          </p:cNvSpPr>
+          <p:nvPr>
+            <p:ph type="sldImg"/>
+          </p:nvPr>
+        </p:nvSpPr>
+        <p:spPr/>
+      </p:sp>
+      <p:sp>
+        <p:nvSpPr>
+          <p:cNvPr id="3" name="Notes Placeholder 2"/>
+          <p:cNvSpPr>
+            <a:spLocks noGrp="1"/>
+          </p:cNvSpPr>
+          <p:nvPr>
+            <p:ph type="body" idx="1"/>
+          </p:nvPr>
+        </p:nvSpPr>
+        <p:spPr/>
+        <p:txBody>
+          <a:bodyPr/>
+          <a:lstStyle/>
+          <a:p>
+            <a:endParaRPr lang="en-US" dirty="0"/>
+          </a:p>
+        </p:txBody>
+      </p:sp>
+      <p:sp>
+        <p:nvSpPr>
+          <p:cNvPr id="4" name="Header Placeholder 3"/>
+          <p:cNvSpPr>
+            <a:spLocks noGrp="1"/>
+          </p:cNvSpPr>
+          <p:nvPr>
+            <p:ph type="hdr" sz="quarter" idx="10"/>
+          </p:nvPr>
+        </p:nvSpPr>
+        <p:spPr/>
+        <p:txBody>
+          <a:bodyPr/>
+          <a:lstStyle/>
+          <a:p>
+            <a:endParaRPr lang="en-US"/>
+          </a:p>
+        </p:txBody>
+      </p:sp>
+      <p:sp>
+        <p:nvSpPr>
+          <p:cNvPr id="5" name="Footer Placeholder 4"/>
+          <p:cNvSpPr>
+            <a:spLocks noGrp="1"/>
+          </p:cNvSpPr>
+          <p:nvPr>
+            <p:ph type="ftr" sz="quarter" idx="11"/>
+          </p:nvPr>
+        </p:nvSpPr>
+        <p:spPr/>
+        <p:txBody>
+          <a:bodyPr/>
+          <a:lstStyle/>
+          <a:p>
+            <a:endParaRPr lang="en-US"/>
+          </a:p>
+        </p:txBody>
+      </p:sp>
+      <p:sp>
+        <p:nvSpPr>
+          <p:cNvPr id="6" name="Slide Number Placeholder 5"/>
+          <p:cNvSpPr>
+            <a:spLocks noGrp="1"/>
+          </p:cNvSpPr>
+          <p:nvPr>
+            <p:ph type="sldNum" sz="quarter" idx="12"/>
+          </p:nvPr>
+        </p:nvSpPr>
+        <p:spPr/>
+        <p:txBody>
+          <a:bodyPr/>
+          <a:lstStyle/>
+          <a:p>
+            <a:fld id="{04AFFD27-C42C-47CD-8755-C4DF35BD4C7E}" type="slidenum">
+              <a:rPr lang="en-US" smtClean="0"/>
+              <a:t>13</a:t>
+            </a:fld>
+            <a:endParaRPr lang="en-US"/>
+          </a:p>
+        </p:txBody>
+      </p:sp>
+    </p:spTree>
+    <p:extLst>
+      <p:ext uri="{BB962C8B-B14F-4D97-AF65-F5344CB8AC3E}">
+        <p14:creationId xmlns:p14="http://schemas.microsoft.com/office/powerpoint/2010/main" val="1099259115"/>
+      </p:ext>
+    </p:extLst>
+  </p:cSld>
+  <p:clrMapOvr>
+    <a:masterClrMapping/>
+  </p:clrMapOvr>
+</p:notes>
+</file>
+
+<file path=ppt/notesSlides/notesSlide14.xml><?xml version="1.0" encoding="utf-8"?>
+<p:notes xmlns:a="http://schemas.openxmlformats.org/drawingml/2006/main" xmlns:r="http://schemas.openxmlformats.org/officeDocument/2006/relationships" xmlns:p="http://schemas.openxmlformats.org/presentationml/2006/main">
+  <p:cSld>
+    <p:spTree>
+      <p:nvGrpSpPr>
+        <p:cNvPr id="1" name=""/>
+        <p:cNvGrpSpPr/>
+        <p:nvPr/>
+      </p:nvGrpSpPr>
+      <p:grpSpPr>
+        <a:xfrm>
+          <a:off x="0" y="0"/>
+          <a:ext cx="0" cy="0"/>
+          <a:chOff x="0" y="0"/>
+          <a:chExt cx="0" cy="0"/>
+        </a:xfrm>
+      </p:grpSpPr>
+      <p:sp>
+        <p:nvSpPr>
+          <p:cNvPr id="2" name="Slide Image Placeholder 1"/>
+          <p:cNvSpPr>
+            <a:spLocks noGrp="1" noRot="1" noChangeAspect="1"/>
+          </p:cNvSpPr>
+          <p:nvPr>
+            <p:ph type="sldImg"/>
+          </p:nvPr>
+        </p:nvSpPr>
+        <p:spPr/>
+      </p:sp>
+      <p:sp>
+        <p:nvSpPr>
+          <p:cNvPr id="3" name="Notes Placeholder 2"/>
+          <p:cNvSpPr>
+            <a:spLocks noGrp="1"/>
+          </p:cNvSpPr>
+          <p:nvPr>
+            <p:ph type="body" idx="1"/>
+          </p:nvPr>
+        </p:nvSpPr>
+        <p:spPr/>
+        <p:txBody>
+          <a:bodyPr/>
+          <a:lstStyle/>
+          <a:p>
+            <a:endParaRPr lang="en-US" dirty="0"/>
+          </a:p>
+        </p:txBody>
+      </p:sp>
+      <p:sp>
+        <p:nvSpPr>
+          <p:cNvPr id="4" name="Header Placeholder 3"/>
+          <p:cNvSpPr>
+            <a:spLocks noGrp="1"/>
+          </p:cNvSpPr>
+          <p:nvPr>
+            <p:ph type="hdr" sz="quarter" idx="10"/>
+          </p:nvPr>
+        </p:nvSpPr>
+        <p:spPr/>
+        <p:txBody>
+          <a:bodyPr/>
+          <a:lstStyle/>
+          <a:p>
+            <a:endParaRPr lang="en-US"/>
+          </a:p>
+        </p:txBody>
+      </p:sp>
+      <p:sp>
+        <p:nvSpPr>
+          <p:cNvPr id="5" name="Footer Placeholder 4"/>
+          <p:cNvSpPr>
+            <a:spLocks noGrp="1"/>
+          </p:cNvSpPr>
+          <p:nvPr>
+            <p:ph type="ftr" sz="quarter" idx="11"/>
+          </p:nvPr>
+        </p:nvSpPr>
+        <p:spPr/>
+        <p:txBody>
+          <a:bodyPr/>
+          <a:lstStyle/>
+          <a:p>
+            <a:endParaRPr lang="en-US"/>
+          </a:p>
+        </p:txBody>
+      </p:sp>
+      <p:sp>
+        <p:nvSpPr>
+          <p:cNvPr id="6" name="Slide Number Placeholder 5"/>
+          <p:cNvSpPr>
+            <a:spLocks noGrp="1"/>
+          </p:cNvSpPr>
+          <p:nvPr>
+            <p:ph type="sldNum" sz="quarter" idx="12"/>
+          </p:nvPr>
+        </p:nvSpPr>
+        <p:spPr/>
+        <p:txBody>
+          <a:bodyPr/>
+          <a:lstStyle/>
+          <a:p>
+            <a:fld id="{04AFFD27-C42C-47CD-8755-C4DF35BD4C7E}" type="slidenum">
+              <a:rPr lang="en-US" smtClean="0"/>
+              <a:t>14</a:t>
+            </a:fld>
+            <a:endParaRPr lang="en-US"/>
+          </a:p>
+        </p:txBody>
+      </p:sp>
+    </p:spTree>
+    <p:extLst>
+      <p:ext uri="{BB962C8B-B14F-4D97-AF65-F5344CB8AC3E}">
+        <p14:creationId xmlns:p14="http://schemas.microsoft.com/office/powerpoint/2010/main" val="1714772350"/>
+      </p:ext>
+    </p:extLst>
+  </p:cSld>
+  <p:clrMapOvr>
+    <a:masterClrMapping/>
+  </p:clrMapOvr>
+</p:notes>
+</file>
+
+<file path=ppt/notesSlides/notesSlide15.xml><?xml version="1.0" encoding="utf-8"?>
+<p:notes xmlns:a="http://schemas.openxmlformats.org/drawingml/2006/main" xmlns:r="http://schemas.openxmlformats.org/officeDocument/2006/relationships" xmlns:p="http://schemas.openxmlformats.org/presentationml/2006/main">
+  <p:cSld>
+    <p:spTree>
+      <p:nvGrpSpPr>
+        <p:cNvPr id="1" name=""/>
+        <p:cNvGrpSpPr/>
+        <p:nvPr/>
+      </p:nvGrpSpPr>
+      <p:grpSpPr>
+        <a:xfrm>
+          <a:off x="0" y="0"/>
+          <a:ext cx="0" cy="0"/>
+          <a:chOff x="0" y="0"/>
+          <a:chExt cx="0" cy="0"/>
+        </a:xfrm>
+      </p:grpSpPr>
+      <p:sp>
+        <p:nvSpPr>
+          <p:cNvPr id="2" name="Slide Image Placeholder 1"/>
+          <p:cNvSpPr>
+            <a:spLocks noGrp="1" noRot="1" noChangeAspect="1"/>
+          </p:cNvSpPr>
+          <p:nvPr>
+            <p:ph type="sldImg"/>
+          </p:nvPr>
+        </p:nvSpPr>
+        <p:spPr/>
+      </p:sp>
+      <p:sp>
+        <p:nvSpPr>
+          <p:cNvPr id="3" name="Notes Placeholder 2"/>
+          <p:cNvSpPr>
+            <a:spLocks noGrp="1"/>
+          </p:cNvSpPr>
+          <p:nvPr>
+            <p:ph type="body" idx="1"/>
+          </p:nvPr>
+        </p:nvSpPr>
+        <p:spPr/>
+        <p:txBody>
+          <a:bodyPr/>
+          <a:lstStyle/>
+          <a:p>
+            <a:endParaRPr lang="en-US" dirty="0"/>
+          </a:p>
+        </p:txBody>
+      </p:sp>
+      <p:sp>
+        <p:nvSpPr>
+          <p:cNvPr id="4" name="Header Placeholder 3"/>
+          <p:cNvSpPr>
+            <a:spLocks noGrp="1"/>
+          </p:cNvSpPr>
+          <p:nvPr>
+            <p:ph type="hdr" sz="quarter" idx="10"/>
+          </p:nvPr>
+        </p:nvSpPr>
+        <p:spPr/>
+        <p:txBody>
+          <a:bodyPr/>
+          <a:lstStyle/>
+          <a:p>
+            <a:endParaRPr lang="en-US"/>
+          </a:p>
+        </p:txBody>
+      </p:sp>
+      <p:sp>
+        <p:nvSpPr>
+          <p:cNvPr id="5" name="Footer Placeholder 4"/>
+          <p:cNvSpPr>
+            <a:spLocks noGrp="1"/>
+          </p:cNvSpPr>
+          <p:nvPr>
+            <p:ph type="ftr" sz="quarter" idx="11"/>
+          </p:nvPr>
+        </p:nvSpPr>
+        <p:spPr/>
+        <p:txBody>
+          <a:bodyPr/>
+          <a:lstStyle/>
+          <a:p>
+            <a:endParaRPr lang="en-US"/>
+          </a:p>
+        </p:txBody>
+      </p:sp>
+      <p:sp>
+        <p:nvSpPr>
+          <p:cNvPr id="6" name="Slide Number Placeholder 5"/>
+          <p:cNvSpPr>
+            <a:spLocks noGrp="1"/>
+          </p:cNvSpPr>
+          <p:nvPr>
+            <p:ph type="sldNum" sz="quarter" idx="12"/>
+          </p:nvPr>
+        </p:nvSpPr>
+        <p:spPr/>
+        <p:txBody>
+          <a:bodyPr/>
+          <a:lstStyle/>
+          <a:p>
+            <a:fld id="{04AFFD27-C42C-47CD-8755-C4DF35BD4C7E}" type="slidenum">
+              <a:rPr lang="en-US" smtClean="0"/>
+              <a:t>15</a:t>
+            </a:fld>
+            <a:endParaRPr lang="en-US"/>
+          </a:p>
+        </p:txBody>
+      </p:sp>
+    </p:spTree>
+    <p:extLst>
+      <p:ext uri="{BB962C8B-B14F-4D97-AF65-F5344CB8AC3E}">
         <p14:creationId xmlns:p14="http://schemas.microsoft.com/office/powerpoint/2010/main" val="4211785599"/>
+      </p:ext>
+    </p:extLst>
+  </p:cSld>
+  <p:clrMapOvr>
+    <a:masterClrMapping/>
+  </p:clrMapOvr>
+</p:notes>
+</file>
+
+<file path=ppt/notesSlides/notesSlide16.xml><?xml version="1.0" encoding="utf-8"?>
+<p:notes xmlns:a="http://schemas.openxmlformats.org/drawingml/2006/main" xmlns:r="http://schemas.openxmlformats.org/officeDocument/2006/relationships" xmlns:p="http://schemas.openxmlformats.org/presentationml/2006/main">
+  <p:cSld>
+    <p:spTree>
+      <p:nvGrpSpPr>
+        <p:cNvPr id="1" name=""/>
+        <p:cNvGrpSpPr/>
+        <p:nvPr/>
+      </p:nvGrpSpPr>
+      <p:grpSpPr>
+        <a:xfrm>
+          <a:off x="0" y="0"/>
+          <a:ext cx="0" cy="0"/>
+          <a:chOff x="0" y="0"/>
+          <a:chExt cx="0" cy="0"/>
+        </a:xfrm>
+      </p:grpSpPr>
+      <p:sp>
+        <p:nvSpPr>
+          <p:cNvPr id="2" name="Slide Image Placeholder 1"/>
+          <p:cNvSpPr>
+            <a:spLocks noGrp="1" noRot="1" noChangeAspect="1"/>
+          </p:cNvSpPr>
+          <p:nvPr>
+            <p:ph type="sldImg"/>
+          </p:nvPr>
+        </p:nvSpPr>
+        <p:spPr/>
+      </p:sp>
+      <p:sp>
+        <p:nvSpPr>
+          <p:cNvPr id="3" name="Notes Placeholder 2"/>
+          <p:cNvSpPr>
+            <a:spLocks noGrp="1"/>
+          </p:cNvSpPr>
+          <p:nvPr>
+            <p:ph type="body" idx="1"/>
+          </p:nvPr>
+        </p:nvSpPr>
+        <p:spPr/>
+        <p:txBody>
+          <a:bodyPr/>
+          <a:lstStyle/>
+          <a:p>
+            <a:endParaRPr lang="en-US" dirty="0"/>
+          </a:p>
+        </p:txBody>
+      </p:sp>
+      <p:sp>
+        <p:nvSpPr>
+          <p:cNvPr id="4" name="Header Placeholder 3"/>
+          <p:cNvSpPr>
+            <a:spLocks noGrp="1"/>
+          </p:cNvSpPr>
+          <p:nvPr>
+            <p:ph type="hdr" sz="quarter" idx="10"/>
+          </p:nvPr>
+        </p:nvSpPr>
+        <p:spPr/>
+        <p:txBody>
+          <a:bodyPr/>
+          <a:lstStyle/>
+          <a:p>
+            <a:endParaRPr lang="en-US"/>
+          </a:p>
+        </p:txBody>
+      </p:sp>
+      <p:sp>
+        <p:nvSpPr>
+          <p:cNvPr id="5" name="Footer Placeholder 4"/>
+          <p:cNvSpPr>
+            <a:spLocks noGrp="1"/>
+          </p:cNvSpPr>
+          <p:nvPr>
+            <p:ph type="ftr" sz="quarter" idx="11"/>
+          </p:nvPr>
+        </p:nvSpPr>
+        <p:spPr/>
+        <p:txBody>
+          <a:bodyPr/>
+          <a:lstStyle/>
+          <a:p>
+            <a:endParaRPr lang="en-US"/>
+          </a:p>
+        </p:txBody>
+      </p:sp>
+      <p:sp>
+        <p:nvSpPr>
+          <p:cNvPr id="6" name="Slide Number Placeholder 5"/>
+          <p:cNvSpPr>
+            <a:spLocks noGrp="1"/>
+          </p:cNvSpPr>
+          <p:nvPr>
+            <p:ph type="sldNum" sz="quarter" idx="12"/>
+          </p:nvPr>
+        </p:nvSpPr>
+        <p:spPr/>
+        <p:txBody>
+          <a:bodyPr/>
+          <a:lstStyle/>
+          <a:p>
+            <a:fld id="{04AFFD27-C42C-47CD-8755-C4DF35BD4C7E}" type="slidenum">
+              <a:rPr lang="en-US" smtClean="0"/>
+              <a:t>16</a:t>
+            </a:fld>
+            <a:endParaRPr lang="en-US"/>
+          </a:p>
+        </p:txBody>
+      </p:sp>
+    </p:spTree>
+    <p:extLst>
+      <p:ext uri="{BB962C8B-B14F-4D97-AF65-F5344CB8AC3E}">
+        <p14:creationId xmlns:p14="http://schemas.microsoft.com/office/powerpoint/2010/main" val="832951166"/>
+      </p:ext>
+    </p:extLst>
+  </p:cSld>
+  <p:clrMapOvr>
+    <a:masterClrMapping/>
+  </p:clrMapOvr>
+</p:notes>
+</file>
+
+<file path=ppt/notesSlides/notesSlide17.xml><?xml version="1.0" encoding="utf-8"?>
+<p:notes xmlns:a="http://schemas.openxmlformats.org/drawingml/2006/main" xmlns:r="http://schemas.openxmlformats.org/officeDocument/2006/relationships" xmlns:p="http://schemas.openxmlformats.org/presentationml/2006/main">
+  <p:cSld>
+    <p:spTree>
+      <p:nvGrpSpPr>
+        <p:cNvPr id="1" name=""/>
+        <p:cNvGrpSpPr/>
+        <p:nvPr/>
+      </p:nvGrpSpPr>
+      <p:grpSpPr>
+        <a:xfrm>
+          <a:off x="0" y="0"/>
+          <a:ext cx="0" cy="0"/>
+          <a:chOff x="0" y="0"/>
+          <a:chExt cx="0" cy="0"/>
+        </a:xfrm>
+      </p:grpSpPr>
+      <p:sp>
+        <p:nvSpPr>
+          <p:cNvPr id="2" name="Slide Image Placeholder 1"/>
+          <p:cNvSpPr>
+            <a:spLocks noGrp="1" noRot="1" noChangeAspect="1"/>
+          </p:cNvSpPr>
+          <p:nvPr>
+            <p:ph type="sldImg"/>
+          </p:nvPr>
+        </p:nvSpPr>
+        <p:spPr/>
+      </p:sp>
+      <p:sp>
+        <p:nvSpPr>
+          <p:cNvPr id="3" name="Notes Placeholder 2"/>
+          <p:cNvSpPr>
+            <a:spLocks noGrp="1"/>
+          </p:cNvSpPr>
+          <p:nvPr>
+            <p:ph type="body" idx="1"/>
+          </p:nvPr>
+        </p:nvSpPr>
+        <p:spPr/>
+        <p:txBody>
+          <a:bodyPr/>
+          <a:lstStyle/>
+          <a:p>
+            <a:endParaRPr lang="en-US" dirty="0"/>
+          </a:p>
+        </p:txBody>
+      </p:sp>
+      <p:sp>
+        <p:nvSpPr>
+          <p:cNvPr id="4" name="Header Placeholder 3"/>
+          <p:cNvSpPr>
+            <a:spLocks noGrp="1"/>
+          </p:cNvSpPr>
+          <p:nvPr>
+            <p:ph type="hdr" sz="quarter" idx="10"/>
+          </p:nvPr>
+        </p:nvSpPr>
+        <p:spPr/>
+        <p:txBody>
+          <a:bodyPr/>
+          <a:lstStyle/>
+          <a:p>
+            <a:endParaRPr lang="en-US"/>
+          </a:p>
+        </p:txBody>
+      </p:sp>
+      <p:sp>
+        <p:nvSpPr>
+          <p:cNvPr id="5" name="Footer Placeholder 4"/>
+          <p:cNvSpPr>
+            <a:spLocks noGrp="1"/>
+          </p:cNvSpPr>
+          <p:nvPr>
+            <p:ph type="ftr" sz="quarter" idx="11"/>
+          </p:nvPr>
+        </p:nvSpPr>
+        <p:spPr/>
+        <p:txBody>
+          <a:bodyPr/>
+          <a:lstStyle/>
+          <a:p>
+            <a:endParaRPr lang="en-US"/>
+          </a:p>
+        </p:txBody>
+      </p:sp>
+      <p:sp>
+        <p:nvSpPr>
+          <p:cNvPr id="6" name="Slide Number Placeholder 5"/>
+          <p:cNvSpPr>
+            <a:spLocks noGrp="1"/>
+          </p:cNvSpPr>
+          <p:nvPr>
+            <p:ph type="sldNum" sz="quarter" idx="12"/>
+          </p:nvPr>
+        </p:nvSpPr>
+        <p:spPr/>
+        <p:txBody>
+          <a:bodyPr/>
+          <a:lstStyle/>
+          <a:p>
+            <a:fld id="{04AFFD27-C42C-47CD-8755-C4DF35BD4C7E}" type="slidenum">
+              <a:rPr lang="en-US" smtClean="0"/>
+              <a:t>17</a:t>
+            </a:fld>
+            <a:endParaRPr lang="en-US"/>
+          </a:p>
+        </p:txBody>
+      </p:sp>
+    </p:spTree>
+    <p:extLst>
+      <p:ext uri="{BB962C8B-B14F-4D97-AF65-F5344CB8AC3E}">
+        <p14:creationId xmlns:p14="http://schemas.microsoft.com/office/powerpoint/2010/main" val="1707925867"/>
+      </p:ext>
+    </p:extLst>
+  </p:cSld>
+  <p:clrMapOvr>
+    <a:masterClrMapping/>
+  </p:clrMapOvr>
+</p:notes>
+</file>
+
+<file path=ppt/notesSlides/notesSlide18.xml><?xml version="1.0" encoding="utf-8"?>
+<p:notes xmlns:a="http://schemas.openxmlformats.org/drawingml/2006/main" xmlns:r="http://schemas.openxmlformats.org/officeDocument/2006/relationships" xmlns:p="http://schemas.openxmlformats.org/presentationml/2006/main">
+  <p:cSld>
+    <p:spTree>
+      <p:nvGrpSpPr>
+        <p:cNvPr id="1" name=""/>
+        <p:cNvGrpSpPr/>
+        <p:nvPr/>
+      </p:nvGrpSpPr>
+      <p:grpSpPr>
+        <a:xfrm>
+          <a:off x="0" y="0"/>
+          <a:ext cx="0" cy="0"/>
+          <a:chOff x="0" y="0"/>
+          <a:chExt cx="0" cy="0"/>
+        </a:xfrm>
+      </p:grpSpPr>
+      <p:sp>
+        <p:nvSpPr>
+          <p:cNvPr id="2" name="Slide Image Placeholder 1"/>
+          <p:cNvSpPr>
+            <a:spLocks noGrp="1" noRot="1" noChangeAspect="1"/>
+          </p:cNvSpPr>
+          <p:nvPr>
+            <p:ph type="sldImg"/>
+          </p:nvPr>
+        </p:nvSpPr>
+        <p:spPr/>
+      </p:sp>
+      <p:sp>
+        <p:nvSpPr>
+          <p:cNvPr id="3" name="Notes Placeholder 2"/>
+          <p:cNvSpPr>
+            <a:spLocks noGrp="1"/>
+          </p:cNvSpPr>
+          <p:nvPr>
+            <p:ph type="body" idx="1"/>
+          </p:nvPr>
+        </p:nvSpPr>
+        <p:spPr/>
+        <p:txBody>
+          <a:bodyPr/>
+          <a:lstStyle/>
+          <a:p>
+            <a:endParaRPr lang="en-US" dirty="0"/>
+          </a:p>
+        </p:txBody>
+      </p:sp>
+      <p:sp>
+        <p:nvSpPr>
+          <p:cNvPr id="4" name="Header Placeholder 3"/>
+          <p:cNvSpPr>
+            <a:spLocks noGrp="1"/>
+          </p:cNvSpPr>
+          <p:nvPr>
+            <p:ph type="hdr" sz="quarter" idx="10"/>
+          </p:nvPr>
+        </p:nvSpPr>
+        <p:spPr/>
+        <p:txBody>
+          <a:bodyPr/>
+          <a:lstStyle/>
+          <a:p>
+            <a:endParaRPr lang="en-US"/>
+          </a:p>
+        </p:txBody>
+      </p:sp>
+      <p:sp>
+        <p:nvSpPr>
+          <p:cNvPr id="5" name="Footer Placeholder 4"/>
+          <p:cNvSpPr>
+            <a:spLocks noGrp="1"/>
+          </p:cNvSpPr>
+          <p:nvPr>
+            <p:ph type="ftr" sz="quarter" idx="11"/>
+          </p:nvPr>
+        </p:nvSpPr>
+        <p:spPr/>
+        <p:txBody>
+          <a:bodyPr/>
+          <a:lstStyle/>
+          <a:p>
+            <a:endParaRPr lang="en-US"/>
+          </a:p>
+        </p:txBody>
+      </p:sp>
+      <p:sp>
+        <p:nvSpPr>
+          <p:cNvPr id="6" name="Slide Number Placeholder 5"/>
+          <p:cNvSpPr>
+            <a:spLocks noGrp="1"/>
+          </p:cNvSpPr>
+          <p:nvPr>
+            <p:ph type="sldNum" sz="quarter" idx="12"/>
+          </p:nvPr>
+        </p:nvSpPr>
+        <p:spPr/>
+        <p:txBody>
+          <a:bodyPr/>
+          <a:lstStyle/>
+          <a:p>
+            <a:fld id="{04AFFD27-C42C-47CD-8755-C4DF35BD4C7E}" type="slidenum">
+              <a:rPr lang="en-US" smtClean="0"/>
+              <a:t>18</a:t>
+            </a:fld>
+            <a:endParaRPr lang="en-US"/>
+          </a:p>
+        </p:txBody>
+      </p:sp>
+    </p:spTree>
+    <p:extLst>
+      <p:ext uri="{BB962C8B-B14F-4D97-AF65-F5344CB8AC3E}">
+        <p14:creationId xmlns:p14="http://schemas.microsoft.com/office/powerpoint/2010/main" val="1950293259"/>
       </p:ext>
     </p:extLst>
   </p:cSld>
@@ -1728,7 +2471,7 @@
     </p:spTree>
     <p:extLst>
       <p:ext uri="{BB962C8B-B14F-4D97-AF65-F5344CB8AC3E}">
-        <p14:creationId xmlns:p14="http://schemas.microsoft.com/office/powerpoint/2010/main" val="3125904450"/>
+        <p14:creationId xmlns:p14="http://schemas.microsoft.com/office/powerpoint/2010/main" val="2321564984"/>
       </p:ext>
     </p:extLst>
   </p:cSld>
@@ -1850,7 +2593,7 @@
     </p:spTree>
     <p:extLst>
       <p:ext uri="{BB962C8B-B14F-4D97-AF65-F5344CB8AC3E}">
-        <p14:creationId xmlns:p14="http://schemas.microsoft.com/office/powerpoint/2010/main" val="2321564984"/>
+        <p14:creationId xmlns:p14="http://schemas.microsoft.com/office/powerpoint/2010/main" val="1047188487"/>
       </p:ext>
     </p:extLst>
   </p:cSld>
@@ -1972,7 +2715,7 @@
     </p:spTree>
     <p:extLst>
       <p:ext uri="{BB962C8B-B14F-4D97-AF65-F5344CB8AC3E}">
-        <p14:creationId xmlns:p14="http://schemas.microsoft.com/office/powerpoint/2010/main" val="1047188487"/>
+        <p14:creationId xmlns:p14="http://schemas.microsoft.com/office/powerpoint/2010/main" val="3762035539"/>
       </p:ext>
     </p:extLst>
   </p:cSld>
@@ -2161,7 +2904,7 @@
           <a:noFill/>
           <a:extLst>
             <a:ext uri="{909E8E84-426E-40dd-AFC4-6F175D3DCCD1}">
-              <a14:hiddenFill xmlns:a14="http://schemas.microsoft.com/office/drawing/2010/main" xmlns="">
+              <a14:hiddenFill xmlns="" xmlns:a14="http://schemas.microsoft.com/office/drawing/2010/main">
                 <a:solidFill>
                   <a:srgbClr val="FFFFFF"/>
                 </a:solidFill>
@@ -2220,7 +2963,7 @@
             </a:ln>
             <a:extLst>
               <a:ext uri="{91240B29-F687-4f45-9708-019B960494DF}">
-                <a14:hiddenLine xmlns:a14="http://schemas.microsoft.com/office/drawing/2010/main" xmlns="" w="9525">
+                <a14:hiddenLine xmlns="" xmlns:a14="http://schemas.microsoft.com/office/drawing/2010/main" w="9525">
                   <a:solidFill>
                     <a:srgbClr val="000000"/>
                   </a:solidFill>
@@ -2310,7 +3053,7 @@
             </a:ln>
             <a:extLst>
               <a:ext uri="{91240B29-F687-4f45-9708-019B960494DF}">
-                <a14:hiddenLine xmlns:a14="http://schemas.microsoft.com/office/drawing/2010/main" xmlns="" w="9525">
+                <a14:hiddenLine xmlns="" xmlns:a14="http://schemas.microsoft.com/office/drawing/2010/main" w="9525">
                   <a:solidFill>
                     <a:srgbClr val="000000"/>
                   </a:solidFill>
@@ -2400,7 +3143,7 @@
             </a:ln>
             <a:extLst>
               <a:ext uri="{91240B29-F687-4f45-9708-019B960494DF}">
-                <a14:hiddenLine xmlns:a14="http://schemas.microsoft.com/office/drawing/2010/main" xmlns="" w="9525">
+                <a14:hiddenLine xmlns="" xmlns:a14="http://schemas.microsoft.com/office/drawing/2010/main" w="9525">
                   <a:solidFill>
                     <a:srgbClr val="000000"/>
                   </a:solidFill>
@@ -2434,7 +3177,7 @@
             </a:ln>
             <a:extLst>
               <a:ext uri="{91240B29-F687-4f45-9708-019B960494DF}">
-                <a14:hiddenLine xmlns:a14="http://schemas.microsoft.com/office/drawing/2010/main" xmlns="" w="9525">
+                <a14:hiddenLine xmlns="" xmlns:a14="http://schemas.microsoft.com/office/drawing/2010/main" w="9525">
                   <a:solidFill>
                     <a:srgbClr val="000000"/>
                   </a:solidFill>
@@ -2524,7 +3267,7 @@
             </a:ln>
             <a:extLst>
               <a:ext uri="{91240B29-F687-4f45-9708-019B960494DF}">
-                <a14:hiddenLine xmlns:a14="http://schemas.microsoft.com/office/drawing/2010/main" xmlns="" w="9525">
+                <a14:hiddenLine xmlns="" xmlns:a14="http://schemas.microsoft.com/office/drawing/2010/main" w="9525">
                   <a:solidFill>
                     <a:srgbClr val="000000"/>
                   </a:solidFill>
@@ -2586,7 +3329,7 @@
             </a:ln>
             <a:extLst>
               <a:ext uri="{91240B29-F687-4f45-9708-019B960494DF}">
-                <a14:hiddenLine xmlns:a14="http://schemas.microsoft.com/office/drawing/2010/main" xmlns="" w="9525">
+                <a14:hiddenLine xmlns="" xmlns:a14="http://schemas.microsoft.com/office/drawing/2010/main" w="9525">
                   <a:solidFill>
                     <a:srgbClr val="000000"/>
                   </a:solidFill>
@@ -2648,7 +3391,7 @@
             </a:ln>
             <a:extLst>
               <a:ext uri="{91240B29-F687-4f45-9708-019B960494DF}">
-                <a14:hiddenLine xmlns:a14="http://schemas.microsoft.com/office/drawing/2010/main" xmlns="" w="9525">
+                <a14:hiddenLine xmlns="" xmlns:a14="http://schemas.microsoft.com/office/drawing/2010/main" w="9525">
                   <a:solidFill>
                     <a:srgbClr val="000000"/>
                   </a:solidFill>
@@ -2738,7 +3481,7 @@
             </a:ln>
             <a:extLst>
               <a:ext uri="{91240B29-F687-4f45-9708-019B960494DF}">
-                <a14:hiddenLine xmlns:a14="http://schemas.microsoft.com/office/drawing/2010/main" xmlns="" w="9525">
+                <a14:hiddenLine xmlns="" xmlns:a14="http://schemas.microsoft.com/office/drawing/2010/main" w="9525">
                   <a:solidFill>
                     <a:srgbClr val="000000"/>
                   </a:solidFill>
@@ -2800,7 +3543,7 @@
             </a:ln>
             <a:extLst>
               <a:ext uri="{91240B29-F687-4f45-9708-019B960494DF}">
-                <a14:hiddenLine xmlns:a14="http://schemas.microsoft.com/office/drawing/2010/main" xmlns="" w="9525">
+                <a14:hiddenLine xmlns="" xmlns:a14="http://schemas.microsoft.com/office/drawing/2010/main" w="9525">
                   <a:solidFill>
                     <a:srgbClr val="000000"/>
                   </a:solidFill>
@@ -2862,7 +3605,7 @@
             </a:ln>
             <a:extLst>
               <a:ext uri="{91240B29-F687-4f45-9708-019B960494DF}">
-                <a14:hiddenLine xmlns:a14="http://schemas.microsoft.com/office/drawing/2010/main" xmlns="" w="9525">
+                <a14:hiddenLine xmlns="" xmlns:a14="http://schemas.microsoft.com/office/drawing/2010/main" w="9525">
                   <a:solidFill>
                     <a:srgbClr val="000000"/>
                   </a:solidFill>
@@ -2952,7 +3695,7 @@
             </a:ln>
             <a:extLst>
               <a:ext uri="{91240B29-F687-4f45-9708-019B960494DF}">
-                <a14:hiddenLine xmlns:a14="http://schemas.microsoft.com/office/drawing/2010/main" xmlns="" w="9525">
+                <a14:hiddenLine xmlns="" xmlns:a14="http://schemas.microsoft.com/office/drawing/2010/main" w="9525">
                   <a:solidFill>
                     <a:srgbClr val="000000"/>
                   </a:solidFill>
@@ -3042,7 +3785,7 @@
             </a:ln>
             <a:extLst>
               <a:ext uri="{91240B29-F687-4f45-9708-019B960494DF}">
-                <a14:hiddenLine xmlns:a14="http://schemas.microsoft.com/office/drawing/2010/main" xmlns="" w="9525">
+                <a14:hiddenLine xmlns="" xmlns:a14="http://schemas.microsoft.com/office/drawing/2010/main" w="9525">
                   <a:solidFill>
                     <a:srgbClr val="000000"/>
                   </a:solidFill>
@@ -3104,7 +3847,7 @@
             </a:ln>
             <a:extLst>
               <a:ext uri="{91240B29-F687-4f45-9708-019B960494DF}">
-                <a14:hiddenLine xmlns:a14="http://schemas.microsoft.com/office/drawing/2010/main" xmlns="" w="9525">
+                <a14:hiddenLine xmlns="" xmlns:a14="http://schemas.microsoft.com/office/drawing/2010/main" w="9525">
                   <a:solidFill>
                     <a:srgbClr val="000000"/>
                   </a:solidFill>
@@ -3214,7 +3957,7 @@
             </a:ln>
             <a:extLst>
               <a:ext uri="{91240B29-F687-4f45-9708-019B960494DF}">
-                <a14:hiddenLine xmlns:a14="http://schemas.microsoft.com/office/drawing/2010/main" xmlns="" w="9525">
+                <a14:hiddenLine xmlns="" xmlns:a14="http://schemas.microsoft.com/office/drawing/2010/main" w="9525">
                   <a:solidFill>
                     <a:srgbClr val="000000"/>
                   </a:solidFill>
@@ -3276,7 +4019,7 @@
             </a:ln>
             <a:extLst>
               <a:ext uri="{91240B29-F687-4f45-9708-019B960494DF}">
-                <a14:hiddenLine xmlns:a14="http://schemas.microsoft.com/office/drawing/2010/main" xmlns="" w="9525">
+                <a14:hiddenLine xmlns="" xmlns:a14="http://schemas.microsoft.com/office/drawing/2010/main" w="9525">
                   <a:solidFill>
                     <a:srgbClr val="000000"/>
                   </a:solidFill>
@@ -3366,7 +4109,7 @@
             </a:ln>
             <a:extLst>
               <a:ext uri="{91240B29-F687-4f45-9708-019B960494DF}">
-                <a14:hiddenLine xmlns:a14="http://schemas.microsoft.com/office/drawing/2010/main" xmlns="" w="9525">
+                <a14:hiddenLine xmlns="" xmlns:a14="http://schemas.microsoft.com/office/drawing/2010/main" w="9525">
                   <a:solidFill>
                     <a:srgbClr val="000000"/>
                   </a:solidFill>
@@ -3456,7 +4199,7 @@
             </a:ln>
             <a:extLst>
               <a:ext uri="{91240B29-F687-4f45-9708-019B960494DF}">
-                <a14:hiddenLine xmlns:a14="http://schemas.microsoft.com/office/drawing/2010/main" xmlns="" w="9525">
+                <a14:hiddenLine xmlns="" xmlns:a14="http://schemas.microsoft.com/office/drawing/2010/main" w="9525">
                   <a:solidFill>
                     <a:srgbClr val="000000"/>
                   </a:solidFill>
@@ -3518,7 +4261,7 @@
             </a:ln>
             <a:extLst>
               <a:ext uri="{91240B29-F687-4f45-9708-019B960494DF}">
-                <a14:hiddenLine xmlns:a14="http://schemas.microsoft.com/office/drawing/2010/main" xmlns="" w="9525">
+                <a14:hiddenLine xmlns="" xmlns:a14="http://schemas.microsoft.com/office/drawing/2010/main" w="9525">
                   <a:solidFill>
                     <a:srgbClr val="000000"/>
                   </a:solidFill>
@@ -3608,7 +4351,7 @@
             </a:ln>
             <a:extLst>
               <a:ext uri="{91240B29-F687-4f45-9708-019B960494DF}">
-                <a14:hiddenLine xmlns:a14="http://schemas.microsoft.com/office/drawing/2010/main" xmlns="" w="9525">
+                <a14:hiddenLine xmlns="" xmlns:a14="http://schemas.microsoft.com/office/drawing/2010/main" w="9525">
                   <a:solidFill>
                     <a:srgbClr val="000000"/>
                   </a:solidFill>
@@ -3698,7 +4441,7 @@
             </a:ln>
             <a:extLst>
               <a:ext uri="{91240B29-F687-4f45-9708-019B960494DF}">
-                <a14:hiddenLine xmlns:a14="http://schemas.microsoft.com/office/drawing/2010/main" xmlns="" w="9525">
+                <a14:hiddenLine xmlns="" xmlns:a14="http://schemas.microsoft.com/office/drawing/2010/main" w="9525">
                   <a:solidFill>
                     <a:srgbClr val="000000"/>
                   </a:solidFill>
@@ -3754,7 +4497,7 @@
             </a:ln>
             <a:extLst>
               <a:ext uri="{91240B29-F687-4f45-9708-019B960494DF}">
-                <a14:hiddenLine xmlns:a14="http://schemas.microsoft.com/office/drawing/2010/main" xmlns="" w="9525">
+                <a14:hiddenLine xmlns="" xmlns:a14="http://schemas.microsoft.com/office/drawing/2010/main" w="9525">
                   <a:solidFill>
                     <a:srgbClr val="000000"/>
                   </a:solidFill>
@@ -3844,7 +4587,7 @@
             </a:ln>
             <a:extLst>
               <a:ext uri="{91240B29-F687-4f45-9708-019B960494DF}">
-                <a14:hiddenLine xmlns:a14="http://schemas.microsoft.com/office/drawing/2010/main" xmlns="" w="9525">
+                <a14:hiddenLine xmlns="" xmlns:a14="http://schemas.microsoft.com/office/drawing/2010/main" w="9525">
                   <a:solidFill>
                     <a:srgbClr val="000000"/>
                   </a:solidFill>
@@ -3900,7 +4643,7 @@
             </a:ln>
             <a:extLst>
               <a:ext uri="{91240B29-F687-4f45-9708-019B960494DF}">
-                <a14:hiddenLine xmlns:a14="http://schemas.microsoft.com/office/drawing/2010/main" xmlns="" w="9525">
+                <a14:hiddenLine xmlns="" xmlns:a14="http://schemas.microsoft.com/office/drawing/2010/main" w="9525">
                   <a:solidFill>
                     <a:srgbClr val="000000"/>
                   </a:solidFill>
@@ -3990,7 +4733,7 @@
             </a:ln>
             <a:extLst>
               <a:ext uri="{91240B29-F687-4f45-9708-019B960494DF}">
-                <a14:hiddenLine xmlns:a14="http://schemas.microsoft.com/office/drawing/2010/main" xmlns="" w="9525">
+                <a14:hiddenLine xmlns="" xmlns:a14="http://schemas.microsoft.com/office/drawing/2010/main" w="9525">
                   <a:solidFill>
                     <a:srgbClr val="000000"/>
                   </a:solidFill>
@@ -4058,7 +4801,7 @@
             </a:ln>
             <a:extLst>
               <a:ext uri="{91240B29-F687-4f45-9708-019B960494DF}">
-                <a14:hiddenLine xmlns:a14="http://schemas.microsoft.com/office/drawing/2010/main" xmlns="" w="9525">
+                <a14:hiddenLine xmlns="" xmlns:a14="http://schemas.microsoft.com/office/drawing/2010/main" w="9525">
                   <a:solidFill>
                     <a:srgbClr val="000000"/>
                   </a:solidFill>
@@ -4148,7 +4891,7 @@
             </a:ln>
             <a:extLst>
               <a:ext uri="{91240B29-F687-4f45-9708-019B960494DF}">
-                <a14:hiddenLine xmlns:a14="http://schemas.microsoft.com/office/drawing/2010/main" xmlns="" w="9525">
+                <a14:hiddenLine xmlns="" xmlns:a14="http://schemas.microsoft.com/office/drawing/2010/main" w="9525">
                   <a:solidFill>
                     <a:srgbClr val="000000"/>
                   </a:solidFill>
@@ -4216,7 +4959,7 @@
             </a:ln>
             <a:extLst>
               <a:ext uri="{91240B29-F687-4f45-9708-019B960494DF}">
-                <a14:hiddenLine xmlns:a14="http://schemas.microsoft.com/office/drawing/2010/main" xmlns="" w="9525">
+                <a14:hiddenLine xmlns="" xmlns:a14="http://schemas.microsoft.com/office/drawing/2010/main" w="9525">
                   <a:solidFill>
                     <a:srgbClr val="000000"/>
                   </a:solidFill>
@@ -4306,7 +5049,7 @@
             </a:ln>
             <a:extLst>
               <a:ext uri="{91240B29-F687-4f45-9708-019B960494DF}">
-                <a14:hiddenLine xmlns:a14="http://schemas.microsoft.com/office/drawing/2010/main" xmlns="" w="9525">
+                <a14:hiddenLine xmlns="" xmlns:a14="http://schemas.microsoft.com/office/drawing/2010/main" w="9525">
                   <a:solidFill>
                     <a:srgbClr val="000000"/>
                   </a:solidFill>
@@ -4340,7 +5083,7 @@
             </a:ln>
             <a:extLst>
               <a:ext uri="{91240B29-F687-4f45-9708-019B960494DF}">
-                <a14:hiddenLine xmlns:a14="http://schemas.microsoft.com/office/drawing/2010/main" xmlns="" w="9525">
+                <a14:hiddenLine xmlns="" xmlns:a14="http://schemas.microsoft.com/office/drawing/2010/main" w="9525">
                   <a:solidFill>
                     <a:srgbClr val="000000"/>
                   </a:solidFill>
@@ -4430,7 +5173,7 @@
             </a:ln>
             <a:extLst>
               <a:ext uri="{91240B29-F687-4f45-9708-019B960494DF}">
-                <a14:hiddenLine xmlns:a14="http://schemas.microsoft.com/office/drawing/2010/main" xmlns="" w="9525">
+                <a14:hiddenLine xmlns="" xmlns:a14="http://schemas.microsoft.com/office/drawing/2010/main" w="9525">
                   <a:solidFill>
                     <a:srgbClr val="000000"/>
                   </a:solidFill>
@@ -4492,7 +5235,7 @@
             </a:ln>
             <a:extLst>
               <a:ext uri="{91240B29-F687-4f45-9708-019B960494DF}">
-                <a14:hiddenLine xmlns:a14="http://schemas.microsoft.com/office/drawing/2010/main" xmlns="" w="9525">
+                <a14:hiddenLine xmlns="" xmlns:a14="http://schemas.microsoft.com/office/drawing/2010/main" w="9525">
                   <a:solidFill>
                     <a:srgbClr val="000000"/>
                   </a:solidFill>
@@ -4554,7 +5297,7 @@
             </a:ln>
             <a:extLst>
               <a:ext uri="{91240B29-F687-4f45-9708-019B960494DF}">
-                <a14:hiddenLine xmlns:a14="http://schemas.microsoft.com/office/drawing/2010/main" xmlns="" w="9525">
+                <a14:hiddenLine xmlns="" xmlns:a14="http://schemas.microsoft.com/office/drawing/2010/main" w="9525">
                   <a:solidFill>
                     <a:srgbClr val="000000"/>
                   </a:solidFill>
@@ -4644,7 +5387,7 @@
             </a:ln>
             <a:extLst>
               <a:ext uri="{91240B29-F687-4f45-9708-019B960494DF}">
-                <a14:hiddenLine xmlns:a14="http://schemas.microsoft.com/office/drawing/2010/main" xmlns="" w="9525">
+                <a14:hiddenLine xmlns="" xmlns:a14="http://schemas.microsoft.com/office/drawing/2010/main" w="9525">
                   <a:solidFill>
                     <a:srgbClr val="000000"/>
                   </a:solidFill>
@@ -4712,7 +5455,7 @@
             </a:ln>
             <a:extLst>
               <a:ext uri="{91240B29-F687-4f45-9708-019B960494DF}">
-                <a14:hiddenLine xmlns:a14="http://schemas.microsoft.com/office/drawing/2010/main" xmlns="" w="9525">
+                <a14:hiddenLine xmlns="" xmlns:a14="http://schemas.microsoft.com/office/drawing/2010/main" w="9525">
                   <a:solidFill>
                     <a:srgbClr val="000000"/>
                   </a:solidFill>
@@ -4774,7 +5517,7 @@
             </a:ln>
             <a:extLst>
               <a:ext uri="{91240B29-F687-4f45-9708-019B960494DF}">
-                <a14:hiddenLine xmlns:a14="http://schemas.microsoft.com/office/drawing/2010/main" xmlns="" w="9525">
+                <a14:hiddenLine xmlns="" xmlns:a14="http://schemas.microsoft.com/office/drawing/2010/main" w="9525">
                   <a:solidFill>
                     <a:srgbClr val="000000"/>
                   </a:solidFill>
@@ -4864,7 +5607,7 @@
             </a:ln>
             <a:extLst>
               <a:ext uri="{91240B29-F687-4f45-9708-019B960494DF}">
-                <a14:hiddenLine xmlns:a14="http://schemas.microsoft.com/office/drawing/2010/main" xmlns="" w="9525">
+                <a14:hiddenLine xmlns="" xmlns:a14="http://schemas.microsoft.com/office/drawing/2010/main" w="9525">
                   <a:solidFill>
                     <a:srgbClr val="000000"/>
                   </a:solidFill>
@@ -4926,7 +5669,7 @@
             </a:ln>
             <a:extLst>
               <a:ext uri="{91240B29-F687-4f45-9708-019B960494DF}">
-                <a14:hiddenLine xmlns:a14="http://schemas.microsoft.com/office/drawing/2010/main" xmlns="" w="9525">
+                <a14:hiddenLine xmlns="" xmlns:a14="http://schemas.microsoft.com/office/drawing/2010/main" w="9525">
                   <a:solidFill>
                     <a:srgbClr val="000000"/>
                   </a:solidFill>
@@ -5016,7 +5759,7 @@
             </a:ln>
             <a:extLst>
               <a:ext uri="{91240B29-F687-4f45-9708-019B960494DF}">
-                <a14:hiddenLine xmlns:a14="http://schemas.microsoft.com/office/drawing/2010/main" xmlns="" w="9525">
+                <a14:hiddenLine xmlns="" xmlns:a14="http://schemas.microsoft.com/office/drawing/2010/main" w="9525">
                   <a:solidFill>
                     <a:srgbClr val="000000"/>
                   </a:solidFill>
@@ -5078,7 +5821,7 @@
             </a:ln>
             <a:extLst>
               <a:ext uri="{91240B29-F687-4f45-9708-019B960494DF}">
-                <a14:hiddenLine xmlns:a14="http://schemas.microsoft.com/office/drawing/2010/main" xmlns="" w="9525">
+                <a14:hiddenLine xmlns="" xmlns:a14="http://schemas.microsoft.com/office/drawing/2010/main" w="9525">
                   <a:solidFill>
                     <a:srgbClr val="000000"/>
                   </a:solidFill>
@@ -5168,7 +5911,7 @@
             </a:ln>
             <a:extLst>
               <a:ext uri="{91240B29-F687-4f45-9708-019B960494DF}">
-                <a14:hiddenLine xmlns:a14="http://schemas.microsoft.com/office/drawing/2010/main" xmlns="" w="9525">
+                <a14:hiddenLine xmlns="" xmlns:a14="http://schemas.microsoft.com/office/drawing/2010/main" w="9525">
                   <a:solidFill>
                     <a:srgbClr val="000000"/>
                   </a:solidFill>
@@ -5202,7 +5945,7 @@
             </a:ln>
             <a:extLst>
               <a:ext uri="{91240B29-F687-4f45-9708-019B960494DF}">
-                <a14:hiddenLine xmlns:a14="http://schemas.microsoft.com/office/drawing/2010/main" xmlns="" w="9525">
+                <a14:hiddenLine xmlns="" xmlns:a14="http://schemas.microsoft.com/office/drawing/2010/main" w="9525">
                   <a:solidFill>
                     <a:srgbClr val="000000"/>
                   </a:solidFill>
@@ -5267,7 +6010,7 @@
             </a:ln>
             <a:extLst>
               <a:ext uri="{91240B29-F687-4f45-9708-019B960494DF}">
-                <a14:hiddenLine xmlns:a14="http://schemas.microsoft.com/office/drawing/2010/main" xmlns="" w="9525">
+                <a14:hiddenLine xmlns="" xmlns:a14="http://schemas.microsoft.com/office/drawing/2010/main" w="9525">
                   <a:solidFill>
                     <a:srgbClr val="000000"/>
                   </a:solidFill>
@@ -5357,7 +6100,7 @@
             </a:ln>
             <a:extLst>
               <a:ext uri="{91240B29-F687-4f45-9708-019B960494DF}">
-                <a14:hiddenLine xmlns:a14="http://schemas.microsoft.com/office/drawing/2010/main" xmlns="" w="9525">
+                <a14:hiddenLine xmlns="" xmlns:a14="http://schemas.microsoft.com/office/drawing/2010/main" w="9525">
                   <a:solidFill>
                     <a:srgbClr val="000000"/>
                   </a:solidFill>
@@ -5419,7 +6162,7 @@
             </a:ln>
             <a:extLst>
               <a:ext uri="{91240B29-F687-4f45-9708-019B960494DF}">
-                <a14:hiddenLine xmlns:a14="http://schemas.microsoft.com/office/drawing/2010/main" xmlns="" w="9525">
+                <a14:hiddenLine xmlns="" xmlns:a14="http://schemas.microsoft.com/office/drawing/2010/main" w="9525">
                   <a:solidFill>
                     <a:srgbClr val="000000"/>
                   </a:solidFill>
@@ -5509,7 +6252,7 @@
             </a:ln>
             <a:extLst>
               <a:ext uri="{91240B29-F687-4f45-9708-019B960494DF}">
-                <a14:hiddenLine xmlns:a14="http://schemas.microsoft.com/office/drawing/2010/main" xmlns="" w="9525">
+                <a14:hiddenLine xmlns="" xmlns:a14="http://schemas.microsoft.com/office/drawing/2010/main" w="9525">
                   <a:solidFill>
                     <a:srgbClr val="000000"/>
                   </a:solidFill>
@@ -5599,7 +6342,7 @@
             </a:ln>
             <a:extLst>
               <a:ext uri="{91240B29-F687-4f45-9708-019B960494DF}">
-                <a14:hiddenLine xmlns:a14="http://schemas.microsoft.com/office/drawing/2010/main" xmlns="" w="9525">
+                <a14:hiddenLine xmlns="" xmlns:a14="http://schemas.microsoft.com/office/drawing/2010/main" w="9525">
                   <a:solidFill>
                     <a:srgbClr val="000000"/>
                   </a:solidFill>
@@ -5664,7 +6407,7 @@
             </a:ln>
             <a:extLst>
               <a:ext uri="{91240B29-F687-4f45-9708-019B960494DF}">
-                <a14:hiddenLine xmlns:a14="http://schemas.microsoft.com/office/drawing/2010/main" xmlns="" w="9525">
+                <a14:hiddenLine xmlns="" xmlns:a14="http://schemas.microsoft.com/office/drawing/2010/main" w="9525">
                   <a:solidFill>
                     <a:srgbClr val="000000"/>
                   </a:solidFill>
@@ -5726,7 +6469,7 @@
             </a:ln>
             <a:extLst>
               <a:ext uri="{91240B29-F687-4f45-9708-019B960494DF}">
-                <a14:hiddenLine xmlns:a14="http://schemas.microsoft.com/office/drawing/2010/main" xmlns="" w="9525">
+                <a14:hiddenLine xmlns="" xmlns:a14="http://schemas.microsoft.com/office/drawing/2010/main" w="9525">
                   <a:solidFill>
                     <a:srgbClr val="000000"/>
                   </a:solidFill>
@@ -5816,7 +6559,7 @@
             </a:ln>
             <a:extLst>
               <a:ext uri="{91240B29-F687-4f45-9708-019B960494DF}">
-                <a14:hiddenLine xmlns:a14="http://schemas.microsoft.com/office/drawing/2010/main" xmlns="" w="9525">
+                <a14:hiddenLine xmlns="" xmlns:a14="http://schemas.microsoft.com/office/drawing/2010/main" w="9525">
                   <a:solidFill>
                     <a:srgbClr val="000000"/>
                   </a:solidFill>
@@ -5906,7 +6649,7 @@
             </a:ln>
             <a:extLst>
               <a:ext uri="{91240B29-F687-4f45-9708-019B960494DF}">
-                <a14:hiddenLine xmlns:a14="http://schemas.microsoft.com/office/drawing/2010/main" xmlns="" w="9525">
+                <a14:hiddenLine xmlns="" xmlns:a14="http://schemas.microsoft.com/office/drawing/2010/main" w="9525">
                   <a:solidFill>
                     <a:srgbClr val="000000"/>
                   </a:solidFill>
@@ -5968,7 +6711,7 @@
             </a:ln>
             <a:extLst>
               <a:ext uri="{91240B29-F687-4f45-9708-019B960494DF}">
-                <a14:hiddenLine xmlns:a14="http://schemas.microsoft.com/office/drawing/2010/main" xmlns="" w="9525">
+                <a14:hiddenLine xmlns="" xmlns:a14="http://schemas.microsoft.com/office/drawing/2010/main" w="9525">
                   <a:solidFill>
                     <a:srgbClr val="000000"/>
                   </a:solidFill>
@@ -6088,7 +6831,7 @@
             </a:ln>
             <a:extLst>
               <a:ext uri="{91240B29-F687-4f45-9708-019B960494DF}">
-                <a14:hiddenLine xmlns:a14="http://schemas.microsoft.com/office/drawing/2010/main" xmlns="" w="9525">
+                <a14:hiddenLine xmlns="" xmlns:a14="http://schemas.microsoft.com/office/drawing/2010/main" w="9525">
                   <a:solidFill>
                     <a:srgbClr val="000000"/>
                   </a:solidFill>
@@ -6156,7 +6899,7 @@
             </a:ln>
             <a:extLst>
               <a:ext uri="{91240B29-F687-4f45-9708-019B960494DF}">
-                <a14:hiddenLine xmlns:a14="http://schemas.microsoft.com/office/drawing/2010/main" xmlns="" w="9525">
+                <a14:hiddenLine xmlns="" xmlns:a14="http://schemas.microsoft.com/office/drawing/2010/main" w="9525">
                   <a:solidFill>
                     <a:srgbClr val="000000"/>
                   </a:solidFill>
@@ -6246,7 +6989,7 @@
             </a:ln>
             <a:extLst>
               <a:ext uri="{91240B29-F687-4f45-9708-019B960494DF}">
-                <a14:hiddenLine xmlns:a14="http://schemas.microsoft.com/office/drawing/2010/main" xmlns="" w="9525">
+                <a14:hiddenLine xmlns="" xmlns:a14="http://schemas.microsoft.com/office/drawing/2010/main" w="9525">
                   <a:solidFill>
                     <a:srgbClr val="000000"/>
                   </a:solidFill>
@@ -6386,7 +7129,7 @@
           <a:p>
             <a:fld id="{882D24FB-7729-40A5-988B-B7F786B2F842}" type="datetimeFigureOut">
               <a:rPr lang="en-US" smtClean="0"/>
-              <a:t>10/22/2018</a:t>
+              <a:t>11/27/2018</a:t>
             </a:fld>
             <a:endParaRPr lang="en-US"/>
           </a:p>
@@ -6653,7 +7396,7 @@
           <a:p>
             <a:fld id="{882D24FB-7729-40A5-988B-B7F786B2F842}" type="datetimeFigureOut">
               <a:rPr lang="en-US" smtClean="0"/>
-              <a:t>10/22/2018</a:t>
+              <a:t>11/27/2018</a:t>
             </a:fld>
             <a:endParaRPr lang="en-US"/>
           </a:p>
@@ -6849,7 +7592,7 @@
           <a:p>
             <a:fld id="{882D24FB-7729-40A5-988B-B7F786B2F842}" type="datetimeFigureOut">
               <a:rPr lang="en-US" smtClean="0"/>
-              <a:t>10/22/2018</a:t>
+              <a:t>11/27/2018</a:t>
             </a:fld>
             <a:endParaRPr lang="en-US"/>
           </a:p>
@@ -7112,7 +7855,7 @@
           <a:p>
             <a:fld id="{882D24FB-7729-40A5-988B-B7F786B2F842}" type="datetimeFigureOut">
               <a:rPr lang="en-US" smtClean="0"/>
-              <a:t>10/22/2018</a:t>
+              <a:t>11/27/2018</a:t>
             </a:fld>
             <a:endParaRPr lang="en-US"/>
           </a:p>
@@ -7546,7 +8289,7 @@
           <a:p>
             <a:fld id="{882D24FB-7729-40A5-988B-B7F786B2F842}" type="datetimeFigureOut">
               <a:rPr lang="en-US" smtClean="0"/>
-              <a:t>10/22/2018</a:t>
+              <a:t>11/27/2018</a:t>
             </a:fld>
             <a:endParaRPr lang="en-US"/>
           </a:p>
@@ -8092,7 +8835,7 @@
           <a:p>
             <a:fld id="{882D24FB-7729-40A5-988B-B7F786B2F842}" type="datetimeFigureOut">
               <a:rPr lang="en-US" smtClean="0"/>
-              <a:t>10/22/2018</a:t>
+              <a:t>11/27/2018</a:t>
             </a:fld>
             <a:endParaRPr lang="en-US"/>
           </a:p>
@@ -8812,7 +9555,7 @@
           <a:p>
             <a:fld id="{882D24FB-7729-40A5-988B-B7F786B2F842}" type="datetimeFigureOut">
               <a:rPr lang="en-US" smtClean="0"/>
-              <a:t>10/22/2018</a:t>
+              <a:t>11/27/2018</a:t>
             </a:fld>
             <a:endParaRPr lang="en-US"/>
           </a:p>
@@ -8982,7 +9725,7 @@
           <a:p>
             <a:fld id="{882D24FB-7729-40A5-988B-B7F786B2F842}" type="datetimeFigureOut">
               <a:rPr lang="en-US" smtClean="0"/>
-              <a:t>10/22/2018</a:t>
+              <a:t>11/27/2018</a:t>
             </a:fld>
             <a:endParaRPr lang="en-US"/>
           </a:p>
@@ -9162,7 +9905,7 @@
           <a:p>
             <a:fld id="{882D24FB-7729-40A5-988B-B7F786B2F842}" type="datetimeFigureOut">
               <a:rPr lang="en-US" smtClean="0"/>
-              <a:t>10/22/2018</a:t>
+              <a:t>11/27/2018</a:t>
             </a:fld>
             <a:endParaRPr lang="en-US"/>
           </a:p>
@@ -9332,7 +10075,7 @@
           <a:p>
             <a:fld id="{882D24FB-7729-40A5-988B-B7F786B2F842}" type="datetimeFigureOut">
               <a:rPr lang="en-US" smtClean="0"/>
-              <a:t>10/22/2018</a:t>
+              <a:t>11/27/2018</a:t>
             </a:fld>
             <a:endParaRPr lang="en-US"/>
           </a:p>
@@ -9582,7 +10325,7 @@
           <a:p>
             <a:fld id="{882D24FB-7729-40A5-988B-B7F786B2F842}" type="datetimeFigureOut">
               <a:rPr lang="en-US" smtClean="0"/>
-              <a:t>10/22/2018</a:t>
+              <a:t>11/27/2018</a:t>
             </a:fld>
             <a:endParaRPr lang="en-US"/>
           </a:p>
@@ -9814,7 +10557,7 @@
           <a:p>
             <a:fld id="{882D24FB-7729-40A5-988B-B7F786B2F842}" type="datetimeFigureOut">
               <a:rPr lang="en-US" smtClean="0"/>
-              <a:t>10/22/2018</a:t>
+              <a:t>11/27/2018</a:t>
             </a:fld>
             <a:endParaRPr lang="en-US"/>
           </a:p>
@@ -10195,7 +10938,7 @@
           <a:p>
             <a:fld id="{882D24FB-7729-40A5-988B-B7F786B2F842}" type="datetimeFigureOut">
               <a:rPr lang="en-US" smtClean="0"/>
-              <a:t>10/22/2018</a:t>
+              <a:t>11/27/2018</a:t>
             </a:fld>
             <a:endParaRPr lang="en-US"/>
           </a:p>
@@ -10313,7 +11056,7 @@
           <a:p>
             <a:fld id="{882D24FB-7729-40A5-988B-B7F786B2F842}" type="datetimeFigureOut">
               <a:rPr lang="en-US" smtClean="0"/>
-              <a:t>10/22/2018</a:t>
+              <a:t>11/27/2018</a:t>
             </a:fld>
             <a:endParaRPr lang="en-US"/>
           </a:p>
@@ -10408,7 +11151,7 @@
           <a:p>
             <a:fld id="{882D24FB-7729-40A5-988B-B7F786B2F842}" type="datetimeFigureOut">
               <a:rPr lang="en-US" smtClean="0"/>
-              <a:t>10/22/2018</a:t>
+              <a:t>11/27/2018</a:t>
             </a:fld>
             <a:endParaRPr lang="en-US"/>
           </a:p>
@@ -10657,7 +11400,7 @@
           <a:p>
             <a:fld id="{882D24FB-7729-40A5-988B-B7F786B2F842}" type="datetimeFigureOut">
               <a:rPr lang="en-US" smtClean="0"/>
-              <a:t>10/22/2018</a:t>
+              <a:t>11/27/2018</a:t>
             </a:fld>
             <a:endParaRPr lang="en-US"/>
           </a:p>
@@ -10937,7 +11680,7 @@
           <a:p>
             <a:fld id="{882D24FB-7729-40A5-988B-B7F786B2F842}" type="datetimeFigureOut">
               <a:rPr lang="en-US" smtClean="0"/>
-              <a:t>10/22/2018</a:t>
+              <a:t>11/27/2018</a:t>
             </a:fld>
             <a:endParaRPr lang="en-US"/>
           </a:p>
@@ -11060,7 +11803,7 @@
           <a:noFill/>
           <a:extLst>
             <a:ext uri="{909E8E84-426E-40dd-AFC4-6F175D3DCCD1}">
-              <a14:hiddenFill xmlns:a14="http://schemas.microsoft.com/office/drawing/2010/main" xmlns="">
+              <a14:hiddenFill xmlns="" xmlns:a14="http://schemas.microsoft.com/office/drawing/2010/main">
                 <a:solidFill>
                   <a:srgbClr val="FFFFFF"/>
                 </a:solidFill>
@@ -11134,7 +11877,7 @@
               </a:ln>
               <a:extLst>
                 <a:ext uri="{91240B29-F687-4f45-9708-019B960494DF}">
-                  <a14:hiddenLine xmlns:a14="http://schemas.microsoft.com/office/drawing/2010/main" xmlns="" w="9525">
+                  <a14:hiddenLine xmlns="" xmlns:a14="http://schemas.microsoft.com/office/drawing/2010/main" w="9525">
                     <a:solidFill>
                       <a:srgbClr val="000000"/>
                     </a:solidFill>
@@ -11224,7 +11967,7 @@
               </a:ln>
               <a:extLst>
                 <a:ext uri="{91240B29-F687-4f45-9708-019B960494DF}">
-                  <a14:hiddenLine xmlns:a14="http://schemas.microsoft.com/office/drawing/2010/main" xmlns="" w="9525">
+                  <a14:hiddenLine xmlns="" xmlns:a14="http://schemas.microsoft.com/office/drawing/2010/main" w="9525">
                     <a:solidFill>
                       <a:srgbClr val="000000"/>
                     </a:solidFill>
@@ -11314,7 +12057,7 @@
               </a:ln>
               <a:extLst>
                 <a:ext uri="{91240B29-F687-4f45-9708-019B960494DF}">
-                  <a14:hiddenLine xmlns:a14="http://schemas.microsoft.com/office/drawing/2010/main" xmlns="" w="9525">
+                  <a14:hiddenLine xmlns="" xmlns:a14="http://schemas.microsoft.com/office/drawing/2010/main" w="9525">
                     <a:solidFill>
                       <a:srgbClr val="000000"/>
                     </a:solidFill>
@@ -11376,7 +12119,7 @@
               </a:ln>
               <a:extLst>
                 <a:ext uri="{91240B29-F687-4f45-9708-019B960494DF}">
-                  <a14:hiddenLine xmlns:a14="http://schemas.microsoft.com/office/drawing/2010/main" xmlns="" w="9525">
+                  <a14:hiddenLine xmlns="" xmlns:a14="http://schemas.microsoft.com/office/drawing/2010/main" w="9525">
                     <a:solidFill>
                       <a:srgbClr val="000000"/>
                     </a:solidFill>
@@ -11466,7 +12209,7 @@
               </a:ln>
               <a:extLst>
                 <a:ext uri="{91240B29-F687-4f45-9708-019B960494DF}">
-                  <a14:hiddenLine xmlns:a14="http://schemas.microsoft.com/office/drawing/2010/main" xmlns="" w="9525">
+                  <a14:hiddenLine xmlns="" xmlns:a14="http://schemas.microsoft.com/office/drawing/2010/main" w="9525">
                     <a:solidFill>
                       <a:srgbClr val="000000"/>
                     </a:solidFill>
@@ -11528,7 +12271,7 @@
               </a:ln>
               <a:extLst>
                 <a:ext uri="{91240B29-F687-4f45-9708-019B960494DF}">
-                  <a14:hiddenLine xmlns:a14="http://schemas.microsoft.com/office/drawing/2010/main" xmlns="" w="9525">
+                  <a14:hiddenLine xmlns="" xmlns:a14="http://schemas.microsoft.com/office/drawing/2010/main" w="9525">
                     <a:solidFill>
                       <a:srgbClr val="000000"/>
                     </a:solidFill>
@@ -11590,7 +12333,7 @@
               </a:ln>
               <a:extLst>
                 <a:ext uri="{91240B29-F687-4f45-9708-019B960494DF}">
-                  <a14:hiddenLine xmlns:a14="http://schemas.microsoft.com/office/drawing/2010/main" xmlns="" w="9525">
+                  <a14:hiddenLine xmlns="" xmlns:a14="http://schemas.microsoft.com/office/drawing/2010/main" w="9525">
                     <a:solidFill>
                       <a:srgbClr val="000000"/>
                     </a:solidFill>
@@ -11680,7 +12423,7 @@
               </a:ln>
               <a:extLst>
                 <a:ext uri="{91240B29-F687-4f45-9708-019B960494DF}">
-                  <a14:hiddenLine xmlns:a14="http://schemas.microsoft.com/office/drawing/2010/main" xmlns="" w="9525">
+                  <a14:hiddenLine xmlns="" xmlns:a14="http://schemas.microsoft.com/office/drawing/2010/main" w="9525">
                     <a:solidFill>
                       <a:srgbClr val="000000"/>
                     </a:solidFill>
@@ -11770,7 +12513,7 @@
               </a:ln>
               <a:extLst>
                 <a:ext uri="{91240B29-F687-4f45-9708-019B960494DF}">
-                  <a14:hiddenLine xmlns:a14="http://schemas.microsoft.com/office/drawing/2010/main" xmlns="" w="9525">
+                  <a14:hiddenLine xmlns="" xmlns:a14="http://schemas.microsoft.com/office/drawing/2010/main" w="9525">
                     <a:solidFill>
                       <a:srgbClr val="000000"/>
                     </a:solidFill>
@@ -11832,7 +12575,7 @@
               </a:ln>
               <a:extLst>
                 <a:ext uri="{91240B29-F687-4f45-9708-019B960494DF}">
-                  <a14:hiddenLine xmlns:a14="http://schemas.microsoft.com/office/drawing/2010/main" xmlns="" w="9525">
+                  <a14:hiddenLine xmlns="" xmlns:a14="http://schemas.microsoft.com/office/drawing/2010/main" w="9525">
                     <a:solidFill>
                       <a:srgbClr val="000000"/>
                     </a:solidFill>
@@ -11942,7 +12685,7 @@
               </a:ln>
               <a:extLst>
                 <a:ext uri="{91240B29-F687-4f45-9708-019B960494DF}">
-                  <a14:hiddenLine xmlns:a14="http://schemas.microsoft.com/office/drawing/2010/main" xmlns="" w="9525">
+                  <a14:hiddenLine xmlns="" xmlns:a14="http://schemas.microsoft.com/office/drawing/2010/main" w="9525">
                     <a:solidFill>
                       <a:srgbClr val="000000"/>
                     </a:solidFill>
@@ -12026,7 +12769,7 @@
               </a:ln>
               <a:extLst>
                 <a:ext uri="{91240B29-F687-4f45-9708-019B960494DF}">
-                  <a14:hiddenLine xmlns:a14="http://schemas.microsoft.com/office/drawing/2010/main" xmlns="" w="9525">
+                  <a14:hiddenLine xmlns="" xmlns:a14="http://schemas.microsoft.com/office/drawing/2010/main" w="9525">
                     <a:solidFill>
                       <a:srgbClr val="000000"/>
                     </a:solidFill>
@@ -12088,7 +12831,7 @@
               </a:ln>
               <a:extLst>
                 <a:ext uri="{91240B29-F687-4f45-9708-019B960494DF}">
-                  <a14:hiddenLine xmlns:a14="http://schemas.microsoft.com/office/drawing/2010/main" xmlns="" w="9525">
+                  <a14:hiddenLine xmlns="" xmlns:a14="http://schemas.microsoft.com/office/drawing/2010/main" w="9525">
                     <a:solidFill>
                       <a:srgbClr val="000000"/>
                     </a:solidFill>
@@ -12150,7 +12893,7 @@
               </a:ln>
               <a:extLst>
                 <a:ext uri="{91240B29-F687-4f45-9708-019B960494DF}">
-                  <a14:hiddenLine xmlns:a14="http://schemas.microsoft.com/office/drawing/2010/main" xmlns="" w="9525">
+                  <a14:hiddenLine xmlns="" xmlns:a14="http://schemas.microsoft.com/office/drawing/2010/main" w="9525">
                     <a:solidFill>
                       <a:srgbClr val="000000"/>
                     </a:solidFill>
@@ -12240,7 +12983,7 @@
               </a:ln>
               <a:extLst>
                 <a:ext uri="{91240B29-F687-4f45-9708-019B960494DF}">
-                  <a14:hiddenLine xmlns:a14="http://schemas.microsoft.com/office/drawing/2010/main" xmlns="" w="9525">
+                  <a14:hiddenLine xmlns="" xmlns:a14="http://schemas.microsoft.com/office/drawing/2010/main" w="9525">
                     <a:solidFill>
                       <a:srgbClr val="000000"/>
                     </a:solidFill>
@@ -12274,7 +13017,7 @@
               </a:ln>
               <a:extLst>
                 <a:ext uri="{91240B29-F687-4f45-9708-019B960494DF}">
-                  <a14:hiddenLine xmlns:a14="http://schemas.microsoft.com/office/drawing/2010/main" xmlns="" w="9525">
+                  <a14:hiddenLine xmlns="" xmlns:a14="http://schemas.microsoft.com/office/drawing/2010/main" w="9525">
                     <a:solidFill>
                       <a:srgbClr val="000000"/>
                     </a:solidFill>
@@ -12339,7 +13082,7 @@
               </a:ln>
               <a:extLst>
                 <a:ext uri="{91240B29-F687-4f45-9708-019B960494DF}">
-                  <a14:hiddenLine xmlns:a14="http://schemas.microsoft.com/office/drawing/2010/main" xmlns="" w="9525">
+                  <a14:hiddenLine xmlns="" xmlns:a14="http://schemas.microsoft.com/office/drawing/2010/main" w="9525">
                     <a:solidFill>
                       <a:srgbClr val="000000"/>
                     </a:solidFill>
@@ -12429,7 +13172,7 @@
               </a:ln>
               <a:extLst>
                 <a:ext uri="{91240B29-F687-4f45-9708-019B960494DF}">
-                  <a14:hiddenLine xmlns:a14="http://schemas.microsoft.com/office/drawing/2010/main" xmlns="" w="9525">
+                  <a14:hiddenLine xmlns="" xmlns:a14="http://schemas.microsoft.com/office/drawing/2010/main" w="9525">
                     <a:solidFill>
                       <a:srgbClr val="000000"/>
                     </a:solidFill>
@@ -12491,7 +13234,7 @@
               </a:ln>
               <a:extLst>
                 <a:ext uri="{91240B29-F687-4f45-9708-019B960494DF}">
-                  <a14:hiddenLine xmlns:a14="http://schemas.microsoft.com/office/drawing/2010/main" xmlns="" w="9525">
+                  <a14:hiddenLine xmlns="" xmlns:a14="http://schemas.microsoft.com/office/drawing/2010/main" w="9525">
                     <a:solidFill>
                       <a:srgbClr val="000000"/>
                     </a:solidFill>
@@ -12581,7 +13324,7 @@
               </a:ln>
               <a:extLst>
                 <a:ext uri="{91240B29-F687-4f45-9708-019B960494DF}">
-                  <a14:hiddenLine xmlns:a14="http://schemas.microsoft.com/office/drawing/2010/main" xmlns="" w="9525">
+                  <a14:hiddenLine xmlns="" xmlns:a14="http://schemas.microsoft.com/office/drawing/2010/main" w="9525">
                     <a:solidFill>
                       <a:srgbClr val="000000"/>
                     </a:solidFill>
@@ -12646,7 +13389,7 @@
               </a:ln>
               <a:extLst>
                 <a:ext uri="{91240B29-F687-4f45-9708-019B960494DF}">
-                  <a14:hiddenLine xmlns:a14="http://schemas.microsoft.com/office/drawing/2010/main" xmlns="" w="9525">
+                  <a14:hiddenLine xmlns="" xmlns:a14="http://schemas.microsoft.com/office/drawing/2010/main" w="9525">
                     <a:solidFill>
                       <a:srgbClr val="000000"/>
                     </a:solidFill>
@@ -12708,7 +13451,7 @@
               </a:ln>
               <a:extLst>
                 <a:ext uri="{91240B29-F687-4f45-9708-019B960494DF}">
-                  <a14:hiddenLine xmlns:a14="http://schemas.microsoft.com/office/drawing/2010/main" xmlns="" w="9525">
+                  <a14:hiddenLine xmlns="" xmlns:a14="http://schemas.microsoft.com/office/drawing/2010/main" w="9525">
                     <a:solidFill>
                       <a:srgbClr val="000000"/>
                     </a:solidFill>
@@ -12798,7 +13541,7 @@
               </a:ln>
               <a:extLst>
                 <a:ext uri="{91240B29-F687-4f45-9708-019B960494DF}">
-                  <a14:hiddenLine xmlns:a14="http://schemas.microsoft.com/office/drawing/2010/main" xmlns="" w="9525">
+                  <a14:hiddenLine xmlns="" xmlns:a14="http://schemas.microsoft.com/office/drawing/2010/main" w="9525">
                     <a:solidFill>
                       <a:srgbClr val="000000"/>
                     </a:solidFill>
@@ -12888,7 +13631,7 @@
               </a:ln>
               <a:extLst>
                 <a:ext uri="{91240B29-F687-4f45-9708-019B960494DF}">
-                  <a14:hiddenLine xmlns:a14="http://schemas.microsoft.com/office/drawing/2010/main" xmlns="" w="9525">
+                  <a14:hiddenLine xmlns="" xmlns:a14="http://schemas.microsoft.com/office/drawing/2010/main" w="9525">
                     <a:solidFill>
                       <a:srgbClr val="000000"/>
                     </a:solidFill>
@@ -12953,7 +13696,7 @@
               </a:ln>
               <a:extLst>
                 <a:ext uri="{91240B29-F687-4f45-9708-019B960494DF}">
-                  <a14:hiddenLine xmlns:a14="http://schemas.microsoft.com/office/drawing/2010/main" xmlns="" w="9525">
+                  <a14:hiddenLine xmlns="" xmlns:a14="http://schemas.microsoft.com/office/drawing/2010/main" w="9525">
                     <a:solidFill>
                       <a:srgbClr val="000000"/>
                     </a:solidFill>
@@ -13073,7 +13816,7 @@
               </a:ln>
               <a:extLst>
                 <a:ext uri="{91240B29-F687-4f45-9708-019B960494DF}">
-                  <a14:hiddenLine xmlns:a14="http://schemas.microsoft.com/office/drawing/2010/main" xmlns="" w="9525">
+                  <a14:hiddenLine xmlns="" xmlns:a14="http://schemas.microsoft.com/office/drawing/2010/main" w="9525">
                     <a:solidFill>
                       <a:srgbClr val="000000"/>
                     </a:solidFill>
@@ -13154,7 +13897,7 @@
               </a:ln>
               <a:extLst>
                 <a:ext uri="{91240B29-F687-4f45-9708-019B960494DF}">
-                  <a14:hiddenLine xmlns:a14="http://schemas.microsoft.com/office/drawing/2010/main" xmlns="" w="9525">
+                  <a14:hiddenLine xmlns="" xmlns:a14="http://schemas.microsoft.com/office/drawing/2010/main" w="9525">
                     <a:solidFill>
                       <a:srgbClr val="000000"/>
                     </a:solidFill>
@@ -13269,7 +14012,7 @@
               </a:ln>
               <a:extLst>
                 <a:ext uri="{91240B29-F687-4f45-9708-019B960494DF}">
-                  <a14:hiddenLine xmlns:a14="http://schemas.microsoft.com/office/drawing/2010/main" xmlns="" w="9525">
+                  <a14:hiddenLine xmlns="" xmlns:a14="http://schemas.microsoft.com/office/drawing/2010/main" w="9525">
                     <a:solidFill>
                       <a:srgbClr val="000000"/>
                     </a:solidFill>
@@ -13359,7 +14102,7 @@
               </a:ln>
               <a:extLst>
                 <a:ext uri="{91240B29-F687-4f45-9708-019B960494DF}">
-                  <a14:hiddenLine xmlns:a14="http://schemas.microsoft.com/office/drawing/2010/main" xmlns="" w="9525">
+                  <a14:hiddenLine xmlns="" xmlns:a14="http://schemas.microsoft.com/office/drawing/2010/main" w="9525">
                     <a:solidFill>
                       <a:srgbClr val="000000"/>
                     </a:solidFill>
@@ -13424,7 +14167,7 @@
               </a:ln>
               <a:extLst>
                 <a:ext uri="{91240B29-F687-4f45-9708-019B960494DF}">
-                  <a14:hiddenLine xmlns:a14="http://schemas.microsoft.com/office/drawing/2010/main" xmlns="" w="9525">
+                  <a14:hiddenLine xmlns="" xmlns:a14="http://schemas.microsoft.com/office/drawing/2010/main" w="9525">
                     <a:solidFill>
                       <a:srgbClr val="000000"/>
                     </a:solidFill>
@@ -13514,7 +14257,7 @@
               </a:ln>
               <a:extLst>
                 <a:ext uri="{91240B29-F687-4f45-9708-019B960494DF}">
-                  <a14:hiddenLine xmlns:a14="http://schemas.microsoft.com/office/drawing/2010/main" xmlns="" w="9525">
+                  <a14:hiddenLine xmlns="" xmlns:a14="http://schemas.microsoft.com/office/drawing/2010/main" w="9525">
                     <a:solidFill>
                       <a:srgbClr val="000000"/>
                     </a:solidFill>
@@ -13582,7 +14325,7 @@
               </a:ln>
               <a:extLst>
                 <a:ext uri="{91240B29-F687-4f45-9708-019B960494DF}">
-                  <a14:hiddenLine xmlns:a14="http://schemas.microsoft.com/office/drawing/2010/main" xmlns="" w="9525">
+                  <a14:hiddenLine xmlns="" xmlns:a14="http://schemas.microsoft.com/office/drawing/2010/main" w="9525">
                     <a:solidFill>
                       <a:srgbClr val="000000"/>
                     </a:solidFill>
@@ -13672,7 +14415,7 @@
               </a:ln>
               <a:extLst>
                 <a:ext uri="{91240B29-F687-4f45-9708-019B960494DF}">
-                  <a14:hiddenLine xmlns:a14="http://schemas.microsoft.com/office/drawing/2010/main" xmlns="" w="9525">
+                  <a14:hiddenLine xmlns="" xmlns:a14="http://schemas.microsoft.com/office/drawing/2010/main" w="9525">
                     <a:solidFill>
                       <a:srgbClr val="000000"/>
                     </a:solidFill>
@@ -13740,7 +14483,7 @@
               </a:ln>
               <a:extLst>
                 <a:ext uri="{91240B29-F687-4f45-9708-019B960494DF}">
-                  <a14:hiddenLine xmlns:a14="http://schemas.microsoft.com/office/drawing/2010/main" xmlns="" w="9525">
+                  <a14:hiddenLine xmlns="" xmlns:a14="http://schemas.microsoft.com/office/drawing/2010/main" w="9525">
                     <a:solidFill>
                       <a:srgbClr val="000000"/>
                     </a:solidFill>
@@ -13830,7 +14573,7 @@
               </a:ln>
               <a:extLst>
                 <a:ext uri="{91240B29-F687-4f45-9708-019B960494DF}">
-                  <a14:hiddenLine xmlns:a14="http://schemas.microsoft.com/office/drawing/2010/main" xmlns="" w="9525">
+                  <a14:hiddenLine xmlns="" xmlns:a14="http://schemas.microsoft.com/office/drawing/2010/main" w="9525">
                     <a:solidFill>
                       <a:srgbClr val="000000"/>
                     </a:solidFill>
@@ -13864,7 +14607,7 @@
               </a:ln>
               <a:extLst>
                 <a:ext uri="{91240B29-F687-4f45-9708-019B960494DF}">
-                  <a14:hiddenLine xmlns:a14="http://schemas.microsoft.com/office/drawing/2010/main" xmlns="" w="9525">
+                  <a14:hiddenLine xmlns="" xmlns:a14="http://schemas.microsoft.com/office/drawing/2010/main" w="9525">
                     <a:solidFill>
                       <a:srgbClr val="000000"/>
                     </a:solidFill>
@@ -14004,7 +14747,7 @@
           <a:p>
             <a:fld id="{882D24FB-7729-40A5-988B-B7F786B2F842}" type="datetimeFigureOut">
               <a:rPr lang="en-US" smtClean="0"/>
-              <a:t>10/22/2018</a:t>
+              <a:t>11/27/2018</a:t>
             </a:fld>
             <a:endParaRPr lang="en-US"/>
           </a:p>
@@ -14410,6 +15153,14 @@
 <file path=ppt/slides/slide1.xml><?xml version="1.0" encoding="utf-8"?>
 <p:sld xmlns:a="http://schemas.openxmlformats.org/drawingml/2006/main" xmlns:r="http://schemas.openxmlformats.org/officeDocument/2006/relationships" xmlns:p="http://schemas.openxmlformats.org/presentationml/2006/main">
   <p:cSld>
+    <p:bg>
+      <p:bgPr>
+        <a:solidFill>
+          <a:schemeClr val="bg1"/>
+        </a:solidFill>
+        <a:effectLst/>
+      </p:bgPr>
+    </p:bg>
     <p:spTree>
       <p:nvGrpSpPr>
         <p:cNvPr id="1" name=""/>
@@ -14447,87 +15198,31 @@
           <a:lstStyle/>
           <a:p>
             <a:r>
-              <a:rPr lang="en-US" sz="2800" i="1" dirty="0" smtClean="0">
-                <a:solidFill>
-                  <a:schemeClr val="bg2">
-                    <a:lumMod val="40000"/>
-                    <a:lumOff val="60000"/>
-                  </a:schemeClr>
-                </a:solidFill>
-              </a:rPr>
+              <a:rPr lang="en-US" sz="2800" i="1" dirty="0" smtClean="0"/>
               <a:t>Simon Owens</a:t>
             </a:r>
             <a:br>
-              <a:rPr lang="en-US" sz="2800" i="1" dirty="0" smtClean="0">
-                <a:solidFill>
-                  <a:schemeClr val="bg2">
-                    <a:lumMod val="40000"/>
-                    <a:lumOff val="60000"/>
-                  </a:schemeClr>
-                </a:solidFill>
-              </a:rPr>
+              <a:rPr lang="en-US" sz="2800" i="1" dirty="0" smtClean="0"/>
             </a:br>
             <a:r>
-              <a:rPr lang="en-US" sz="2800" i="1" dirty="0" smtClean="0">
-                <a:solidFill>
-                  <a:schemeClr val="bg2">
-                    <a:lumMod val="40000"/>
-                    <a:lumOff val="60000"/>
-                  </a:schemeClr>
-                </a:solidFill>
-              </a:rPr>
+              <a:rPr lang="en-US" sz="2800" i="1" dirty="0" smtClean="0"/>
               <a:t>University of Evansville</a:t>
             </a:r>
             <a:br>
-              <a:rPr lang="en-US" sz="2800" i="1" dirty="0" smtClean="0">
-                <a:solidFill>
-                  <a:schemeClr val="bg2">
-                    <a:lumMod val="40000"/>
-                    <a:lumOff val="60000"/>
-                  </a:schemeClr>
-                </a:solidFill>
-              </a:rPr>
+              <a:rPr lang="en-US" sz="2800" i="1" dirty="0" smtClean="0"/>
             </a:br>
             <a:r>
-              <a:rPr lang="en-US" sz="2800" i="1" dirty="0" smtClean="0">
-                <a:solidFill>
-                  <a:schemeClr val="bg2">
-                    <a:lumMod val="40000"/>
-                    <a:lumOff val="60000"/>
-                  </a:schemeClr>
-                </a:solidFill>
-              </a:rPr>
+              <a:rPr lang="en-US" sz="2800" i="1" dirty="0" smtClean="0"/>
               <a:t>October 22, 2018</a:t>
             </a:r>
             <a:br>
-              <a:rPr lang="en-US" sz="2800" i="1" dirty="0" smtClean="0">
-                <a:solidFill>
-                  <a:schemeClr val="bg2">
-                    <a:lumMod val="40000"/>
-                    <a:lumOff val="60000"/>
-                  </a:schemeClr>
-                </a:solidFill>
-              </a:rPr>
+              <a:rPr lang="en-US" sz="2800" i="1" dirty="0" smtClean="0"/>
             </a:br>
             <a:r>
-              <a:rPr lang="en-US" sz="2800" i="1" dirty="0" smtClean="0">
-                <a:solidFill>
-                  <a:schemeClr val="bg2">
-                    <a:lumMod val="40000"/>
-                    <a:lumOff val="60000"/>
-                  </a:schemeClr>
-                </a:solidFill>
-              </a:rPr>
+              <a:rPr lang="en-US" sz="2800" i="1" dirty="0" smtClean="0"/>
               <a:t>Project sponsor/Advisor: Mark Randall</a:t>
             </a:r>
-            <a:endParaRPr lang="en-US" sz="2800" i="1" dirty="0">
-              <a:solidFill>
-                <a:schemeClr val="bg2">
-                  <a:lumMod val="40000"/>
-                  <a:lumOff val="60000"/>
-                </a:schemeClr>
-              </a:solidFill>
-            </a:endParaRPr>
+            <a:endParaRPr lang="en-US" sz="2800" i="1" dirty="0"/>
           </a:p>
         </p:txBody>
       </p:sp>
@@ -14629,14 +15324,14 @@
             <a:r>
               <a:rPr lang="en-US" sz="6600" b="1" i="1" dirty="0" smtClean="0">
                 <a:solidFill>
-                  <a:schemeClr val="bg1"/>
+                  <a:schemeClr val="tx1"/>
                 </a:solidFill>
               </a:rPr>
               <a:t>Security Lab Manager</a:t>
             </a:r>
             <a:endParaRPr lang="en-US" sz="6600" b="1" i="1" dirty="0">
               <a:solidFill>
-                <a:schemeClr val="bg1"/>
+                <a:schemeClr val="tx1"/>
               </a:solidFill>
             </a:endParaRPr>
           </a:p>
@@ -14665,6 +15360,14 @@
 <file path=ppt/slides/slide10.xml><?xml version="1.0" encoding="utf-8"?>
 <p:sld xmlns:a="http://schemas.openxmlformats.org/drawingml/2006/main" xmlns:r="http://schemas.openxmlformats.org/officeDocument/2006/relationships" xmlns:p="http://schemas.openxmlformats.org/presentationml/2006/main">
   <p:cSld>
+    <p:bg>
+      <p:bgPr>
+        <a:solidFill>
+          <a:schemeClr val="bg1"/>
+        </a:solidFill>
+        <a:effectLst/>
+      </p:bgPr>
+    </p:bg>
     <p:spTree>
       <p:nvGrpSpPr>
         <p:cNvPr id="1" name=""/>
@@ -14689,25 +15392,22 @@
             <p:ph type="title"/>
           </p:nvPr>
         </p:nvSpPr>
-        <p:spPr/>
+        <p:spPr>
+          <a:xfrm>
+            <a:off x="1141412" y="0"/>
+            <a:ext cx="9905998" cy="1478570"/>
+          </a:xfrm>
+        </p:spPr>
         <p:txBody>
           <a:bodyPr/>
           <a:lstStyle/>
           <a:p>
             <a:pPr algn="ctr"/>
             <a:r>
-              <a:rPr lang="en-US" dirty="0" smtClean="0">
-                <a:solidFill>
-                  <a:schemeClr val="bg1"/>
-                </a:solidFill>
-              </a:rPr>
+              <a:rPr lang="en-US" dirty="0" smtClean="0"/>
               <a:t>Instructor Interface</a:t>
             </a:r>
-            <a:endParaRPr lang="en-US" dirty="0">
-              <a:solidFill>
-                <a:schemeClr val="bg1"/>
-              </a:solidFill>
-            </a:endParaRPr>
+            <a:endParaRPr lang="en-US" dirty="0"/>
           </a:p>
         </p:txBody>
       </p:sp>
@@ -14758,6 +15458,14 @@
 <file path=ppt/slides/slide11.xml><?xml version="1.0" encoding="utf-8"?>
 <p:sld xmlns:a="http://schemas.openxmlformats.org/drawingml/2006/main" xmlns:r="http://schemas.openxmlformats.org/officeDocument/2006/relationships" xmlns:p="http://schemas.openxmlformats.org/presentationml/2006/main">
   <p:cSld>
+    <p:bg>
+      <p:bgPr>
+        <a:solidFill>
+          <a:schemeClr val="bg1"/>
+        </a:solidFill>
+        <a:effectLst/>
+      </p:bgPr>
+    </p:bg>
     <p:spTree>
       <p:nvGrpSpPr>
         <p:cNvPr id="1" name=""/>
@@ -14784,6 +15492,162 @@
         </p:nvSpPr>
         <p:spPr>
           <a:xfrm>
+            <a:off x="1141412" y="0"/>
+            <a:ext cx="9905998" cy="1478570"/>
+          </a:xfrm>
+        </p:spPr>
+        <p:txBody>
+          <a:bodyPr/>
+          <a:lstStyle/>
+          <a:p>
+            <a:pPr algn="ctr"/>
+            <a:r>
+              <a:rPr lang="en-US" dirty="0" smtClean="0"/>
+              <a:t>Architecture Overview</a:t>
+            </a:r>
+            <a:endParaRPr lang="en-US" dirty="0"/>
+          </a:p>
+        </p:txBody>
+      </p:sp>
+      <p:sp>
+        <p:nvSpPr>
+          <p:cNvPr id="5" name="Content Placeholder 2"/>
+          <p:cNvSpPr>
+            <a:spLocks noGrp="1"/>
+          </p:cNvSpPr>
+          <p:nvPr>
+            <p:ph idx="1"/>
+          </p:nvPr>
+        </p:nvSpPr>
+        <p:spPr>
+          <a:xfrm>
+            <a:off x="1141412" y="1710813"/>
+            <a:ext cx="4836601" cy="4080388"/>
+          </a:xfrm>
+        </p:spPr>
+        <p:txBody>
+          <a:bodyPr>
+            <a:normAutofit/>
+          </a:bodyPr>
+          <a:lstStyle/>
+          <a:p>
+            <a:r>
+              <a:rPr lang="en-US" sz="2800" dirty="0" smtClean="0"/>
+              <a:t>Client/Server</a:t>
+            </a:r>
+          </a:p>
+          <a:p>
+            <a:r>
+              <a:rPr lang="en-US" sz="2800" dirty="0" smtClean="0"/>
+              <a:t>Web Application</a:t>
+            </a:r>
+          </a:p>
+          <a:p>
+            <a:r>
+              <a:rPr lang="en-US" sz="2800" dirty="0" smtClean="0"/>
+              <a:t>Starts/Stops Docker containers</a:t>
+            </a:r>
+          </a:p>
+        </p:txBody>
+      </p:sp>
+      <p:pic>
+        <p:nvPicPr>
+          <p:cNvPr id="1026" name="Picture 2" descr="https://github.com/so87/Security-Lab-Manager/raw/dev/documentation/high-level-design.PNG"/>
+          <p:cNvPicPr>
+            <a:picLocks noChangeAspect="1" noChangeArrowheads="1"/>
+          </p:cNvPicPr>
+          <p:nvPr/>
+        </p:nvPicPr>
+        <p:blipFill>
+          <a:blip r:embed="rId3">
+            <a:extLst>
+              <a:ext uri="{28A0092B-C50C-407E-A947-70E740481C1C}">
+                <a14:useLocalDpi xmlns:a14="http://schemas.microsoft.com/office/drawing/2010/main" val="0"/>
+              </a:ext>
+            </a:extLst>
+          </a:blip>
+          <a:srcRect/>
+          <a:stretch>
+            <a:fillRect/>
+          </a:stretch>
+        </p:blipFill>
+        <p:spPr bwMode="auto">
+          <a:xfrm>
+            <a:off x="5378245" y="1710813"/>
+            <a:ext cx="6371303" cy="4827639"/>
+          </a:xfrm>
+          <a:prstGeom prst="rect">
+            <a:avLst/>
+          </a:prstGeom>
+          <a:noFill/>
+          <a:extLst>
+            <a:ext uri="{909E8E84-426E-40DD-AFC4-6F175D3DCCD1}">
+              <a14:hiddenFill xmlns:a14="http://schemas.microsoft.com/office/drawing/2010/main">
+                <a:solidFill>
+                  <a:srgbClr val="FFFFFF"/>
+                </a:solidFill>
+              </a14:hiddenFill>
+            </a:ext>
+          </a:extLst>
+        </p:spPr>
+      </p:pic>
+    </p:spTree>
+    <p:extLst>
+      <p:ext uri="{BB962C8B-B14F-4D97-AF65-F5344CB8AC3E}">
+        <p14:creationId xmlns:p14="http://schemas.microsoft.com/office/powerpoint/2010/main" val="4056442777"/>
+      </p:ext>
+    </p:extLst>
+  </p:cSld>
+  <p:clrMapOvr>
+    <a:masterClrMapping/>
+  </p:clrMapOvr>
+  <p:timing>
+    <p:tnLst>
+      <p:par>
+        <p:cTn id="1" dur="indefinite" restart="never" nodeType="tmRoot"/>
+      </p:par>
+    </p:tnLst>
+  </p:timing>
+</p:sld>
+</file>
+
+<file path=ppt/slides/slide12.xml><?xml version="1.0" encoding="utf-8"?>
+<p:sld xmlns:a="http://schemas.openxmlformats.org/drawingml/2006/main" xmlns:r="http://schemas.openxmlformats.org/officeDocument/2006/relationships" xmlns:p="http://schemas.openxmlformats.org/presentationml/2006/main">
+  <p:cSld>
+    <p:bg>
+      <p:bgPr>
+        <a:solidFill>
+          <a:schemeClr val="bg1"/>
+        </a:solidFill>
+        <a:effectLst/>
+      </p:bgPr>
+    </p:bg>
+    <p:spTree>
+      <p:nvGrpSpPr>
+        <p:cNvPr id="1" name=""/>
+        <p:cNvGrpSpPr/>
+        <p:nvPr/>
+      </p:nvGrpSpPr>
+      <p:grpSpPr>
+        <a:xfrm>
+          <a:off x="0" y="0"/>
+          <a:ext cx="0" cy="0"/>
+          <a:chOff x="0" y="0"/>
+          <a:chExt cx="0" cy="0"/>
+        </a:xfrm>
+      </p:grpSpPr>
+      <p:sp>
+        <p:nvSpPr>
+          <p:cNvPr id="2" name="Title 1"/>
+          <p:cNvSpPr>
+            <a:spLocks noGrp="1"/>
+          </p:cNvSpPr>
+          <p:nvPr>
+            <p:ph type="title"/>
+          </p:nvPr>
+        </p:nvSpPr>
+        <p:spPr>
+          <a:xfrm>
             <a:off x="1141413" y="-128733"/>
             <a:ext cx="9905998" cy="1478570"/>
           </a:xfrm>
@@ -14794,18 +15658,692 @@
           <a:p>
             <a:pPr algn="ctr"/>
             <a:r>
-              <a:rPr lang="en-US" dirty="0" smtClean="0">
+              <a:rPr lang="en-US" dirty="0" smtClean="0"/>
+              <a:t>Database design</a:t>
+            </a:r>
+            <a:endParaRPr lang="en-US" dirty="0"/>
+          </a:p>
+        </p:txBody>
+      </p:sp>
+      <p:sp>
+        <p:nvSpPr>
+          <p:cNvPr id="4" name="Content Placeholder 2"/>
+          <p:cNvSpPr>
+            <a:spLocks noGrp="1"/>
+          </p:cNvSpPr>
+          <p:nvPr>
+            <p:ph idx="1"/>
+          </p:nvPr>
+        </p:nvSpPr>
+        <p:spPr>
+          <a:xfrm>
+            <a:off x="1141412" y="1600558"/>
+            <a:ext cx="9905999" cy="3541714"/>
+          </a:xfrm>
+        </p:spPr>
+        <p:txBody>
+          <a:bodyPr>
+            <a:normAutofit/>
+          </a:bodyPr>
+          <a:lstStyle/>
+          <a:p>
+            <a:r>
+              <a:rPr lang="en-US" dirty="0" smtClean="0"/>
+              <a:t> PostgreSQL Docker Container</a:t>
+            </a:r>
+          </a:p>
+          <a:p>
+            <a:r>
+              <a:rPr lang="en-US" dirty="0" smtClean="0"/>
+              <a:t>Tables for</a:t>
+            </a:r>
+          </a:p>
+          <a:p>
+            <a:pPr lvl="1"/>
+            <a:r>
+              <a:rPr lang="en-US" dirty="0" smtClean="0"/>
+              <a:t>User</a:t>
+            </a:r>
+          </a:p>
+          <a:p>
+            <a:pPr lvl="1"/>
+            <a:r>
+              <a:rPr lang="en-US" dirty="0" smtClean="0"/>
+              <a:t>Administrator</a:t>
+            </a:r>
+          </a:p>
+          <a:p>
+            <a:pPr lvl="1"/>
+            <a:r>
+              <a:rPr lang="en-US" dirty="0" smtClean="0"/>
+              <a:t>Class</a:t>
+            </a:r>
+          </a:p>
+          <a:p>
+            <a:pPr lvl="1"/>
+            <a:r>
+              <a:rPr lang="en-US" dirty="0" smtClean="0"/>
+              <a:t>Exercise</a:t>
+            </a:r>
+          </a:p>
+          <a:p>
+            <a:r>
+              <a:rPr lang="en-US" dirty="0" smtClean="0"/>
+              <a:t>Accessing views </a:t>
+            </a:r>
+            <a:r>
+              <a:rPr lang="en-US" dirty="0" smtClean="0"/>
+              <a:t>in Django Framework</a:t>
+            </a:r>
+            <a:endParaRPr lang="en-US" dirty="0" smtClean="0"/>
+          </a:p>
+        </p:txBody>
+      </p:sp>
+    </p:spTree>
+    <p:extLst>
+      <p:ext uri="{BB962C8B-B14F-4D97-AF65-F5344CB8AC3E}">
+        <p14:creationId xmlns:p14="http://schemas.microsoft.com/office/powerpoint/2010/main" val="3027984131"/>
+      </p:ext>
+    </p:extLst>
+  </p:cSld>
+  <p:clrMapOvr>
+    <a:masterClrMapping/>
+  </p:clrMapOvr>
+  <p:timing>
+    <p:tnLst>
+      <p:par>
+        <p:cTn id="1" dur="indefinite" restart="never" nodeType="tmRoot"/>
+      </p:par>
+    </p:tnLst>
+  </p:timing>
+</p:sld>
+</file>
+
+<file path=ppt/slides/slide13.xml><?xml version="1.0" encoding="utf-8"?>
+<p:sld xmlns:a="http://schemas.openxmlformats.org/drawingml/2006/main" xmlns:r="http://schemas.openxmlformats.org/officeDocument/2006/relationships" xmlns:p="http://schemas.openxmlformats.org/presentationml/2006/main">
+  <p:cSld>
+    <p:bg>
+      <p:bgPr>
+        <a:solidFill>
+          <a:schemeClr val="bg1"/>
+        </a:solidFill>
+        <a:effectLst/>
+      </p:bgPr>
+    </p:bg>
+    <p:spTree>
+      <p:nvGrpSpPr>
+        <p:cNvPr id="1" name=""/>
+        <p:cNvGrpSpPr/>
+        <p:nvPr/>
+      </p:nvGrpSpPr>
+      <p:grpSpPr>
+        <a:xfrm>
+          <a:off x="0" y="0"/>
+          <a:ext cx="0" cy="0"/>
+          <a:chOff x="0" y="0"/>
+          <a:chExt cx="0" cy="0"/>
+        </a:xfrm>
+      </p:grpSpPr>
+      <p:sp>
+        <p:nvSpPr>
+          <p:cNvPr id="2" name="Title 1"/>
+          <p:cNvSpPr>
+            <a:spLocks noGrp="1"/>
+          </p:cNvSpPr>
+          <p:nvPr>
+            <p:ph type="title"/>
+          </p:nvPr>
+        </p:nvSpPr>
+        <p:spPr>
+          <a:xfrm>
+            <a:off x="1141413" y="-128733"/>
+            <a:ext cx="9905998" cy="1478570"/>
+          </a:xfrm>
+        </p:spPr>
+        <p:txBody>
+          <a:bodyPr/>
+          <a:lstStyle/>
+          <a:p>
+            <a:pPr algn="ctr"/>
+            <a:r>
+              <a:rPr lang="en-US" dirty="0" smtClean="0"/>
+              <a:t>Web exercise</a:t>
+            </a:r>
+            <a:endParaRPr lang="en-US" dirty="0"/>
+          </a:p>
+        </p:txBody>
+      </p:sp>
+      <p:pic>
+        <p:nvPicPr>
+          <p:cNvPr id="4" name="Picture 3"/>
+          <p:cNvPicPr>
+            <a:picLocks noChangeAspect="1"/>
+          </p:cNvPicPr>
+          <p:nvPr/>
+        </p:nvPicPr>
+        <p:blipFill>
+          <a:blip r:embed="rId3"/>
+          <a:stretch>
+            <a:fillRect/>
+          </a:stretch>
+        </p:blipFill>
+        <p:spPr>
+          <a:xfrm>
+            <a:off x="2913061" y="3817988"/>
+            <a:ext cx="6343650" cy="952500"/>
+          </a:xfrm>
+          <a:prstGeom prst="rect">
+            <a:avLst/>
+          </a:prstGeom>
+        </p:spPr>
+      </p:pic>
+      <p:pic>
+        <p:nvPicPr>
+          <p:cNvPr id="5" name="Picture 4"/>
+          <p:cNvPicPr>
+            <a:picLocks noChangeAspect="1"/>
+          </p:cNvPicPr>
+          <p:nvPr/>
+        </p:nvPicPr>
+        <p:blipFill>
+          <a:blip r:embed="rId4"/>
+          <a:stretch>
+            <a:fillRect/>
+          </a:stretch>
+        </p:blipFill>
+        <p:spPr>
+          <a:xfrm>
+            <a:off x="2922586" y="5747826"/>
+            <a:ext cx="6324600" cy="571500"/>
+          </a:xfrm>
+          <a:prstGeom prst="rect">
+            <a:avLst/>
+          </a:prstGeom>
+        </p:spPr>
+      </p:pic>
+      <p:sp>
+        <p:nvSpPr>
+          <p:cNvPr id="7" name="Content Placeholder 2"/>
+          <p:cNvSpPr>
+            <a:spLocks noGrp="1"/>
+          </p:cNvSpPr>
+          <p:nvPr>
+            <p:ph idx="1"/>
+          </p:nvPr>
+        </p:nvSpPr>
+        <p:spPr>
+          <a:xfrm>
+            <a:off x="1141412" y="1600558"/>
+            <a:ext cx="9905999" cy="3541714"/>
+          </a:xfrm>
+        </p:spPr>
+        <p:txBody>
+          <a:bodyPr>
+            <a:normAutofit/>
+          </a:bodyPr>
+          <a:lstStyle/>
+          <a:p>
+            <a:r>
+              <a:rPr lang="en-US" dirty="0" smtClean="0"/>
+              <a:t> Ubuntu Docker container hosting JavaScript code</a:t>
+            </a:r>
+          </a:p>
+          <a:p>
+            <a:r>
+              <a:rPr lang="en-US" dirty="0" smtClean="0"/>
+              <a:t>Cross Site Scripting</a:t>
+            </a:r>
+          </a:p>
+        </p:txBody>
+      </p:sp>
+      <p:sp>
+        <p:nvSpPr>
+          <p:cNvPr id="6" name="TextBox 5"/>
+          <p:cNvSpPr txBox="1"/>
+          <p:nvPr/>
+        </p:nvSpPr>
+        <p:spPr>
+          <a:xfrm>
+            <a:off x="4540914" y="3302891"/>
+            <a:ext cx="3106994" cy="369332"/>
+          </a:xfrm>
+          <a:prstGeom prst="rect">
+            <a:avLst/>
+          </a:prstGeom>
+          <a:noFill/>
+        </p:spPr>
+        <p:txBody>
+          <a:bodyPr wrap="square" rtlCol="0">
+            <a:spAutoFit/>
+          </a:bodyPr>
+          <a:lstStyle/>
+          <a:p>
+            <a:pPr algn="ctr"/>
+            <a:r>
+              <a:rPr lang="en-US" dirty="0" smtClean="0"/>
+              <a:t>Vulnerable JavaScript</a:t>
+            </a:r>
+            <a:endParaRPr lang="en-US" dirty="0"/>
+          </a:p>
+        </p:txBody>
+      </p:sp>
+      <p:sp>
+        <p:nvSpPr>
+          <p:cNvPr id="9" name="TextBox 8"/>
+          <p:cNvSpPr txBox="1"/>
+          <p:nvPr/>
+        </p:nvSpPr>
+        <p:spPr>
+          <a:xfrm>
+            <a:off x="4531389" y="5288037"/>
+            <a:ext cx="3106994" cy="369332"/>
+          </a:xfrm>
+          <a:prstGeom prst="rect">
+            <a:avLst/>
+          </a:prstGeom>
+          <a:noFill/>
+        </p:spPr>
+        <p:txBody>
+          <a:bodyPr wrap="square" rtlCol="0">
+            <a:spAutoFit/>
+          </a:bodyPr>
+          <a:lstStyle/>
+          <a:p>
+            <a:pPr algn="ctr"/>
+            <a:r>
+              <a:rPr lang="en-US" dirty="0" smtClean="0"/>
+              <a:t>XSS code</a:t>
+            </a:r>
+            <a:endParaRPr lang="en-US" dirty="0"/>
+          </a:p>
+        </p:txBody>
+      </p:sp>
+    </p:spTree>
+    <p:extLst>
+      <p:ext uri="{BB962C8B-B14F-4D97-AF65-F5344CB8AC3E}">
+        <p14:creationId xmlns:p14="http://schemas.microsoft.com/office/powerpoint/2010/main" val="910269529"/>
+      </p:ext>
+    </p:extLst>
+  </p:cSld>
+  <p:clrMapOvr>
+    <a:masterClrMapping/>
+  </p:clrMapOvr>
+  <p:timing>
+    <p:tnLst>
+      <p:par>
+        <p:cTn id="1" dur="indefinite" restart="never" nodeType="tmRoot"/>
+      </p:par>
+    </p:tnLst>
+  </p:timing>
+</p:sld>
+</file>
+
+<file path=ppt/slides/slide14.xml><?xml version="1.0" encoding="utf-8"?>
+<p:sld xmlns:a="http://schemas.openxmlformats.org/drawingml/2006/main" xmlns:r="http://schemas.openxmlformats.org/officeDocument/2006/relationships" xmlns:p="http://schemas.openxmlformats.org/presentationml/2006/main">
+  <p:cSld>
+    <p:bg>
+      <p:bgPr>
+        <a:solidFill>
+          <a:schemeClr val="bg1"/>
+        </a:solidFill>
+        <a:effectLst/>
+      </p:bgPr>
+    </p:bg>
+    <p:spTree>
+      <p:nvGrpSpPr>
+        <p:cNvPr id="1" name=""/>
+        <p:cNvGrpSpPr/>
+        <p:nvPr/>
+      </p:nvGrpSpPr>
+      <p:grpSpPr>
+        <a:xfrm>
+          <a:off x="0" y="0"/>
+          <a:ext cx="0" cy="0"/>
+          <a:chOff x="0" y="0"/>
+          <a:chExt cx="0" cy="0"/>
+        </a:xfrm>
+      </p:grpSpPr>
+      <p:sp>
+        <p:nvSpPr>
+          <p:cNvPr id="2" name="Title 1"/>
+          <p:cNvSpPr>
+            <a:spLocks noGrp="1"/>
+          </p:cNvSpPr>
+          <p:nvPr>
+            <p:ph type="title"/>
+          </p:nvPr>
+        </p:nvSpPr>
+        <p:spPr>
+          <a:xfrm>
+            <a:off x="1141413" y="-128733"/>
+            <a:ext cx="9905998" cy="1478570"/>
+          </a:xfrm>
+        </p:spPr>
+        <p:txBody>
+          <a:bodyPr/>
+          <a:lstStyle/>
+          <a:p>
+            <a:pPr algn="ctr"/>
+            <a:r>
+              <a:rPr lang="en-US" dirty="0" smtClean="0"/>
+              <a:t>Desktop exercise</a:t>
+            </a:r>
+            <a:endParaRPr lang="en-US" dirty="0"/>
+          </a:p>
+        </p:txBody>
+      </p:sp>
+      <p:sp>
+        <p:nvSpPr>
+          <p:cNvPr id="4" name="Content Placeholder 2"/>
+          <p:cNvSpPr>
+            <a:spLocks noGrp="1"/>
+          </p:cNvSpPr>
+          <p:nvPr>
+            <p:ph idx="1"/>
+          </p:nvPr>
+        </p:nvSpPr>
+        <p:spPr>
+          <a:xfrm>
+            <a:off x="1141412" y="1600558"/>
+            <a:ext cx="9905999" cy="3541714"/>
+          </a:xfrm>
+        </p:spPr>
+        <p:txBody>
+          <a:bodyPr>
+            <a:normAutofit/>
+          </a:bodyPr>
+          <a:lstStyle/>
+          <a:p>
+            <a:r>
+              <a:rPr lang="en-US" dirty="0" smtClean="0"/>
+              <a:t> Ubuntu Docker container hosting C++ Code</a:t>
+            </a:r>
+          </a:p>
+          <a:p>
+            <a:r>
+              <a:rPr lang="en-US" dirty="0" smtClean="0"/>
+              <a:t>Format String Vulnerability</a:t>
+            </a:r>
+            <a:endParaRPr lang="en-US" dirty="0" smtClean="0"/>
+          </a:p>
+        </p:txBody>
+      </p:sp>
+      <p:pic>
+        <p:nvPicPr>
+          <p:cNvPr id="2050" name="Picture 2" descr="Image result for format string vulnerability"/>
+          <p:cNvPicPr>
+            <a:picLocks noChangeAspect="1" noChangeArrowheads="1"/>
+          </p:cNvPicPr>
+          <p:nvPr/>
+        </p:nvPicPr>
+        <p:blipFill>
+          <a:blip r:embed="rId3">
+            <a:extLst>
+              <a:ext uri="{28A0092B-C50C-407E-A947-70E740481C1C}">
+                <a14:useLocalDpi xmlns:a14="http://schemas.microsoft.com/office/drawing/2010/main" val="0"/>
+              </a:ext>
+            </a:extLst>
+          </a:blip>
+          <a:srcRect/>
+          <a:stretch>
+            <a:fillRect/>
+          </a:stretch>
+        </p:blipFill>
+        <p:spPr bwMode="auto">
+          <a:xfrm>
+            <a:off x="3124917" y="3004369"/>
+            <a:ext cx="6087909" cy="3649516"/>
+          </a:xfrm>
+          <a:prstGeom prst="rect">
+            <a:avLst/>
+          </a:prstGeom>
+          <a:noFill/>
+          <a:extLst>
+            <a:ext uri="{909E8E84-426E-40DD-AFC4-6F175D3DCCD1}">
+              <a14:hiddenFill xmlns:a14="http://schemas.microsoft.com/office/drawing/2010/main">
                 <a:solidFill>
-                  <a:schemeClr val="bg1"/>
+                  <a:srgbClr val="FFFFFF"/>
                 </a:solidFill>
-              </a:rPr>
+              </a14:hiddenFill>
+            </a:ext>
+          </a:extLst>
+        </p:spPr>
+      </p:pic>
+    </p:spTree>
+    <p:extLst>
+      <p:ext uri="{BB962C8B-B14F-4D97-AF65-F5344CB8AC3E}">
+        <p14:creationId xmlns:p14="http://schemas.microsoft.com/office/powerpoint/2010/main" val="3175967577"/>
+      </p:ext>
+    </p:extLst>
+  </p:cSld>
+  <p:clrMapOvr>
+    <a:masterClrMapping/>
+  </p:clrMapOvr>
+  <p:timing>
+    <p:tnLst>
+      <p:par>
+        <p:cTn id="1" dur="indefinite" restart="never" nodeType="tmRoot"/>
+      </p:par>
+    </p:tnLst>
+  </p:timing>
+</p:sld>
+</file>
+
+<file path=ppt/slides/slide15.xml><?xml version="1.0" encoding="utf-8"?>
+<p:sld xmlns:a="http://schemas.openxmlformats.org/drawingml/2006/main" xmlns:r="http://schemas.openxmlformats.org/officeDocument/2006/relationships" xmlns:p="http://schemas.openxmlformats.org/presentationml/2006/main">
+  <p:cSld>
+    <p:bg>
+      <p:bgPr>
+        <a:solidFill>
+          <a:schemeClr val="bg1"/>
+        </a:solidFill>
+        <a:effectLst/>
+      </p:bgPr>
+    </p:bg>
+    <p:spTree>
+      <p:nvGrpSpPr>
+        <p:cNvPr id="1" name=""/>
+        <p:cNvGrpSpPr/>
+        <p:nvPr/>
+      </p:nvGrpSpPr>
+      <p:grpSpPr>
+        <a:xfrm>
+          <a:off x="0" y="0"/>
+          <a:ext cx="0" cy="0"/>
+          <a:chOff x="0" y="0"/>
+          <a:chExt cx="0" cy="0"/>
+        </a:xfrm>
+      </p:grpSpPr>
+      <p:sp>
+        <p:nvSpPr>
+          <p:cNvPr id="2" name="Title 1"/>
+          <p:cNvSpPr>
+            <a:spLocks noGrp="1"/>
+          </p:cNvSpPr>
+          <p:nvPr>
+            <p:ph type="title"/>
+          </p:nvPr>
+        </p:nvSpPr>
+        <p:spPr>
+          <a:xfrm>
+            <a:off x="1141413" y="-58994"/>
+            <a:ext cx="9905998" cy="1478570"/>
+          </a:xfrm>
+        </p:spPr>
+        <p:txBody>
+          <a:bodyPr/>
+          <a:lstStyle/>
+          <a:p>
+            <a:pPr algn="ctr"/>
+            <a:r>
+              <a:rPr lang="en-US" dirty="0" smtClean="0"/>
+              <a:t>Developing Securely</a:t>
+            </a:r>
+            <a:endParaRPr lang="en-US" dirty="0"/>
+          </a:p>
+        </p:txBody>
+      </p:sp>
+      <p:sp>
+        <p:nvSpPr>
+          <p:cNvPr id="3" name="Content Placeholder 2"/>
+          <p:cNvSpPr>
+            <a:spLocks noGrp="1"/>
+          </p:cNvSpPr>
+          <p:nvPr>
+            <p:ph idx="1"/>
+          </p:nvPr>
+        </p:nvSpPr>
+        <p:spPr>
+          <a:xfrm>
+            <a:off x="1141412" y="1600558"/>
+            <a:ext cx="9905999" cy="3541714"/>
+          </a:xfrm>
+        </p:spPr>
+        <p:txBody>
+          <a:bodyPr>
+            <a:normAutofit/>
+          </a:bodyPr>
+          <a:lstStyle/>
+          <a:p>
+            <a:r>
+              <a:rPr lang="en-US" dirty="0" err="1" smtClean="0"/>
+              <a:t>Synk</a:t>
+            </a:r>
+            <a:r>
+              <a:rPr lang="en-US" dirty="0" smtClean="0"/>
+              <a:t> for dependency vulnerabilities</a:t>
+            </a:r>
+          </a:p>
+          <a:p>
+            <a:r>
+              <a:rPr lang="en-US" dirty="0" err="1" smtClean="0"/>
+              <a:t>Sonarqube</a:t>
+            </a:r>
+            <a:r>
+              <a:rPr lang="en-US" dirty="0" smtClean="0"/>
+              <a:t> for software vulnerabilities</a:t>
+            </a:r>
+          </a:p>
+          <a:p>
+            <a:r>
+              <a:rPr lang="en-US" dirty="0" smtClean="0"/>
+              <a:t>OWASP ZAP for continuous vulnerability scanning </a:t>
+            </a:r>
+          </a:p>
+          <a:p>
+            <a:r>
+              <a:rPr lang="en-US" dirty="0" smtClean="0"/>
+              <a:t>Security assessment for OWASP Top 10</a:t>
+            </a:r>
+          </a:p>
+          <a:p>
+            <a:r>
+              <a:rPr lang="en-US" dirty="0" smtClean="0"/>
+              <a:t>Reporting on </a:t>
+            </a:r>
+            <a:r>
+              <a:rPr lang="en-US" dirty="0" err="1" smtClean="0"/>
+              <a:t>Github</a:t>
+            </a:r>
+            <a:endParaRPr lang="en-US" dirty="0"/>
+          </a:p>
+        </p:txBody>
+      </p:sp>
+      <p:pic>
+        <p:nvPicPr>
+          <p:cNvPr id="4" name="Picture 3"/>
+          <p:cNvPicPr>
+            <a:picLocks noChangeAspect="1"/>
+          </p:cNvPicPr>
+          <p:nvPr/>
+        </p:nvPicPr>
+        <p:blipFill>
+          <a:blip r:embed="rId3"/>
+          <a:stretch>
+            <a:fillRect/>
+          </a:stretch>
+        </p:blipFill>
+        <p:spPr>
+          <a:xfrm>
+            <a:off x="1457325" y="4384881"/>
+            <a:ext cx="8058150" cy="1200150"/>
+          </a:xfrm>
+          <a:prstGeom prst="rect">
+            <a:avLst/>
+          </a:prstGeom>
+        </p:spPr>
+      </p:pic>
+    </p:spTree>
+    <p:extLst>
+      <p:ext uri="{BB962C8B-B14F-4D97-AF65-F5344CB8AC3E}">
+        <p14:creationId xmlns:p14="http://schemas.microsoft.com/office/powerpoint/2010/main" val="2687863557"/>
+      </p:ext>
+    </p:extLst>
+  </p:cSld>
+  <p:clrMapOvr>
+    <a:masterClrMapping/>
+  </p:clrMapOvr>
+  <p:timing>
+    <p:tnLst>
+      <p:par>
+        <p:cTn id="1" dur="indefinite" restart="never" nodeType="tmRoot"/>
+      </p:par>
+    </p:tnLst>
+  </p:timing>
+</p:sld>
+</file>
+
+<file path=ppt/slides/slide16.xml><?xml version="1.0" encoding="utf-8"?>
+<p:sld xmlns:a="http://schemas.openxmlformats.org/drawingml/2006/main" xmlns:r="http://schemas.openxmlformats.org/officeDocument/2006/relationships" xmlns:p="http://schemas.openxmlformats.org/presentationml/2006/main">
+  <p:cSld>
+    <p:bg>
+      <p:bgPr>
+        <a:solidFill>
+          <a:schemeClr val="bg1"/>
+        </a:solidFill>
+        <a:effectLst/>
+      </p:bgPr>
+    </p:bg>
+    <p:spTree>
+      <p:nvGrpSpPr>
+        <p:cNvPr id="1" name=""/>
+        <p:cNvGrpSpPr/>
+        <p:nvPr/>
+      </p:nvGrpSpPr>
+      <p:grpSpPr>
+        <a:xfrm>
+          <a:off x="0" y="0"/>
+          <a:ext cx="0" cy="0"/>
+          <a:chOff x="0" y="0"/>
+          <a:chExt cx="0" cy="0"/>
+        </a:xfrm>
+      </p:grpSpPr>
+      <p:sp>
+        <p:nvSpPr>
+          <p:cNvPr id="2" name="Title 1"/>
+          <p:cNvSpPr>
+            <a:spLocks noGrp="1"/>
+          </p:cNvSpPr>
+          <p:nvPr>
+            <p:ph type="title"/>
+          </p:nvPr>
+        </p:nvSpPr>
+        <p:spPr>
+          <a:xfrm>
+            <a:off x="1141413" y="-128733"/>
+            <a:ext cx="9905998" cy="1478570"/>
+          </a:xfrm>
+        </p:spPr>
+        <p:txBody>
+          <a:bodyPr/>
+          <a:lstStyle/>
+          <a:p>
+            <a:pPr algn="ctr"/>
+            <a:r>
+              <a:rPr lang="en-US" dirty="0" smtClean="0"/>
               <a:t>Continuous integration</a:t>
             </a:r>
-            <a:endParaRPr lang="en-US" dirty="0">
-              <a:solidFill>
-                <a:schemeClr val="bg1"/>
-              </a:solidFill>
-            </a:endParaRPr>
+            <a:endParaRPr lang="en-US" dirty="0"/>
           </a:p>
         </p:txBody>
       </p:sp>
@@ -14870,9 +16408,17 @@
 </p:sld>
 </file>
 
-<file path=ppt/slides/slide12.xml><?xml version="1.0" encoding="utf-8"?>
+<file path=ppt/slides/slide17.xml><?xml version="1.0" encoding="utf-8"?>
 <p:sld xmlns:a="http://schemas.openxmlformats.org/drawingml/2006/main" xmlns:r="http://schemas.openxmlformats.org/officeDocument/2006/relationships" xmlns:p="http://schemas.openxmlformats.org/presentationml/2006/main">
   <p:cSld>
+    <p:bg>
+      <p:bgPr>
+        <a:solidFill>
+          <a:schemeClr val="bg1"/>
+        </a:solidFill>
+        <a:effectLst/>
+      </p:bgPr>
+    </p:bg>
     <p:spTree>
       <p:nvGrpSpPr>
         <p:cNvPr id="1" name=""/>
@@ -14897,31 +16443,28 @@
             <p:ph type="title"/>
           </p:nvPr>
         </p:nvSpPr>
-        <p:spPr/>
+        <p:spPr>
+          <a:xfrm>
+            <a:off x="1141413" y="-128733"/>
+            <a:ext cx="9905998" cy="1478570"/>
+          </a:xfrm>
+        </p:spPr>
         <p:txBody>
           <a:bodyPr/>
           <a:lstStyle/>
           <a:p>
             <a:pPr algn="ctr"/>
             <a:r>
-              <a:rPr lang="en-US" dirty="0" smtClean="0">
-                <a:solidFill>
-                  <a:schemeClr val="bg1"/>
-                </a:solidFill>
-              </a:rPr>
-              <a:t>Developing Securely</a:t>
+              <a:rPr lang="en-US" dirty="0" smtClean="0"/>
+              <a:t>Design considerations</a:t>
             </a:r>
-            <a:endParaRPr lang="en-US" dirty="0">
-              <a:solidFill>
-                <a:schemeClr val="bg1"/>
-              </a:solidFill>
-            </a:endParaRPr>
-          </a:p>
-        </p:txBody>
-      </p:sp>
-      <p:sp>
-        <p:nvSpPr>
-          <p:cNvPr id="3" name="Content Placeholder 2"/>
+            <a:endParaRPr lang="en-US" dirty="0"/>
+          </a:p>
+        </p:txBody>
+      </p:sp>
+      <p:sp>
+        <p:nvSpPr>
+          <p:cNvPr id="7" name="Content Placeholder 2"/>
           <p:cNvSpPr>
             <a:spLocks noGrp="1"/>
           </p:cNvSpPr>
@@ -14937,118 +16480,169 @@
         </p:spPr>
         <p:txBody>
           <a:bodyPr>
-            <a:normAutofit/>
+            <a:normAutofit lnSpcReduction="10000"/>
           </a:bodyPr>
           <a:lstStyle/>
           <a:p>
             <a:r>
-              <a:rPr lang="en-US" dirty="0" err="1" smtClean="0">
-                <a:solidFill>
-                  <a:schemeClr val="tx2"/>
-                </a:solidFill>
-              </a:rPr>
-              <a:t>Synk</a:t>
+              <a:rPr lang="en-US" dirty="0" smtClean="0"/>
+              <a:t>Docker Containers – Scalability and Efficiency</a:t>
             </a:r>
+          </a:p>
+          <a:p>
             <a:r>
-              <a:rPr lang="en-US" dirty="0" smtClean="0">
-                <a:solidFill>
-                  <a:schemeClr val="tx2"/>
-                </a:solidFill>
-              </a:rPr>
-              <a:t> for dependency vulnerabilities</a:t>
+              <a:rPr lang="en-US" dirty="0" smtClean="0"/>
+              <a:t>Nginx – Load balancing and static file delivery</a:t>
             </a:r>
           </a:p>
           <a:p>
             <a:r>
-              <a:rPr lang="en-US" dirty="0" err="1" smtClean="0">
-                <a:solidFill>
-                  <a:schemeClr val="tx2"/>
-                </a:solidFill>
-              </a:rPr>
-              <a:t>Sonarqube</a:t>
+              <a:rPr lang="en-US" dirty="0" smtClean="0"/>
+              <a:t>Django – Structured web framework because of python familiarity</a:t>
             </a:r>
+          </a:p>
+          <a:p>
             <a:r>
-              <a:rPr lang="en-US" dirty="0" smtClean="0">
-                <a:solidFill>
-                  <a:schemeClr val="tx2"/>
-                </a:solidFill>
-              </a:rPr>
-              <a:t> for software vulnerabilities</a:t>
+              <a:rPr lang="en-US" dirty="0" smtClean="0"/>
+              <a:t>Sonarqube &amp; OWASP ZAP – secure development </a:t>
             </a:r>
           </a:p>
           <a:p>
             <a:r>
-              <a:rPr lang="en-US" dirty="0" smtClean="0">
-                <a:solidFill>
-                  <a:schemeClr val="tx2"/>
-                </a:solidFill>
-              </a:rPr>
-              <a:t>OWASP ZAP for continuous vulnerability scanning </a:t>
+              <a:rPr lang="en-US" dirty="0" smtClean="0"/>
+              <a:t>Selenium and Mocha – simple unit and functional testing frameworks</a:t>
             </a:r>
           </a:p>
           <a:p>
-            <a:r>
-              <a:rPr lang="en-US" dirty="0" smtClean="0">
-                <a:solidFill>
-                  <a:schemeClr val="tx2"/>
-                </a:solidFill>
-              </a:rPr>
-              <a:t>Security assessment for OWASP Top 10</a:t>
-            </a:r>
-          </a:p>
-          <a:p>
-            <a:r>
-              <a:rPr lang="en-US" dirty="0" smtClean="0">
-                <a:solidFill>
-                  <a:schemeClr val="tx2"/>
-                </a:solidFill>
-              </a:rPr>
-              <a:t>Reporting on </a:t>
-            </a:r>
-            <a:r>
-              <a:rPr lang="en-US" dirty="0" err="1" smtClean="0">
-                <a:solidFill>
-                  <a:schemeClr val="tx2"/>
-                </a:solidFill>
-              </a:rPr>
-              <a:t>Github</a:t>
-            </a:r>
-            <a:endParaRPr lang="en-US" dirty="0">
-              <a:solidFill>
-                <a:schemeClr val="tx2"/>
-              </a:solidFill>
-            </a:endParaRPr>
-          </a:p>
-        </p:txBody>
-      </p:sp>
-      <p:pic>
-        <p:nvPicPr>
-          <p:cNvPr id="4" name="Picture 3"/>
-          <p:cNvPicPr>
-            <a:picLocks noChangeAspect="1"/>
-          </p:cNvPicPr>
-          <p:nvPr/>
-        </p:nvPicPr>
-        <p:blipFill>
-          <a:blip r:embed="rId3"/>
-          <a:stretch>
-            <a:fillRect/>
-          </a:stretch>
-        </p:blipFill>
+            <a:endParaRPr lang="en-US" dirty="0" smtClean="0"/>
+          </a:p>
+          <a:p>
+            <a:endParaRPr lang="en-US" dirty="0"/>
+          </a:p>
+        </p:txBody>
+      </p:sp>
+    </p:spTree>
+    <p:extLst>
+      <p:ext uri="{BB962C8B-B14F-4D97-AF65-F5344CB8AC3E}">
+        <p14:creationId xmlns:p14="http://schemas.microsoft.com/office/powerpoint/2010/main" val="35810874"/>
+      </p:ext>
+    </p:extLst>
+  </p:cSld>
+  <p:clrMapOvr>
+    <a:masterClrMapping/>
+  </p:clrMapOvr>
+  <p:timing>
+    <p:tnLst>
+      <p:par>
+        <p:cTn id="1" dur="indefinite" restart="never" nodeType="tmRoot"/>
+      </p:par>
+    </p:tnLst>
+  </p:timing>
+</p:sld>
+</file>
+
+<file path=ppt/slides/slide18.xml><?xml version="1.0" encoding="utf-8"?>
+<p:sld xmlns:a="http://schemas.openxmlformats.org/drawingml/2006/main" xmlns:r="http://schemas.openxmlformats.org/officeDocument/2006/relationships" xmlns:p="http://schemas.openxmlformats.org/presentationml/2006/main">
+  <p:cSld>
+    <p:bg>
+      <p:bgPr>
+        <a:solidFill>
+          <a:schemeClr val="bg1"/>
+        </a:solidFill>
+        <a:effectLst/>
+      </p:bgPr>
+    </p:bg>
+    <p:spTree>
+      <p:nvGrpSpPr>
+        <p:cNvPr id="1" name=""/>
+        <p:cNvGrpSpPr/>
+        <p:nvPr/>
+      </p:nvGrpSpPr>
+      <p:grpSpPr>
+        <a:xfrm>
+          <a:off x="0" y="0"/>
+          <a:ext cx="0" cy="0"/>
+          <a:chOff x="0" y="0"/>
+          <a:chExt cx="0" cy="0"/>
+        </a:xfrm>
+      </p:grpSpPr>
+      <p:sp>
+        <p:nvSpPr>
+          <p:cNvPr id="2" name="Title 1"/>
+          <p:cNvSpPr>
+            <a:spLocks noGrp="1"/>
+          </p:cNvSpPr>
+          <p:nvPr>
+            <p:ph type="title"/>
+          </p:nvPr>
+        </p:nvSpPr>
         <p:spPr>
           <a:xfrm>
-            <a:off x="1457325" y="4384881"/>
-            <a:ext cx="8058150" cy="1200150"/>
+            <a:off x="1141413" y="-128733"/>
+            <a:ext cx="9905998" cy="1478570"/>
+          </a:xfrm>
+        </p:spPr>
+        <p:txBody>
+          <a:bodyPr/>
+          <a:lstStyle/>
+          <a:p>
+            <a:pPr algn="ctr"/>
+            <a:r>
+              <a:rPr lang="en-US" dirty="0" smtClean="0"/>
+              <a:t>Conclusion</a:t>
+            </a:r>
+            <a:endParaRPr lang="en-US" dirty="0"/>
+          </a:p>
+        </p:txBody>
+      </p:sp>
+      <p:sp>
+        <p:nvSpPr>
+          <p:cNvPr id="3" name="Rectangle 2"/>
+          <p:cNvSpPr/>
+          <p:nvPr/>
+        </p:nvSpPr>
+        <p:spPr>
+          <a:xfrm>
+            <a:off x="1563328" y="1002890"/>
+            <a:ext cx="9232491" cy="5262979"/>
           </a:xfrm>
           <a:prstGeom prst="rect">
             <a:avLst/>
           </a:prstGeom>
         </p:spPr>
-      </p:pic>
+        <p:txBody>
+          <a:bodyPr wrap="square">
+            <a:spAutoFit/>
+          </a:bodyPr>
+          <a:lstStyle/>
+          <a:p>
+            <a:pPr>
+              <a:lnSpc>
+                <a:spcPct val="200000"/>
+              </a:lnSpc>
+              <a:spcAft>
+                <a:spcPts val="800"/>
+              </a:spcAft>
+            </a:pPr>
+            <a:r>
+              <a:rPr lang="en-US" sz="2400" dirty="0">
+                <a:ea typeface="Calibri" panose="020F0502020204030204" pitchFamily="34" charset="0"/>
+                <a:cs typeface="Calibri" panose="020F0502020204030204" pitchFamily="34" charset="0"/>
+              </a:rPr>
+              <a:t>This application was developed in a way to maximize satisfaction from the product owner by presenting constant demos and gathering feedback.  Modern development practices like test driven development, static analysis, vulnerability scanning, and CI/CD enhanced the applications security and stability.  The Security Lab Manager is a great tool for learning security in a classroom setting safely.</a:t>
+            </a:r>
+            <a:endParaRPr lang="en-US" sz="2400" dirty="0">
+              <a:effectLst/>
+              <a:ea typeface="Calibri" panose="020F0502020204030204" pitchFamily="34" charset="0"/>
+              <a:cs typeface="Calibri" panose="020F0502020204030204" pitchFamily="34" charset="0"/>
+            </a:endParaRPr>
+          </a:p>
+        </p:txBody>
+      </p:sp>
     </p:spTree>
     <p:extLst>
       <p:ext uri="{BB962C8B-B14F-4D97-AF65-F5344CB8AC3E}">
-        <p14:creationId xmlns:p14="http://schemas.microsoft.com/office/powerpoint/2010/main" val="2687863557"/>
+        <p14:creationId xmlns:p14="http://schemas.microsoft.com/office/powerpoint/2010/main" val="2635601856"/>
       </p:ext>
     </p:extLst>
   </p:cSld>
@@ -15068,6 +16662,14 @@
 <file path=ppt/slides/slide2.xml><?xml version="1.0" encoding="utf-8"?>
 <p:sld xmlns:a="http://schemas.openxmlformats.org/drawingml/2006/main" xmlns:r="http://schemas.openxmlformats.org/officeDocument/2006/relationships" xmlns:p="http://schemas.openxmlformats.org/presentationml/2006/main">
   <p:cSld>
+    <p:bg>
+      <p:bgPr>
+        <a:solidFill>
+          <a:schemeClr val="bg1"/>
+        </a:solidFill>
+        <a:effectLst/>
+      </p:bgPr>
+    </p:bg>
     <p:spTree>
       <p:nvGrpSpPr>
         <p:cNvPr id="1" name=""/>
@@ -15099,18 +16701,10 @@
           <a:p>
             <a:pPr algn="ctr"/>
             <a:r>
-              <a:rPr lang="en-US" dirty="0" smtClean="0">
-                <a:solidFill>
-                  <a:schemeClr val="bg1"/>
-                </a:solidFill>
-              </a:rPr>
+              <a:rPr lang="en-US" dirty="0" smtClean="0"/>
               <a:t>Security Engineering</a:t>
             </a:r>
-            <a:endParaRPr lang="en-US" dirty="0">
-              <a:solidFill>
-                <a:schemeClr val="bg1"/>
-              </a:solidFill>
-            </a:endParaRPr>
+            <a:endParaRPr lang="en-US" dirty="0"/>
           </a:p>
         </p:txBody>
       </p:sp>
@@ -15132,48 +16726,28 @@
           <a:lstStyle/>
           <a:p>
             <a:r>
-              <a:rPr lang="en-US" sz="2800" dirty="0" smtClean="0">
-                <a:solidFill>
-                  <a:schemeClr val="tx2"/>
-                </a:solidFill>
-              </a:rPr>
+              <a:rPr lang="en-US" sz="2800" dirty="0" smtClean="0"/>
               <a:t>High demand for cyber security jobs</a:t>
             </a:r>
           </a:p>
           <a:p>
             <a:r>
-              <a:rPr lang="en-US" sz="2800" dirty="0" smtClean="0">
-                <a:solidFill>
-                  <a:schemeClr val="tx2"/>
-                </a:solidFill>
-              </a:rPr>
+              <a:rPr lang="en-US" sz="2800" dirty="0" smtClean="0"/>
               <a:t>Secure coding for desktop and web application required for developers</a:t>
             </a:r>
           </a:p>
           <a:p>
             <a:r>
-              <a:rPr lang="en-US" sz="2800" dirty="0" smtClean="0">
-                <a:solidFill>
-                  <a:schemeClr val="tx2"/>
-                </a:solidFill>
-              </a:rPr>
+              <a:rPr lang="en-US" sz="2800" dirty="0" smtClean="0"/>
               <a:t>Abuse case and fuzz testing required for production software</a:t>
             </a:r>
           </a:p>
           <a:p>
             <a:r>
-              <a:rPr lang="en-US" sz="2800" dirty="0" smtClean="0">
-                <a:solidFill>
-                  <a:schemeClr val="tx2"/>
-                </a:solidFill>
-              </a:rPr>
+              <a:rPr lang="en-US" sz="2800" dirty="0" smtClean="0"/>
               <a:t>Reverse engineers require knowledge of memory management/software flaws</a:t>
             </a:r>
-            <a:endParaRPr lang="en-US" sz="2800" dirty="0">
-              <a:solidFill>
-                <a:schemeClr val="tx2"/>
-              </a:solidFill>
-            </a:endParaRPr>
+            <a:endParaRPr lang="en-US" sz="2800" dirty="0"/>
           </a:p>
         </p:txBody>
       </p:sp>
@@ -15200,6 +16774,14 @@
 <file path=ppt/slides/slide3.xml><?xml version="1.0" encoding="utf-8"?>
 <p:sld xmlns:a="http://schemas.openxmlformats.org/drawingml/2006/main" xmlns:r="http://schemas.openxmlformats.org/officeDocument/2006/relationships" xmlns:p="http://schemas.openxmlformats.org/presentationml/2006/main">
   <p:cSld>
+    <p:bg>
+      <p:bgPr>
+        <a:solidFill>
+          <a:schemeClr val="bg1"/>
+        </a:solidFill>
+        <a:effectLst/>
+      </p:bgPr>
+    </p:bg>
     <p:spTree>
       <p:nvGrpSpPr>
         <p:cNvPr id="1" name=""/>
@@ -15231,18 +16813,10 @@
           <a:p>
             <a:pPr algn="ctr"/>
             <a:r>
-              <a:rPr lang="en-US" dirty="0" smtClean="0">
-                <a:solidFill>
-                  <a:schemeClr val="bg1"/>
-                </a:solidFill>
-              </a:rPr>
+              <a:rPr lang="en-US" dirty="0" smtClean="0"/>
               <a:t>Learning Resources</a:t>
             </a:r>
-            <a:endParaRPr lang="en-US" dirty="0">
-              <a:solidFill>
-                <a:schemeClr val="bg1"/>
-              </a:solidFill>
-            </a:endParaRPr>
+            <a:endParaRPr lang="en-US" dirty="0"/>
           </a:p>
         </p:txBody>
       </p:sp>
@@ -15264,31 +16838,19 @@
           <a:lstStyle/>
           <a:p>
             <a:r>
-              <a:rPr lang="en-US" sz="2800" dirty="0" smtClean="0">
-                <a:solidFill>
-                  <a:schemeClr val="tx2"/>
-                </a:solidFill>
-              </a:rPr>
+              <a:rPr lang="en-US" sz="2800" dirty="0" smtClean="0"/>
               <a:t>Books with short answer questions</a:t>
             </a:r>
           </a:p>
           <a:p>
             <a:r>
-              <a:rPr lang="en-US" sz="2800" dirty="0" smtClean="0">
-                <a:solidFill>
-                  <a:schemeClr val="tx2"/>
-                </a:solidFill>
-              </a:rPr>
+              <a:rPr lang="en-US" sz="2800" dirty="0" smtClean="0"/>
               <a:t>Capture the flag competitions</a:t>
             </a:r>
           </a:p>
           <a:p>
             <a:r>
-              <a:rPr lang="en-US" sz="2800" dirty="0" smtClean="0">
-                <a:solidFill>
-                  <a:schemeClr val="tx2"/>
-                </a:solidFill>
-              </a:rPr>
+              <a:rPr lang="en-US" sz="2800" dirty="0" smtClean="0"/>
               <a:t>Setup own virtual hacking environment</a:t>
             </a:r>
           </a:p>
@@ -15317,6 +16879,14 @@
 <file path=ppt/slides/slide4.xml><?xml version="1.0" encoding="utf-8"?>
 <p:sld xmlns:a="http://schemas.openxmlformats.org/drawingml/2006/main" xmlns:r="http://schemas.openxmlformats.org/officeDocument/2006/relationships" xmlns:p="http://schemas.openxmlformats.org/presentationml/2006/main">
   <p:cSld>
+    <p:bg>
+      <p:bgPr>
+        <a:solidFill>
+          <a:schemeClr val="bg1"/>
+        </a:solidFill>
+        <a:effectLst/>
+      </p:bgPr>
+    </p:bg>
     <p:spTree>
       <p:nvGrpSpPr>
         <p:cNvPr id="1" name=""/>
@@ -15348,18 +16918,10 @@
           <a:p>
             <a:pPr algn="ctr"/>
             <a:r>
-              <a:rPr lang="en-US" dirty="0" smtClean="0">
-                <a:solidFill>
-                  <a:schemeClr val="bg1"/>
-                </a:solidFill>
-              </a:rPr>
+              <a:rPr lang="en-US" dirty="0" smtClean="0"/>
               <a:t>Hands on Learning</a:t>
             </a:r>
-            <a:endParaRPr lang="en-US" dirty="0">
-              <a:solidFill>
-                <a:schemeClr val="bg1"/>
-              </a:solidFill>
-            </a:endParaRPr>
+            <a:endParaRPr lang="en-US" dirty="0"/>
           </a:p>
         </p:txBody>
       </p:sp>
@@ -15381,31 +16943,19 @@
           <a:lstStyle/>
           <a:p>
             <a:r>
-              <a:rPr lang="en-US" sz="2800" dirty="0" smtClean="0">
-                <a:solidFill>
-                  <a:schemeClr val="tx2"/>
-                </a:solidFill>
-              </a:rPr>
+              <a:rPr lang="en-US" sz="2800" dirty="0" smtClean="0"/>
               <a:t>How do we allow students to virtualize exercises?</a:t>
             </a:r>
           </a:p>
           <a:p>
             <a:r>
-              <a:rPr lang="en-US" sz="2800" dirty="0" smtClean="0">
-                <a:solidFill>
-                  <a:schemeClr val="tx2"/>
-                </a:solidFill>
-              </a:rPr>
+              <a:rPr lang="en-US" sz="2800" dirty="0" smtClean="0"/>
               <a:t>What is the fastest way possible to do this?</a:t>
             </a:r>
           </a:p>
           <a:p>
             <a:r>
-              <a:rPr lang="en-US" sz="2800" dirty="0" smtClean="0">
-                <a:solidFill>
-                  <a:schemeClr val="tx2"/>
-                </a:solidFill>
-              </a:rPr>
+              <a:rPr lang="en-US" sz="2800" dirty="0" smtClean="0"/>
               <a:t>Does this require the students to have powerful computing resources?</a:t>
             </a:r>
           </a:p>
@@ -15434,6 +16984,14 @@
 <file path=ppt/slides/slide5.xml><?xml version="1.0" encoding="utf-8"?>
 <p:sld xmlns:a="http://schemas.openxmlformats.org/drawingml/2006/main" xmlns:r="http://schemas.openxmlformats.org/officeDocument/2006/relationships" xmlns:p="http://schemas.openxmlformats.org/presentationml/2006/main">
   <p:cSld>
+    <p:bg>
+      <p:bgPr>
+        <a:solidFill>
+          <a:schemeClr val="bg1"/>
+        </a:solidFill>
+        <a:effectLst/>
+      </p:bgPr>
+    </p:bg>
     <p:spTree>
       <p:nvGrpSpPr>
         <p:cNvPr id="1" name=""/>
@@ -15465,18 +17023,10 @@
           <a:p>
             <a:pPr algn="ctr"/>
             <a:r>
-              <a:rPr lang="en-US" dirty="0" smtClean="0">
-                <a:solidFill>
-                  <a:schemeClr val="bg1"/>
-                </a:solidFill>
-              </a:rPr>
+              <a:rPr lang="en-US" dirty="0" smtClean="0"/>
               <a:t>Manage virtual machines</a:t>
             </a:r>
-            <a:endParaRPr lang="en-US" dirty="0">
-              <a:solidFill>
-                <a:schemeClr val="bg1"/>
-              </a:solidFill>
-            </a:endParaRPr>
+            <a:endParaRPr lang="en-US" dirty="0"/>
           </a:p>
         </p:txBody>
       </p:sp>
@@ -15503,36 +17053,20 @@
           <a:lstStyle/>
           <a:p>
             <a:r>
-              <a:rPr lang="en-US" sz="2800" dirty="0" smtClean="0">
-                <a:solidFill>
-                  <a:schemeClr val="tx2"/>
-                </a:solidFill>
-              </a:rPr>
+              <a:rPr lang="en-US" sz="2800" dirty="0" smtClean="0"/>
               <a:t>Students and Professors</a:t>
             </a:r>
           </a:p>
           <a:p>
             <a:r>
-              <a:rPr lang="en-US" sz="2800" dirty="0" smtClean="0">
-                <a:solidFill>
-                  <a:schemeClr val="tx2"/>
-                </a:solidFill>
-              </a:rPr>
+              <a:rPr lang="en-US" sz="2800" dirty="0" smtClean="0"/>
               <a:t>Training</a:t>
             </a:r>
-            <a:endParaRPr lang="en-US" sz="2800" dirty="0">
-              <a:solidFill>
-                <a:schemeClr val="tx2"/>
-              </a:solidFill>
-            </a:endParaRPr>
+            <a:endParaRPr lang="en-US" sz="2800" dirty="0"/>
           </a:p>
           <a:p>
             <a:r>
-              <a:rPr lang="en-US" sz="2800" dirty="0" smtClean="0">
-                <a:solidFill>
-                  <a:schemeClr val="tx2"/>
-                </a:solidFill>
-              </a:rPr>
+              <a:rPr lang="en-US" sz="2800" dirty="0" smtClean="0"/>
               <a:t>Any class size with little setup time</a:t>
             </a:r>
           </a:p>
@@ -15561,6 +17095,14 @@
 <file path=ppt/slides/slide6.xml><?xml version="1.0" encoding="utf-8"?>
 <p:sld xmlns:a="http://schemas.openxmlformats.org/drawingml/2006/main" xmlns:r="http://schemas.openxmlformats.org/officeDocument/2006/relationships" xmlns:p="http://schemas.openxmlformats.org/presentationml/2006/main">
   <p:cSld>
+    <p:bg>
+      <p:bgPr>
+        <a:solidFill>
+          <a:schemeClr val="bg1"/>
+        </a:solidFill>
+        <a:effectLst/>
+      </p:bgPr>
+    </p:bg>
     <p:spTree>
       <p:nvGrpSpPr>
         <p:cNvPr id="1" name=""/>
@@ -15585,193 +17127,17 @@
             <p:ph type="title"/>
           </p:nvPr>
         </p:nvSpPr>
-        <p:spPr>
-          <a:xfrm>
-            <a:off x="1141412" y="530028"/>
-            <a:ext cx="9905998" cy="1478570"/>
-          </a:xfrm>
-        </p:spPr>
+        <p:spPr/>
         <p:txBody>
           <a:bodyPr/>
           <a:lstStyle/>
           <a:p>
             <a:pPr algn="ctr"/>
             <a:r>
-              <a:rPr lang="en-US" dirty="0" smtClean="0">
-                <a:solidFill>
-                  <a:schemeClr val="bg1"/>
-                </a:solidFill>
-              </a:rPr>
-              <a:t>Architecture Overview</a:t>
-            </a:r>
-            <a:endParaRPr lang="en-US" dirty="0">
-              <a:solidFill>
-                <a:schemeClr val="bg1"/>
-              </a:solidFill>
-            </a:endParaRPr>
-          </a:p>
-        </p:txBody>
-      </p:sp>
-      <p:pic>
-        <p:nvPicPr>
-          <p:cNvPr id="1026" name="Picture 2" descr="https://github.com/so87/Security-Lab-Manager/raw/dev/documentation/high-level-design.PNG"/>
-          <p:cNvPicPr>
-            <a:picLocks noChangeAspect="1" noChangeArrowheads="1"/>
-          </p:cNvPicPr>
-          <p:nvPr/>
-        </p:nvPicPr>
-        <p:blipFill>
-          <a:blip r:embed="rId3">
-            <a:extLst>
-              <a:ext uri="{28A0092B-C50C-407E-A947-70E740481C1C}">
-                <a14:useLocalDpi xmlns:a14="http://schemas.microsoft.com/office/drawing/2010/main" val="0"/>
-              </a:ext>
-            </a:extLst>
-          </a:blip>
-          <a:srcRect/>
-          <a:stretch>
-            <a:fillRect/>
-          </a:stretch>
-        </p:blipFill>
-        <p:spPr bwMode="auto">
-          <a:xfrm>
-            <a:off x="5378245" y="1710813"/>
-            <a:ext cx="6371303" cy="4827639"/>
-          </a:xfrm>
-          <a:prstGeom prst="rect">
-            <a:avLst/>
-          </a:prstGeom>
-          <a:noFill/>
-          <a:extLst>
-            <a:ext uri="{909E8E84-426E-40DD-AFC4-6F175D3DCCD1}">
-              <a14:hiddenFill xmlns:a14="http://schemas.microsoft.com/office/drawing/2010/main">
-                <a:solidFill>
-                  <a:srgbClr val="FFFFFF"/>
-                </a:solidFill>
-              </a14:hiddenFill>
-            </a:ext>
-          </a:extLst>
-        </p:spPr>
-      </p:pic>
-      <p:sp>
-        <p:nvSpPr>
-          <p:cNvPr id="5" name="Content Placeholder 2"/>
-          <p:cNvSpPr>
-            <a:spLocks noGrp="1"/>
-          </p:cNvSpPr>
-          <p:nvPr>
-            <p:ph idx="1"/>
-          </p:nvPr>
-        </p:nvSpPr>
-        <p:spPr>
-          <a:xfrm>
-            <a:off x="1141412" y="1710813"/>
-            <a:ext cx="4836601" cy="4080388"/>
-          </a:xfrm>
-        </p:spPr>
-        <p:txBody>
-          <a:bodyPr>
-            <a:normAutofit/>
-          </a:bodyPr>
-          <a:lstStyle/>
-          <a:p>
-            <a:r>
-              <a:rPr lang="en-US" sz="2800" dirty="0" smtClean="0">
-                <a:solidFill>
-                  <a:schemeClr val="tx2"/>
-                </a:solidFill>
-              </a:rPr>
-              <a:t>Client/Server</a:t>
-            </a:r>
-          </a:p>
-          <a:p>
-            <a:r>
-              <a:rPr lang="en-US" sz="2800" dirty="0" smtClean="0">
-                <a:solidFill>
-                  <a:schemeClr val="tx2"/>
-                </a:solidFill>
-              </a:rPr>
-              <a:t>Web Application</a:t>
-            </a:r>
-          </a:p>
-          <a:p>
-            <a:r>
-              <a:rPr lang="en-US" sz="2800" dirty="0" smtClean="0">
-                <a:solidFill>
-                  <a:schemeClr val="tx2"/>
-                </a:solidFill>
-              </a:rPr>
-              <a:t>Starts/Stops Docker containers</a:t>
-            </a:r>
-          </a:p>
-        </p:txBody>
-      </p:sp>
-    </p:spTree>
-    <p:extLst>
-      <p:ext uri="{BB962C8B-B14F-4D97-AF65-F5344CB8AC3E}">
-        <p14:creationId xmlns:p14="http://schemas.microsoft.com/office/powerpoint/2010/main" val="4056442777"/>
-      </p:ext>
-    </p:extLst>
-  </p:cSld>
-  <p:clrMapOvr>
-    <a:masterClrMapping/>
-  </p:clrMapOvr>
-  <p:timing>
-    <p:tnLst>
-      <p:par>
-        <p:cTn id="1" dur="indefinite" restart="never" nodeType="tmRoot"/>
-      </p:par>
-    </p:tnLst>
-  </p:timing>
-</p:sld>
-</file>
-
-<file path=ppt/slides/slide7.xml><?xml version="1.0" encoding="utf-8"?>
-<p:sld xmlns:a="http://schemas.openxmlformats.org/drawingml/2006/main" xmlns:r="http://schemas.openxmlformats.org/officeDocument/2006/relationships" xmlns:p="http://schemas.openxmlformats.org/presentationml/2006/main">
-  <p:cSld>
-    <p:spTree>
-      <p:nvGrpSpPr>
-        <p:cNvPr id="1" name=""/>
-        <p:cNvGrpSpPr/>
-        <p:nvPr/>
-      </p:nvGrpSpPr>
-      <p:grpSpPr>
-        <a:xfrm>
-          <a:off x="0" y="0"/>
-          <a:ext cx="0" cy="0"/>
-          <a:chOff x="0" y="0"/>
-          <a:chExt cx="0" cy="0"/>
-        </a:xfrm>
-      </p:grpSpPr>
-      <p:sp>
-        <p:nvSpPr>
-          <p:cNvPr id="2" name="Title 1"/>
-          <p:cNvSpPr>
-            <a:spLocks noGrp="1"/>
-          </p:cNvSpPr>
-          <p:nvPr>
-            <p:ph type="title"/>
-          </p:nvPr>
-        </p:nvSpPr>
-        <p:spPr/>
-        <p:txBody>
-          <a:bodyPr/>
-          <a:lstStyle/>
-          <a:p>
-            <a:pPr algn="ctr"/>
-            <a:r>
-              <a:rPr lang="en-US" dirty="0" smtClean="0">
-                <a:solidFill>
-                  <a:schemeClr val="bg1"/>
-                </a:solidFill>
-              </a:rPr>
+              <a:rPr lang="en-US" dirty="0" smtClean="0"/>
               <a:t>Requirements</a:t>
             </a:r>
-            <a:endParaRPr lang="en-US" dirty="0">
-              <a:solidFill>
-                <a:schemeClr val="bg1"/>
-              </a:solidFill>
-            </a:endParaRPr>
+            <a:endParaRPr lang="en-US" dirty="0"/>
           </a:p>
         </p:txBody>
       </p:sp>
@@ -15838,9 +17204,17 @@
 </p:sld>
 </file>
 
-<file path=ppt/slides/slide8.xml><?xml version="1.0" encoding="utf-8"?>
+<file path=ppt/slides/slide7.xml><?xml version="1.0" encoding="utf-8"?>
 <p:sld xmlns:a="http://schemas.openxmlformats.org/drawingml/2006/main" xmlns:r="http://schemas.openxmlformats.org/officeDocument/2006/relationships" xmlns:p="http://schemas.openxmlformats.org/presentationml/2006/main">
   <p:cSld>
+    <p:bg>
+      <p:bgPr>
+        <a:solidFill>
+          <a:schemeClr val="bg1"/>
+        </a:solidFill>
+        <a:effectLst/>
+      </p:bgPr>
+    </p:bg>
     <p:spTree>
       <p:nvGrpSpPr>
         <p:cNvPr id="1" name=""/>
@@ -15872,18 +17246,10 @@
           <a:p>
             <a:pPr algn="ctr"/>
             <a:r>
-              <a:rPr lang="en-US" dirty="0" smtClean="0">
-                <a:solidFill>
-                  <a:schemeClr val="bg1"/>
-                </a:solidFill>
-              </a:rPr>
+              <a:rPr lang="en-US" dirty="0" smtClean="0"/>
               <a:t>Requirements</a:t>
             </a:r>
-            <a:endParaRPr lang="en-US" dirty="0">
-              <a:solidFill>
-                <a:schemeClr val="bg1"/>
-              </a:solidFill>
-            </a:endParaRPr>
+            <a:endParaRPr lang="en-US" dirty="0"/>
           </a:p>
         </p:txBody>
       </p:sp>
@@ -15948,9 +17314,17 @@
 </p:sld>
 </file>
 
-<file path=ppt/slides/slide9.xml><?xml version="1.0" encoding="utf-8"?>
+<file path=ppt/slides/slide8.xml><?xml version="1.0" encoding="utf-8"?>
 <p:sld xmlns:a="http://schemas.openxmlformats.org/drawingml/2006/main" xmlns:r="http://schemas.openxmlformats.org/officeDocument/2006/relationships" xmlns:p="http://schemas.openxmlformats.org/presentationml/2006/main">
   <p:cSld>
+    <p:bg>
+      <p:bgPr>
+        <a:solidFill>
+          <a:schemeClr val="bg1"/>
+        </a:solidFill>
+        <a:effectLst/>
+      </p:bgPr>
+    </p:bg>
     <p:spTree>
       <p:nvGrpSpPr>
         <p:cNvPr id="1" name=""/>
@@ -15975,25 +17349,120 @@
             <p:ph type="title"/>
           </p:nvPr>
         </p:nvSpPr>
-        <p:spPr/>
+        <p:spPr>
+          <a:xfrm>
+            <a:off x="1141412" y="0"/>
+            <a:ext cx="9905998" cy="1478570"/>
+          </a:xfrm>
+        </p:spPr>
         <p:txBody>
           <a:bodyPr/>
           <a:lstStyle/>
           <a:p>
             <a:pPr algn="ctr"/>
             <a:r>
-              <a:rPr lang="en-US" dirty="0" smtClean="0">
-                <a:solidFill>
-                  <a:schemeClr val="bg1"/>
-                </a:solidFill>
-              </a:rPr>
+              <a:rPr lang="en-US" dirty="0" smtClean="0"/>
+              <a:t>Login Page</a:t>
+            </a:r>
+            <a:endParaRPr lang="en-US" dirty="0"/>
+          </a:p>
+        </p:txBody>
+      </p:sp>
+      <p:pic>
+        <p:nvPicPr>
+          <p:cNvPr id="5" name="Picture 4"/>
+          <p:cNvPicPr>
+            <a:picLocks noChangeAspect="1"/>
+          </p:cNvPicPr>
+          <p:nvPr/>
+        </p:nvPicPr>
+        <p:blipFill>
+          <a:blip r:embed="rId3"/>
+          <a:stretch>
+            <a:fillRect/>
+          </a:stretch>
+        </p:blipFill>
+        <p:spPr>
+          <a:xfrm>
+            <a:off x="2353673" y="1604967"/>
+            <a:ext cx="7481477" cy="4986551"/>
+          </a:xfrm>
+          <a:prstGeom prst="rect">
+            <a:avLst/>
+          </a:prstGeom>
+        </p:spPr>
+      </p:pic>
+    </p:spTree>
+    <p:extLst>
+      <p:ext uri="{BB962C8B-B14F-4D97-AF65-F5344CB8AC3E}">
+        <p14:creationId xmlns:p14="http://schemas.microsoft.com/office/powerpoint/2010/main" val="1560655530"/>
+      </p:ext>
+    </p:extLst>
+  </p:cSld>
+  <p:clrMapOvr>
+    <a:masterClrMapping/>
+  </p:clrMapOvr>
+  <p:timing>
+    <p:tnLst>
+      <p:par>
+        <p:cTn id="1" dur="indefinite" restart="never" nodeType="tmRoot"/>
+      </p:par>
+    </p:tnLst>
+  </p:timing>
+</p:sld>
+</file>
+
+<file path=ppt/slides/slide9.xml><?xml version="1.0" encoding="utf-8"?>
+<p:sld xmlns:a="http://schemas.openxmlformats.org/drawingml/2006/main" xmlns:r="http://schemas.openxmlformats.org/officeDocument/2006/relationships" xmlns:p="http://schemas.openxmlformats.org/presentationml/2006/main">
+  <p:cSld>
+    <p:bg>
+      <p:bgPr>
+        <a:solidFill>
+          <a:schemeClr val="bg1"/>
+        </a:solidFill>
+        <a:effectLst/>
+      </p:bgPr>
+    </p:bg>
+    <p:spTree>
+      <p:nvGrpSpPr>
+        <p:cNvPr id="1" name=""/>
+        <p:cNvGrpSpPr/>
+        <p:nvPr/>
+      </p:nvGrpSpPr>
+      <p:grpSpPr>
+        <a:xfrm>
+          <a:off x="0" y="0"/>
+          <a:ext cx="0" cy="0"/>
+          <a:chOff x="0" y="0"/>
+          <a:chExt cx="0" cy="0"/>
+        </a:xfrm>
+      </p:grpSpPr>
+      <p:sp>
+        <p:nvSpPr>
+          <p:cNvPr id="2" name="Title 1"/>
+          <p:cNvSpPr>
+            <a:spLocks noGrp="1"/>
+          </p:cNvSpPr>
+          <p:nvPr>
+            <p:ph type="title"/>
+          </p:nvPr>
+        </p:nvSpPr>
+        <p:spPr>
+          <a:xfrm>
+            <a:off x="1141413" y="0"/>
+            <a:ext cx="9905998" cy="1478570"/>
+          </a:xfrm>
+        </p:spPr>
+        <p:txBody>
+          <a:bodyPr/>
+          <a:lstStyle/>
+          <a:p>
+            <a:pPr algn="ctr"/>
+            <a:r>
+              <a:rPr lang="en-US" dirty="0" smtClean="0"/>
               <a:t>Student Interface</a:t>
             </a:r>
-            <a:endParaRPr lang="en-US" dirty="0">
-              <a:solidFill>
-                <a:schemeClr val="bg1"/>
-              </a:solidFill>
-            </a:endParaRPr>
+            <a:endParaRPr lang="en-US" dirty="0"/>
           </a:p>
         </p:txBody>
       </p:sp>
@@ -16013,8 +17482,8 @@
         </p:blipFill>
         <p:spPr>
           <a:xfrm>
-            <a:off x="2658855" y="1772116"/>
-            <a:ext cx="6871114" cy="4579732"/>
+            <a:off x="2356898" y="1576073"/>
+            <a:ext cx="7475027" cy="4982252"/>
           </a:xfrm>
           <a:prstGeom prst="rect">
             <a:avLst/>
@@ -16044,7 +17513,7 @@
 <file path=ppt/theme/theme1.xml><?xml version="1.0" encoding="utf-8"?>
 <a:theme xmlns:a="http://schemas.openxmlformats.org/drawingml/2006/main" name="Circuit">
   <a:themeElements>
-    <a:clrScheme name="Office 2007-2010">
+    <a:clrScheme name="Red">
       <a:dk1>
         <a:sysClr val="windowText" lastClr="000000"/>
       </a:dk1>
@@ -16052,34 +17521,34 @@
         <a:sysClr val="window" lastClr="FFFFFF"/>
       </a:lt1>
       <a:dk2>
-        <a:srgbClr val="1F497D"/>
+        <a:srgbClr val="323232"/>
       </a:dk2>
       <a:lt2>
-        <a:srgbClr val="EEECE1"/>
+        <a:srgbClr val="E5C243"/>
       </a:lt2>
       <a:accent1>
-        <a:srgbClr val="4F81BD"/>
+        <a:srgbClr val="A5300F"/>
       </a:accent1>
       <a:accent2>
-        <a:srgbClr val="C0504D"/>
+        <a:srgbClr val="D55816"/>
       </a:accent2>
       <a:accent3>
-        <a:srgbClr val="9BBB59"/>
+        <a:srgbClr val="E19825"/>
       </a:accent3>
       <a:accent4>
-        <a:srgbClr val="8064A2"/>
+        <a:srgbClr val="B19C7D"/>
       </a:accent4>
       <a:accent5>
-        <a:srgbClr val="4BACC6"/>
+        <a:srgbClr val="7F5F52"/>
       </a:accent5>
       <a:accent6>
-        <a:srgbClr val="F79646"/>
+        <a:srgbClr val="B27D49"/>
       </a:accent6>
       <a:hlink>
-        <a:srgbClr val="0000FF"/>
+        <a:srgbClr val="6B9F25"/>
       </a:hlink>
       <a:folHlink>
-        <a:srgbClr val="800080"/>
+        <a:srgbClr val="B26B02"/>
       </a:folHlink>
     </a:clrScheme>
     <a:fontScheme name="Circuit">
@@ -16834,7 +18303,7 @@
 </file>
 
 <file path=customXml/itemProps2.xml><?xml version="1.0" encoding="utf-8"?>
-<ds:datastoreItem xmlns:ds="http://schemas.openxmlformats.org/officeDocument/2006/customXml" ds:itemID="{47656399-B68A-442E-910D-1BD1EA01F7D5}">
+<ds:datastoreItem xmlns:ds="http://schemas.openxmlformats.org/officeDocument/2006/customXml" ds:itemID="{373F1B79-E3A1-488F-9590-87D7617D88B4}">
   <ds:schemaRefs>
     <ds:schemaRef ds:uri="http://www.w3.org/2001/XMLSchema"/>
     <ds:schemaRef ds:uri="http://www.boldonjames.com/2008/01/sie/internal/label"/>

--- a/documentation/presentation.pptx
+++ b/documentation/presentation.pptx
@@ -5,10 +5,10 @@
     <p:sldMasterId id="2147483780" r:id="rId3"/>
   </p:sldMasterIdLst>
   <p:notesMasterIdLst>
-    <p:notesMasterId r:id="rId22"/>
+    <p:notesMasterId r:id="rId23"/>
   </p:notesMasterIdLst>
   <p:handoutMasterIdLst>
-    <p:handoutMasterId r:id="rId23"/>
+    <p:handoutMasterId r:id="rId24"/>
   </p:handoutMasterIdLst>
   <p:sldIdLst>
     <p:sldId id="256" r:id="rId4"/>
@@ -26,9 +26,10 @@
     <p:sldId id="271" r:id="rId16"/>
     <p:sldId id="272" r:id="rId17"/>
     <p:sldId id="268" r:id="rId18"/>
-    <p:sldId id="266" r:id="rId19"/>
-    <p:sldId id="275" r:id="rId20"/>
-    <p:sldId id="274" r:id="rId21"/>
+    <p:sldId id="275" r:id="rId19"/>
+    <p:sldId id="266" r:id="rId20"/>
+    <p:sldId id="276" r:id="rId21"/>
+    <p:sldId id="274" r:id="rId22"/>
   </p:sldIdLst>
   <p:sldSz cx="12192000" cy="6858000"/>
   <p:notesSz cx="6858000" cy="9144000"/>
@@ -217,7 +218,7 @@
           <a:p>
             <a:fld id="{A856B199-1789-4443-9DE1-FA33660B713B}" type="datetimeFigureOut">
               <a:rPr lang="en-US" smtClean="0"/>
-              <a:t>11/27/2018</a:t>
+              <a:t>12/3/2018</a:t>
             </a:fld>
             <a:endParaRPr lang="en-US"/>
           </a:p>
@@ -382,7 +383,7 @@
           <a:p>
             <a:fld id="{0DCB8767-B91D-4925-A33B-64438006F0C1}" type="datetimeFigureOut">
               <a:rPr lang="en-US" smtClean="0"/>
-              <a:t>11/27/2018</a:t>
+              <a:t>12/3/2018</a:t>
             </a:fld>
             <a:endParaRPr lang="en-US"/>
           </a:p>
@@ -695,7 +696,7 @@
           <a:bodyPr/>
           <a:lstStyle/>
           <a:p>
-            <a:endParaRPr lang="en-US"/>
+            <a:endParaRPr lang="en-US" dirty="0"/>
           </a:p>
         </p:txBody>
       </p:sp>
@@ -1617,7 +1618,7 @@
     </p:spTree>
     <p:extLst>
       <p:ext uri="{BB962C8B-B14F-4D97-AF65-F5344CB8AC3E}">
-        <p14:creationId xmlns:p14="http://schemas.microsoft.com/office/powerpoint/2010/main" val="832951166"/>
+        <p14:creationId xmlns:p14="http://schemas.microsoft.com/office/powerpoint/2010/main" val="1707925867"/>
       </p:ext>
     </p:extLst>
   </p:cSld>
@@ -1739,7 +1740,7 @@
     </p:spTree>
     <p:extLst>
       <p:ext uri="{BB962C8B-B14F-4D97-AF65-F5344CB8AC3E}">
-        <p14:creationId xmlns:p14="http://schemas.microsoft.com/office/powerpoint/2010/main" val="1707925867"/>
+        <p14:creationId xmlns:p14="http://schemas.microsoft.com/office/powerpoint/2010/main" val="832951166"/>
       </p:ext>
     </p:extLst>
   </p:cSld>
@@ -1853,6 +1854,128 @@
             <a:fld id="{04AFFD27-C42C-47CD-8755-C4DF35BD4C7E}" type="slidenum">
               <a:rPr lang="en-US" smtClean="0"/>
               <a:t>18</a:t>
+            </a:fld>
+            <a:endParaRPr lang="en-US"/>
+          </a:p>
+        </p:txBody>
+      </p:sp>
+    </p:spTree>
+    <p:extLst>
+      <p:ext uri="{BB962C8B-B14F-4D97-AF65-F5344CB8AC3E}">
+        <p14:creationId xmlns:p14="http://schemas.microsoft.com/office/powerpoint/2010/main" val="2013274001"/>
+      </p:ext>
+    </p:extLst>
+  </p:cSld>
+  <p:clrMapOvr>
+    <a:masterClrMapping/>
+  </p:clrMapOvr>
+</p:notes>
+</file>
+
+<file path=ppt/notesSlides/notesSlide19.xml><?xml version="1.0" encoding="utf-8"?>
+<p:notes xmlns:a="http://schemas.openxmlformats.org/drawingml/2006/main" xmlns:r="http://schemas.openxmlformats.org/officeDocument/2006/relationships" xmlns:p="http://schemas.openxmlformats.org/presentationml/2006/main">
+  <p:cSld>
+    <p:spTree>
+      <p:nvGrpSpPr>
+        <p:cNvPr id="1" name=""/>
+        <p:cNvGrpSpPr/>
+        <p:nvPr/>
+      </p:nvGrpSpPr>
+      <p:grpSpPr>
+        <a:xfrm>
+          <a:off x="0" y="0"/>
+          <a:ext cx="0" cy="0"/>
+          <a:chOff x="0" y="0"/>
+          <a:chExt cx="0" cy="0"/>
+        </a:xfrm>
+      </p:grpSpPr>
+      <p:sp>
+        <p:nvSpPr>
+          <p:cNvPr id="2" name="Slide Image Placeholder 1"/>
+          <p:cNvSpPr>
+            <a:spLocks noGrp="1" noRot="1" noChangeAspect="1"/>
+          </p:cNvSpPr>
+          <p:nvPr>
+            <p:ph type="sldImg"/>
+          </p:nvPr>
+        </p:nvSpPr>
+        <p:spPr/>
+      </p:sp>
+      <p:sp>
+        <p:nvSpPr>
+          <p:cNvPr id="3" name="Notes Placeholder 2"/>
+          <p:cNvSpPr>
+            <a:spLocks noGrp="1"/>
+          </p:cNvSpPr>
+          <p:nvPr>
+            <p:ph type="body" idx="1"/>
+          </p:nvPr>
+        </p:nvSpPr>
+        <p:spPr/>
+        <p:txBody>
+          <a:bodyPr/>
+          <a:lstStyle/>
+          <a:p>
+            <a:endParaRPr lang="en-US" dirty="0"/>
+          </a:p>
+        </p:txBody>
+      </p:sp>
+      <p:sp>
+        <p:nvSpPr>
+          <p:cNvPr id="4" name="Header Placeholder 3"/>
+          <p:cNvSpPr>
+            <a:spLocks noGrp="1"/>
+          </p:cNvSpPr>
+          <p:nvPr>
+            <p:ph type="hdr" sz="quarter" idx="10"/>
+          </p:nvPr>
+        </p:nvSpPr>
+        <p:spPr/>
+        <p:txBody>
+          <a:bodyPr/>
+          <a:lstStyle/>
+          <a:p>
+            <a:endParaRPr lang="en-US"/>
+          </a:p>
+        </p:txBody>
+      </p:sp>
+      <p:sp>
+        <p:nvSpPr>
+          <p:cNvPr id="5" name="Footer Placeholder 4"/>
+          <p:cNvSpPr>
+            <a:spLocks noGrp="1"/>
+          </p:cNvSpPr>
+          <p:nvPr>
+            <p:ph type="ftr" sz="quarter" idx="11"/>
+          </p:nvPr>
+        </p:nvSpPr>
+        <p:spPr/>
+        <p:txBody>
+          <a:bodyPr/>
+          <a:lstStyle/>
+          <a:p>
+            <a:endParaRPr lang="en-US"/>
+          </a:p>
+        </p:txBody>
+      </p:sp>
+      <p:sp>
+        <p:nvSpPr>
+          <p:cNvPr id="6" name="Slide Number Placeholder 5"/>
+          <p:cNvSpPr>
+            <a:spLocks noGrp="1"/>
+          </p:cNvSpPr>
+          <p:nvPr>
+            <p:ph type="sldNum" sz="quarter" idx="12"/>
+          </p:nvPr>
+        </p:nvSpPr>
+        <p:spPr/>
+        <p:txBody>
+          <a:bodyPr/>
+          <a:lstStyle/>
+          <a:p>
+            <a:fld id="{04AFFD27-C42C-47CD-8755-C4DF35BD4C7E}" type="slidenum">
+              <a:rPr lang="en-US" smtClean="0"/>
+              <a:t>19</a:t>
             </a:fld>
             <a:endParaRPr lang="en-US"/>
           </a:p>
@@ -2904,7 +3027,7 @@
           <a:noFill/>
           <a:extLst>
             <a:ext uri="{909E8E84-426E-40dd-AFC4-6F175D3DCCD1}">
-              <a14:hiddenFill xmlns="" xmlns:a14="http://schemas.microsoft.com/office/drawing/2010/main">
+              <a14:hiddenFill xmlns:a14="http://schemas.microsoft.com/office/drawing/2010/main" xmlns="">
                 <a:solidFill>
                   <a:srgbClr val="FFFFFF"/>
                 </a:solidFill>
@@ -2963,7 +3086,7 @@
             </a:ln>
             <a:extLst>
               <a:ext uri="{91240B29-F687-4f45-9708-019B960494DF}">
-                <a14:hiddenLine xmlns="" xmlns:a14="http://schemas.microsoft.com/office/drawing/2010/main" w="9525">
+                <a14:hiddenLine xmlns:a14="http://schemas.microsoft.com/office/drawing/2010/main" xmlns="" w="9525">
                   <a:solidFill>
                     <a:srgbClr val="000000"/>
                   </a:solidFill>
@@ -3053,7 +3176,7 @@
             </a:ln>
             <a:extLst>
               <a:ext uri="{91240B29-F687-4f45-9708-019B960494DF}">
-                <a14:hiddenLine xmlns="" xmlns:a14="http://schemas.microsoft.com/office/drawing/2010/main" w="9525">
+                <a14:hiddenLine xmlns:a14="http://schemas.microsoft.com/office/drawing/2010/main" xmlns="" w="9525">
                   <a:solidFill>
                     <a:srgbClr val="000000"/>
                   </a:solidFill>
@@ -3143,7 +3266,7 @@
             </a:ln>
             <a:extLst>
               <a:ext uri="{91240B29-F687-4f45-9708-019B960494DF}">
-                <a14:hiddenLine xmlns="" xmlns:a14="http://schemas.microsoft.com/office/drawing/2010/main" w="9525">
+                <a14:hiddenLine xmlns:a14="http://schemas.microsoft.com/office/drawing/2010/main" xmlns="" w="9525">
                   <a:solidFill>
                     <a:srgbClr val="000000"/>
                   </a:solidFill>
@@ -3177,7 +3300,7 @@
             </a:ln>
             <a:extLst>
               <a:ext uri="{91240B29-F687-4f45-9708-019B960494DF}">
-                <a14:hiddenLine xmlns="" xmlns:a14="http://schemas.microsoft.com/office/drawing/2010/main" w="9525">
+                <a14:hiddenLine xmlns:a14="http://schemas.microsoft.com/office/drawing/2010/main" xmlns="" w="9525">
                   <a:solidFill>
                     <a:srgbClr val="000000"/>
                   </a:solidFill>
@@ -3267,7 +3390,7 @@
             </a:ln>
             <a:extLst>
               <a:ext uri="{91240B29-F687-4f45-9708-019B960494DF}">
-                <a14:hiddenLine xmlns="" xmlns:a14="http://schemas.microsoft.com/office/drawing/2010/main" w="9525">
+                <a14:hiddenLine xmlns:a14="http://schemas.microsoft.com/office/drawing/2010/main" xmlns="" w="9525">
                   <a:solidFill>
                     <a:srgbClr val="000000"/>
                   </a:solidFill>
@@ -3329,7 +3452,7 @@
             </a:ln>
             <a:extLst>
               <a:ext uri="{91240B29-F687-4f45-9708-019B960494DF}">
-                <a14:hiddenLine xmlns="" xmlns:a14="http://schemas.microsoft.com/office/drawing/2010/main" w="9525">
+                <a14:hiddenLine xmlns:a14="http://schemas.microsoft.com/office/drawing/2010/main" xmlns="" w="9525">
                   <a:solidFill>
                     <a:srgbClr val="000000"/>
                   </a:solidFill>
@@ -3391,7 +3514,7 @@
             </a:ln>
             <a:extLst>
               <a:ext uri="{91240B29-F687-4f45-9708-019B960494DF}">
-                <a14:hiddenLine xmlns="" xmlns:a14="http://schemas.microsoft.com/office/drawing/2010/main" w="9525">
+                <a14:hiddenLine xmlns:a14="http://schemas.microsoft.com/office/drawing/2010/main" xmlns="" w="9525">
                   <a:solidFill>
                     <a:srgbClr val="000000"/>
                   </a:solidFill>
@@ -3481,7 +3604,7 @@
             </a:ln>
             <a:extLst>
               <a:ext uri="{91240B29-F687-4f45-9708-019B960494DF}">
-                <a14:hiddenLine xmlns="" xmlns:a14="http://schemas.microsoft.com/office/drawing/2010/main" w="9525">
+                <a14:hiddenLine xmlns:a14="http://schemas.microsoft.com/office/drawing/2010/main" xmlns="" w="9525">
                   <a:solidFill>
                     <a:srgbClr val="000000"/>
                   </a:solidFill>
@@ -3543,7 +3666,7 @@
             </a:ln>
             <a:extLst>
               <a:ext uri="{91240B29-F687-4f45-9708-019B960494DF}">
-                <a14:hiddenLine xmlns="" xmlns:a14="http://schemas.microsoft.com/office/drawing/2010/main" w="9525">
+                <a14:hiddenLine xmlns:a14="http://schemas.microsoft.com/office/drawing/2010/main" xmlns="" w="9525">
                   <a:solidFill>
                     <a:srgbClr val="000000"/>
                   </a:solidFill>
@@ -3605,7 +3728,7 @@
             </a:ln>
             <a:extLst>
               <a:ext uri="{91240B29-F687-4f45-9708-019B960494DF}">
-                <a14:hiddenLine xmlns="" xmlns:a14="http://schemas.microsoft.com/office/drawing/2010/main" w="9525">
+                <a14:hiddenLine xmlns:a14="http://schemas.microsoft.com/office/drawing/2010/main" xmlns="" w="9525">
                   <a:solidFill>
                     <a:srgbClr val="000000"/>
                   </a:solidFill>
@@ -3695,7 +3818,7 @@
             </a:ln>
             <a:extLst>
               <a:ext uri="{91240B29-F687-4f45-9708-019B960494DF}">
-                <a14:hiddenLine xmlns="" xmlns:a14="http://schemas.microsoft.com/office/drawing/2010/main" w="9525">
+                <a14:hiddenLine xmlns:a14="http://schemas.microsoft.com/office/drawing/2010/main" xmlns="" w="9525">
                   <a:solidFill>
                     <a:srgbClr val="000000"/>
                   </a:solidFill>
@@ -3785,7 +3908,7 @@
             </a:ln>
             <a:extLst>
               <a:ext uri="{91240B29-F687-4f45-9708-019B960494DF}">
-                <a14:hiddenLine xmlns="" xmlns:a14="http://schemas.microsoft.com/office/drawing/2010/main" w="9525">
+                <a14:hiddenLine xmlns:a14="http://schemas.microsoft.com/office/drawing/2010/main" xmlns="" w="9525">
                   <a:solidFill>
                     <a:srgbClr val="000000"/>
                   </a:solidFill>
@@ -3847,7 +3970,7 @@
             </a:ln>
             <a:extLst>
               <a:ext uri="{91240B29-F687-4f45-9708-019B960494DF}">
-                <a14:hiddenLine xmlns="" xmlns:a14="http://schemas.microsoft.com/office/drawing/2010/main" w="9525">
+                <a14:hiddenLine xmlns:a14="http://schemas.microsoft.com/office/drawing/2010/main" xmlns="" w="9525">
                   <a:solidFill>
                     <a:srgbClr val="000000"/>
                   </a:solidFill>
@@ -3957,7 +4080,7 @@
             </a:ln>
             <a:extLst>
               <a:ext uri="{91240B29-F687-4f45-9708-019B960494DF}">
-                <a14:hiddenLine xmlns="" xmlns:a14="http://schemas.microsoft.com/office/drawing/2010/main" w="9525">
+                <a14:hiddenLine xmlns:a14="http://schemas.microsoft.com/office/drawing/2010/main" xmlns="" w="9525">
                   <a:solidFill>
                     <a:srgbClr val="000000"/>
                   </a:solidFill>
@@ -4019,7 +4142,7 @@
             </a:ln>
             <a:extLst>
               <a:ext uri="{91240B29-F687-4f45-9708-019B960494DF}">
-                <a14:hiddenLine xmlns="" xmlns:a14="http://schemas.microsoft.com/office/drawing/2010/main" w="9525">
+                <a14:hiddenLine xmlns:a14="http://schemas.microsoft.com/office/drawing/2010/main" xmlns="" w="9525">
                   <a:solidFill>
                     <a:srgbClr val="000000"/>
                   </a:solidFill>
@@ -4109,7 +4232,7 @@
             </a:ln>
             <a:extLst>
               <a:ext uri="{91240B29-F687-4f45-9708-019B960494DF}">
-                <a14:hiddenLine xmlns="" xmlns:a14="http://schemas.microsoft.com/office/drawing/2010/main" w="9525">
+                <a14:hiddenLine xmlns:a14="http://schemas.microsoft.com/office/drawing/2010/main" xmlns="" w="9525">
                   <a:solidFill>
                     <a:srgbClr val="000000"/>
                   </a:solidFill>
@@ -4199,7 +4322,7 @@
             </a:ln>
             <a:extLst>
               <a:ext uri="{91240B29-F687-4f45-9708-019B960494DF}">
-                <a14:hiddenLine xmlns="" xmlns:a14="http://schemas.microsoft.com/office/drawing/2010/main" w="9525">
+                <a14:hiddenLine xmlns:a14="http://schemas.microsoft.com/office/drawing/2010/main" xmlns="" w="9525">
                   <a:solidFill>
                     <a:srgbClr val="000000"/>
                   </a:solidFill>
@@ -4261,7 +4384,7 @@
             </a:ln>
             <a:extLst>
               <a:ext uri="{91240B29-F687-4f45-9708-019B960494DF}">
-                <a14:hiddenLine xmlns="" xmlns:a14="http://schemas.microsoft.com/office/drawing/2010/main" w="9525">
+                <a14:hiddenLine xmlns:a14="http://schemas.microsoft.com/office/drawing/2010/main" xmlns="" w="9525">
                   <a:solidFill>
                     <a:srgbClr val="000000"/>
                   </a:solidFill>
@@ -4351,7 +4474,7 @@
             </a:ln>
             <a:extLst>
               <a:ext uri="{91240B29-F687-4f45-9708-019B960494DF}">
-                <a14:hiddenLine xmlns="" xmlns:a14="http://schemas.microsoft.com/office/drawing/2010/main" w="9525">
+                <a14:hiddenLine xmlns:a14="http://schemas.microsoft.com/office/drawing/2010/main" xmlns="" w="9525">
                   <a:solidFill>
                     <a:srgbClr val="000000"/>
                   </a:solidFill>
@@ -4441,7 +4564,7 @@
             </a:ln>
             <a:extLst>
               <a:ext uri="{91240B29-F687-4f45-9708-019B960494DF}">
-                <a14:hiddenLine xmlns="" xmlns:a14="http://schemas.microsoft.com/office/drawing/2010/main" w="9525">
+                <a14:hiddenLine xmlns:a14="http://schemas.microsoft.com/office/drawing/2010/main" xmlns="" w="9525">
                   <a:solidFill>
                     <a:srgbClr val="000000"/>
                   </a:solidFill>
@@ -4497,7 +4620,7 @@
             </a:ln>
             <a:extLst>
               <a:ext uri="{91240B29-F687-4f45-9708-019B960494DF}">
-                <a14:hiddenLine xmlns="" xmlns:a14="http://schemas.microsoft.com/office/drawing/2010/main" w="9525">
+                <a14:hiddenLine xmlns:a14="http://schemas.microsoft.com/office/drawing/2010/main" xmlns="" w="9525">
                   <a:solidFill>
                     <a:srgbClr val="000000"/>
                   </a:solidFill>
@@ -4587,7 +4710,7 @@
             </a:ln>
             <a:extLst>
               <a:ext uri="{91240B29-F687-4f45-9708-019B960494DF}">
-                <a14:hiddenLine xmlns="" xmlns:a14="http://schemas.microsoft.com/office/drawing/2010/main" w="9525">
+                <a14:hiddenLine xmlns:a14="http://schemas.microsoft.com/office/drawing/2010/main" xmlns="" w="9525">
                   <a:solidFill>
                     <a:srgbClr val="000000"/>
                   </a:solidFill>
@@ -4643,7 +4766,7 @@
             </a:ln>
             <a:extLst>
               <a:ext uri="{91240B29-F687-4f45-9708-019B960494DF}">
-                <a14:hiddenLine xmlns="" xmlns:a14="http://schemas.microsoft.com/office/drawing/2010/main" w="9525">
+                <a14:hiddenLine xmlns:a14="http://schemas.microsoft.com/office/drawing/2010/main" xmlns="" w="9525">
                   <a:solidFill>
                     <a:srgbClr val="000000"/>
                   </a:solidFill>
@@ -4733,7 +4856,7 @@
             </a:ln>
             <a:extLst>
               <a:ext uri="{91240B29-F687-4f45-9708-019B960494DF}">
-                <a14:hiddenLine xmlns="" xmlns:a14="http://schemas.microsoft.com/office/drawing/2010/main" w="9525">
+                <a14:hiddenLine xmlns:a14="http://schemas.microsoft.com/office/drawing/2010/main" xmlns="" w="9525">
                   <a:solidFill>
                     <a:srgbClr val="000000"/>
                   </a:solidFill>
@@ -4801,7 +4924,7 @@
             </a:ln>
             <a:extLst>
               <a:ext uri="{91240B29-F687-4f45-9708-019B960494DF}">
-                <a14:hiddenLine xmlns="" xmlns:a14="http://schemas.microsoft.com/office/drawing/2010/main" w="9525">
+                <a14:hiddenLine xmlns:a14="http://schemas.microsoft.com/office/drawing/2010/main" xmlns="" w="9525">
                   <a:solidFill>
                     <a:srgbClr val="000000"/>
                   </a:solidFill>
@@ -4891,7 +5014,7 @@
             </a:ln>
             <a:extLst>
               <a:ext uri="{91240B29-F687-4f45-9708-019B960494DF}">
-                <a14:hiddenLine xmlns="" xmlns:a14="http://schemas.microsoft.com/office/drawing/2010/main" w="9525">
+                <a14:hiddenLine xmlns:a14="http://schemas.microsoft.com/office/drawing/2010/main" xmlns="" w="9525">
                   <a:solidFill>
                     <a:srgbClr val="000000"/>
                   </a:solidFill>
@@ -4959,7 +5082,7 @@
             </a:ln>
             <a:extLst>
               <a:ext uri="{91240B29-F687-4f45-9708-019B960494DF}">
-                <a14:hiddenLine xmlns="" xmlns:a14="http://schemas.microsoft.com/office/drawing/2010/main" w="9525">
+                <a14:hiddenLine xmlns:a14="http://schemas.microsoft.com/office/drawing/2010/main" xmlns="" w="9525">
                   <a:solidFill>
                     <a:srgbClr val="000000"/>
                   </a:solidFill>
@@ -5049,7 +5172,7 @@
             </a:ln>
             <a:extLst>
               <a:ext uri="{91240B29-F687-4f45-9708-019B960494DF}">
-                <a14:hiddenLine xmlns="" xmlns:a14="http://schemas.microsoft.com/office/drawing/2010/main" w="9525">
+                <a14:hiddenLine xmlns:a14="http://schemas.microsoft.com/office/drawing/2010/main" xmlns="" w="9525">
                   <a:solidFill>
                     <a:srgbClr val="000000"/>
                   </a:solidFill>
@@ -5083,7 +5206,7 @@
             </a:ln>
             <a:extLst>
               <a:ext uri="{91240B29-F687-4f45-9708-019B960494DF}">
-                <a14:hiddenLine xmlns="" xmlns:a14="http://schemas.microsoft.com/office/drawing/2010/main" w="9525">
+                <a14:hiddenLine xmlns:a14="http://schemas.microsoft.com/office/drawing/2010/main" xmlns="" w="9525">
                   <a:solidFill>
                     <a:srgbClr val="000000"/>
                   </a:solidFill>
@@ -5173,7 +5296,7 @@
             </a:ln>
             <a:extLst>
               <a:ext uri="{91240B29-F687-4f45-9708-019B960494DF}">
-                <a14:hiddenLine xmlns="" xmlns:a14="http://schemas.microsoft.com/office/drawing/2010/main" w="9525">
+                <a14:hiddenLine xmlns:a14="http://schemas.microsoft.com/office/drawing/2010/main" xmlns="" w="9525">
                   <a:solidFill>
                     <a:srgbClr val="000000"/>
                   </a:solidFill>
@@ -5235,7 +5358,7 @@
             </a:ln>
             <a:extLst>
               <a:ext uri="{91240B29-F687-4f45-9708-019B960494DF}">
-                <a14:hiddenLine xmlns="" xmlns:a14="http://schemas.microsoft.com/office/drawing/2010/main" w="9525">
+                <a14:hiddenLine xmlns:a14="http://schemas.microsoft.com/office/drawing/2010/main" xmlns="" w="9525">
                   <a:solidFill>
                     <a:srgbClr val="000000"/>
                   </a:solidFill>
@@ -5297,7 +5420,7 @@
             </a:ln>
             <a:extLst>
               <a:ext uri="{91240B29-F687-4f45-9708-019B960494DF}">
-                <a14:hiddenLine xmlns="" xmlns:a14="http://schemas.microsoft.com/office/drawing/2010/main" w="9525">
+                <a14:hiddenLine xmlns:a14="http://schemas.microsoft.com/office/drawing/2010/main" xmlns="" w="9525">
                   <a:solidFill>
                     <a:srgbClr val="000000"/>
                   </a:solidFill>
@@ -5387,7 +5510,7 @@
             </a:ln>
             <a:extLst>
               <a:ext uri="{91240B29-F687-4f45-9708-019B960494DF}">
-                <a14:hiddenLine xmlns="" xmlns:a14="http://schemas.microsoft.com/office/drawing/2010/main" w="9525">
+                <a14:hiddenLine xmlns:a14="http://schemas.microsoft.com/office/drawing/2010/main" xmlns="" w="9525">
                   <a:solidFill>
                     <a:srgbClr val="000000"/>
                   </a:solidFill>
@@ -5455,7 +5578,7 @@
             </a:ln>
             <a:extLst>
               <a:ext uri="{91240B29-F687-4f45-9708-019B960494DF}">
-                <a14:hiddenLine xmlns="" xmlns:a14="http://schemas.microsoft.com/office/drawing/2010/main" w="9525">
+                <a14:hiddenLine xmlns:a14="http://schemas.microsoft.com/office/drawing/2010/main" xmlns="" w="9525">
                   <a:solidFill>
                     <a:srgbClr val="000000"/>
                   </a:solidFill>
@@ -5517,7 +5640,7 @@
             </a:ln>
             <a:extLst>
               <a:ext uri="{91240B29-F687-4f45-9708-019B960494DF}">
-                <a14:hiddenLine xmlns="" xmlns:a14="http://schemas.microsoft.com/office/drawing/2010/main" w="9525">
+                <a14:hiddenLine xmlns:a14="http://schemas.microsoft.com/office/drawing/2010/main" xmlns="" w="9525">
                   <a:solidFill>
                     <a:srgbClr val="000000"/>
                   </a:solidFill>
@@ -5607,7 +5730,7 @@
             </a:ln>
             <a:extLst>
               <a:ext uri="{91240B29-F687-4f45-9708-019B960494DF}">
-                <a14:hiddenLine xmlns="" xmlns:a14="http://schemas.microsoft.com/office/drawing/2010/main" w="9525">
+                <a14:hiddenLine xmlns:a14="http://schemas.microsoft.com/office/drawing/2010/main" xmlns="" w="9525">
                   <a:solidFill>
                     <a:srgbClr val="000000"/>
                   </a:solidFill>
@@ -5669,7 +5792,7 @@
             </a:ln>
             <a:extLst>
               <a:ext uri="{91240B29-F687-4f45-9708-019B960494DF}">
-                <a14:hiddenLine xmlns="" xmlns:a14="http://schemas.microsoft.com/office/drawing/2010/main" w="9525">
+                <a14:hiddenLine xmlns:a14="http://schemas.microsoft.com/office/drawing/2010/main" xmlns="" w="9525">
                   <a:solidFill>
                     <a:srgbClr val="000000"/>
                   </a:solidFill>
@@ -5759,7 +5882,7 @@
             </a:ln>
             <a:extLst>
               <a:ext uri="{91240B29-F687-4f45-9708-019B960494DF}">
-                <a14:hiddenLine xmlns="" xmlns:a14="http://schemas.microsoft.com/office/drawing/2010/main" w="9525">
+                <a14:hiddenLine xmlns:a14="http://schemas.microsoft.com/office/drawing/2010/main" xmlns="" w="9525">
                   <a:solidFill>
                     <a:srgbClr val="000000"/>
                   </a:solidFill>
@@ -5821,7 +5944,7 @@
             </a:ln>
             <a:extLst>
               <a:ext uri="{91240B29-F687-4f45-9708-019B960494DF}">
-                <a14:hiddenLine xmlns="" xmlns:a14="http://schemas.microsoft.com/office/drawing/2010/main" w="9525">
+                <a14:hiddenLine xmlns:a14="http://schemas.microsoft.com/office/drawing/2010/main" xmlns="" w="9525">
                   <a:solidFill>
                     <a:srgbClr val="000000"/>
                   </a:solidFill>
@@ -5911,7 +6034,7 @@
             </a:ln>
             <a:extLst>
               <a:ext uri="{91240B29-F687-4f45-9708-019B960494DF}">
-                <a14:hiddenLine xmlns="" xmlns:a14="http://schemas.microsoft.com/office/drawing/2010/main" w="9525">
+                <a14:hiddenLine xmlns:a14="http://schemas.microsoft.com/office/drawing/2010/main" xmlns="" w="9525">
                   <a:solidFill>
                     <a:srgbClr val="000000"/>
                   </a:solidFill>
@@ -5945,7 +6068,7 @@
             </a:ln>
             <a:extLst>
               <a:ext uri="{91240B29-F687-4f45-9708-019B960494DF}">
-                <a14:hiddenLine xmlns="" xmlns:a14="http://schemas.microsoft.com/office/drawing/2010/main" w="9525">
+                <a14:hiddenLine xmlns:a14="http://schemas.microsoft.com/office/drawing/2010/main" xmlns="" w="9525">
                   <a:solidFill>
                     <a:srgbClr val="000000"/>
                   </a:solidFill>
@@ -6010,7 +6133,7 @@
             </a:ln>
             <a:extLst>
               <a:ext uri="{91240B29-F687-4f45-9708-019B960494DF}">
-                <a14:hiddenLine xmlns="" xmlns:a14="http://schemas.microsoft.com/office/drawing/2010/main" w="9525">
+                <a14:hiddenLine xmlns:a14="http://schemas.microsoft.com/office/drawing/2010/main" xmlns="" w="9525">
                   <a:solidFill>
                     <a:srgbClr val="000000"/>
                   </a:solidFill>
@@ -6100,7 +6223,7 @@
             </a:ln>
             <a:extLst>
               <a:ext uri="{91240B29-F687-4f45-9708-019B960494DF}">
-                <a14:hiddenLine xmlns="" xmlns:a14="http://schemas.microsoft.com/office/drawing/2010/main" w="9525">
+                <a14:hiddenLine xmlns:a14="http://schemas.microsoft.com/office/drawing/2010/main" xmlns="" w="9525">
                   <a:solidFill>
                     <a:srgbClr val="000000"/>
                   </a:solidFill>
@@ -6162,7 +6285,7 @@
             </a:ln>
             <a:extLst>
               <a:ext uri="{91240B29-F687-4f45-9708-019B960494DF}">
-                <a14:hiddenLine xmlns="" xmlns:a14="http://schemas.microsoft.com/office/drawing/2010/main" w="9525">
+                <a14:hiddenLine xmlns:a14="http://schemas.microsoft.com/office/drawing/2010/main" xmlns="" w="9525">
                   <a:solidFill>
                     <a:srgbClr val="000000"/>
                   </a:solidFill>
@@ -6252,7 +6375,7 @@
             </a:ln>
             <a:extLst>
               <a:ext uri="{91240B29-F687-4f45-9708-019B960494DF}">
-                <a14:hiddenLine xmlns="" xmlns:a14="http://schemas.microsoft.com/office/drawing/2010/main" w="9525">
+                <a14:hiddenLine xmlns:a14="http://schemas.microsoft.com/office/drawing/2010/main" xmlns="" w="9525">
                   <a:solidFill>
                     <a:srgbClr val="000000"/>
                   </a:solidFill>
@@ -6342,7 +6465,7 @@
             </a:ln>
             <a:extLst>
               <a:ext uri="{91240B29-F687-4f45-9708-019B960494DF}">
-                <a14:hiddenLine xmlns="" xmlns:a14="http://schemas.microsoft.com/office/drawing/2010/main" w="9525">
+                <a14:hiddenLine xmlns:a14="http://schemas.microsoft.com/office/drawing/2010/main" xmlns="" w="9525">
                   <a:solidFill>
                     <a:srgbClr val="000000"/>
                   </a:solidFill>
@@ -6407,7 +6530,7 @@
             </a:ln>
             <a:extLst>
               <a:ext uri="{91240B29-F687-4f45-9708-019B960494DF}">
-                <a14:hiddenLine xmlns="" xmlns:a14="http://schemas.microsoft.com/office/drawing/2010/main" w="9525">
+                <a14:hiddenLine xmlns:a14="http://schemas.microsoft.com/office/drawing/2010/main" xmlns="" w="9525">
                   <a:solidFill>
                     <a:srgbClr val="000000"/>
                   </a:solidFill>
@@ -6469,7 +6592,7 @@
             </a:ln>
             <a:extLst>
               <a:ext uri="{91240B29-F687-4f45-9708-019B960494DF}">
-                <a14:hiddenLine xmlns="" xmlns:a14="http://schemas.microsoft.com/office/drawing/2010/main" w="9525">
+                <a14:hiddenLine xmlns:a14="http://schemas.microsoft.com/office/drawing/2010/main" xmlns="" w="9525">
                   <a:solidFill>
                     <a:srgbClr val="000000"/>
                   </a:solidFill>
@@ -6559,7 +6682,7 @@
             </a:ln>
             <a:extLst>
               <a:ext uri="{91240B29-F687-4f45-9708-019B960494DF}">
-                <a14:hiddenLine xmlns="" xmlns:a14="http://schemas.microsoft.com/office/drawing/2010/main" w="9525">
+                <a14:hiddenLine xmlns:a14="http://schemas.microsoft.com/office/drawing/2010/main" xmlns="" w="9525">
                   <a:solidFill>
                     <a:srgbClr val="000000"/>
                   </a:solidFill>
@@ -6649,7 +6772,7 @@
             </a:ln>
             <a:extLst>
               <a:ext uri="{91240B29-F687-4f45-9708-019B960494DF}">
-                <a14:hiddenLine xmlns="" xmlns:a14="http://schemas.microsoft.com/office/drawing/2010/main" w="9525">
+                <a14:hiddenLine xmlns:a14="http://schemas.microsoft.com/office/drawing/2010/main" xmlns="" w="9525">
                   <a:solidFill>
                     <a:srgbClr val="000000"/>
                   </a:solidFill>
@@ -6711,7 +6834,7 @@
             </a:ln>
             <a:extLst>
               <a:ext uri="{91240B29-F687-4f45-9708-019B960494DF}">
-                <a14:hiddenLine xmlns="" xmlns:a14="http://schemas.microsoft.com/office/drawing/2010/main" w="9525">
+                <a14:hiddenLine xmlns:a14="http://schemas.microsoft.com/office/drawing/2010/main" xmlns="" w="9525">
                   <a:solidFill>
                     <a:srgbClr val="000000"/>
                   </a:solidFill>
@@ -6831,7 +6954,7 @@
             </a:ln>
             <a:extLst>
               <a:ext uri="{91240B29-F687-4f45-9708-019B960494DF}">
-                <a14:hiddenLine xmlns="" xmlns:a14="http://schemas.microsoft.com/office/drawing/2010/main" w="9525">
+                <a14:hiddenLine xmlns:a14="http://schemas.microsoft.com/office/drawing/2010/main" xmlns="" w="9525">
                   <a:solidFill>
                     <a:srgbClr val="000000"/>
                   </a:solidFill>
@@ -6899,7 +7022,7 @@
             </a:ln>
             <a:extLst>
               <a:ext uri="{91240B29-F687-4f45-9708-019B960494DF}">
-                <a14:hiddenLine xmlns="" xmlns:a14="http://schemas.microsoft.com/office/drawing/2010/main" w="9525">
+                <a14:hiddenLine xmlns:a14="http://schemas.microsoft.com/office/drawing/2010/main" xmlns="" w="9525">
                   <a:solidFill>
                     <a:srgbClr val="000000"/>
                   </a:solidFill>
@@ -6989,7 +7112,7 @@
             </a:ln>
             <a:extLst>
               <a:ext uri="{91240B29-F687-4f45-9708-019B960494DF}">
-                <a14:hiddenLine xmlns="" xmlns:a14="http://schemas.microsoft.com/office/drawing/2010/main" w="9525">
+                <a14:hiddenLine xmlns:a14="http://schemas.microsoft.com/office/drawing/2010/main" xmlns="" w="9525">
                   <a:solidFill>
                     <a:srgbClr val="000000"/>
                   </a:solidFill>
@@ -7129,7 +7252,7 @@
           <a:p>
             <a:fld id="{882D24FB-7729-40A5-988B-B7F786B2F842}" type="datetimeFigureOut">
               <a:rPr lang="en-US" smtClean="0"/>
-              <a:t>11/27/2018</a:t>
+              <a:t>12/3/2018</a:t>
             </a:fld>
             <a:endParaRPr lang="en-US"/>
           </a:p>
@@ -7396,7 +7519,7 @@
           <a:p>
             <a:fld id="{882D24FB-7729-40A5-988B-B7F786B2F842}" type="datetimeFigureOut">
               <a:rPr lang="en-US" smtClean="0"/>
-              <a:t>11/27/2018</a:t>
+              <a:t>12/3/2018</a:t>
             </a:fld>
             <a:endParaRPr lang="en-US"/>
           </a:p>
@@ -7592,7 +7715,7 @@
           <a:p>
             <a:fld id="{882D24FB-7729-40A5-988B-B7F786B2F842}" type="datetimeFigureOut">
               <a:rPr lang="en-US" smtClean="0"/>
-              <a:t>11/27/2018</a:t>
+              <a:t>12/3/2018</a:t>
             </a:fld>
             <a:endParaRPr lang="en-US"/>
           </a:p>
@@ -7855,7 +7978,7 @@
           <a:p>
             <a:fld id="{882D24FB-7729-40A5-988B-B7F786B2F842}" type="datetimeFigureOut">
               <a:rPr lang="en-US" smtClean="0"/>
-              <a:t>11/27/2018</a:t>
+              <a:t>12/3/2018</a:t>
             </a:fld>
             <a:endParaRPr lang="en-US"/>
           </a:p>
@@ -8289,7 +8412,7 @@
           <a:p>
             <a:fld id="{882D24FB-7729-40A5-988B-B7F786B2F842}" type="datetimeFigureOut">
               <a:rPr lang="en-US" smtClean="0"/>
-              <a:t>11/27/2018</a:t>
+              <a:t>12/3/2018</a:t>
             </a:fld>
             <a:endParaRPr lang="en-US"/>
           </a:p>
@@ -8835,7 +8958,7 @@
           <a:p>
             <a:fld id="{882D24FB-7729-40A5-988B-B7F786B2F842}" type="datetimeFigureOut">
               <a:rPr lang="en-US" smtClean="0"/>
-              <a:t>11/27/2018</a:t>
+              <a:t>12/3/2018</a:t>
             </a:fld>
             <a:endParaRPr lang="en-US"/>
           </a:p>
@@ -9555,7 +9678,7 @@
           <a:p>
             <a:fld id="{882D24FB-7729-40A5-988B-B7F786B2F842}" type="datetimeFigureOut">
               <a:rPr lang="en-US" smtClean="0"/>
-              <a:t>11/27/2018</a:t>
+              <a:t>12/3/2018</a:t>
             </a:fld>
             <a:endParaRPr lang="en-US"/>
           </a:p>
@@ -9725,7 +9848,7 @@
           <a:p>
             <a:fld id="{882D24FB-7729-40A5-988B-B7F786B2F842}" type="datetimeFigureOut">
               <a:rPr lang="en-US" smtClean="0"/>
-              <a:t>11/27/2018</a:t>
+              <a:t>12/3/2018</a:t>
             </a:fld>
             <a:endParaRPr lang="en-US"/>
           </a:p>
@@ -9905,7 +10028,7 @@
           <a:p>
             <a:fld id="{882D24FB-7729-40A5-988B-B7F786B2F842}" type="datetimeFigureOut">
               <a:rPr lang="en-US" smtClean="0"/>
-              <a:t>11/27/2018</a:t>
+              <a:t>12/3/2018</a:t>
             </a:fld>
             <a:endParaRPr lang="en-US"/>
           </a:p>
@@ -10075,7 +10198,7 @@
           <a:p>
             <a:fld id="{882D24FB-7729-40A5-988B-B7F786B2F842}" type="datetimeFigureOut">
               <a:rPr lang="en-US" smtClean="0"/>
-              <a:t>11/27/2018</a:t>
+              <a:t>12/3/2018</a:t>
             </a:fld>
             <a:endParaRPr lang="en-US"/>
           </a:p>
@@ -10325,7 +10448,7 @@
           <a:p>
             <a:fld id="{882D24FB-7729-40A5-988B-B7F786B2F842}" type="datetimeFigureOut">
               <a:rPr lang="en-US" smtClean="0"/>
-              <a:t>11/27/2018</a:t>
+              <a:t>12/3/2018</a:t>
             </a:fld>
             <a:endParaRPr lang="en-US"/>
           </a:p>
@@ -10557,7 +10680,7 @@
           <a:p>
             <a:fld id="{882D24FB-7729-40A5-988B-B7F786B2F842}" type="datetimeFigureOut">
               <a:rPr lang="en-US" smtClean="0"/>
-              <a:t>11/27/2018</a:t>
+              <a:t>12/3/2018</a:t>
             </a:fld>
             <a:endParaRPr lang="en-US"/>
           </a:p>
@@ -10938,7 +11061,7 @@
           <a:p>
             <a:fld id="{882D24FB-7729-40A5-988B-B7F786B2F842}" type="datetimeFigureOut">
               <a:rPr lang="en-US" smtClean="0"/>
-              <a:t>11/27/2018</a:t>
+              <a:t>12/3/2018</a:t>
             </a:fld>
             <a:endParaRPr lang="en-US"/>
           </a:p>
@@ -11056,7 +11179,7 @@
           <a:p>
             <a:fld id="{882D24FB-7729-40A5-988B-B7F786B2F842}" type="datetimeFigureOut">
               <a:rPr lang="en-US" smtClean="0"/>
-              <a:t>11/27/2018</a:t>
+              <a:t>12/3/2018</a:t>
             </a:fld>
             <a:endParaRPr lang="en-US"/>
           </a:p>
@@ -11151,7 +11274,7 @@
           <a:p>
             <a:fld id="{882D24FB-7729-40A5-988B-B7F786B2F842}" type="datetimeFigureOut">
               <a:rPr lang="en-US" smtClean="0"/>
-              <a:t>11/27/2018</a:t>
+              <a:t>12/3/2018</a:t>
             </a:fld>
             <a:endParaRPr lang="en-US"/>
           </a:p>
@@ -11400,7 +11523,7 @@
           <a:p>
             <a:fld id="{882D24FB-7729-40A5-988B-B7F786B2F842}" type="datetimeFigureOut">
               <a:rPr lang="en-US" smtClean="0"/>
-              <a:t>11/27/2018</a:t>
+              <a:t>12/3/2018</a:t>
             </a:fld>
             <a:endParaRPr lang="en-US"/>
           </a:p>
@@ -11680,7 +11803,7 @@
           <a:p>
             <a:fld id="{882D24FB-7729-40A5-988B-B7F786B2F842}" type="datetimeFigureOut">
               <a:rPr lang="en-US" smtClean="0"/>
-              <a:t>11/27/2018</a:t>
+              <a:t>12/3/2018</a:t>
             </a:fld>
             <a:endParaRPr lang="en-US"/>
           </a:p>
@@ -11803,7 +11926,7 @@
           <a:noFill/>
           <a:extLst>
             <a:ext uri="{909E8E84-426E-40dd-AFC4-6F175D3DCCD1}">
-              <a14:hiddenFill xmlns="" xmlns:a14="http://schemas.microsoft.com/office/drawing/2010/main">
+              <a14:hiddenFill xmlns:a14="http://schemas.microsoft.com/office/drawing/2010/main" xmlns="">
                 <a:solidFill>
                   <a:srgbClr val="FFFFFF"/>
                 </a:solidFill>
@@ -11877,7 +12000,7 @@
               </a:ln>
               <a:extLst>
                 <a:ext uri="{91240B29-F687-4f45-9708-019B960494DF}">
-                  <a14:hiddenLine xmlns="" xmlns:a14="http://schemas.microsoft.com/office/drawing/2010/main" w="9525">
+                  <a14:hiddenLine xmlns:a14="http://schemas.microsoft.com/office/drawing/2010/main" xmlns="" w="9525">
                     <a:solidFill>
                       <a:srgbClr val="000000"/>
                     </a:solidFill>
@@ -11967,7 +12090,7 @@
               </a:ln>
               <a:extLst>
                 <a:ext uri="{91240B29-F687-4f45-9708-019B960494DF}">
-                  <a14:hiddenLine xmlns="" xmlns:a14="http://schemas.microsoft.com/office/drawing/2010/main" w="9525">
+                  <a14:hiddenLine xmlns:a14="http://schemas.microsoft.com/office/drawing/2010/main" xmlns="" w="9525">
                     <a:solidFill>
                       <a:srgbClr val="000000"/>
                     </a:solidFill>
@@ -12057,7 +12180,7 @@
               </a:ln>
               <a:extLst>
                 <a:ext uri="{91240B29-F687-4f45-9708-019B960494DF}">
-                  <a14:hiddenLine xmlns="" xmlns:a14="http://schemas.microsoft.com/office/drawing/2010/main" w="9525">
+                  <a14:hiddenLine xmlns:a14="http://schemas.microsoft.com/office/drawing/2010/main" xmlns="" w="9525">
                     <a:solidFill>
                       <a:srgbClr val="000000"/>
                     </a:solidFill>
@@ -12119,7 +12242,7 @@
               </a:ln>
               <a:extLst>
                 <a:ext uri="{91240B29-F687-4f45-9708-019B960494DF}">
-                  <a14:hiddenLine xmlns="" xmlns:a14="http://schemas.microsoft.com/office/drawing/2010/main" w="9525">
+                  <a14:hiddenLine xmlns:a14="http://schemas.microsoft.com/office/drawing/2010/main" xmlns="" w="9525">
                     <a:solidFill>
                       <a:srgbClr val="000000"/>
                     </a:solidFill>
@@ -12209,7 +12332,7 @@
               </a:ln>
               <a:extLst>
                 <a:ext uri="{91240B29-F687-4f45-9708-019B960494DF}">
-                  <a14:hiddenLine xmlns="" xmlns:a14="http://schemas.microsoft.com/office/drawing/2010/main" w="9525">
+                  <a14:hiddenLine xmlns:a14="http://schemas.microsoft.com/office/drawing/2010/main" xmlns="" w="9525">
                     <a:solidFill>
                       <a:srgbClr val="000000"/>
                     </a:solidFill>
@@ -12271,7 +12394,7 @@
               </a:ln>
               <a:extLst>
                 <a:ext uri="{91240B29-F687-4f45-9708-019B960494DF}">
-                  <a14:hiddenLine xmlns="" xmlns:a14="http://schemas.microsoft.com/office/drawing/2010/main" w="9525">
+                  <a14:hiddenLine xmlns:a14="http://schemas.microsoft.com/office/drawing/2010/main" xmlns="" w="9525">
                     <a:solidFill>
                       <a:srgbClr val="000000"/>
                     </a:solidFill>
@@ -12333,7 +12456,7 @@
               </a:ln>
               <a:extLst>
                 <a:ext uri="{91240B29-F687-4f45-9708-019B960494DF}">
-                  <a14:hiddenLine xmlns="" xmlns:a14="http://schemas.microsoft.com/office/drawing/2010/main" w="9525">
+                  <a14:hiddenLine xmlns:a14="http://schemas.microsoft.com/office/drawing/2010/main" xmlns="" w="9525">
                     <a:solidFill>
                       <a:srgbClr val="000000"/>
                     </a:solidFill>
@@ -12423,7 +12546,7 @@
               </a:ln>
               <a:extLst>
                 <a:ext uri="{91240B29-F687-4f45-9708-019B960494DF}">
-                  <a14:hiddenLine xmlns="" xmlns:a14="http://schemas.microsoft.com/office/drawing/2010/main" w="9525">
+                  <a14:hiddenLine xmlns:a14="http://schemas.microsoft.com/office/drawing/2010/main" xmlns="" w="9525">
                     <a:solidFill>
                       <a:srgbClr val="000000"/>
                     </a:solidFill>
@@ -12513,7 +12636,7 @@
               </a:ln>
               <a:extLst>
                 <a:ext uri="{91240B29-F687-4f45-9708-019B960494DF}">
-                  <a14:hiddenLine xmlns="" xmlns:a14="http://schemas.microsoft.com/office/drawing/2010/main" w="9525">
+                  <a14:hiddenLine xmlns:a14="http://schemas.microsoft.com/office/drawing/2010/main" xmlns="" w="9525">
                     <a:solidFill>
                       <a:srgbClr val="000000"/>
                     </a:solidFill>
@@ -12575,7 +12698,7 @@
               </a:ln>
               <a:extLst>
                 <a:ext uri="{91240B29-F687-4f45-9708-019B960494DF}">
-                  <a14:hiddenLine xmlns="" xmlns:a14="http://schemas.microsoft.com/office/drawing/2010/main" w="9525">
+                  <a14:hiddenLine xmlns:a14="http://schemas.microsoft.com/office/drawing/2010/main" xmlns="" w="9525">
                     <a:solidFill>
                       <a:srgbClr val="000000"/>
                     </a:solidFill>
@@ -12685,7 +12808,7 @@
               </a:ln>
               <a:extLst>
                 <a:ext uri="{91240B29-F687-4f45-9708-019B960494DF}">
-                  <a14:hiddenLine xmlns="" xmlns:a14="http://schemas.microsoft.com/office/drawing/2010/main" w="9525">
+                  <a14:hiddenLine xmlns:a14="http://schemas.microsoft.com/office/drawing/2010/main" xmlns="" w="9525">
                     <a:solidFill>
                       <a:srgbClr val="000000"/>
                     </a:solidFill>
@@ -12769,7 +12892,7 @@
               </a:ln>
               <a:extLst>
                 <a:ext uri="{91240B29-F687-4f45-9708-019B960494DF}">
-                  <a14:hiddenLine xmlns="" xmlns:a14="http://schemas.microsoft.com/office/drawing/2010/main" w="9525">
+                  <a14:hiddenLine xmlns:a14="http://schemas.microsoft.com/office/drawing/2010/main" xmlns="" w="9525">
                     <a:solidFill>
                       <a:srgbClr val="000000"/>
                     </a:solidFill>
@@ -12831,7 +12954,7 @@
               </a:ln>
               <a:extLst>
                 <a:ext uri="{91240B29-F687-4f45-9708-019B960494DF}">
-                  <a14:hiddenLine xmlns="" xmlns:a14="http://schemas.microsoft.com/office/drawing/2010/main" w="9525">
+                  <a14:hiddenLine xmlns:a14="http://schemas.microsoft.com/office/drawing/2010/main" xmlns="" w="9525">
                     <a:solidFill>
                       <a:srgbClr val="000000"/>
                     </a:solidFill>
@@ -12893,7 +13016,7 @@
               </a:ln>
               <a:extLst>
                 <a:ext uri="{91240B29-F687-4f45-9708-019B960494DF}">
-                  <a14:hiddenLine xmlns="" xmlns:a14="http://schemas.microsoft.com/office/drawing/2010/main" w="9525">
+                  <a14:hiddenLine xmlns:a14="http://schemas.microsoft.com/office/drawing/2010/main" xmlns="" w="9525">
                     <a:solidFill>
                       <a:srgbClr val="000000"/>
                     </a:solidFill>
@@ -12983,7 +13106,7 @@
               </a:ln>
               <a:extLst>
                 <a:ext uri="{91240B29-F687-4f45-9708-019B960494DF}">
-                  <a14:hiddenLine xmlns="" xmlns:a14="http://schemas.microsoft.com/office/drawing/2010/main" w="9525">
+                  <a14:hiddenLine xmlns:a14="http://schemas.microsoft.com/office/drawing/2010/main" xmlns="" w="9525">
                     <a:solidFill>
                       <a:srgbClr val="000000"/>
                     </a:solidFill>
@@ -13017,7 +13140,7 @@
               </a:ln>
               <a:extLst>
                 <a:ext uri="{91240B29-F687-4f45-9708-019B960494DF}">
-                  <a14:hiddenLine xmlns="" xmlns:a14="http://schemas.microsoft.com/office/drawing/2010/main" w="9525">
+                  <a14:hiddenLine xmlns:a14="http://schemas.microsoft.com/office/drawing/2010/main" xmlns="" w="9525">
                     <a:solidFill>
                       <a:srgbClr val="000000"/>
                     </a:solidFill>
@@ -13082,7 +13205,7 @@
               </a:ln>
               <a:extLst>
                 <a:ext uri="{91240B29-F687-4f45-9708-019B960494DF}">
-                  <a14:hiddenLine xmlns="" xmlns:a14="http://schemas.microsoft.com/office/drawing/2010/main" w="9525">
+                  <a14:hiddenLine xmlns:a14="http://schemas.microsoft.com/office/drawing/2010/main" xmlns="" w="9525">
                     <a:solidFill>
                       <a:srgbClr val="000000"/>
                     </a:solidFill>
@@ -13172,7 +13295,7 @@
               </a:ln>
               <a:extLst>
                 <a:ext uri="{91240B29-F687-4f45-9708-019B960494DF}">
-                  <a14:hiddenLine xmlns="" xmlns:a14="http://schemas.microsoft.com/office/drawing/2010/main" w="9525">
+                  <a14:hiddenLine xmlns:a14="http://schemas.microsoft.com/office/drawing/2010/main" xmlns="" w="9525">
                     <a:solidFill>
                       <a:srgbClr val="000000"/>
                     </a:solidFill>
@@ -13234,7 +13357,7 @@
               </a:ln>
               <a:extLst>
                 <a:ext uri="{91240B29-F687-4f45-9708-019B960494DF}">
-                  <a14:hiddenLine xmlns="" xmlns:a14="http://schemas.microsoft.com/office/drawing/2010/main" w="9525">
+                  <a14:hiddenLine xmlns:a14="http://schemas.microsoft.com/office/drawing/2010/main" xmlns="" w="9525">
                     <a:solidFill>
                       <a:srgbClr val="000000"/>
                     </a:solidFill>
@@ -13324,7 +13447,7 @@
               </a:ln>
               <a:extLst>
                 <a:ext uri="{91240B29-F687-4f45-9708-019B960494DF}">
-                  <a14:hiddenLine xmlns="" xmlns:a14="http://schemas.microsoft.com/office/drawing/2010/main" w="9525">
+                  <a14:hiddenLine xmlns:a14="http://schemas.microsoft.com/office/drawing/2010/main" xmlns="" w="9525">
                     <a:solidFill>
                       <a:srgbClr val="000000"/>
                     </a:solidFill>
@@ -13389,7 +13512,7 @@
               </a:ln>
               <a:extLst>
                 <a:ext uri="{91240B29-F687-4f45-9708-019B960494DF}">
-                  <a14:hiddenLine xmlns="" xmlns:a14="http://schemas.microsoft.com/office/drawing/2010/main" w="9525">
+                  <a14:hiddenLine xmlns:a14="http://schemas.microsoft.com/office/drawing/2010/main" xmlns="" w="9525">
                     <a:solidFill>
                       <a:srgbClr val="000000"/>
                     </a:solidFill>
@@ -13451,7 +13574,7 @@
               </a:ln>
               <a:extLst>
                 <a:ext uri="{91240B29-F687-4f45-9708-019B960494DF}">
-                  <a14:hiddenLine xmlns="" xmlns:a14="http://schemas.microsoft.com/office/drawing/2010/main" w="9525">
+                  <a14:hiddenLine xmlns:a14="http://schemas.microsoft.com/office/drawing/2010/main" xmlns="" w="9525">
                     <a:solidFill>
                       <a:srgbClr val="000000"/>
                     </a:solidFill>
@@ -13541,7 +13664,7 @@
               </a:ln>
               <a:extLst>
                 <a:ext uri="{91240B29-F687-4f45-9708-019B960494DF}">
-                  <a14:hiddenLine xmlns="" xmlns:a14="http://schemas.microsoft.com/office/drawing/2010/main" w="9525">
+                  <a14:hiddenLine xmlns:a14="http://schemas.microsoft.com/office/drawing/2010/main" xmlns="" w="9525">
                     <a:solidFill>
                       <a:srgbClr val="000000"/>
                     </a:solidFill>
@@ -13631,7 +13754,7 @@
               </a:ln>
               <a:extLst>
                 <a:ext uri="{91240B29-F687-4f45-9708-019B960494DF}">
-                  <a14:hiddenLine xmlns="" xmlns:a14="http://schemas.microsoft.com/office/drawing/2010/main" w="9525">
+                  <a14:hiddenLine xmlns:a14="http://schemas.microsoft.com/office/drawing/2010/main" xmlns="" w="9525">
                     <a:solidFill>
                       <a:srgbClr val="000000"/>
                     </a:solidFill>
@@ -13696,7 +13819,7 @@
               </a:ln>
               <a:extLst>
                 <a:ext uri="{91240B29-F687-4f45-9708-019B960494DF}">
-                  <a14:hiddenLine xmlns="" xmlns:a14="http://schemas.microsoft.com/office/drawing/2010/main" w="9525">
+                  <a14:hiddenLine xmlns:a14="http://schemas.microsoft.com/office/drawing/2010/main" xmlns="" w="9525">
                     <a:solidFill>
                       <a:srgbClr val="000000"/>
                     </a:solidFill>
@@ -13816,7 +13939,7 @@
               </a:ln>
               <a:extLst>
                 <a:ext uri="{91240B29-F687-4f45-9708-019B960494DF}">
-                  <a14:hiddenLine xmlns="" xmlns:a14="http://schemas.microsoft.com/office/drawing/2010/main" w="9525">
+                  <a14:hiddenLine xmlns:a14="http://schemas.microsoft.com/office/drawing/2010/main" xmlns="" w="9525">
                     <a:solidFill>
                       <a:srgbClr val="000000"/>
                     </a:solidFill>
@@ -13897,7 +14020,7 @@
               </a:ln>
               <a:extLst>
                 <a:ext uri="{91240B29-F687-4f45-9708-019B960494DF}">
-                  <a14:hiddenLine xmlns="" xmlns:a14="http://schemas.microsoft.com/office/drawing/2010/main" w="9525">
+                  <a14:hiddenLine xmlns:a14="http://schemas.microsoft.com/office/drawing/2010/main" xmlns="" w="9525">
                     <a:solidFill>
                       <a:srgbClr val="000000"/>
                     </a:solidFill>
@@ -14012,7 +14135,7 @@
               </a:ln>
               <a:extLst>
                 <a:ext uri="{91240B29-F687-4f45-9708-019B960494DF}">
-                  <a14:hiddenLine xmlns="" xmlns:a14="http://schemas.microsoft.com/office/drawing/2010/main" w="9525">
+                  <a14:hiddenLine xmlns:a14="http://schemas.microsoft.com/office/drawing/2010/main" xmlns="" w="9525">
                     <a:solidFill>
                       <a:srgbClr val="000000"/>
                     </a:solidFill>
@@ -14102,7 +14225,7 @@
               </a:ln>
               <a:extLst>
                 <a:ext uri="{91240B29-F687-4f45-9708-019B960494DF}">
-                  <a14:hiddenLine xmlns="" xmlns:a14="http://schemas.microsoft.com/office/drawing/2010/main" w="9525">
+                  <a14:hiddenLine xmlns:a14="http://schemas.microsoft.com/office/drawing/2010/main" xmlns="" w="9525">
                     <a:solidFill>
                       <a:srgbClr val="000000"/>
                     </a:solidFill>
@@ -14167,7 +14290,7 @@
               </a:ln>
               <a:extLst>
                 <a:ext uri="{91240B29-F687-4f45-9708-019B960494DF}">
-                  <a14:hiddenLine xmlns="" xmlns:a14="http://schemas.microsoft.com/office/drawing/2010/main" w="9525">
+                  <a14:hiddenLine xmlns:a14="http://schemas.microsoft.com/office/drawing/2010/main" xmlns="" w="9525">
                     <a:solidFill>
                       <a:srgbClr val="000000"/>
                     </a:solidFill>
@@ -14257,7 +14380,7 @@
               </a:ln>
               <a:extLst>
                 <a:ext uri="{91240B29-F687-4f45-9708-019B960494DF}">
-                  <a14:hiddenLine xmlns="" xmlns:a14="http://schemas.microsoft.com/office/drawing/2010/main" w="9525">
+                  <a14:hiddenLine xmlns:a14="http://schemas.microsoft.com/office/drawing/2010/main" xmlns="" w="9525">
                     <a:solidFill>
                       <a:srgbClr val="000000"/>
                     </a:solidFill>
@@ -14325,7 +14448,7 @@
               </a:ln>
               <a:extLst>
                 <a:ext uri="{91240B29-F687-4f45-9708-019B960494DF}">
-                  <a14:hiddenLine xmlns="" xmlns:a14="http://schemas.microsoft.com/office/drawing/2010/main" w="9525">
+                  <a14:hiddenLine xmlns:a14="http://schemas.microsoft.com/office/drawing/2010/main" xmlns="" w="9525">
                     <a:solidFill>
                       <a:srgbClr val="000000"/>
                     </a:solidFill>
@@ -14415,7 +14538,7 @@
               </a:ln>
               <a:extLst>
                 <a:ext uri="{91240B29-F687-4f45-9708-019B960494DF}">
-                  <a14:hiddenLine xmlns="" xmlns:a14="http://schemas.microsoft.com/office/drawing/2010/main" w="9525">
+                  <a14:hiddenLine xmlns:a14="http://schemas.microsoft.com/office/drawing/2010/main" xmlns="" w="9525">
                     <a:solidFill>
                       <a:srgbClr val="000000"/>
                     </a:solidFill>
@@ -14483,7 +14606,7 @@
               </a:ln>
               <a:extLst>
                 <a:ext uri="{91240B29-F687-4f45-9708-019B960494DF}">
-                  <a14:hiddenLine xmlns="" xmlns:a14="http://schemas.microsoft.com/office/drawing/2010/main" w="9525">
+                  <a14:hiddenLine xmlns:a14="http://schemas.microsoft.com/office/drawing/2010/main" xmlns="" w="9525">
                     <a:solidFill>
                       <a:srgbClr val="000000"/>
                     </a:solidFill>
@@ -14573,7 +14696,7 @@
               </a:ln>
               <a:extLst>
                 <a:ext uri="{91240B29-F687-4f45-9708-019B960494DF}">
-                  <a14:hiddenLine xmlns="" xmlns:a14="http://schemas.microsoft.com/office/drawing/2010/main" w="9525">
+                  <a14:hiddenLine xmlns:a14="http://schemas.microsoft.com/office/drawing/2010/main" xmlns="" w="9525">
                     <a:solidFill>
                       <a:srgbClr val="000000"/>
                     </a:solidFill>
@@ -14607,7 +14730,7 @@
               </a:ln>
               <a:extLst>
                 <a:ext uri="{91240B29-F687-4f45-9708-019B960494DF}">
-                  <a14:hiddenLine xmlns="" xmlns:a14="http://schemas.microsoft.com/office/drawing/2010/main" w="9525">
+                  <a14:hiddenLine xmlns:a14="http://schemas.microsoft.com/office/drawing/2010/main" xmlns="" w="9525">
                     <a:solidFill>
                       <a:srgbClr val="000000"/>
                     </a:solidFill>
@@ -14747,7 +14870,7 @@
           <a:p>
             <a:fld id="{882D24FB-7729-40A5-988B-B7F786B2F842}" type="datetimeFigureOut">
               <a:rPr lang="en-US" smtClean="0"/>
-              <a:t>11/27/2018</a:t>
+              <a:t>12/3/2018</a:t>
             </a:fld>
             <a:endParaRPr lang="en-US"/>
           </a:p>
@@ -15213,7 +15336,15 @@
             </a:br>
             <a:r>
               <a:rPr lang="en-US" sz="2800" i="1" dirty="0" smtClean="0"/>
-              <a:t>October 22, 2018</a:t>
+              <a:t>December 3</a:t>
+            </a:r>
+            <a:r>
+              <a:rPr lang="en-US" sz="2800" i="1" dirty="0" smtClean="0"/>
+              <a:t>, </a:t>
+            </a:r>
+            <a:r>
+              <a:rPr lang="en-US" sz="2800" i="1" dirty="0" smtClean="0"/>
+              <a:t>2018</a:t>
             </a:r>
             <a:br>
               <a:rPr lang="en-US" sz="2800" i="1" dirty="0" smtClean="0"/>
@@ -15522,7 +15653,7 @@
         <p:spPr>
           <a:xfrm>
             <a:off x="1141412" y="1710813"/>
-            <a:ext cx="4836601" cy="4080388"/>
+            <a:ext cx="3941865" cy="4080388"/>
           </a:xfrm>
         </p:spPr>
         <p:txBody>
@@ -15688,54 +15819,49 @@
           <a:lstStyle/>
           <a:p>
             <a:r>
-              <a:rPr lang="en-US" dirty="0" smtClean="0"/>
+              <a:rPr lang="en-US" b="1" dirty="0" smtClean="0"/>
               <a:t> PostgreSQL Docker Container</a:t>
             </a:r>
           </a:p>
           <a:p>
             <a:r>
-              <a:rPr lang="en-US" dirty="0" smtClean="0"/>
+              <a:rPr lang="en-US" b="1" dirty="0" smtClean="0"/>
               <a:t>Tables for</a:t>
             </a:r>
           </a:p>
           <a:p>
             <a:pPr lvl="1"/>
             <a:r>
-              <a:rPr lang="en-US" dirty="0" smtClean="0"/>
+              <a:rPr lang="en-US" b="1" dirty="0" smtClean="0"/>
               <a:t>User</a:t>
             </a:r>
           </a:p>
           <a:p>
             <a:pPr lvl="1"/>
             <a:r>
-              <a:rPr lang="en-US" dirty="0" smtClean="0"/>
+              <a:rPr lang="en-US" b="1" dirty="0" smtClean="0"/>
               <a:t>Administrator</a:t>
             </a:r>
           </a:p>
           <a:p>
             <a:pPr lvl="1"/>
             <a:r>
-              <a:rPr lang="en-US" dirty="0" smtClean="0"/>
+              <a:rPr lang="en-US" b="1" dirty="0" smtClean="0"/>
               <a:t>Class</a:t>
             </a:r>
           </a:p>
           <a:p>
             <a:pPr lvl="1"/>
             <a:r>
-              <a:rPr lang="en-US" dirty="0" smtClean="0"/>
+              <a:rPr lang="en-US" b="1" dirty="0" smtClean="0"/>
               <a:t>Exercise</a:t>
             </a:r>
           </a:p>
           <a:p>
             <a:r>
-              <a:rPr lang="en-US" dirty="0" smtClean="0"/>
-              <a:t>Accessing views </a:t>
+              <a:rPr lang="en-US" b="1" dirty="0" smtClean="0"/>
+              <a:t>Accessing views in Django Framework</a:t>
             </a:r>
-            <a:r>
-              <a:rPr lang="en-US" dirty="0" smtClean="0"/>
-              <a:t>in Django Framework</a:t>
-            </a:r>
-            <a:endParaRPr lang="en-US" dirty="0" smtClean="0"/>
           </a:p>
         </p:txBody>
       </p:sp>
@@ -15829,8 +15955,8 @@
         </p:blipFill>
         <p:spPr>
           <a:xfrm>
-            <a:off x="2913061" y="3817988"/>
-            <a:ext cx="6343650" cy="952500"/>
+            <a:off x="1507354" y="3454190"/>
+            <a:ext cx="9540057" cy="1432441"/>
           </a:xfrm>
           <a:prstGeom prst="rect">
             <a:avLst/>
@@ -15853,8 +15979,8 @@
         </p:blipFill>
         <p:spPr>
           <a:xfrm>
-            <a:off x="2922586" y="5747826"/>
-            <a:ext cx="6324600" cy="571500"/>
+            <a:off x="1516879" y="5384029"/>
+            <a:ext cx="9511401" cy="859464"/>
           </a:xfrm>
           <a:prstGeom prst="rect">
             <a:avLst/>
@@ -15884,13 +16010,13 @@
           <a:lstStyle/>
           <a:p>
             <a:r>
-              <a:rPr lang="en-US" dirty="0" smtClean="0"/>
+              <a:rPr lang="en-US" b="1" dirty="0" smtClean="0"/>
               <a:t> Ubuntu Docker container hosting JavaScript code</a:t>
             </a:r>
           </a:p>
           <a:p>
             <a:r>
-              <a:rPr lang="en-US" dirty="0" smtClean="0"/>
+              <a:rPr lang="en-US" b="1" dirty="0" smtClean="0"/>
               <a:t>Cross Site Scripting</a:t>
             </a:r>
           </a:p>
@@ -15904,8 +16030,8 @@
         </p:nvSpPr>
         <p:spPr>
           <a:xfrm>
-            <a:off x="4540914" y="3302891"/>
-            <a:ext cx="3106994" cy="369332"/>
+            <a:off x="4297304" y="3084858"/>
+            <a:ext cx="3594214" cy="369332"/>
           </a:xfrm>
           <a:prstGeom prst="rect">
             <a:avLst/>
@@ -15935,8 +16061,8 @@
         </p:nvSpPr>
         <p:spPr>
           <a:xfrm>
-            <a:off x="4531389" y="5288037"/>
-            <a:ext cx="3106994" cy="369332"/>
+            <a:off x="4297304" y="5023661"/>
+            <a:ext cx="3594214" cy="369332"/>
           </a:xfrm>
           <a:prstGeom prst="rect">
             <a:avLst/>
@@ -16055,16 +16181,15 @@
           <a:lstStyle/>
           <a:p>
             <a:r>
-              <a:rPr lang="en-US" dirty="0" smtClean="0"/>
+              <a:rPr lang="en-US" b="1" dirty="0" smtClean="0"/>
               <a:t> Ubuntu Docker container hosting C++ Code</a:t>
             </a:r>
           </a:p>
           <a:p>
             <a:r>
-              <a:rPr lang="en-US" dirty="0" smtClean="0"/>
+              <a:rPr lang="en-US" b="1" dirty="0" smtClean="0"/>
               <a:t>Format String Vulnerability</a:t>
             </a:r>
-            <a:endParaRPr lang="en-US" dirty="0" smtClean="0"/>
           </a:p>
         </p:txBody>
       </p:sp>
@@ -16216,12 +16341,8 @@
           </a:p>
           <a:p>
             <a:r>
-              <a:rPr lang="en-US" dirty="0" err="1" smtClean="0"/>
-              <a:t>Sonarqube</a:t>
-            </a:r>
-            <a:r>
               <a:rPr lang="en-US" dirty="0" smtClean="0"/>
-              <a:t> for software vulnerabilities</a:t>
+              <a:t>Sonarqube for software vulnerabilities</a:t>
             </a:r>
           </a:p>
           <a:p>
@@ -16341,6 +16462,150 @@
             <a:pPr algn="ctr"/>
             <a:r>
               <a:rPr lang="en-US" dirty="0" smtClean="0"/>
+              <a:t>Design considerations</a:t>
+            </a:r>
+            <a:endParaRPr lang="en-US" dirty="0"/>
+          </a:p>
+        </p:txBody>
+      </p:sp>
+      <p:sp>
+        <p:nvSpPr>
+          <p:cNvPr id="7" name="Content Placeholder 2"/>
+          <p:cNvSpPr>
+            <a:spLocks noGrp="1"/>
+          </p:cNvSpPr>
+          <p:nvPr>
+            <p:ph idx="1"/>
+          </p:nvPr>
+        </p:nvSpPr>
+        <p:spPr>
+          <a:xfrm>
+            <a:off x="1141412" y="1600557"/>
+            <a:ext cx="9905999" cy="4593765"/>
+          </a:xfrm>
+        </p:spPr>
+        <p:txBody>
+          <a:bodyPr>
+            <a:normAutofit/>
+          </a:bodyPr>
+          <a:lstStyle/>
+          <a:p>
+            <a:r>
+              <a:rPr lang="en-US" b="1" dirty="0" smtClean="0"/>
+              <a:t>Docker Containers – Scalability and Efficiency</a:t>
+            </a:r>
+          </a:p>
+          <a:p>
+            <a:r>
+              <a:rPr lang="en-US" b="1" dirty="0" smtClean="0"/>
+              <a:t>Nginx – Load balancing and static file delivery</a:t>
+            </a:r>
+          </a:p>
+          <a:p>
+            <a:r>
+              <a:rPr lang="en-US" b="1" dirty="0" smtClean="0"/>
+              <a:t>Django – Structured web framework because of python familiarity</a:t>
+            </a:r>
+          </a:p>
+          <a:p>
+            <a:r>
+              <a:rPr lang="en-US" b="1" dirty="0" smtClean="0"/>
+              <a:t>Sonarqube &amp; OWASP ZAP – secure development </a:t>
+            </a:r>
+          </a:p>
+          <a:p>
+            <a:r>
+              <a:rPr lang="en-US" b="1" dirty="0" smtClean="0"/>
+              <a:t>Selenium and Mocha – simple unit and functional testing </a:t>
+            </a:r>
+            <a:r>
+              <a:rPr lang="en-US" b="1" dirty="0" smtClean="0"/>
+              <a:t>frameworks</a:t>
+            </a:r>
+          </a:p>
+          <a:p>
+            <a:r>
+              <a:rPr lang="en-US" b="1" dirty="0" smtClean="0"/>
+              <a:t>Jenkins – continuously integration to speed up development</a:t>
+            </a:r>
+            <a:endParaRPr lang="en-US" b="1" dirty="0" smtClean="0"/>
+          </a:p>
+          <a:p>
+            <a:endParaRPr lang="en-US" b="1" dirty="0" smtClean="0"/>
+          </a:p>
+          <a:p>
+            <a:endParaRPr lang="en-US" b="1" dirty="0"/>
+          </a:p>
+        </p:txBody>
+      </p:sp>
+    </p:spTree>
+    <p:extLst>
+      <p:ext uri="{BB962C8B-B14F-4D97-AF65-F5344CB8AC3E}">
+        <p14:creationId xmlns:p14="http://schemas.microsoft.com/office/powerpoint/2010/main" val="35810874"/>
+      </p:ext>
+    </p:extLst>
+  </p:cSld>
+  <p:clrMapOvr>
+    <a:masterClrMapping/>
+  </p:clrMapOvr>
+  <p:timing>
+    <p:tnLst>
+      <p:par>
+        <p:cTn id="1" dur="indefinite" restart="never" nodeType="tmRoot"/>
+      </p:par>
+    </p:tnLst>
+  </p:timing>
+</p:sld>
+</file>
+
+<file path=ppt/slides/slide17.xml><?xml version="1.0" encoding="utf-8"?>
+<p:sld xmlns:a="http://schemas.openxmlformats.org/drawingml/2006/main" xmlns:r="http://schemas.openxmlformats.org/officeDocument/2006/relationships" xmlns:p="http://schemas.openxmlformats.org/presentationml/2006/main">
+  <p:cSld>
+    <p:bg>
+      <p:bgPr>
+        <a:solidFill>
+          <a:schemeClr val="bg1"/>
+        </a:solidFill>
+        <a:effectLst/>
+      </p:bgPr>
+    </p:bg>
+    <p:spTree>
+      <p:nvGrpSpPr>
+        <p:cNvPr id="1" name=""/>
+        <p:cNvGrpSpPr/>
+        <p:nvPr/>
+      </p:nvGrpSpPr>
+      <p:grpSpPr>
+        <a:xfrm>
+          <a:off x="0" y="0"/>
+          <a:ext cx="0" cy="0"/>
+          <a:chOff x="0" y="0"/>
+          <a:chExt cx="0" cy="0"/>
+        </a:xfrm>
+      </p:grpSpPr>
+      <p:sp>
+        <p:nvSpPr>
+          <p:cNvPr id="2" name="Title 1"/>
+          <p:cNvSpPr>
+            <a:spLocks noGrp="1"/>
+          </p:cNvSpPr>
+          <p:nvPr>
+            <p:ph type="title"/>
+          </p:nvPr>
+        </p:nvSpPr>
+        <p:spPr>
+          <a:xfrm>
+            <a:off x="1141413" y="-128733"/>
+            <a:ext cx="9905998" cy="1478570"/>
+          </a:xfrm>
+        </p:spPr>
+        <p:txBody>
+          <a:bodyPr/>
+          <a:lstStyle/>
+          <a:p>
+            <a:pPr algn="ctr"/>
+            <a:r>
+              <a:rPr lang="en-US" dirty="0" smtClean="0"/>
               <a:t>Continuous integration</a:t>
             </a:r>
             <a:endParaRPr lang="en-US" dirty="0"/>
@@ -16408,139 +16673,6 @@
 </p:sld>
 </file>
 
-<file path=ppt/slides/slide17.xml><?xml version="1.0" encoding="utf-8"?>
-<p:sld xmlns:a="http://schemas.openxmlformats.org/drawingml/2006/main" xmlns:r="http://schemas.openxmlformats.org/officeDocument/2006/relationships" xmlns:p="http://schemas.openxmlformats.org/presentationml/2006/main">
-  <p:cSld>
-    <p:bg>
-      <p:bgPr>
-        <a:solidFill>
-          <a:schemeClr val="bg1"/>
-        </a:solidFill>
-        <a:effectLst/>
-      </p:bgPr>
-    </p:bg>
-    <p:spTree>
-      <p:nvGrpSpPr>
-        <p:cNvPr id="1" name=""/>
-        <p:cNvGrpSpPr/>
-        <p:nvPr/>
-      </p:nvGrpSpPr>
-      <p:grpSpPr>
-        <a:xfrm>
-          <a:off x="0" y="0"/>
-          <a:ext cx="0" cy="0"/>
-          <a:chOff x="0" y="0"/>
-          <a:chExt cx="0" cy="0"/>
-        </a:xfrm>
-      </p:grpSpPr>
-      <p:sp>
-        <p:nvSpPr>
-          <p:cNvPr id="2" name="Title 1"/>
-          <p:cNvSpPr>
-            <a:spLocks noGrp="1"/>
-          </p:cNvSpPr>
-          <p:nvPr>
-            <p:ph type="title"/>
-          </p:nvPr>
-        </p:nvSpPr>
-        <p:spPr>
-          <a:xfrm>
-            <a:off x="1141413" y="-128733"/>
-            <a:ext cx="9905998" cy="1478570"/>
-          </a:xfrm>
-        </p:spPr>
-        <p:txBody>
-          <a:bodyPr/>
-          <a:lstStyle/>
-          <a:p>
-            <a:pPr algn="ctr"/>
-            <a:r>
-              <a:rPr lang="en-US" dirty="0" smtClean="0"/>
-              <a:t>Design considerations</a:t>
-            </a:r>
-            <a:endParaRPr lang="en-US" dirty="0"/>
-          </a:p>
-        </p:txBody>
-      </p:sp>
-      <p:sp>
-        <p:nvSpPr>
-          <p:cNvPr id="7" name="Content Placeholder 2"/>
-          <p:cNvSpPr>
-            <a:spLocks noGrp="1"/>
-          </p:cNvSpPr>
-          <p:nvPr>
-            <p:ph idx="1"/>
-          </p:nvPr>
-        </p:nvSpPr>
-        <p:spPr>
-          <a:xfrm>
-            <a:off x="1141412" y="1600558"/>
-            <a:ext cx="9905999" cy="3541714"/>
-          </a:xfrm>
-        </p:spPr>
-        <p:txBody>
-          <a:bodyPr>
-            <a:normAutofit lnSpcReduction="10000"/>
-          </a:bodyPr>
-          <a:lstStyle/>
-          <a:p>
-            <a:r>
-              <a:rPr lang="en-US" dirty="0" smtClean="0"/>
-              <a:t>Docker Containers – Scalability and Efficiency</a:t>
-            </a:r>
-          </a:p>
-          <a:p>
-            <a:r>
-              <a:rPr lang="en-US" dirty="0" smtClean="0"/>
-              <a:t>Nginx – Load balancing and static file delivery</a:t>
-            </a:r>
-          </a:p>
-          <a:p>
-            <a:r>
-              <a:rPr lang="en-US" dirty="0" smtClean="0"/>
-              <a:t>Django – Structured web framework because of python familiarity</a:t>
-            </a:r>
-          </a:p>
-          <a:p>
-            <a:r>
-              <a:rPr lang="en-US" dirty="0" smtClean="0"/>
-              <a:t>Sonarqube &amp; OWASP ZAP – secure development </a:t>
-            </a:r>
-          </a:p>
-          <a:p>
-            <a:r>
-              <a:rPr lang="en-US" dirty="0" smtClean="0"/>
-              <a:t>Selenium and Mocha – simple unit and functional testing frameworks</a:t>
-            </a:r>
-          </a:p>
-          <a:p>
-            <a:endParaRPr lang="en-US" dirty="0" smtClean="0"/>
-          </a:p>
-          <a:p>
-            <a:endParaRPr lang="en-US" dirty="0"/>
-          </a:p>
-        </p:txBody>
-      </p:sp>
-    </p:spTree>
-    <p:extLst>
-      <p:ext uri="{BB962C8B-B14F-4D97-AF65-F5344CB8AC3E}">
-        <p14:creationId xmlns:p14="http://schemas.microsoft.com/office/powerpoint/2010/main" val="35810874"/>
-      </p:ext>
-    </p:extLst>
-  </p:cSld>
-  <p:clrMapOvr>
-    <a:masterClrMapping/>
-  </p:clrMapOvr>
-  <p:timing>
-    <p:tnLst>
-      <p:par>
-        <p:cTn id="1" dur="indefinite" restart="never" nodeType="tmRoot"/>
-      </p:par>
-    </p:tnLst>
-  </p:timing>
-</p:sld>
-</file>
-
 <file path=ppt/slides/slide18.xml><?xml version="1.0" encoding="utf-8"?>
 <p:sld xmlns:a="http://schemas.openxmlformats.org/drawingml/2006/main" xmlns:r="http://schemas.openxmlformats.org/officeDocument/2006/relationships" xmlns:p="http://schemas.openxmlformats.org/presentationml/2006/main">
   <p:cSld>
@@ -16589,6 +16721,131 @@
             <a:pPr algn="ctr"/>
             <a:r>
               <a:rPr lang="en-US" dirty="0" smtClean="0"/>
+              <a:t>Sprint 1</a:t>
+            </a:r>
+            <a:endParaRPr lang="en-US" dirty="0"/>
+          </a:p>
+        </p:txBody>
+      </p:sp>
+      <p:sp>
+        <p:nvSpPr>
+          <p:cNvPr id="7" name="Content Placeholder 2"/>
+          <p:cNvSpPr>
+            <a:spLocks noGrp="1"/>
+          </p:cNvSpPr>
+          <p:nvPr>
+            <p:ph idx="1"/>
+          </p:nvPr>
+        </p:nvSpPr>
+        <p:spPr>
+          <a:xfrm>
+            <a:off x="1141412" y="1600558"/>
+            <a:ext cx="9905999" cy="3541714"/>
+          </a:xfrm>
+        </p:spPr>
+        <p:txBody>
+          <a:bodyPr>
+            <a:normAutofit/>
+          </a:bodyPr>
+          <a:lstStyle/>
+          <a:p>
+            <a:r>
+              <a:rPr lang="en-US" b="1" dirty="0" smtClean="0"/>
+              <a:t>Two week iterations</a:t>
+            </a:r>
+          </a:p>
+          <a:p>
+            <a:r>
+              <a:rPr lang="en-US" b="1" dirty="0" smtClean="0"/>
+              <a:t>Create GUI Interface</a:t>
+            </a:r>
+          </a:p>
+          <a:p>
+            <a:r>
+              <a:rPr lang="en-US" b="1" dirty="0" smtClean="0"/>
+              <a:t>Receive feedback from the product owner</a:t>
+            </a:r>
+          </a:p>
+          <a:p>
+            <a:r>
+              <a:rPr lang="en-US" b="1" dirty="0" smtClean="0"/>
+              <a:t>Evaluate development speed</a:t>
+            </a:r>
+            <a:endParaRPr lang="en-US" b="1" dirty="0" smtClean="0"/>
+          </a:p>
+          <a:p>
+            <a:endParaRPr lang="en-US" b="1" dirty="0"/>
+          </a:p>
+        </p:txBody>
+      </p:sp>
+    </p:spTree>
+    <p:extLst>
+      <p:ext uri="{BB962C8B-B14F-4D97-AF65-F5344CB8AC3E}">
+        <p14:creationId xmlns:p14="http://schemas.microsoft.com/office/powerpoint/2010/main" val="1880807621"/>
+      </p:ext>
+    </p:extLst>
+  </p:cSld>
+  <p:clrMapOvr>
+    <a:masterClrMapping/>
+  </p:clrMapOvr>
+  <p:timing>
+    <p:tnLst>
+      <p:par>
+        <p:cTn id="1" dur="indefinite" restart="never" nodeType="tmRoot"/>
+      </p:par>
+    </p:tnLst>
+  </p:timing>
+</p:sld>
+</file>
+
+<file path=ppt/slides/slide19.xml><?xml version="1.0" encoding="utf-8"?>
+<p:sld xmlns:a="http://schemas.openxmlformats.org/drawingml/2006/main" xmlns:r="http://schemas.openxmlformats.org/officeDocument/2006/relationships" xmlns:p="http://schemas.openxmlformats.org/presentationml/2006/main">
+  <p:cSld>
+    <p:bg>
+      <p:bgPr>
+        <a:solidFill>
+          <a:schemeClr val="bg1"/>
+        </a:solidFill>
+        <a:effectLst/>
+      </p:bgPr>
+    </p:bg>
+    <p:spTree>
+      <p:nvGrpSpPr>
+        <p:cNvPr id="1" name=""/>
+        <p:cNvGrpSpPr/>
+        <p:nvPr/>
+      </p:nvGrpSpPr>
+      <p:grpSpPr>
+        <a:xfrm>
+          <a:off x="0" y="0"/>
+          <a:ext cx="0" cy="0"/>
+          <a:chOff x="0" y="0"/>
+          <a:chExt cx="0" cy="0"/>
+        </a:xfrm>
+      </p:grpSpPr>
+      <p:sp>
+        <p:nvSpPr>
+          <p:cNvPr id="2" name="Title 1"/>
+          <p:cNvSpPr>
+            <a:spLocks noGrp="1"/>
+          </p:cNvSpPr>
+          <p:nvPr>
+            <p:ph type="title"/>
+          </p:nvPr>
+        </p:nvSpPr>
+        <p:spPr>
+          <a:xfrm>
+            <a:off x="1141413" y="-128733"/>
+            <a:ext cx="9905998" cy="1478570"/>
+          </a:xfrm>
+        </p:spPr>
+        <p:txBody>
+          <a:bodyPr/>
+          <a:lstStyle/>
+          <a:p>
+            <a:pPr algn="ctr"/>
+            <a:r>
+              <a:rPr lang="en-US" dirty="0" smtClean="0"/>
               <a:t>Conclusion</a:t>
             </a:r>
             <a:endParaRPr lang="en-US" dirty="0"/>
@@ -16625,13 +16882,13 @@
               </a:spcAft>
             </a:pPr>
             <a:r>
-              <a:rPr lang="en-US" sz="2400" dirty="0">
+              <a:rPr lang="en-US" sz="2400" b="1" dirty="0">
                 <a:ea typeface="Calibri" panose="020F0502020204030204" pitchFamily="34" charset="0"/>
                 <a:cs typeface="Calibri" panose="020F0502020204030204" pitchFamily="34" charset="0"/>
               </a:rPr>
               <a:t>This application was developed in a way to maximize satisfaction from the product owner by presenting constant demos and gathering feedback.  Modern development practices like test driven development, static analysis, vulnerability scanning, and CI/CD enhanced the applications security and stability.  The Security Lab Manager is a great tool for learning security in a classroom setting safely.</a:t>
             </a:r>
-            <a:endParaRPr lang="en-US" sz="2400" dirty="0">
+            <a:endParaRPr lang="en-US" sz="2400" b="1" dirty="0">
               <a:effectLst/>
               <a:ea typeface="Calibri" panose="020F0502020204030204" pitchFamily="34" charset="0"/>
               <a:cs typeface="Calibri" panose="020F0502020204030204" pitchFamily="34" charset="0"/>
@@ -16701,10 +16958,10 @@
           <a:p>
             <a:pPr algn="ctr"/>
             <a:r>
-              <a:rPr lang="en-US" dirty="0" smtClean="0"/>
+              <a:rPr lang="en-US" b="1" dirty="0" smtClean="0"/>
               <a:t>Security Engineering</a:t>
             </a:r>
-            <a:endParaRPr lang="en-US" dirty="0"/>
+            <a:endParaRPr lang="en-US" b="1" dirty="0"/>
           </a:p>
         </p:txBody>
       </p:sp>
@@ -16726,28 +16983,28 @@
           <a:lstStyle/>
           <a:p>
             <a:r>
-              <a:rPr lang="en-US" sz="2800" dirty="0" smtClean="0"/>
+              <a:rPr lang="en-US" sz="2800" b="1" dirty="0" smtClean="0"/>
               <a:t>High demand for cyber security jobs</a:t>
             </a:r>
           </a:p>
           <a:p>
             <a:r>
-              <a:rPr lang="en-US" sz="2800" dirty="0" smtClean="0"/>
+              <a:rPr lang="en-US" sz="2800" b="1" dirty="0" smtClean="0"/>
               <a:t>Secure coding for desktop and web application required for developers</a:t>
             </a:r>
           </a:p>
           <a:p>
             <a:r>
-              <a:rPr lang="en-US" sz="2800" dirty="0" smtClean="0"/>
+              <a:rPr lang="en-US" sz="2800" b="1" dirty="0" smtClean="0"/>
               <a:t>Abuse case and fuzz testing required for production software</a:t>
             </a:r>
           </a:p>
           <a:p>
             <a:r>
-              <a:rPr lang="en-US" sz="2800" dirty="0" smtClean="0"/>
+              <a:rPr lang="en-US" sz="2800" b="1" dirty="0" smtClean="0"/>
               <a:t>Reverse engineers require knowledge of memory management/software flaws</a:t>
             </a:r>
-            <a:endParaRPr lang="en-US" sz="2800" dirty="0"/>
+            <a:endParaRPr lang="en-US" sz="2800" b="1" dirty="0"/>
           </a:p>
         </p:txBody>
       </p:sp>
@@ -16838,19 +17095,19 @@
           <a:lstStyle/>
           <a:p>
             <a:r>
-              <a:rPr lang="en-US" sz="2800" dirty="0" smtClean="0"/>
+              <a:rPr lang="en-US" sz="2800" b="1" dirty="0" smtClean="0"/>
               <a:t>Books with short answer questions</a:t>
             </a:r>
           </a:p>
           <a:p>
             <a:r>
-              <a:rPr lang="en-US" sz="2800" dirty="0" smtClean="0"/>
+              <a:rPr lang="en-US" sz="2800" b="1" dirty="0" smtClean="0"/>
               <a:t>Capture the flag competitions</a:t>
             </a:r>
           </a:p>
           <a:p>
             <a:r>
-              <a:rPr lang="en-US" sz="2800" dirty="0" smtClean="0"/>
+              <a:rPr lang="en-US" sz="2800" b="1" dirty="0" smtClean="0"/>
               <a:t>Setup own virtual hacking environment</a:t>
             </a:r>
           </a:p>
@@ -16943,19 +17200,19 @@
           <a:lstStyle/>
           <a:p>
             <a:r>
-              <a:rPr lang="en-US" sz="2800" dirty="0" smtClean="0"/>
+              <a:rPr lang="en-US" sz="2800" b="1" dirty="0" smtClean="0"/>
               <a:t>How do we allow students to virtualize exercises?</a:t>
             </a:r>
           </a:p>
           <a:p>
             <a:r>
-              <a:rPr lang="en-US" sz="2800" dirty="0" smtClean="0"/>
+              <a:rPr lang="en-US" sz="2800" b="1" dirty="0" smtClean="0"/>
               <a:t>What is the fastest way possible to do this?</a:t>
             </a:r>
           </a:p>
           <a:p>
             <a:r>
-              <a:rPr lang="en-US" sz="2800" dirty="0" smtClean="0"/>
+              <a:rPr lang="en-US" sz="2800" b="1" dirty="0" smtClean="0"/>
               <a:t>Does this require the students to have powerful computing resources?</a:t>
             </a:r>
           </a:p>
@@ -17053,20 +17310,20 @@
           <a:lstStyle/>
           <a:p>
             <a:r>
-              <a:rPr lang="en-US" sz="2800" dirty="0" smtClean="0"/>
+              <a:rPr lang="en-US" sz="2800" b="1" dirty="0" smtClean="0"/>
               <a:t>Students and Professors</a:t>
             </a:r>
           </a:p>
           <a:p>
             <a:r>
-              <a:rPr lang="en-US" sz="2800" dirty="0" smtClean="0"/>
+              <a:rPr lang="en-US" sz="2800" b="1" dirty="0" smtClean="0"/>
               <a:t>Training</a:t>
             </a:r>
-            <a:endParaRPr lang="en-US" sz="2800" dirty="0"/>
+            <a:endParaRPr lang="en-US" sz="2800" b="1" dirty="0"/>
           </a:p>
           <a:p>
             <a:r>
-              <a:rPr lang="en-US" sz="2800" dirty="0" smtClean="0"/>
+              <a:rPr lang="en-US" sz="2800" b="1" dirty="0" smtClean="0"/>
               <a:t>Any class size with little setup time</a:t>
             </a:r>
           </a:p>
@@ -17157,30 +17414,22 @@
           <a:lstStyle/>
           <a:p>
             <a:r>
-              <a:rPr lang="en-US" dirty="0" smtClean="0"/>
-              <a:t>Student user interface for launch</a:t>
+              <a:rPr lang="en-US" b="1" dirty="0" smtClean="0"/>
+              <a:t>Student user interface for launch, stopping, and reverting exercises</a:t>
             </a:r>
+          </a:p>
+          <a:p>
             <a:r>
-              <a:rPr lang="en-US" smtClean="0"/>
-              <a:t>, stopping, </a:t>
-            </a:r>
-            <a:r>
-              <a:rPr lang="en-US" dirty="0" smtClean="0"/>
-              <a:t>and reverting exercises</a:t>
-            </a:r>
-          </a:p>
-          <a:p>
-            <a:r>
-              <a:rPr lang="en-US" dirty="0" smtClean="0"/>
+              <a:rPr lang="en-US" b="1" dirty="0" smtClean="0"/>
               <a:t>Instructor user interface for adding exercises, students, and managing application performance</a:t>
             </a:r>
           </a:p>
           <a:p>
             <a:r>
-              <a:rPr lang="en-US" dirty="0" smtClean="0"/>
+              <a:rPr lang="en-US" b="1" dirty="0" smtClean="0"/>
               <a:t>Multi–threaded with the ability to cancel actions</a:t>
             </a:r>
-            <a:endParaRPr lang="en-US" dirty="0"/>
+            <a:endParaRPr lang="en-US" b="1" dirty="0"/>
           </a:p>
         </p:txBody>
       </p:sp>
@@ -17269,28 +17518,28 @@
           <a:lstStyle/>
           <a:p>
             <a:r>
-              <a:rPr lang="en-US" dirty="0" smtClean="0"/>
+              <a:rPr lang="en-US" b="1" dirty="0" smtClean="0"/>
               <a:t>Must contain 3 web security exercises</a:t>
             </a:r>
           </a:p>
           <a:p>
             <a:r>
-              <a:rPr lang="en-US" dirty="0" smtClean="0"/>
+              <a:rPr lang="en-US" b="1" dirty="0" smtClean="0"/>
               <a:t>Must contain 3 desktop security exercises</a:t>
             </a:r>
           </a:p>
           <a:p>
             <a:r>
-              <a:rPr lang="en-US" dirty="0" smtClean="0"/>
+              <a:rPr lang="en-US" b="1" dirty="0" smtClean="0"/>
               <a:t>Must be developed securely</a:t>
             </a:r>
           </a:p>
           <a:p>
             <a:r>
-              <a:rPr lang="en-US" dirty="0" smtClean="0"/>
+              <a:rPr lang="en-US" b="1" dirty="0" smtClean="0"/>
               <a:t>Must be easily installed and enhanced</a:t>
             </a:r>
-            <a:endParaRPr lang="en-US" dirty="0"/>
+            <a:endParaRPr lang="en-US" b="1" dirty="0"/>
           </a:p>
         </p:txBody>
       </p:sp>
@@ -18303,7 +18552,7 @@
 </file>
 
 <file path=customXml/itemProps2.xml><?xml version="1.0" encoding="utf-8"?>
-<ds:datastoreItem xmlns:ds="http://schemas.openxmlformats.org/officeDocument/2006/customXml" ds:itemID="{373F1B79-E3A1-488F-9590-87D7617D88B4}">
+<ds:datastoreItem xmlns:ds="http://schemas.openxmlformats.org/officeDocument/2006/customXml" ds:itemID="{3FE4BBE2-918F-4E50-B832-B8DD135C5E4D}">
   <ds:schemaRefs>
     <ds:schemaRef ds:uri="http://www.w3.org/2001/XMLSchema"/>
     <ds:schemaRef ds:uri="http://www.boldonjames.com/2008/01/sie/internal/label"/>

--- a/documentation/presentation.pptx
+++ b/documentation/presentation.pptx
@@ -5,10 +5,10 @@
     <p:sldMasterId id="2147483780" r:id="rId3"/>
   </p:sldMasterIdLst>
   <p:notesMasterIdLst>
-    <p:notesMasterId r:id="rId23"/>
+    <p:notesMasterId r:id="rId24"/>
   </p:notesMasterIdLst>
   <p:handoutMasterIdLst>
-    <p:handoutMasterId r:id="rId24"/>
+    <p:handoutMasterId r:id="rId25"/>
   </p:handoutMasterIdLst>
   <p:sldIdLst>
     <p:sldId id="256" r:id="rId4"/>
@@ -23,13 +23,14 @@
     <p:sldId id="264" r:id="rId13"/>
     <p:sldId id="258" r:id="rId14"/>
     <p:sldId id="270" r:id="rId15"/>
-    <p:sldId id="271" r:id="rId16"/>
-    <p:sldId id="272" r:id="rId17"/>
-    <p:sldId id="268" r:id="rId18"/>
-    <p:sldId id="275" r:id="rId19"/>
-    <p:sldId id="266" r:id="rId20"/>
-    <p:sldId id="276" r:id="rId21"/>
-    <p:sldId id="274" r:id="rId22"/>
+    <p:sldId id="277" r:id="rId16"/>
+    <p:sldId id="271" r:id="rId17"/>
+    <p:sldId id="272" r:id="rId18"/>
+    <p:sldId id="268" r:id="rId19"/>
+    <p:sldId id="276" r:id="rId20"/>
+    <p:sldId id="275" r:id="rId21"/>
+    <p:sldId id="266" r:id="rId22"/>
+    <p:sldId id="274" r:id="rId23"/>
   </p:sldIdLst>
   <p:sldSz cx="12192000" cy="6858000"/>
   <p:notesSz cx="6858000" cy="9144000"/>
@@ -218,7 +219,7 @@
           <a:p>
             <a:fld id="{A856B199-1789-4443-9DE1-FA33660B713B}" type="datetimeFigureOut">
               <a:rPr lang="en-US" smtClean="0"/>
-              <a:t>12/3/2018</a:t>
+              <a:t>3/31/2019</a:t>
             </a:fld>
             <a:endParaRPr lang="en-US"/>
           </a:p>
@@ -383,7 +384,7 @@
           <a:p>
             <a:fld id="{0DCB8767-B91D-4925-A33B-64438006F0C1}" type="datetimeFigureOut">
               <a:rPr lang="en-US" smtClean="0"/>
-              <a:t>12/3/2018</a:t>
+              <a:t>3/31/2019</a:t>
             </a:fld>
             <a:endParaRPr lang="en-US"/>
           </a:p>
@@ -818,7 +819,7 @@
           <a:bodyPr/>
           <a:lstStyle/>
           <a:p>
-            <a:endParaRPr lang="en-US"/>
+            <a:endParaRPr lang="en-US" dirty="0"/>
           </a:p>
         </p:txBody>
       </p:sp>
@@ -1252,7 +1253,7 @@
     </p:spTree>
     <p:extLst>
       <p:ext uri="{BB962C8B-B14F-4D97-AF65-F5344CB8AC3E}">
-        <p14:creationId xmlns:p14="http://schemas.microsoft.com/office/powerpoint/2010/main" val="1099259115"/>
+        <p14:creationId xmlns:p14="http://schemas.microsoft.com/office/powerpoint/2010/main" val="3373674187"/>
       </p:ext>
     </p:extLst>
   </p:cSld>
@@ -1374,7 +1375,7 @@
     </p:spTree>
     <p:extLst>
       <p:ext uri="{BB962C8B-B14F-4D97-AF65-F5344CB8AC3E}">
-        <p14:creationId xmlns:p14="http://schemas.microsoft.com/office/powerpoint/2010/main" val="1714772350"/>
+        <p14:creationId xmlns:p14="http://schemas.microsoft.com/office/powerpoint/2010/main" val="1099259115"/>
       </p:ext>
     </p:extLst>
   </p:cSld>
@@ -1496,7 +1497,7 @@
     </p:spTree>
     <p:extLst>
       <p:ext uri="{BB962C8B-B14F-4D97-AF65-F5344CB8AC3E}">
-        <p14:creationId xmlns:p14="http://schemas.microsoft.com/office/powerpoint/2010/main" val="4211785599"/>
+        <p14:creationId xmlns:p14="http://schemas.microsoft.com/office/powerpoint/2010/main" val="1714772350"/>
       </p:ext>
     </p:extLst>
   </p:cSld>
@@ -1618,7 +1619,7 @@
     </p:spTree>
     <p:extLst>
       <p:ext uri="{BB962C8B-B14F-4D97-AF65-F5344CB8AC3E}">
-        <p14:creationId xmlns:p14="http://schemas.microsoft.com/office/powerpoint/2010/main" val="1707925867"/>
+        <p14:creationId xmlns:p14="http://schemas.microsoft.com/office/powerpoint/2010/main" val="4211785599"/>
       </p:ext>
     </p:extLst>
   </p:cSld>
@@ -1740,7 +1741,7 @@
     </p:spTree>
     <p:extLst>
       <p:ext uri="{BB962C8B-B14F-4D97-AF65-F5344CB8AC3E}">
-        <p14:creationId xmlns:p14="http://schemas.microsoft.com/office/powerpoint/2010/main" val="832951166"/>
+        <p14:creationId xmlns:p14="http://schemas.microsoft.com/office/powerpoint/2010/main" val="2801755486"/>
       </p:ext>
     </p:extLst>
   </p:cSld>
@@ -1862,7 +1863,7 @@
     </p:spTree>
     <p:extLst>
       <p:ext uri="{BB962C8B-B14F-4D97-AF65-F5344CB8AC3E}">
-        <p14:creationId xmlns:p14="http://schemas.microsoft.com/office/powerpoint/2010/main" val="2013274001"/>
+        <p14:creationId xmlns:p14="http://schemas.microsoft.com/office/powerpoint/2010/main" val="1707925867"/>
       </p:ext>
     </p:extLst>
   </p:cSld>
@@ -1984,7 +1985,7 @@
     </p:spTree>
     <p:extLst>
       <p:ext uri="{BB962C8B-B14F-4D97-AF65-F5344CB8AC3E}">
-        <p14:creationId xmlns:p14="http://schemas.microsoft.com/office/powerpoint/2010/main" val="1950293259"/>
+        <p14:creationId xmlns:p14="http://schemas.microsoft.com/office/powerpoint/2010/main" val="832951166"/>
       </p:ext>
     </p:extLst>
   </p:cSld>
@@ -2107,6 +2108,128 @@
     <p:extLst>
       <p:ext uri="{BB962C8B-B14F-4D97-AF65-F5344CB8AC3E}">
         <p14:creationId xmlns:p14="http://schemas.microsoft.com/office/powerpoint/2010/main" val="3162903457"/>
+      </p:ext>
+    </p:extLst>
+  </p:cSld>
+  <p:clrMapOvr>
+    <a:masterClrMapping/>
+  </p:clrMapOvr>
+</p:notes>
+</file>
+
+<file path=ppt/notesSlides/notesSlide20.xml><?xml version="1.0" encoding="utf-8"?>
+<p:notes xmlns:a="http://schemas.openxmlformats.org/drawingml/2006/main" xmlns:r="http://schemas.openxmlformats.org/officeDocument/2006/relationships" xmlns:p="http://schemas.openxmlformats.org/presentationml/2006/main">
+  <p:cSld>
+    <p:spTree>
+      <p:nvGrpSpPr>
+        <p:cNvPr id="1" name=""/>
+        <p:cNvGrpSpPr/>
+        <p:nvPr/>
+      </p:nvGrpSpPr>
+      <p:grpSpPr>
+        <a:xfrm>
+          <a:off x="0" y="0"/>
+          <a:ext cx="0" cy="0"/>
+          <a:chOff x="0" y="0"/>
+          <a:chExt cx="0" cy="0"/>
+        </a:xfrm>
+      </p:grpSpPr>
+      <p:sp>
+        <p:nvSpPr>
+          <p:cNvPr id="2" name="Slide Image Placeholder 1"/>
+          <p:cNvSpPr>
+            <a:spLocks noGrp="1" noRot="1" noChangeAspect="1"/>
+          </p:cNvSpPr>
+          <p:nvPr>
+            <p:ph type="sldImg"/>
+          </p:nvPr>
+        </p:nvSpPr>
+        <p:spPr/>
+      </p:sp>
+      <p:sp>
+        <p:nvSpPr>
+          <p:cNvPr id="3" name="Notes Placeholder 2"/>
+          <p:cNvSpPr>
+            <a:spLocks noGrp="1"/>
+          </p:cNvSpPr>
+          <p:nvPr>
+            <p:ph type="body" idx="1"/>
+          </p:nvPr>
+        </p:nvSpPr>
+        <p:spPr/>
+        <p:txBody>
+          <a:bodyPr/>
+          <a:lstStyle/>
+          <a:p>
+            <a:endParaRPr lang="en-US" dirty="0"/>
+          </a:p>
+        </p:txBody>
+      </p:sp>
+      <p:sp>
+        <p:nvSpPr>
+          <p:cNvPr id="4" name="Header Placeholder 3"/>
+          <p:cNvSpPr>
+            <a:spLocks noGrp="1"/>
+          </p:cNvSpPr>
+          <p:nvPr>
+            <p:ph type="hdr" sz="quarter" idx="10"/>
+          </p:nvPr>
+        </p:nvSpPr>
+        <p:spPr/>
+        <p:txBody>
+          <a:bodyPr/>
+          <a:lstStyle/>
+          <a:p>
+            <a:endParaRPr lang="en-US"/>
+          </a:p>
+        </p:txBody>
+      </p:sp>
+      <p:sp>
+        <p:nvSpPr>
+          <p:cNvPr id="5" name="Footer Placeholder 4"/>
+          <p:cNvSpPr>
+            <a:spLocks noGrp="1"/>
+          </p:cNvSpPr>
+          <p:nvPr>
+            <p:ph type="ftr" sz="quarter" idx="11"/>
+          </p:nvPr>
+        </p:nvSpPr>
+        <p:spPr/>
+        <p:txBody>
+          <a:bodyPr/>
+          <a:lstStyle/>
+          <a:p>
+            <a:endParaRPr lang="en-US"/>
+          </a:p>
+        </p:txBody>
+      </p:sp>
+      <p:sp>
+        <p:nvSpPr>
+          <p:cNvPr id="6" name="Slide Number Placeholder 5"/>
+          <p:cNvSpPr>
+            <a:spLocks noGrp="1"/>
+          </p:cNvSpPr>
+          <p:nvPr>
+            <p:ph type="sldNum" sz="quarter" idx="12"/>
+          </p:nvPr>
+        </p:nvSpPr>
+        <p:spPr/>
+        <p:txBody>
+          <a:bodyPr/>
+          <a:lstStyle/>
+          <a:p>
+            <a:fld id="{04AFFD27-C42C-47CD-8755-C4DF35BD4C7E}" type="slidenum">
+              <a:rPr lang="en-US" smtClean="0"/>
+              <a:t>20</a:t>
+            </a:fld>
+            <a:endParaRPr lang="en-US"/>
+          </a:p>
+        </p:txBody>
+      </p:sp>
+    </p:spTree>
+    <p:extLst>
+      <p:ext uri="{BB962C8B-B14F-4D97-AF65-F5344CB8AC3E}">
+        <p14:creationId xmlns:p14="http://schemas.microsoft.com/office/powerpoint/2010/main" val="1950293259"/>
       </p:ext>
     </p:extLst>
   </p:cSld>
@@ -2892,7 +3015,7 @@
           <a:bodyPr/>
           <a:lstStyle/>
           <a:p>
-            <a:endParaRPr lang="en-US"/>
+            <a:endParaRPr lang="en-US" dirty="0"/>
           </a:p>
         </p:txBody>
       </p:sp>
@@ -7252,7 +7375,7 @@
           <a:p>
             <a:fld id="{882D24FB-7729-40A5-988B-B7F786B2F842}" type="datetimeFigureOut">
               <a:rPr lang="en-US" smtClean="0"/>
-              <a:t>12/3/2018</a:t>
+              <a:t>3/31/2019</a:t>
             </a:fld>
             <a:endParaRPr lang="en-US"/>
           </a:p>
@@ -7519,7 +7642,7 @@
           <a:p>
             <a:fld id="{882D24FB-7729-40A5-988B-B7F786B2F842}" type="datetimeFigureOut">
               <a:rPr lang="en-US" smtClean="0"/>
-              <a:t>12/3/2018</a:t>
+              <a:t>3/31/2019</a:t>
             </a:fld>
             <a:endParaRPr lang="en-US"/>
           </a:p>
@@ -7715,7 +7838,7 @@
           <a:p>
             <a:fld id="{882D24FB-7729-40A5-988B-B7F786B2F842}" type="datetimeFigureOut">
               <a:rPr lang="en-US" smtClean="0"/>
-              <a:t>12/3/2018</a:t>
+              <a:t>3/31/2019</a:t>
             </a:fld>
             <a:endParaRPr lang="en-US"/>
           </a:p>
@@ -7978,7 +8101,7 @@
           <a:p>
             <a:fld id="{882D24FB-7729-40A5-988B-B7F786B2F842}" type="datetimeFigureOut">
               <a:rPr lang="en-US" smtClean="0"/>
-              <a:t>12/3/2018</a:t>
+              <a:t>3/31/2019</a:t>
             </a:fld>
             <a:endParaRPr lang="en-US"/>
           </a:p>
@@ -8412,7 +8535,7 @@
           <a:p>
             <a:fld id="{882D24FB-7729-40A5-988B-B7F786B2F842}" type="datetimeFigureOut">
               <a:rPr lang="en-US" smtClean="0"/>
-              <a:t>12/3/2018</a:t>
+              <a:t>3/31/2019</a:t>
             </a:fld>
             <a:endParaRPr lang="en-US"/>
           </a:p>
@@ -8958,7 +9081,7 @@
           <a:p>
             <a:fld id="{882D24FB-7729-40A5-988B-B7F786B2F842}" type="datetimeFigureOut">
               <a:rPr lang="en-US" smtClean="0"/>
-              <a:t>12/3/2018</a:t>
+              <a:t>3/31/2019</a:t>
             </a:fld>
             <a:endParaRPr lang="en-US"/>
           </a:p>
@@ -9678,7 +9801,7 @@
           <a:p>
             <a:fld id="{882D24FB-7729-40A5-988B-B7F786B2F842}" type="datetimeFigureOut">
               <a:rPr lang="en-US" smtClean="0"/>
-              <a:t>12/3/2018</a:t>
+              <a:t>3/31/2019</a:t>
             </a:fld>
             <a:endParaRPr lang="en-US"/>
           </a:p>
@@ -9848,7 +9971,7 @@
           <a:p>
             <a:fld id="{882D24FB-7729-40A5-988B-B7F786B2F842}" type="datetimeFigureOut">
               <a:rPr lang="en-US" smtClean="0"/>
-              <a:t>12/3/2018</a:t>
+              <a:t>3/31/2019</a:t>
             </a:fld>
             <a:endParaRPr lang="en-US"/>
           </a:p>
@@ -10028,7 +10151,7 @@
           <a:p>
             <a:fld id="{882D24FB-7729-40A5-988B-B7F786B2F842}" type="datetimeFigureOut">
               <a:rPr lang="en-US" smtClean="0"/>
-              <a:t>12/3/2018</a:t>
+              <a:t>3/31/2019</a:t>
             </a:fld>
             <a:endParaRPr lang="en-US"/>
           </a:p>
@@ -10198,7 +10321,7 @@
           <a:p>
             <a:fld id="{882D24FB-7729-40A5-988B-B7F786B2F842}" type="datetimeFigureOut">
               <a:rPr lang="en-US" smtClean="0"/>
-              <a:t>12/3/2018</a:t>
+              <a:t>3/31/2019</a:t>
             </a:fld>
             <a:endParaRPr lang="en-US"/>
           </a:p>
@@ -10448,7 +10571,7 @@
           <a:p>
             <a:fld id="{882D24FB-7729-40A5-988B-B7F786B2F842}" type="datetimeFigureOut">
               <a:rPr lang="en-US" smtClean="0"/>
-              <a:t>12/3/2018</a:t>
+              <a:t>3/31/2019</a:t>
             </a:fld>
             <a:endParaRPr lang="en-US"/>
           </a:p>
@@ -10680,7 +10803,7 @@
           <a:p>
             <a:fld id="{882D24FB-7729-40A5-988B-B7F786B2F842}" type="datetimeFigureOut">
               <a:rPr lang="en-US" smtClean="0"/>
-              <a:t>12/3/2018</a:t>
+              <a:t>3/31/2019</a:t>
             </a:fld>
             <a:endParaRPr lang="en-US"/>
           </a:p>
@@ -11061,7 +11184,7 @@
           <a:p>
             <a:fld id="{882D24FB-7729-40A5-988B-B7F786B2F842}" type="datetimeFigureOut">
               <a:rPr lang="en-US" smtClean="0"/>
-              <a:t>12/3/2018</a:t>
+              <a:t>3/31/2019</a:t>
             </a:fld>
             <a:endParaRPr lang="en-US"/>
           </a:p>
@@ -11179,7 +11302,7 @@
           <a:p>
             <a:fld id="{882D24FB-7729-40A5-988B-B7F786B2F842}" type="datetimeFigureOut">
               <a:rPr lang="en-US" smtClean="0"/>
-              <a:t>12/3/2018</a:t>
+              <a:t>3/31/2019</a:t>
             </a:fld>
             <a:endParaRPr lang="en-US"/>
           </a:p>
@@ -11274,7 +11397,7 @@
           <a:p>
             <a:fld id="{882D24FB-7729-40A5-988B-B7F786B2F842}" type="datetimeFigureOut">
               <a:rPr lang="en-US" smtClean="0"/>
-              <a:t>12/3/2018</a:t>
+              <a:t>3/31/2019</a:t>
             </a:fld>
             <a:endParaRPr lang="en-US"/>
           </a:p>
@@ -11523,7 +11646,7 @@
           <a:p>
             <a:fld id="{882D24FB-7729-40A5-988B-B7F786B2F842}" type="datetimeFigureOut">
               <a:rPr lang="en-US" smtClean="0"/>
-              <a:t>12/3/2018</a:t>
+              <a:t>3/31/2019</a:t>
             </a:fld>
             <a:endParaRPr lang="en-US"/>
           </a:p>
@@ -11803,7 +11926,7 @@
           <a:p>
             <a:fld id="{882D24FB-7729-40A5-988B-B7F786B2F842}" type="datetimeFigureOut">
               <a:rPr lang="en-US" smtClean="0"/>
-              <a:t>12/3/2018</a:t>
+              <a:t>3/31/2019</a:t>
             </a:fld>
             <a:endParaRPr lang="en-US"/>
           </a:p>
@@ -14870,7 +14993,7 @@
           <a:p>
             <a:fld id="{882D24FB-7729-40A5-988B-B7F786B2F842}" type="datetimeFigureOut">
               <a:rPr lang="en-US" smtClean="0"/>
-              <a:t>12/3/2018</a:t>
+              <a:t>3/31/2019</a:t>
             </a:fld>
             <a:endParaRPr lang="en-US"/>
           </a:p>
@@ -15279,7 +15402,7 @@
     <p:bg>
       <p:bgPr>
         <a:solidFill>
-          <a:schemeClr val="bg1"/>
+          <a:srgbClr val="002060"/>
         </a:solidFill>
         <a:effectLst/>
       </p:bgPr>
@@ -15336,15 +15459,7 @@
             </a:br>
             <a:r>
               <a:rPr lang="en-US" sz="2800" i="1" dirty="0" smtClean="0"/>
-              <a:t>December 3</a:t>
-            </a:r>
-            <a:r>
-              <a:rPr lang="en-US" sz="2800" i="1" dirty="0" smtClean="0"/>
-              <a:t>, </a:t>
-            </a:r>
-            <a:r>
-              <a:rPr lang="en-US" sz="2800" i="1" dirty="0" smtClean="0"/>
-              <a:t>2018</a:t>
+              <a:t>December 3, 2018</a:t>
             </a:r>
             <a:br>
               <a:rPr lang="en-US" sz="2800" i="1" dirty="0" smtClean="0"/>
@@ -15494,7 +15609,7 @@
     <p:bg>
       <p:bgPr>
         <a:solidFill>
-          <a:schemeClr val="bg1"/>
+          <a:srgbClr val="002060"/>
         </a:solidFill>
         <a:effectLst/>
       </p:bgPr>
@@ -15513,38 +15628,9 @@
           <a:chExt cx="0" cy="0"/>
         </a:xfrm>
       </p:grpSpPr>
-      <p:sp>
-        <p:nvSpPr>
-          <p:cNvPr id="2" name="Title 1"/>
-          <p:cNvSpPr>
-            <a:spLocks noGrp="1"/>
-          </p:cNvSpPr>
-          <p:nvPr>
-            <p:ph type="title"/>
-          </p:nvPr>
-        </p:nvSpPr>
-        <p:spPr>
-          <a:xfrm>
-            <a:off x="1141412" y="0"/>
-            <a:ext cx="9905998" cy="1478570"/>
-          </a:xfrm>
-        </p:spPr>
-        <p:txBody>
-          <a:bodyPr/>
-          <a:lstStyle/>
-          <a:p>
-            <a:pPr algn="ctr"/>
-            <a:r>
-              <a:rPr lang="en-US" dirty="0" smtClean="0"/>
-              <a:t>Instructor Interface</a:t>
-            </a:r>
-            <a:endParaRPr lang="en-US" dirty="0"/>
-          </a:p>
-        </p:txBody>
-      </p:sp>
       <p:pic>
         <p:nvPicPr>
-          <p:cNvPr id="4" name="Picture 3"/>
+          <p:cNvPr id="5" name="Picture 4"/>
           <p:cNvPicPr>
             <a:picLocks noChangeAspect="1"/>
           </p:cNvPicPr>
@@ -15558,8 +15644,8 @@
         </p:blipFill>
         <p:spPr>
           <a:xfrm>
-            <a:off x="2427796" y="1673793"/>
-            <a:ext cx="7333231" cy="4887742"/>
+            <a:off x="0" y="0"/>
+            <a:ext cx="12192000" cy="6858000"/>
           </a:xfrm>
           <a:prstGeom prst="rect">
             <a:avLst/>
@@ -15592,7 +15678,7 @@
     <p:bg>
       <p:bgPr>
         <a:solidFill>
-          <a:schemeClr val="bg1"/>
+          <a:srgbClr val="002060"/>
         </a:solidFill>
         <a:effectLst/>
       </p:bgPr>
@@ -15748,7 +15834,7 @@
     <p:bg>
       <p:bgPr>
         <a:solidFill>
-          <a:schemeClr val="bg1"/>
+          <a:srgbClr val="002060"/>
         </a:solidFill>
         <a:effectLst/>
       </p:bgPr>
@@ -15808,8 +15894,8 @@
         </p:nvSpPr>
         <p:spPr>
           <a:xfrm>
-            <a:off x="1141412" y="1600558"/>
-            <a:ext cx="9905999" cy="3541714"/>
+            <a:off x="1141412" y="1600557"/>
+            <a:ext cx="9905999" cy="5132751"/>
           </a:xfrm>
         </p:spPr>
         <p:txBody>
@@ -15833,34 +15919,41 @@
             <a:pPr lvl="1"/>
             <a:r>
               <a:rPr lang="en-US" b="1" dirty="0" smtClean="0"/>
-              <a:t>User</a:t>
+              <a:t>Users</a:t>
             </a:r>
           </a:p>
           <a:p>
             <a:pPr lvl="1"/>
             <a:r>
               <a:rPr lang="en-US" b="1" dirty="0" smtClean="0"/>
-              <a:t>Administrator</a:t>
+              <a:t>Classes</a:t>
             </a:r>
           </a:p>
           <a:p>
             <a:pPr lvl="1"/>
             <a:r>
               <a:rPr lang="en-US" b="1" dirty="0" smtClean="0"/>
-              <a:t>Class</a:t>
+              <a:t>Exercises</a:t>
             </a:r>
           </a:p>
           <a:p>
             <a:pPr lvl="1"/>
             <a:r>
               <a:rPr lang="en-US" b="1" dirty="0" smtClean="0"/>
-              <a:t>Exercise</a:t>
+              <a:t>Submissions</a:t>
             </a:r>
           </a:p>
           <a:p>
+            <a:pPr lvl="1"/>
             <a:r>
               <a:rPr lang="en-US" b="1" dirty="0" smtClean="0"/>
-              <a:t>Accessing views in Django Framework</a:t>
+              <a:t>Application Performance</a:t>
+            </a:r>
+          </a:p>
+          <a:p>
+            <a:r>
+              <a:rPr lang="en-US" b="1" dirty="0" smtClean="0"/>
+              <a:t>Database accessed via python SQL queries</a:t>
             </a:r>
           </a:p>
         </p:txBody>
@@ -15891,7 +15984,105 @@
     <p:bg>
       <p:bgPr>
         <a:solidFill>
-          <a:schemeClr val="bg1"/>
+          <a:schemeClr val="tx1"/>
+        </a:solidFill>
+        <a:effectLst/>
+      </p:bgPr>
+    </p:bg>
+    <p:spTree>
+      <p:nvGrpSpPr>
+        <p:cNvPr id="1" name=""/>
+        <p:cNvGrpSpPr/>
+        <p:nvPr/>
+      </p:nvGrpSpPr>
+      <p:grpSpPr>
+        <a:xfrm>
+          <a:off x="0" y="0"/>
+          <a:ext cx="0" cy="0"/>
+          <a:chOff x="0" y="0"/>
+          <a:chExt cx="0" cy="0"/>
+        </a:xfrm>
+      </p:grpSpPr>
+      <p:sp>
+        <p:nvSpPr>
+          <p:cNvPr id="2" name="Title 1"/>
+          <p:cNvSpPr>
+            <a:spLocks noGrp="1"/>
+          </p:cNvSpPr>
+          <p:nvPr>
+            <p:ph type="title"/>
+          </p:nvPr>
+        </p:nvSpPr>
+        <p:spPr>
+          <a:xfrm>
+            <a:off x="1141413" y="-128733"/>
+            <a:ext cx="9905998" cy="1478570"/>
+          </a:xfrm>
+        </p:spPr>
+        <p:txBody>
+          <a:bodyPr/>
+          <a:lstStyle/>
+          <a:p>
+            <a:pPr algn="ctr"/>
+            <a:r>
+              <a:rPr lang="en-US" dirty="0" smtClean="0"/>
+              <a:t>Database design</a:t>
+            </a:r>
+            <a:endParaRPr lang="en-US" dirty="0"/>
+          </a:p>
+        </p:txBody>
+      </p:sp>
+      <p:pic>
+        <p:nvPicPr>
+          <p:cNvPr id="5" name="Picture 4"/>
+          <p:cNvPicPr>
+            <a:picLocks noChangeAspect="1"/>
+          </p:cNvPicPr>
+          <p:nvPr/>
+        </p:nvPicPr>
+        <p:blipFill>
+          <a:blip r:embed="rId3"/>
+          <a:stretch>
+            <a:fillRect/>
+          </a:stretch>
+        </p:blipFill>
+        <p:spPr>
+          <a:xfrm>
+            <a:off x="1344811" y="856344"/>
+            <a:ext cx="11470643" cy="7361380"/>
+          </a:xfrm>
+          <a:prstGeom prst="rect">
+            <a:avLst/>
+          </a:prstGeom>
+        </p:spPr>
+      </p:pic>
+    </p:spTree>
+    <p:extLst>
+      <p:ext uri="{BB962C8B-B14F-4D97-AF65-F5344CB8AC3E}">
+        <p14:creationId xmlns:p14="http://schemas.microsoft.com/office/powerpoint/2010/main" val="3605751795"/>
+      </p:ext>
+    </p:extLst>
+  </p:cSld>
+  <p:clrMapOvr>
+    <a:masterClrMapping/>
+  </p:clrMapOvr>
+  <p:timing>
+    <p:tnLst>
+      <p:par>
+        <p:cTn id="1" dur="indefinite" restart="never" nodeType="tmRoot"/>
+      </p:par>
+    </p:tnLst>
+  </p:timing>
+</p:sld>
+</file>
+
+<file path=ppt/slides/slide14.xml><?xml version="1.0" encoding="utf-8"?>
+<p:sld xmlns:a="http://schemas.openxmlformats.org/drawingml/2006/main" xmlns:r="http://schemas.openxmlformats.org/officeDocument/2006/relationships" xmlns:p="http://schemas.openxmlformats.org/presentationml/2006/main">
+  <p:cSld>
+    <p:bg>
+      <p:bgPr>
+        <a:solidFill>
+          <a:srgbClr val="002060"/>
         </a:solidFill>
         <a:effectLst/>
       </p:bgPr>
@@ -16104,13 +16295,13 @@
 </p:sld>
 </file>
 
-<file path=ppt/slides/slide14.xml><?xml version="1.0" encoding="utf-8"?>
+<file path=ppt/slides/slide15.xml><?xml version="1.0" encoding="utf-8"?>
 <p:sld xmlns:a="http://schemas.openxmlformats.org/drawingml/2006/main" xmlns:r="http://schemas.openxmlformats.org/officeDocument/2006/relationships" xmlns:p="http://schemas.openxmlformats.org/presentationml/2006/main">
   <p:cSld>
     <p:bg>
       <p:bgPr>
         <a:solidFill>
-          <a:schemeClr val="bg1"/>
+          <a:srgbClr val="002060"/>
         </a:solidFill>
         <a:effectLst/>
       </p:bgPr>
@@ -16254,13 +16445,13 @@
 </p:sld>
 </file>
 
-<file path=ppt/slides/slide15.xml><?xml version="1.0" encoding="utf-8"?>
+<file path=ppt/slides/slide16.xml><?xml version="1.0" encoding="utf-8"?>
 <p:sld xmlns:a="http://schemas.openxmlformats.org/drawingml/2006/main" xmlns:r="http://schemas.openxmlformats.org/officeDocument/2006/relationships" xmlns:p="http://schemas.openxmlformats.org/presentationml/2006/main">
   <p:cSld>
     <p:bg>
       <p:bgPr>
         <a:solidFill>
-          <a:schemeClr val="bg1"/>
+          <a:srgbClr val="002060"/>
         </a:solidFill>
         <a:effectLst/>
       </p:bgPr>
@@ -16414,13 +16605,13 @@
 </p:sld>
 </file>
 
-<file path=ppt/slides/slide16.xml><?xml version="1.0" encoding="utf-8"?>
+<file path=ppt/slides/slide17.xml><?xml version="1.0" encoding="utf-8"?>
 <p:sld xmlns:a="http://schemas.openxmlformats.org/drawingml/2006/main" xmlns:r="http://schemas.openxmlformats.org/officeDocument/2006/relationships" xmlns:p="http://schemas.openxmlformats.org/presentationml/2006/main">
   <p:cSld>
     <p:bg>
       <p:bgPr>
         <a:solidFill>
-          <a:schemeClr val="bg1"/>
+          <a:srgbClr val="002060"/>
         </a:solidFill>
         <a:effectLst/>
       </p:bgPr>
@@ -16451,6 +16642,104 @@
         </p:nvSpPr>
         <p:spPr>
           <a:xfrm>
+            <a:off x="1141413" y="-58994"/>
+            <a:ext cx="9905998" cy="1478570"/>
+          </a:xfrm>
+        </p:spPr>
+        <p:txBody>
+          <a:bodyPr/>
+          <a:lstStyle/>
+          <a:p>
+            <a:pPr algn="ctr"/>
+            <a:r>
+              <a:rPr lang="en-US" dirty="0" smtClean="0"/>
+              <a:t>Static Analysis Results</a:t>
+            </a:r>
+            <a:endParaRPr lang="en-US" dirty="0"/>
+          </a:p>
+        </p:txBody>
+      </p:sp>
+      <p:pic>
+        <p:nvPicPr>
+          <p:cNvPr id="6" name="Picture 5"/>
+          <p:cNvPicPr>
+            <a:picLocks noChangeAspect="1"/>
+          </p:cNvPicPr>
+          <p:nvPr/>
+        </p:nvPicPr>
+        <p:blipFill>
+          <a:blip r:embed="rId3"/>
+          <a:stretch>
+            <a:fillRect/>
+          </a:stretch>
+        </p:blipFill>
+        <p:spPr>
+          <a:xfrm>
+            <a:off x="0" y="1745671"/>
+            <a:ext cx="12192000" cy="4705684"/>
+          </a:xfrm>
+          <a:prstGeom prst="rect">
+            <a:avLst/>
+          </a:prstGeom>
+        </p:spPr>
+      </p:pic>
+    </p:spTree>
+    <p:extLst>
+      <p:ext uri="{BB962C8B-B14F-4D97-AF65-F5344CB8AC3E}">
+        <p14:creationId xmlns:p14="http://schemas.microsoft.com/office/powerpoint/2010/main" val="1460533771"/>
+      </p:ext>
+    </p:extLst>
+  </p:cSld>
+  <p:clrMapOvr>
+    <a:masterClrMapping/>
+  </p:clrMapOvr>
+  <p:timing>
+    <p:tnLst>
+      <p:par>
+        <p:cTn id="1" dur="indefinite" restart="never" nodeType="tmRoot"/>
+      </p:par>
+    </p:tnLst>
+  </p:timing>
+</p:sld>
+</file>
+
+<file path=ppt/slides/slide18.xml><?xml version="1.0" encoding="utf-8"?>
+<p:sld xmlns:a="http://schemas.openxmlformats.org/drawingml/2006/main" xmlns:r="http://schemas.openxmlformats.org/officeDocument/2006/relationships" xmlns:p="http://schemas.openxmlformats.org/presentationml/2006/main">
+  <p:cSld>
+    <p:bg>
+      <p:bgPr>
+        <a:solidFill>
+          <a:srgbClr val="002060"/>
+        </a:solidFill>
+        <a:effectLst/>
+      </p:bgPr>
+    </p:bg>
+    <p:spTree>
+      <p:nvGrpSpPr>
+        <p:cNvPr id="1" name=""/>
+        <p:cNvGrpSpPr/>
+        <p:nvPr/>
+      </p:nvGrpSpPr>
+      <p:grpSpPr>
+        <a:xfrm>
+          <a:off x="0" y="0"/>
+          <a:ext cx="0" cy="0"/>
+          <a:chOff x="0" y="0"/>
+          <a:chExt cx="0" cy="0"/>
+        </a:xfrm>
+      </p:grpSpPr>
+      <p:sp>
+        <p:nvSpPr>
+          <p:cNvPr id="2" name="Title 1"/>
+          <p:cNvSpPr>
+            <a:spLocks noGrp="1"/>
+          </p:cNvSpPr>
+          <p:nvPr>
+            <p:ph type="title"/>
+          </p:nvPr>
+        </p:nvSpPr>
+        <p:spPr>
+          <a:xfrm>
             <a:off x="1141413" y="-128733"/>
             <a:ext cx="9905998" cy="1478570"/>
           </a:xfrm>
@@ -16516,11 +16805,7 @@
           <a:p>
             <a:r>
               <a:rPr lang="en-US" b="1" dirty="0" smtClean="0"/>
-              <a:t>Selenium and Mocha – simple unit and functional testing </a:t>
-            </a:r>
-            <a:r>
-              <a:rPr lang="en-US" b="1" dirty="0" smtClean="0"/>
-              <a:t>frameworks</a:t>
+              <a:t>Selenium and Mocha – simple unit and functional testing frameworks</a:t>
             </a:r>
           </a:p>
           <a:p>
@@ -16528,7 +16813,6 @@
               <a:rPr lang="en-US" b="1" dirty="0" smtClean="0"/>
               <a:t>Jenkins – continuously integration to speed up development</a:t>
             </a:r>
-            <a:endParaRPr lang="en-US" b="1" dirty="0" smtClean="0"/>
           </a:p>
           <a:p>
             <a:endParaRPr lang="en-US" b="1" dirty="0" smtClean="0"/>
@@ -16558,13 +16842,13 @@
 </p:sld>
 </file>
 
-<file path=ppt/slides/slide17.xml><?xml version="1.0" encoding="utf-8"?>
+<file path=ppt/slides/slide19.xml><?xml version="1.0" encoding="utf-8"?>
 <p:sld xmlns:a="http://schemas.openxmlformats.org/drawingml/2006/main" xmlns:r="http://schemas.openxmlformats.org/officeDocument/2006/relationships" xmlns:p="http://schemas.openxmlformats.org/presentationml/2006/main">
   <p:cSld>
     <p:bg>
       <p:bgPr>
         <a:solidFill>
-          <a:schemeClr val="bg1"/>
+          <a:srgbClr val="002060"/>
         </a:solidFill>
         <a:effectLst/>
       </p:bgPr>
@@ -16673,13 +16957,13 @@
 </p:sld>
 </file>
 
-<file path=ppt/slides/slide18.xml><?xml version="1.0" encoding="utf-8"?>
+<file path=ppt/slides/slide2.xml><?xml version="1.0" encoding="utf-8"?>
 <p:sld xmlns:a="http://schemas.openxmlformats.org/drawingml/2006/main" xmlns:r="http://schemas.openxmlformats.org/officeDocument/2006/relationships" xmlns:p="http://schemas.openxmlformats.org/presentationml/2006/main">
   <p:cSld>
     <p:bg>
       <p:bgPr>
         <a:solidFill>
-          <a:schemeClr val="bg1"/>
+          <a:srgbClr val="002060"/>
         </a:solidFill>
         <a:effectLst/>
       </p:bgPr>
@@ -16708,28 +16992,23 @@
             <p:ph type="title"/>
           </p:nvPr>
         </p:nvSpPr>
-        <p:spPr>
-          <a:xfrm>
-            <a:off x="1141413" y="-128733"/>
-            <a:ext cx="9905998" cy="1478570"/>
-          </a:xfrm>
-        </p:spPr>
+        <p:spPr/>
         <p:txBody>
           <a:bodyPr/>
           <a:lstStyle/>
           <a:p>
             <a:pPr algn="ctr"/>
             <a:r>
-              <a:rPr lang="en-US" dirty="0" smtClean="0"/>
-              <a:t>Sprint 1</a:t>
+              <a:rPr lang="en-US" b="1" dirty="0" smtClean="0"/>
+              <a:t>Security Engineering</a:t>
             </a:r>
-            <a:endParaRPr lang="en-US" dirty="0"/>
-          </a:p>
-        </p:txBody>
-      </p:sp>
-      <p:sp>
-        <p:nvSpPr>
-          <p:cNvPr id="7" name="Content Placeholder 2"/>
+            <a:endParaRPr lang="en-US" b="1" dirty="0"/>
+          </a:p>
+        </p:txBody>
+      </p:sp>
+      <p:sp>
+        <p:nvSpPr>
+          <p:cNvPr id="3" name="Content Placeholder 2"/>
           <p:cNvSpPr>
             <a:spLocks noGrp="1"/>
           </p:cNvSpPr>
@@ -16737,51 +17016,43 @@
             <p:ph idx="1"/>
           </p:nvPr>
         </p:nvSpPr>
-        <p:spPr>
-          <a:xfrm>
-            <a:off x="1141412" y="1600558"/>
-            <a:ext cx="9905999" cy="3541714"/>
-          </a:xfrm>
-        </p:spPr>
+        <p:spPr/>
         <p:txBody>
           <a:bodyPr>
-            <a:normAutofit/>
+            <a:normAutofit fontScale="92500" lnSpcReduction="10000"/>
           </a:bodyPr>
           <a:lstStyle/>
           <a:p>
             <a:r>
-              <a:rPr lang="en-US" b="1" dirty="0" smtClean="0"/>
-              <a:t>Two week iterations</a:t>
+              <a:rPr lang="en-US" sz="2800" b="1" dirty="0" smtClean="0"/>
+              <a:t>High demand for cyber security jobs</a:t>
             </a:r>
           </a:p>
           <a:p>
             <a:r>
-              <a:rPr lang="en-US" b="1" dirty="0" smtClean="0"/>
-              <a:t>Create GUI Interface</a:t>
+              <a:rPr lang="en-US" sz="2800" b="1" dirty="0" smtClean="0"/>
+              <a:t>Secure coding for desktop and web application required for developers</a:t>
             </a:r>
           </a:p>
           <a:p>
             <a:r>
-              <a:rPr lang="en-US" b="1" dirty="0" smtClean="0"/>
-              <a:t>Receive feedback from the product owner</a:t>
+              <a:rPr lang="en-US" sz="2800" b="1" dirty="0" smtClean="0"/>
+              <a:t>Abuse case and fuzz testing required for production software</a:t>
             </a:r>
           </a:p>
           <a:p>
             <a:r>
-              <a:rPr lang="en-US" b="1" dirty="0" smtClean="0"/>
-              <a:t>Evaluate development speed</a:t>
+              <a:rPr lang="en-US" sz="2800" b="1" dirty="0" smtClean="0"/>
+              <a:t>Reverse engineers require knowledge of memory management/software flaws</a:t>
             </a:r>
-            <a:endParaRPr lang="en-US" b="1" dirty="0" smtClean="0"/>
-          </a:p>
-          <a:p>
-            <a:endParaRPr lang="en-US" b="1" dirty="0"/>
+            <a:endParaRPr lang="en-US" sz="2800" b="1" dirty="0"/>
           </a:p>
         </p:txBody>
       </p:sp>
     </p:spTree>
     <p:extLst>
       <p:ext uri="{BB962C8B-B14F-4D97-AF65-F5344CB8AC3E}">
-        <p14:creationId xmlns:p14="http://schemas.microsoft.com/office/powerpoint/2010/main" val="1880807621"/>
+        <p14:creationId xmlns:p14="http://schemas.microsoft.com/office/powerpoint/2010/main" val="2815895834"/>
       </p:ext>
     </p:extLst>
   </p:cSld>
@@ -16798,13 +17069,13 @@
 </p:sld>
 </file>
 
-<file path=ppt/slides/slide19.xml><?xml version="1.0" encoding="utf-8"?>
+<file path=ppt/slides/slide20.xml><?xml version="1.0" encoding="utf-8"?>
 <p:sld xmlns:a="http://schemas.openxmlformats.org/drawingml/2006/main" xmlns:r="http://schemas.openxmlformats.org/officeDocument/2006/relationships" xmlns:p="http://schemas.openxmlformats.org/presentationml/2006/main">
   <p:cSld>
     <p:bg>
       <p:bgPr>
         <a:solidFill>
-          <a:schemeClr val="bg1"/>
+          <a:srgbClr val="002060"/>
         </a:solidFill>
         <a:effectLst/>
       </p:bgPr>
@@ -16861,7 +17132,7 @@
         <p:spPr>
           <a:xfrm>
             <a:off x="1563328" y="1002890"/>
-            <a:ext cx="9232491" cy="5262979"/>
+            <a:ext cx="9232491" cy="6001643"/>
           </a:xfrm>
           <a:prstGeom prst="rect">
             <a:avLst/>
@@ -16886,7 +17157,28 @@
                 <a:ea typeface="Calibri" panose="020F0502020204030204" pitchFamily="34" charset="0"/>
                 <a:cs typeface="Calibri" panose="020F0502020204030204" pitchFamily="34" charset="0"/>
               </a:rPr>
-              <a:t>This application was developed in a way to maximize satisfaction from the product owner by presenting constant demos and gathering feedback.  Modern development practices like test driven development, static analysis, vulnerability scanning, and CI/CD enhanced the applications security and stability.  The Security Lab Manager is a great tool for learning security in a classroom setting safely.</a:t>
+              <a:t>This application was developed in a way to maximize satisfaction from the product owner by presenting constant demos and gathering feedback.  Modern development practices like test driven development, static analysis, vulnerability scanning, and CI/CD enhanced the applications security and stability.  The Security Lab Manager </a:t>
+            </a:r>
+            <a:r>
+              <a:rPr lang="en-US" sz="2400" b="1" dirty="0" smtClean="0">
+                <a:ea typeface="Calibri" panose="020F0502020204030204" pitchFamily="34" charset="0"/>
+                <a:cs typeface="Calibri" panose="020F0502020204030204" pitchFamily="34" charset="0"/>
+              </a:rPr>
+              <a:t>needs to be further developed to become a </a:t>
+            </a:r>
+            <a:r>
+              <a:rPr lang="en-US" sz="2400" b="1" dirty="0">
+                <a:ea typeface="Calibri" panose="020F0502020204030204" pitchFamily="34" charset="0"/>
+                <a:cs typeface="Calibri" panose="020F0502020204030204" pitchFamily="34" charset="0"/>
+              </a:rPr>
+              <a:t>great tool for learning security in a classroom setting </a:t>
+            </a:r>
+            <a:r>
+              <a:rPr lang="en-US" sz="2400" b="1" dirty="0" smtClean="0">
+                <a:ea typeface="Calibri" panose="020F0502020204030204" pitchFamily="34" charset="0"/>
+                <a:cs typeface="Calibri" panose="020F0502020204030204" pitchFamily="34" charset="0"/>
+              </a:rPr>
+              <a:t>safely.</a:t>
             </a:r>
             <a:endParaRPr lang="en-US" sz="2400" b="1" dirty="0">
               <a:effectLst/>
@@ -16900,118 +17192,6 @@
     <p:extLst>
       <p:ext uri="{BB962C8B-B14F-4D97-AF65-F5344CB8AC3E}">
         <p14:creationId xmlns:p14="http://schemas.microsoft.com/office/powerpoint/2010/main" val="2635601856"/>
-      </p:ext>
-    </p:extLst>
-  </p:cSld>
-  <p:clrMapOvr>
-    <a:masterClrMapping/>
-  </p:clrMapOvr>
-  <p:timing>
-    <p:tnLst>
-      <p:par>
-        <p:cTn id="1" dur="indefinite" restart="never" nodeType="tmRoot"/>
-      </p:par>
-    </p:tnLst>
-  </p:timing>
-</p:sld>
-</file>
-
-<file path=ppt/slides/slide2.xml><?xml version="1.0" encoding="utf-8"?>
-<p:sld xmlns:a="http://schemas.openxmlformats.org/drawingml/2006/main" xmlns:r="http://schemas.openxmlformats.org/officeDocument/2006/relationships" xmlns:p="http://schemas.openxmlformats.org/presentationml/2006/main">
-  <p:cSld>
-    <p:bg>
-      <p:bgPr>
-        <a:solidFill>
-          <a:schemeClr val="bg1"/>
-        </a:solidFill>
-        <a:effectLst/>
-      </p:bgPr>
-    </p:bg>
-    <p:spTree>
-      <p:nvGrpSpPr>
-        <p:cNvPr id="1" name=""/>
-        <p:cNvGrpSpPr/>
-        <p:nvPr/>
-      </p:nvGrpSpPr>
-      <p:grpSpPr>
-        <a:xfrm>
-          <a:off x="0" y="0"/>
-          <a:ext cx="0" cy="0"/>
-          <a:chOff x="0" y="0"/>
-          <a:chExt cx="0" cy="0"/>
-        </a:xfrm>
-      </p:grpSpPr>
-      <p:sp>
-        <p:nvSpPr>
-          <p:cNvPr id="2" name="Title 1"/>
-          <p:cNvSpPr>
-            <a:spLocks noGrp="1"/>
-          </p:cNvSpPr>
-          <p:nvPr>
-            <p:ph type="title"/>
-          </p:nvPr>
-        </p:nvSpPr>
-        <p:spPr/>
-        <p:txBody>
-          <a:bodyPr/>
-          <a:lstStyle/>
-          <a:p>
-            <a:pPr algn="ctr"/>
-            <a:r>
-              <a:rPr lang="en-US" b="1" dirty="0" smtClean="0"/>
-              <a:t>Security Engineering</a:t>
-            </a:r>
-            <a:endParaRPr lang="en-US" b="1" dirty="0"/>
-          </a:p>
-        </p:txBody>
-      </p:sp>
-      <p:sp>
-        <p:nvSpPr>
-          <p:cNvPr id="3" name="Content Placeholder 2"/>
-          <p:cNvSpPr>
-            <a:spLocks noGrp="1"/>
-          </p:cNvSpPr>
-          <p:nvPr>
-            <p:ph idx="1"/>
-          </p:nvPr>
-        </p:nvSpPr>
-        <p:spPr/>
-        <p:txBody>
-          <a:bodyPr>
-            <a:normAutofit fontScale="92500" lnSpcReduction="10000"/>
-          </a:bodyPr>
-          <a:lstStyle/>
-          <a:p>
-            <a:r>
-              <a:rPr lang="en-US" sz="2800" b="1" dirty="0" smtClean="0"/>
-              <a:t>High demand for cyber security jobs</a:t>
-            </a:r>
-          </a:p>
-          <a:p>
-            <a:r>
-              <a:rPr lang="en-US" sz="2800" b="1" dirty="0" smtClean="0"/>
-              <a:t>Secure coding for desktop and web application required for developers</a:t>
-            </a:r>
-          </a:p>
-          <a:p>
-            <a:r>
-              <a:rPr lang="en-US" sz="2800" b="1" dirty="0" smtClean="0"/>
-              <a:t>Abuse case and fuzz testing required for production software</a:t>
-            </a:r>
-          </a:p>
-          <a:p>
-            <a:r>
-              <a:rPr lang="en-US" sz="2800" b="1" dirty="0" smtClean="0"/>
-              <a:t>Reverse engineers require knowledge of memory management/software flaws</a:t>
-            </a:r>
-            <a:endParaRPr lang="en-US" sz="2800" b="1" dirty="0"/>
-          </a:p>
-        </p:txBody>
-      </p:sp>
-    </p:spTree>
-    <p:extLst>
-      <p:ext uri="{BB962C8B-B14F-4D97-AF65-F5344CB8AC3E}">
-        <p14:creationId xmlns:p14="http://schemas.microsoft.com/office/powerpoint/2010/main" val="2815895834"/>
       </p:ext>
     </p:extLst>
   </p:cSld>
@@ -17034,7 +17214,7 @@
     <p:bg>
       <p:bgPr>
         <a:solidFill>
-          <a:schemeClr val="bg1"/>
+          <a:srgbClr val="002060"/>
         </a:solidFill>
         <a:effectLst/>
       </p:bgPr>
@@ -17139,7 +17319,7 @@
     <p:bg>
       <p:bgPr>
         <a:solidFill>
-          <a:schemeClr val="bg1"/>
+          <a:srgbClr val="002060"/>
         </a:solidFill>
         <a:effectLst/>
       </p:bgPr>
@@ -17244,7 +17424,7 @@
     <p:bg>
       <p:bgPr>
         <a:solidFill>
-          <a:schemeClr val="bg1"/>
+          <a:srgbClr val="002060"/>
         </a:solidFill>
         <a:effectLst/>
       </p:bgPr>
@@ -17355,7 +17535,7 @@
     <p:bg>
       <p:bgPr>
         <a:solidFill>
-          <a:schemeClr val="bg1"/>
+          <a:srgbClr val="002060"/>
         </a:solidFill>
         <a:effectLst/>
       </p:bgPr>
@@ -17415,21 +17595,28 @@
           <a:p>
             <a:r>
               <a:rPr lang="en-US" b="1" dirty="0" smtClean="0"/>
-              <a:t>Student user interface for launch, stopping, and reverting exercises</a:t>
+              <a:t>Student interface for starting, stopping, and restarting exercises.  There should also be a place to submit answers for exercises</a:t>
             </a:r>
           </a:p>
           <a:p>
             <a:r>
               <a:rPr lang="en-US" b="1" dirty="0" smtClean="0"/>
-              <a:t>Instructor user interface for adding exercises, students, and managing application performance</a:t>
+              <a:t>Instructor </a:t>
             </a:r>
-          </a:p>
-          <a:p>
+            <a:r>
+              <a:rPr lang="en-US" b="1" dirty="0"/>
+              <a:t>i</a:t>
+            </a:r>
             <a:r>
               <a:rPr lang="en-US" b="1" dirty="0" smtClean="0"/>
-              <a:t>Multi–threaded with the ability to cancel actions</a:t>
+              <a:t>nterface for creating, editing, deleting: classes, exercises, students, and managing application performance</a:t>
             </a:r>
-            <a:endParaRPr lang="en-US" b="1" dirty="0"/>
+          </a:p>
+          <a:p>
+            <a:r>
+              <a:rPr lang="en-US" b="1" dirty="0" smtClean="0"/>
+              <a:t>Instructors should be able to easily check and email grades</a:t>
+            </a:r>
           </a:p>
         </p:txBody>
       </p:sp>
@@ -17459,7 +17646,7 @@
     <p:bg>
       <p:bgPr>
         <a:solidFill>
-          <a:schemeClr val="bg1"/>
+          <a:srgbClr val="002060"/>
         </a:solidFill>
         <a:effectLst/>
       </p:bgPr>
@@ -17519,13 +17706,13 @@
           <a:p>
             <a:r>
               <a:rPr lang="en-US" b="1" dirty="0" smtClean="0"/>
-              <a:t>Must contain 3 web security exercises</a:t>
+              <a:t>Must contain 1 web security exercise</a:t>
             </a:r>
           </a:p>
           <a:p>
             <a:r>
               <a:rPr lang="en-US" b="1" dirty="0" smtClean="0"/>
-              <a:t>Must contain 3 desktop security exercises</a:t>
+              <a:t>Must contain 1 desktop security exercise</a:t>
             </a:r>
           </a:p>
           <a:p>
@@ -17569,7 +17756,7 @@
     <p:bg>
       <p:bgPr>
         <a:solidFill>
-          <a:schemeClr val="bg1"/>
+          <a:srgbClr val="002060"/>
         </a:solidFill>
         <a:effectLst/>
       </p:bgPr>
@@ -17588,38 +17775,9 @@
           <a:chExt cx="0" cy="0"/>
         </a:xfrm>
       </p:grpSpPr>
-      <p:sp>
-        <p:nvSpPr>
-          <p:cNvPr id="2" name="Title 1"/>
-          <p:cNvSpPr>
-            <a:spLocks noGrp="1"/>
-          </p:cNvSpPr>
-          <p:nvPr>
-            <p:ph type="title"/>
-          </p:nvPr>
-        </p:nvSpPr>
-        <p:spPr>
-          <a:xfrm>
-            <a:off x="1141412" y="0"/>
-            <a:ext cx="9905998" cy="1478570"/>
-          </a:xfrm>
-        </p:spPr>
-        <p:txBody>
-          <a:bodyPr/>
-          <a:lstStyle/>
-          <a:p>
-            <a:pPr algn="ctr"/>
-            <a:r>
-              <a:rPr lang="en-US" dirty="0" smtClean="0"/>
-              <a:t>Login Page</a:t>
-            </a:r>
-            <a:endParaRPr lang="en-US" dirty="0"/>
-          </a:p>
-        </p:txBody>
-      </p:sp>
       <p:pic>
         <p:nvPicPr>
-          <p:cNvPr id="5" name="Picture 4"/>
+          <p:cNvPr id="6" name="Picture 5"/>
           <p:cNvPicPr>
             <a:picLocks noChangeAspect="1"/>
           </p:cNvPicPr>
@@ -17633,8 +17791,8 @@
         </p:blipFill>
         <p:spPr>
           <a:xfrm>
-            <a:off x="2353673" y="1604967"/>
-            <a:ext cx="7481477" cy="4986551"/>
+            <a:off x="0" y="1"/>
+            <a:ext cx="12192000" cy="6858000"/>
           </a:xfrm>
           <a:prstGeom prst="rect">
             <a:avLst/>
@@ -17667,7 +17825,7 @@
     <p:bg>
       <p:bgPr>
         <a:solidFill>
-          <a:schemeClr val="bg1"/>
+          <a:srgbClr val="002060"/>
         </a:solidFill>
         <a:effectLst/>
       </p:bgPr>
@@ -17686,38 +17844,9 @@
           <a:chExt cx="0" cy="0"/>
         </a:xfrm>
       </p:grpSpPr>
-      <p:sp>
-        <p:nvSpPr>
-          <p:cNvPr id="2" name="Title 1"/>
-          <p:cNvSpPr>
-            <a:spLocks noGrp="1"/>
-          </p:cNvSpPr>
-          <p:nvPr>
-            <p:ph type="title"/>
-          </p:nvPr>
-        </p:nvSpPr>
-        <p:spPr>
-          <a:xfrm>
-            <a:off x="1141413" y="0"/>
-            <a:ext cx="9905998" cy="1478570"/>
-          </a:xfrm>
-        </p:spPr>
-        <p:txBody>
-          <a:bodyPr/>
-          <a:lstStyle/>
-          <a:p>
-            <a:pPr algn="ctr"/>
-            <a:r>
-              <a:rPr lang="en-US" dirty="0" smtClean="0"/>
-              <a:t>Student Interface</a:t>
-            </a:r>
-            <a:endParaRPr lang="en-US" dirty="0"/>
-          </a:p>
-        </p:txBody>
-      </p:sp>
       <p:pic>
         <p:nvPicPr>
-          <p:cNvPr id="4" name="Picture 3"/>
+          <p:cNvPr id="5" name="Picture 4"/>
           <p:cNvPicPr>
             <a:picLocks noChangeAspect="1"/>
           </p:cNvPicPr>
@@ -17731,8 +17860,8 @@
         </p:blipFill>
         <p:spPr>
           <a:xfrm>
-            <a:off x="2356898" y="1576073"/>
-            <a:ext cx="7475027" cy="4982252"/>
+            <a:off x="0" y="-1"/>
+            <a:ext cx="12192000" cy="6858001"/>
           </a:xfrm>
           <a:prstGeom prst="rect">
             <a:avLst/>
@@ -18552,7 +18681,7 @@
 </file>
 
 <file path=customXml/itemProps2.xml><?xml version="1.0" encoding="utf-8"?>
-<ds:datastoreItem xmlns:ds="http://schemas.openxmlformats.org/officeDocument/2006/customXml" ds:itemID="{3FE4BBE2-918F-4E50-B832-B8DD135C5E4D}">
+<ds:datastoreItem xmlns:ds="http://schemas.openxmlformats.org/officeDocument/2006/customXml" ds:itemID="{01D60ADF-54DA-4BAB-ADE9-A21C404E7BAB}">
   <ds:schemaRefs>
     <ds:schemaRef ds:uri="http://www.w3.org/2001/XMLSchema"/>
     <ds:schemaRef ds:uri="http://www.boldonjames.com/2008/01/sie/internal/label"/>

--- a/documentation/presentation.pptx
+++ b/documentation/presentation.pptx
@@ -5,32 +5,21 @@
     <p:sldMasterId id="2147483780" r:id="rId3"/>
   </p:sldMasterIdLst>
   <p:notesMasterIdLst>
-    <p:notesMasterId r:id="rId24"/>
+    <p:notesMasterId r:id="rId13"/>
   </p:notesMasterIdLst>
   <p:handoutMasterIdLst>
-    <p:handoutMasterId r:id="rId25"/>
+    <p:handoutMasterId r:id="rId14"/>
   </p:handoutMasterIdLst>
   <p:sldIdLst>
     <p:sldId id="256" r:id="rId4"/>
     <p:sldId id="260" r:id="rId5"/>
-    <p:sldId id="261" r:id="rId6"/>
-    <p:sldId id="262" r:id="rId7"/>
-    <p:sldId id="257" r:id="rId8"/>
-    <p:sldId id="259" r:id="rId9"/>
-    <p:sldId id="263" r:id="rId10"/>
-    <p:sldId id="273" r:id="rId11"/>
-    <p:sldId id="265" r:id="rId12"/>
-    <p:sldId id="264" r:id="rId13"/>
-    <p:sldId id="258" r:id="rId14"/>
-    <p:sldId id="270" r:id="rId15"/>
-    <p:sldId id="277" r:id="rId16"/>
-    <p:sldId id="271" r:id="rId17"/>
-    <p:sldId id="272" r:id="rId18"/>
-    <p:sldId id="268" r:id="rId19"/>
-    <p:sldId id="276" r:id="rId20"/>
-    <p:sldId id="275" r:id="rId21"/>
-    <p:sldId id="266" r:id="rId22"/>
-    <p:sldId id="274" r:id="rId23"/>
+    <p:sldId id="262" r:id="rId6"/>
+    <p:sldId id="275" r:id="rId7"/>
+    <p:sldId id="258" r:id="rId8"/>
+    <p:sldId id="277" r:id="rId9"/>
+    <p:sldId id="271" r:id="rId10"/>
+    <p:sldId id="272" r:id="rId11"/>
+    <p:sldId id="274" r:id="rId12"/>
   </p:sldIdLst>
   <p:sldSz cx="12192000" cy="6858000"/>
   <p:notesSz cx="6858000" cy="9144000"/>
@@ -219,7 +208,7 @@
           <a:p>
             <a:fld id="{A856B199-1789-4443-9DE1-FA33660B713B}" type="datetimeFigureOut">
               <a:rPr lang="en-US" smtClean="0"/>
-              <a:t>3/31/2019</a:t>
+              <a:t>4/10/2019</a:t>
             </a:fld>
             <a:endParaRPr lang="en-US"/>
           </a:p>
@@ -384,7 +373,7 @@
           <a:p>
             <a:fld id="{0DCB8767-B91D-4925-A33B-64438006F0C1}" type="datetimeFigureOut">
               <a:rPr lang="en-US" smtClean="0"/>
-              <a:t>3/31/2019</a:t>
+              <a:t>4/10/2019</a:t>
             </a:fld>
             <a:endParaRPr lang="en-US"/>
           </a:p>
@@ -775,1226 +764,6 @@
 </p:notes>
 </file>
 
-<file path=ppt/notesSlides/notesSlide10.xml><?xml version="1.0" encoding="utf-8"?>
-<p:notes xmlns:a="http://schemas.openxmlformats.org/drawingml/2006/main" xmlns:r="http://schemas.openxmlformats.org/officeDocument/2006/relationships" xmlns:p="http://schemas.openxmlformats.org/presentationml/2006/main">
-  <p:cSld>
-    <p:spTree>
-      <p:nvGrpSpPr>
-        <p:cNvPr id="1" name=""/>
-        <p:cNvGrpSpPr/>
-        <p:nvPr/>
-      </p:nvGrpSpPr>
-      <p:grpSpPr>
-        <a:xfrm>
-          <a:off x="0" y="0"/>
-          <a:ext cx="0" cy="0"/>
-          <a:chOff x="0" y="0"/>
-          <a:chExt cx="0" cy="0"/>
-        </a:xfrm>
-      </p:grpSpPr>
-      <p:sp>
-        <p:nvSpPr>
-          <p:cNvPr id="2" name="Slide Image Placeholder 1"/>
-          <p:cNvSpPr>
-            <a:spLocks noGrp="1" noRot="1" noChangeAspect="1"/>
-          </p:cNvSpPr>
-          <p:nvPr>
-            <p:ph type="sldImg"/>
-          </p:nvPr>
-        </p:nvSpPr>
-        <p:spPr/>
-      </p:sp>
-      <p:sp>
-        <p:nvSpPr>
-          <p:cNvPr id="3" name="Notes Placeholder 2"/>
-          <p:cNvSpPr>
-            <a:spLocks noGrp="1"/>
-          </p:cNvSpPr>
-          <p:nvPr>
-            <p:ph type="body" idx="1"/>
-          </p:nvPr>
-        </p:nvSpPr>
-        <p:spPr/>
-        <p:txBody>
-          <a:bodyPr/>
-          <a:lstStyle/>
-          <a:p>
-            <a:endParaRPr lang="en-US" dirty="0"/>
-          </a:p>
-        </p:txBody>
-      </p:sp>
-      <p:sp>
-        <p:nvSpPr>
-          <p:cNvPr id="4" name="Header Placeholder 3"/>
-          <p:cNvSpPr>
-            <a:spLocks noGrp="1"/>
-          </p:cNvSpPr>
-          <p:nvPr>
-            <p:ph type="hdr" sz="quarter" idx="10"/>
-          </p:nvPr>
-        </p:nvSpPr>
-        <p:spPr/>
-        <p:txBody>
-          <a:bodyPr/>
-          <a:lstStyle/>
-          <a:p>
-            <a:endParaRPr lang="en-US"/>
-          </a:p>
-        </p:txBody>
-      </p:sp>
-      <p:sp>
-        <p:nvSpPr>
-          <p:cNvPr id="5" name="Footer Placeholder 4"/>
-          <p:cNvSpPr>
-            <a:spLocks noGrp="1"/>
-          </p:cNvSpPr>
-          <p:nvPr>
-            <p:ph type="ftr" sz="quarter" idx="11"/>
-          </p:nvPr>
-        </p:nvSpPr>
-        <p:spPr/>
-        <p:txBody>
-          <a:bodyPr/>
-          <a:lstStyle/>
-          <a:p>
-            <a:endParaRPr lang="en-US"/>
-          </a:p>
-        </p:txBody>
-      </p:sp>
-      <p:sp>
-        <p:nvSpPr>
-          <p:cNvPr id="6" name="Slide Number Placeholder 5"/>
-          <p:cNvSpPr>
-            <a:spLocks noGrp="1"/>
-          </p:cNvSpPr>
-          <p:nvPr>
-            <p:ph type="sldNum" sz="quarter" idx="12"/>
-          </p:nvPr>
-        </p:nvSpPr>
-        <p:spPr/>
-        <p:txBody>
-          <a:bodyPr/>
-          <a:lstStyle/>
-          <a:p>
-            <a:fld id="{04AFFD27-C42C-47CD-8755-C4DF35BD4C7E}" type="slidenum">
-              <a:rPr lang="en-US" smtClean="0"/>
-              <a:t>10</a:t>
-            </a:fld>
-            <a:endParaRPr lang="en-US"/>
-          </a:p>
-        </p:txBody>
-      </p:sp>
-    </p:spTree>
-    <p:extLst>
-      <p:ext uri="{BB962C8B-B14F-4D97-AF65-F5344CB8AC3E}">
-        <p14:creationId xmlns:p14="http://schemas.microsoft.com/office/powerpoint/2010/main" val="1043825359"/>
-      </p:ext>
-    </p:extLst>
-  </p:cSld>
-  <p:clrMapOvr>
-    <a:masterClrMapping/>
-  </p:clrMapOvr>
-</p:notes>
-</file>
-
-<file path=ppt/notesSlides/notesSlide11.xml><?xml version="1.0" encoding="utf-8"?>
-<p:notes xmlns:a="http://schemas.openxmlformats.org/drawingml/2006/main" xmlns:r="http://schemas.openxmlformats.org/officeDocument/2006/relationships" xmlns:p="http://schemas.openxmlformats.org/presentationml/2006/main">
-  <p:cSld>
-    <p:spTree>
-      <p:nvGrpSpPr>
-        <p:cNvPr id="1" name=""/>
-        <p:cNvGrpSpPr/>
-        <p:nvPr/>
-      </p:nvGrpSpPr>
-      <p:grpSpPr>
-        <a:xfrm>
-          <a:off x="0" y="0"/>
-          <a:ext cx="0" cy="0"/>
-          <a:chOff x="0" y="0"/>
-          <a:chExt cx="0" cy="0"/>
-        </a:xfrm>
-      </p:grpSpPr>
-      <p:sp>
-        <p:nvSpPr>
-          <p:cNvPr id="2" name="Slide Image Placeholder 1"/>
-          <p:cNvSpPr>
-            <a:spLocks noGrp="1" noRot="1" noChangeAspect="1"/>
-          </p:cNvSpPr>
-          <p:nvPr>
-            <p:ph type="sldImg"/>
-          </p:nvPr>
-        </p:nvSpPr>
-        <p:spPr/>
-      </p:sp>
-      <p:sp>
-        <p:nvSpPr>
-          <p:cNvPr id="3" name="Notes Placeholder 2"/>
-          <p:cNvSpPr>
-            <a:spLocks noGrp="1"/>
-          </p:cNvSpPr>
-          <p:nvPr>
-            <p:ph type="body" idx="1"/>
-          </p:nvPr>
-        </p:nvSpPr>
-        <p:spPr/>
-        <p:txBody>
-          <a:bodyPr/>
-          <a:lstStyle/>
-          <a:p>
-            <a:endParaRPr lang="en-US"/>
-          </a:p>
-        </p:txBody>
-      </p:sp>
-      <p:sp>
-        <p:nvSpPr>
-          <p:cNvPr id="4" name="Header Placeholder 3"/>
-          <p:cNvSpPr>
-            <a:spLocks noGrp="1"/>
-          </p:cNvSpPr>
-          <p:nvPr>
-            <p:ph type="hdr" sz="quarter" idx="10"/>
-          </p:nvPr>
-        </p:nvSpPr>
-        <p:spPr/>
-        <p:txBody>
-          <a:bodyPr/>
-          <a:lstStyle/>
-          <a:p>
-            <a:endParaRPr lang="en-US"/>
-          </a:p>
-        </p:txBody>
-      </p:sp>
-      <p:sp>
-        <p:nvSpPr>
-          <p:cNvPr id="5" name="Footer Placeholder 4"/>
-          <p:cNvSpPr>
-            <a:spLocks noGrp="1"/>
-          </p:cNvSpPr>
-          <p:nvPr>
-            <p:ph type="ftr" sz="quarter" idx="11"/>
-          </p:nvPr>
-        </p:nvSpPr>
-        <p:spPr/>
-        <p:txBody>
-          <a:bodyPr/>
-          <a:lstStyle/>
-          <a:p>
-            <a:endParaRPr lang="en-US"/>
-          </a:p>
-        </p:txBody>
-      </p:sp>
-      <p:sp>
-        <p:nvSpPr>
-          <p:cNvPr id="6" name="Slide Number Placeholder 5"/>
-          <p:cNvSpPr>
-            <a:spLocks noGrp="1"/>
-          </p:cNvSpPr>
-          <p:nvPr>
-            <p:ph type="sldNum" sz="quarter" idx="12"/>
-          </p:nvPr>
-        </p:nvSpPr>
-        <p:spPr/>
-        <p:txBody>
-          <a:bodyPr/>
-          <a:lstStyle/>
-          <a:p>
-            <a:fld id="{04AFFD27-C42C-47CD-8755-C4DF35BD4C7E}" type="slidenum">
-              <a:rPr lang="en-US" smtClean="0"/>
-              <a:t>11</a:t>
-            </a:fld>
-            <a:endParaRPr lang="en-US"/>
-          </a:p>
-        </p:txBody>
-      </p:sp>
-    </p:spTree>
-    <p:extLst>
-      <p:ext uri="{BB962C8B-B14F-4D97-AF65-F5344CB8AC3E}">
-        <p14:creationId xmlns:p14="http://schemas.microsoft.com/office/powerpoint/2010/main" val="3125904450"/>
-      </p:ext>
-    </p:extLst>
-  </p:cSld>
-  <p:clrMapOvr>
-    <a:masterClrMapping/>
-  </p:clrMapOvr>
-</p:notes>
-</file>
-
-<file path=ppt/notesSlides/notesSlide12.xml><?xml version="1.0" encoding="utf-8"?>
-<p:notes xmlns:a="http://schemas.openxmlformats.org/drawingml/2006/main" xmlns:r="http://schemas.openxmlformats.org/officeDocument/2006/relationships" xmlns:p="http://schemas.openxmlformats.org/presentationml/2006/main">
-  <p:cSld>
-    <p:spTree>
-      <p:nvGrpSpPr>
-        <p:cNvPr id="1" name=""/>
-        <p:cNvGrpSpPr/>
-        <p:nvPr/>
-      </p:nvGrpSpPr>
-      <p:grpSpPr>
-        <a:xfrm>
-          <a:off x="0" y="0"/>
-          <a:ext cx="0" cy="0"/>
-          <a:chOff x="0" y="0"/>
-          <a:chExt cx="0" cy="0"/>
-        </a:xfrm>
-      </p:grpSpPr>
-      <p:sp>
-        <p:nvSpPr>
-          <p:cNvPr id="2" name="Slide Image Placeholder 1"/>
-          <p:cNvSpPr>
-            <a:spLocks noGrp="1" noRot="1" noChangeAspect="1"/>
-          </p:cNvSpPr>
-          <p:nvPr>
-            <p:ph type="sldImg"/>
-          </p:nvPr>
-        </p:nvSpPr>
-        <p:spPr/>
-      </p:sp>
-      <p:sp>
-        <p:nvSpPr>
-          <p:cNvPr id="3" name="Notes Placeholder 2"/>
-          <p:cNvSpPr>
-            <a:spLocks noGrp="1"/>
-          </p:cNvSpPr>
-          <p:nvPr>
-            <p:ph type="body" idx="1"/>
-          </p:nvPr>
-        </p:nvSpPr>
-        <p:spPr/>
-        <p:txBody>
-          <a:bodyPr/>
-          <a:lstStyle/>
-          <a:p>
-            <a:endParaRPr lang="en-US" dirty="0"/>
-          </a:p>
-        </p:txBody>
-      </p:sp>
-      <p:sp>
-        <p:nvSpPr>
-          <p:cNvPr id="4" name="Header Placeholder 3"/>
-          <p:cNvSpPr>
-            <a:spLocks noGrp="1"/>
-          </p:cNvSpPr>
-          <p:nvPr>
-            <p:ph type="hdr" sz="quarter" idx="10"/>
-          </p:nvPr>
-        </p:nvSpPr>
-        <p:spPr/>
-        <p:txBody>
-          <a:bodyPr/>
-          <a:lstStyle/>
-          <a:p>
-            <a:endParaRPr lang="en-US"/>
-          </a:p>
-        </p:txBody>
-      </p:sp>
-      <p:sp>
-        <p:nvSpPr>
-          <p:cNvPr id="5" name="Footer Placeholder 4"/>
-          <p:cNvSpPr>
-            <a:spLocks noGrp="1"/>
-          </p:cNvSpPr>
-          <p:nvPr>
-            <p:ph type="ftr" sz="quarter" idx="11"/>
-          </p:nvPr>
-        </p:nvSpPr>
-        <p:spPr/>
-        <p:txBody>
-          <a:bodyPr/>
-          <a:lstStyle/>
-          <a:p>
-            <a:endParaRPr lang="en-US"/>
-          </a:p>
-        </p:txBody>
-      </p:sp>
-      <p:sp>
-        <p:nvSpPr>
-          <p:cNvPr id="6" name="Slide Number Placeholder 5"/>
-          <p:cNvSpPr>
-            <a:spLocks noGrp="1"/>
-          </p:cNvSpPr>
-          <p:nvPr>
-            <p:ph type="sldNum" sz="quarter" idx="12"/>
-          </p:nvPr>
-        </p:nvSpPr>
-        <p:spPr/>
-        <p:txBody>
-          <a:bodyPr/>
-          <a:lstStyle/>
-          <a:p>
-            <a:fld id="{04AFFD27-C42C-47CD-8755-C4DF35BD4C7E}" type="slidenum">
-              <a:rPr lang="en-US" smtClean="0"/>
-              <a:t>12</a:t>
-            </a:fld>
-            <a:endParaRPr lang="en-US"/>
-          </a:p>
-        </p:txBody>
-      </p:sp>
-    </p:spTree>
-    <p:extLst>
-      <p:ext uri="{BB962C8B-B14F-4D97-AF65-F5344CB8AC3E}">
-        <p14:creationId xmlns:p14="http://schemas.microsoft.com/office/powerpoint/2010/main" val="188547113"/>
-      </p:ext>
-    </p:extLst>
-  </p:cSld>
-  <p:clrMapOvr>
-    <a:masterClrMapping/>
-  </p:clrMapOvr>
-</p:notes>
-</file>
-
-<file path=ppt/notesSlides/notesSlide13.xml><?xml version="1.0" encoding="utf-8"?>
-<p:notes xmlns:a="http://schemas.openxmlformats.org/drawingml/2006/main" xmlns:r="http://schemas.openxmlformats.org/officeDocument/2006/relationships" xmlns:p="http://schemas.openxmlformats.org/presentationml/2006/main">
-  <p:cSld>
-    <p:spTree>
-      <p:nvGrpSpPr>
-        <p:cNvPr id="1" name=""/>
-        <p:cNvGrpSpPr/>
-        <p:nvPr/>
-      </p:nvGrpSpPr>
-      <p:grpSpPr>
-        <a:xfrm>
-          <a:off x="0" y="0"/>
-          <a:ext cx="0" cy="0"/>
-          <a:chOff x="0" y="0"/>
-          <a:chExt cx="0" cy="0"/>
-        </a:xfrm>
-      </p:grpSpPr>
-      <p:sp>
-        <p:nvSpPr>
-          <p:cNvPr id="2" name="Slide Image Placeholder 1"/>
-          <p:cNvSpPr>
-            <a:spLocks noGrp="1" noRot="1" noChangeAspect="1"/>
-          </p:cNvSpPr>
-          <p:nvPr>
-            <p:ph type="sldImg"/>
-          </p:nvPr>
-        </p:nvSpPr>
-        <p:spPr/>
-      </p:sp>
-      <p:sp>
-        <p:nvSpPr>
-          <p:cNvPr id="3" name="Notes Placeholder 2"/>
-          <p:cNvSpPr>
-            <a:spLocks noGrp="1"/>
-          </p:cNvSpPr>
-          <p:nvPr>
-            <p:ph type="body" idx="1"/>
-          </p:nvPr>
-        </p:nvSpPr>
-        <p:spPr/>
-        <p:txBody>
-          <a:bodyPr/>
-          <a:lstStyle/>
-          <a:p>
-            <a:endParaRPr lang="en-US" dirty="0"/>
-          </a:p>
-        </p:txBody>
-      </p:sp>
-      <p:sp>
-        <p:nvSpPr>
-          <p:cNvPr id="4" name="Header Placeholder 3"/>
-          <p:cNvSpPr>
-            <a:spLocks noGrp="1"/>
-          </p:cNvSpPr>
-          <p:nvPr>
-            <p:ph type="hdr" sz="quarter" idx="10"/>
-          </p:nvPr>
-        </p:nvSpPr>
-        <p:spPr/>
-        <p:txBody>
-          <a:bodyPr/>
-          <a:lstStyle/>
-          <a:p>
-            <a:endParaRPr lang="en-US"/>
-          </a:p>
-        </p:txBody>
-      </p:sp>
-      <p:sp>
-        <p:nvSpPr>
-          <p:cNvPr id="5" name="Footer Placeholder 4"/>
-          <p:cNvSpPr>
-            <a:spLocks noGrp="1"/>
-          </p:cNvSpPr>
-          <p:nvPr>
-            <p:ph type="ftr" sz="quarter" idx="11"/>
-          </p:nvPr>
-        </p:nvSpPr>
-        <p:spPr/>
-        <p:txBody>
-          <a:bodyPr/>
-          <a:lstStyle/>
-          <a:p>
-            <a:endParaRPr lang="en-US"/>
-          </a:p>
-        </p:txBody>
-      </p:sp>
-      <p:sp>
-        <p:nvSpPr>
-          <p:cNvPr id="6" name="Slide Number Placeholder 5"/>
-          <p:cNvSpPr>
-            <a:spLocks noGrp="1"/>
-          </p:cNvSpPr>
-          <p:nvPr>
-            <p:ph type="sldNum" sz="quarter" idx="12"/>
-          </p:nvPr>
-        </p:nvSpPr>
-        <p:spPr/>
-        <p:txBody>
-          <a:bodyPr/>
-          <a:lstStyle/>
-          <a:p>
-            <a:fld id="{04AFFD27-C42C-47CD-8755-C4DF35BD4C7E}" type="slidenum">
-              <a:rPr lang="en-US" smtClean="0"/>
-              <a:t>13</a:t>
-            </a:fld>
-            <a:endParaRPr lang="en-US"/>
-          </a:p>
-        </p:txBody>
-      </p:sp>
-    </p:spTree>
-    <p:extLst>
-      <p:ext uri="{BB962C8B-B14F-4D97-AF65-F5344CB8AC3E}">
-        <p14:creationId xmlns:p14="http://schemas.microsoft.com/office/powerpoint/2010/main" val="3373674187"/>
-      </p:ext>
-    </p:extLst>
-  </p:cSld>
-  <p:clrMapOvr>
-    <a:masterClrMapping/>
-  </p:clrMapOvr>
-</p:notes>
-</file>
-
-<file path=ppt/notesSlides/notesSlide14.xml><?xml version="1.0" encoding="utf-8"?>
-<p:notes xmlns:a="http://schemas.openxmlformats.org/drawingml/2006/main" xmlns:r="http://schemas.openxmlformats.org/officeDocument/2006/relationships" xmlns:p="http://schemas.openxmlformats.org/presentationml/2006/main">
-  <p:cSld>
-    <p:spTree>
-      <p:nvGrpSpPr>
-        <p:cNvPr id="1" name=""/>
-        <p:cNvGrpSpPr/>
-        <p:nvPr/>
-      </p:nvGrpSpPr>
-      <p:grpSpPr>
-        <a:xfrm>
-          <a:off x="0" y="0"/>
-          <a:ext cx="0" cy="0"/>
-          <a:chOff x="0" y="0"/>
-          <a:chExt cx="0" cy="0"/>
-        </a:xfrm>
-      </p:grpSpPr>
-      <p:sp>
-        <p:nvSpPr>
-          <p:cNvPr id="2" name="Slide Image Placeholder 1"/>
-          <p:cNvSpPr>
-            <a:spLocks noGrp="1" noRot="1" noChangeAspect="1"/>
-          </p:cNvSpPr>
-          <p:nvPr>
-            <p:ph type="sldImg"/>
-          </p:nvPr>
-        </p:nvSpPr>
-        <p:spPr/>
-      </p:sp>
-      <p:sp>
-        <p:nvSpPr>
-          <p:cNvPr id="3" name="Notes Placeholder 2"/>
-          <p:cNvSpPr>
-            <a:spLocks noGrp="1"/>
-          </p:cNvSpPr>
-          <p:nvPr>
-            <p:ph type="body" idx="1"/>
-          </p:nvPr>
-        </p:nvSpPr>
-        <p:spPr/>
-        <p:txBody>
-          <a:bodyPr/>
-          <a:lstStyle/>
-          <a:p>
-            <a:endParaRPr lang="en-US" dirty="0"/>
-          </a:p>
-        </p:txBody>
-      </p:sp>
-      <p:sp>
-        <p:nvSpPr>
-          <p:cNvPr id="4" name="Header Placeholder 3"/>
-          <p:cNvSpPr>
-            <a:spLocks noGrp="1"/>
-          </p:cNvSpPr>
-          <p:nvPr>
-            <p:ph type="hdr" sz="quarter" idx="10"/>
-          </p:nvPr>
-        </p:nvSpPr>
-        <p:spPr/>
-        <p:txBody>
-          <a:bodyPr/>
-          <a:lstStyle/>
-          <a:p>
-            <a:endParaRPr lang="en-US"/>
-          </a:p>
-        </p:txBody>
-      </p:sp>
-      <p:sp>
-        <p:nvSpPr>
-          <p:cNvPr id="5" name="Footer Placeholder 4"/>
-          <p:cNvSpPr>
-            <a:spLocks noGrp="1"/>
-          </p:cNvSpPr>
-          <p:nvPr>
-            <p:ph type="ftr" sz="quarter" idx="11"/>
-          </p:nvPr>
-        </p:nvSpPr>
-        <p:spPr/>
-        <p:txBody>
-          <a:bodyPr/>
-          <a:lstStyle/>
-          <a:p>
-            <a:endParaRPr lang="en-US"/>
-          </a:p>
-        </p:txBody>
-      </p:sp>
-      <p:sp>
-        <p:nvSpPr>
-          <p:cNvPr id="6" name="Slide Number Placeholder 5"/>
-          <p:cNvSpPr>
-            <a:spLocks noGrp="1"/>
-          </p:cNvSpPr>
-          <p:nvPr>
-            <p:ph type="sldNum" sz="quarter" idx="12"/>
-          </p:nvPr>
-        </p:nvSpPr>
-        <p:spPr/>
-        <p:txBody>
-          <a:bodyPr/>
-          <a:lstStyle/>
-          <a:p>
-            <a:fld id="{04AFFD27-C42C-47CD-8755-C4DF35BD4C7E}" type="slidenum">
-              <a:rPr lang="en-US" smtClean="0"/>
-              <a:t>14</a:t>
-            </a:fld>
-            <a:endParaRPr lang="en-US"/>
-          </a:p>
-        </p:txBody>
-      </p:sp>
-    </p:spTree>
-    <p:extLst>
-      <p:ext uri="{BB962C8B-B14F-4D97-AF65-F5344CB8AC3E}">
-        <p14:creationId xmlns:p14="http://schemas.microsoft.com/office/powerpoint/2010/main" val="1099259115"/>
-      </p:ext>
-    </p:extLst>
-  </p:cSld>
-  <p:clrMapOvr>
-    <a:masterClrMapping/>
-  </p:clrMapOvr>
-</p:notes>
-</file>
-
-<file path=ppt/notesSlides/notesSlide15.xml><?xml version="1.0" encoding="utf-8"?>
-<p:notes xmlns:a="http://schemas.openxmlformats.org/drawingml/2006/main" xmlns:r="http://schemas.openxmlformats.org/officeDocument/2006/relationships" xmlns:p="http://schemas.openxmlformats.org/presentationml/2006/main">
-  <p:cSld>
-    <p:spTree>
-      <p:nvGrpSpPr>
-        <p:cNvPr id="1" name=""/>
-        <p:cNvGrpSpPr/>
-        <p:nvPr/>
-      </p:nvGrpSpPr>
-      <p:grpSpPr>
-        <a:xfrm>
-          <a:off x="0" y="0"/>
-          <a:ext cx="0" cy="0"/>
-          <a:chOff x="0" y="0"/>
-          <a:chExt cx="0" cy="0"/>
-        </a:xfrm>
-      </p:grpSpPr>
-      <p:sp>
-        <p:nvSpPr>
-          <p:cNvPr id="2" name="Slide Image Placeholder 1"/>
-          <p:cNvSpPr>
-            <a:spLocks noGrp="1" noRot="1" noChangeAspect="1"/>
-          </p:cNvSpPr>
-          <p:nvPr>
-            <p:ph type="sldImg"/>
-          </p:nvPr>
-        </p:nvSpPr>
-        <p:spPr/>
-      </p:sp>
-      <p:sp>
-        <p:nvSpPr>
-          <p:cNvPr id="3" name="Notes Placeholder 2"/>
-          <p:cNvSpPr>
-            <a:spLocks noGrp="1"/>
-          </p:cNvSpPr>
-          <p:nvPr>
-            <p:ph type="body" idx="1"/>
-          </p:nvPr>
-        </p:nvSpPr>
-        <p:spPr/>
-        <p:txBody>
-          <a:bodyPr/>
-          <a:lstStyle/>
-          <a:p>
-            <a:endParaRPr lang="en-US" dirty="0"/>
-          </a:p>
-        </p:txBody>
-      </p:sp>
-      <p:sp>
-        <p:nvSpPr>
-          <p:cNvPr id="4" name="Header Placeholder 3"/>
-          <p:cNvSpPr>
-            <a:spLocks noGrp="1"/>
-          </p:cNvSpPr>
-          <p:nvPr>
-            <p:ph type="hdr" sz="quarter" idx="10"/>
-          </p:nvPr>
-        </p:nvSpPr>
-        <p:spPr/>
-        <p:txBody>
-          <a:bodyPr/>
-          <a:lstStyle/>
-          <a:p>
-            <a:endParaRPr lang="en-US"/>
-          </a:p>
-        </p:txBody>
-      </p:sp>
-      <p:sp>
-        <p:nvSpPr>
-          <p:cNvPr id="5" name="Footer Placeholder 4"/>
-          <p:cNvSpPr>
-            <a:spLocks noGrp="1"/>
-          </p:cNvSpPr>
-          <p:nvPr>
-            <p:ph type="ftr" sz="quarter" idx="11"/>
-          </p:nvPr>
-        </p:nvSpPr>
-        <p:spPr/>
-        <p:txBody>
-          <a:bodyPr/>
-          <a:lstStyle/>
-          <a:p>
-            <a:endParaRPr lang="en-US"/>
-          </a:p>
-        </p:txBody>
-      </p:sp>
-      <p:sp>
-        <p:nvSpPr>
-          <p:cNvPr id="6" name="Slide Number Placeholder 5"/>
-          <p:cNvSpPr>
-            <a:spLocks noGrp="1"/>
-          </p:cNvSpPr>
-          <p:nvPr>
-            <p:ph type="sldNum" sz="quarter" idx="12"/>
-          </p:nvPr>
-        </p:nvSpPr>
-        <p:spPr/>
-        <p:txBody>
-          <a:bodyPr/>
-          <a:lstStyle/>
-          <a:p>
-            <a:fld id="{04AFFD27-C42C-47CD-8755-C4DF35BD4C7E}" type="slidenum">
-              <a:rPr lang="en-US" smtClean="0"/>
-              <a:t>15</a:t>
-            </a:fld>
-            <a:endParaRPr lang="en-US"/>
-          </a:p>
-        </p:txBody>
-      </p:sp>
-    </p:spTree>
-    <p:extLst>
-      <p:ext uri="{BB962C8B-B14F-4D97-AF65-F5344CB8AC3E}">
-        <p14:creationId xmlns:p14="http://schemas.microsoft.com/office/powerpoint/2010/main" val="1714772350"/>
-      </p:ext>
-    </p:extLst>
-  </p:cSld>
-  <p:clrMapOvr>
-    <a:masterClrMapping/>
-  </p:clrMapOvr>
-</p:notes>
-</file>
-
-<file path=ppt/notesSlides/notesSlide16.xml><?xml version="1.0" encoding="utf-8"?>
-<p:notes xmlns:a="http://schemas.openxmlformats.org/drawingml/2006/main" xmlns:r="http://schemas.openxmlformats.org/officeDocument/2006/relationships" xmlns:p="http://schemas.openxmlformats.org/presentationml/2006/main">
-  <p:cSld>
-    <p:spTree>
-      <p:nvGrpSpPr>
-        <p:cNvPr id="1" name=""/>
-        <p:cNvGrpSpPr/>
-        <p:nvPr/>
-      </p:nvGrpSpPr>
-      <p:grpSpPr>
-        <a:xfrm>
-          <a:off x="0" y="0"/>
-          <a:ext cx="0" cy="0"/>
-          <a:chOff x="0" y="0"/>
-          <a:chExt cx="0" cy="0"/>
-        </a:xfrm>
-      </p:grpSpPr>
-      <p:sp>
-        <p:nvSpPr>
-          <p:cNvPr id="2" name="Slide Image Placeholder 1"/>
-          <p:cNvSpPr>
-            <a:spLocks noGrp="1" noRot="1" noChangeAspect="1"/>
-          </p:cNvSpPr>
-          <p:nvPr>
-            <p:ph type="sldImg"/>
-          </p:nvPr>
-        </p:nvSpPr>
-        <p:spPr/>
-      </p:sp>
-      <p:sp>
-        <p:nvSpPr>
-          <p:cNvPr id="3" name="Notes Placeholder 2"/>
-          <p:cNvSpPr>
-            <a:spLocks noGrp="1"/>
-          </p:cNvSpPr>
-          <p:nvPr>
-            <p:ph type="body" idx="1"/>
-          </p:nvPr>
-        </p:nvSpPr>
-        <p:spPr/>
-        <p:txBody>
-          <a:bodyPr/>
-          <a:lstStyle/>
-          <a:p>
-            <a:endParaRPr lang="en-US" dirty="0"/>
-          </a:p>
-        </p:txBody>
-      </p:sp>
-      <p:sp>
-        <p:nvSpPr>
-          <p:cNvPr id="4" name="Header Placeholder 3"/>
-          <p:cNvSpPr>
-            <a:spLocks noGrp="1"/>
-          </p:cNvSpPr>
-          <p:nvPr>
-            <p:ph type="hdr" sz="quarter" idx="10"/>
-          </p:nvPr>
-        </p:nvSpPr>
-        <p:spPr/>
-        <p:txBody>
-          <a:bodyPr/>
-          <a:lstStyle/>
-          <a:p>
-            <a:endParaRPr lang="en-US"/>
-          </a:p>
-        </p:txBody>
-      </p:sp>
-      <p:sp>
-        <p:nvSpPr>
-          <p:cNvPr id="5" name="Footer Placeholder 4"/>
-          <p:cNvSpPr>
-            <a:spLocks noGrp="1"/>
-          </p:cNvSpPr>
-          <p:nvPr>
-            <p:ph type="ftr" sz="quarter" idx="11"/>
-          </p:nvPr>
-        </p:nvSpPr>
-        <p:spPr/>
-        <p:txBody>
-          <a:bodyPr/>
-          <a:lstStyle/>
-          <a:p>
-            <a:endParaRPr lang="en-US"/>
-          </a:p>
-        </p:txBody>
-      </p:sp>
-      <p:sp>
-        <p:nvSpPr>
-          <p:cNvPr id="6" name="Slide Number Placeholder 5"/>
-          <p:cNvSpPr>
-            <a:spLocks noGrp="1"/>
-          </p:cNvSpPr>
-          <p:nvPr>
-            <p:ph type="sldNum" sz="quarter" idx="12"/>
-          </p:nvPr>
-        </p:nvSpPr>
-        <p:spPr/>
-        <p:txBody>
-          <a:bodyPr/>
-          <a:lstStyle/>
-          <a:p>
-            <a:fld id="{04AFFD27-C42C-47CD-8755-C4DF35BD4C7E}" type="slidenum">
-              <a:rPr lang="en-US" smtClean="0"/>
-              <a:t>16</a:t>
-            </a:fld>
-            <a:endParaRPr lang="en-US"/>
-          </a:p>
-        </p:txBody>
-      </p:sp>
-    </p:spTree>
-    <p:extLst>
-      <p:ext uri="{BB962C8B-B14F-4D97-AF65-F5344CB8AC3E}">
-        <p14:creationId xmlns:p14="http://schemas.microsoft.com/office/powerpoint/2010/main" val="4211785599"/>
-      </p:ext>
-    </p:extLst>
-  </p:cSld>
-  <p:clrMapOvr>
-    <a:masterClrMapping/>
-  </p:clrMapOvr>
-</p:notes>
-</file>
-
-<file path=ppt/notesSlides/notesSlide17.xml><?xml version="1.0" encoding="utf-8"?>
-<p:notes xmlns:a="http://schemas.openxmlformats.org/drawingml/2006/main" xmlns:r="http://schemas.openxmlformats.org/officeDocument/2006/relationships" xmlns:p="http://schemas.openxmlformats.org/presentationml/2006/main">
-  <p:cSld>
-    <p:spTree>
-      <p:nvGrpSpPr>
-        <p:cNvPr id="1" name=""/>
-        <p:cNvGrpSpPr/>
-        <p:nvPr/>
-      </p:nvGrpSpPr>
-      <p:grpSpPr>
-        <a:xfrm>
-          <a:off x="0" y="0"/>
-          <a:ext cx="0" cy="0"/>
-          <a:chOff x="0" y="0"/>
-          <a:chExt cx="0" cy="0"/>
-        </a:xfrm>
-      </p:grpSpPr>
-      <p:sp>
-        <p:nvSpPr>
-          <p:cNvPr id="2" name="Slide Image Placeholder 1"/>
-          <p:cNvSpPr>
-            <a:spLocks noGrp="1" noRot="1" noChangeAspect="1"/>
-          </p:cNvSpPr>
-          <p:nvPr>
-            <p:ph type="sldImg"/>
-          </p:nvPr>
-        </p:nvSpPr>
-        <p:spPr/>
-      </p:sp>
-      <p:sp>
-        <p:nvSpPr>
-          <p:cNvPr id="3" name="Notes Placeholder 2"/>
-          <p:cNvSpPr>
-            <a:spLocks noGrp="1"/>
-          </p:cNvSpPr>
-          <p:nvPr>
-            <p:ph type="body" idx="1"/>
-          </p:nvPr>
-        </p:nvSpPr>
-        <p:spPr/>
-        <p:txBody>
-          <a:bodyPr/>
-          <a:lstStyle/>
-          <a:p>
-            <a:endParaRPr lang="en-US" dirty="0"/>
-          </a:p>
-        </p:txBody>
-      </p:sp>
-      <p:sp>
-        <p:nvSpPr>
-          <p:cNvPr id="4" name="Header Placeholder 3"/>
-          <p:cNvSpPr>
-            <a:spLocks noGrp="1"/>
-          </p:cNvSpPr>
-          <p:nvPr>
-            <p:ph type="hdr" sz="quarter" idx="10"/>
-          </p:nvPr>
-        </p:nvSpPr>
-        <p:spPr/>
-        <p:txBody>
-          <a:bodyPr/>
-          <a:lstStyle/>
-          <a:p>
-            <a:endParaRPr lang="en-US"/>
-          </a:p>
-        </p:txBody>
-      </p:sp>
-      <p:sp>
-        <p:nvSpPr>
-          <p:cNvPr id="5" name="Footer Placeholder 4"/>
-          <p:cNvSpPr>
-            <a:spLocks noGrp="1"/>
-          </p:cNvSpPr>
-          <p:nvPr>
-            <p:ph type="ftr" sz="quarter" idx="11"/>
-          </p:nvPr>
-        </p:nvSpPr>
-        <p:spPr/>
-        <p:txBody>
-          <a:bodyPr/>
-          <a:lstStyle/>
-          <a:p>
-            <a:endParaRPr lang="en-US"/>
-          </a:p>
-        </p:txBody>
-      </p:sp>
-      <p:sp>
-        <p:nvSpPr>
-          <p:cNvPr id="6" name="Slide Number Placeholder 5"/>
-          <p:cNvSpPr>
-            <a:spLocks noGrp="1"/>
-          </p:cNvSpPr>
-          <p:nvPr>
-            <p:ph type="sldNum" sz="quarter" idx="12"/>
-          </p:nvPr>
-        </p:nvSpPr>
-        <p:spPr/>
-        <p:txBody>
-          <a:bodyPr/>
-          <a:lstStyle/>
-          <a:p>
-            <a:fld id="{04AFFD27-C42C-47CD-8755-C4DF35BD4C7E}" type="slidenum">
-              <a:rPr lang="en-US" smtClean="0"/>
-              <a:t>17</a:t>
-            </a:fld>
-            <a:endParaRPr lang="en-US"/>
-          </a:p>
-        </p:txBody>
-      </p:sp>
-    </p:spTree>
-    <p:extLst>
-      <p:ext uri="{BB962C8B-B14F-4D97-AF65-F5344CB8AC3E}">
-        <p14:creationId xmlns:p14="http://schemas.microsoft.com/office/powerpoint/2010/main" val="2801755486"/>
-      </p:ext>
-    </p:extLst>
-  </p:cSld>
-  <p:clrMapOvr>
-    <a:masterClrMapping/>
-  </p:clrMapOvr>
-</p:notes>
-</file>
-
-<file path=ppt/notesSlides/notesSlide18.xml><?xml version="1.0" encoding="utf-8"?>
-<p:notes xmlns:a="http://schemas.openxmlformats.org/drawingml/2006/main" xmlns:r="http://schemas.openxmlformats.org/officeDocument/2006/relationships" xmlns:p="http://schemas.openxmlformats.org/presentationml/2006/main">
-  <p:cSld>
-    <p:spTree>
-      <p:nvGrpSpPr>
-        <p:cNvPr id="1" name=""/>
-        <p:cNvGrpSpPr/>
-        <p:nvPr/>
-      </p:nvGrpSpPr>
-      <p:grpSpPr>
-        <a:xfrm>
-          <a:off x="0" y="0"/>
-          <a:ext cx="0" cy="0"/>
-          <a:chOff x="0" y="0"/>
-          <a:chExt cx="0" cy="0"/>
-        </a:xfrm>
-      </p:grpSpPr>
-      <p:sp>
-        <p:nvSpPr>
-          <p:cNvPr id="2" name="Slide Image Placeholder 1"/>
-          <p:cNvSpPr>
-            <a:spLocks noGrp="1" noRot="1" noChangeAspect="1"/>
-          </p:cNvSpPr>
-          <p:nvPr>
-            <p:ph type="sldImg"/>
-          </p:nvPr>
-        </p:nvSpPr>
-        <p:spPr/>
-      </p:sp>
-      <p:sp>
-        <p:nvSpPr>
-          <p:cNvPr id="3" name="Notes Placeholder 2"/>
-          <p:cNvSpPr>
-            <a:spLocks noGrp="1"/>
-          </p:cNvSpPr>
-          <p:nvPr>
-            <p:ph type="body" idx="1"/>
-          </p:nvPr>
-        </p:nvSpPr>
-        <p:spPr/>
-        <p:txBody>
-          <a:bodyPr/>
-          <a:lstStyle/>
-          <a:p>
-            <a:endParaRPr lang="en-US" dirty="0"/>
-          </a:p>
-        </p:txBody>
-      </p:sp>
-      <p:sp>
-        <p:nvSpPr>
-          <p:cNvPr id="4" name="Header Placeholder 3"/>
-          <p:cNvSpPr>
-            <a:spLocks noGrp="1"/>
-          </p:cNvSpPr>
-          <p:nvPr>
-            <p:ph type="hdr" sz="quarter" idx="10"/>
-          </p:nvPr>
-        </p:nvSpPr>
-        <p:spPr/>
-        <p:txBody>
-          <a:bodyPr/>
-          <a:lstStyle/>
-          <a:p>
-            <a:endParaRPr lang="en-US"/>
-          </a:p>
-        </p:txBody>
-      </p:sp>
-      <p:sp>
-        <p:nvSpPr>
-          <p:cNvPr id="5" name="Footer Placeholder 4"/>
-          <p:cNvSpPr>
-            <a:spLocks noGrp="1"/>
-          </p:cNvSpPr>
-          <p:nvPr>
-            <p:ph type="ftr" sz="quarter" idx="11"/>
-          </p:nvPr>
-        </p:nvSpPr>
-        <p:spPr/>
-        <p:txBody>
-          <a:bodyPr/>
-          <a:lstStyle/>
-          <a:p>
-            <a:endParaRPr lang="en-US"/>
-          </a:p>
-        </p:txBody>
-      </p:sp>
-      <p:sp>
-        <p:nvSpPr>
-          <p:cNvPr id="6" name="Slide Number Placeholder 5"/>
-          <p:cNvSpPr>
-            <a:spLocks noGrp="1"/>
-          </p:cNvSpPr>
-          <p:nvPr>
-            <p:ph type="sldNum" sz="quarter" idx="12"/>
-          </p:nvPr>
-        </p:nvSpPr>
-        <p:spPr/>
-        <p:txBody>
-          <a:bodyPr/>
-          <a:lstStyle/>
-          <a:p>
-            <a:fld id="{04AFFD27-C42C-47CD-8755-C4DF35BD4C7E}" type="slidenum">
-              <a:rPr lang="en-US" smtClean="0"/>
-              <a:t>18</a:t>
-            </a:fld>
-            <a:endParaRPr lang="en-US"/>
-          </a:p>
-        </p:txBody>
-      </p:sp>
-    </p:spTree>
-    <p:extLst>
-      <p:ext uri="{BB962C8B-B14F-4D97-AF65-F5344CB8AC3E}">
-        <p14:creationId xmlns:p14="http://schemas.microsoft.com/office/powerpoint/2010/main" val="1707925867"/>
-      </p:ext>
-    </p:extLst>
-  </p:cSld>
-  <p:clrMapOvr>
-    <a:masterClrMapping/>
-  </p:clrMapOvr>
-</p:notes>
-</file>
-
-<file path=ppt/notesSlides/notesSlide19.xml><?xml version="1.0" encoding="utf-8"?>
-<p:notes xmlns:a="http://schemas.openxmlformats.org/drawingml/2006/main" xmlns:r="http://schemas.openxmlformats.org/officeDocument/2006/relationships" xmlns:p="http://schemas.openxmlformats.org/presentationml/2006/main">
-  <p:cSld>
-    <p:spTree>
-      <p:nvGrpSpPr>
-        <p:cNvPr id="1" name=""/>
-        <p:cNvGrpSpPr/>
-        <p:nvPr/>
-      </p:nvGrpSpPr>
-      <p:grpSpPr>
-        <a:xfrm>
-          <a:off x="0" y="0"/>
-          <a:ext cx="0" cy="0"/>
-          <a:chOff x="0" y="0"/>
-          <a:chExt cx="0" cy="0"/>
-        </a:xfrm>
-      </p:grpSpPr>
-      <p:sp>
-        <p:nvSpPr>
-          <p:cNvPr id="2" name="Slide Image Placeholder 1"/>
-          <p:cNvSpPr>
-            <a:spLocks noGrp="1" noRot="1" noChangeAspect="1"/>
-          </p:cNvSpPr>
-          <p:nvPr>
-            <p:ph type="sldImg"/>
-          </p:nvPr>
-        </p:nvSpPr>
-        <p:spPr/>
-      </p:sp>
-      <p:sp>
-        <p:nvSpPr>
-          <p:cNvPr id="3" name="Notes Placeholder 2"/>
-          <p:cNvSpPr>
-            <a:spLocks noGrp="1"/>
-          </p:cNvSpPr>
-          <p:nvPr>
-            <p:ph type="body" idx="1"/>
-          </p:nvPr>
-        </p:nvSpPr>
-        <p:spPr/>
-        <p:txBody>
-          <a:bodyPr/>
-          <a:lstStyle/>
-          <a:p>
-            <a:endParaRPr lang="en-US" dirty="0"/>
-          </a:p>
-        </p:txBody>
-      </p:sp>
-      <p:sp>
-        <p:nvSpPr>
-          <p:cNvPr id="4" name="Header Placeholder 3"/>
-          <p:cNvSpPr>
-            <a:spLocks noGrp="1"/>
-          </p:cNvSpPr>
-          <p:nvPr>
-            <p:ph type="hdr" sz="quarter" idx="10"/>
-          </p:nvPr>
-        </p:nvSpPr>
-        <p:spPr/>
-        <p:txBody>
-          <a:bodyPr/>
-          <a:lstStyle/>
-          <a:p>
-            <a:endParaRPr lang="en-US"/>
-          </a:p>
-        </p:txBody>
-      </p:sp>
-      <p:sp>
-        <p:nvSpPr>
-          <p:cNvPr id="5" name="Footer Placeholder 4"/>
-          <p:cNvSpPr>
-            <a:spLocks noGrp="1"/>
-          </p:cNvSpPr>
-          <p:nvPr>
-            <p:ph type="ftr" sz="quarter" idx="11"/>
-          </p:nvPr>
-        </p:nvSpPr>
-        <p:spPr/>
-        <p:txBody>
-          <a:bodyPr/>
-          <a:lstStyle/>
-          <a:p>
-            <a:endParaRPr lang="en-US"/>
-          </a:p>
-        </p:txBody>
-      </p:sp>
-      <p:sp>
-        <p:nvSpPr>
-          <p:cNvPr id="6" name="Slide Number Placeholder 5"/>
-          <p:cNvSpPr>
-            <a:spLocks noGrp="1"/>
-          </p:cNvSpPr>
-          <p:nvPr>
-            <p:ph type="sldNum" sz="quarter" idx="12"/>
-          </p:nvPr>
-        </p:nvSpPr>
-        <p:spPr/>
-        <p:txBody>
-          <a:bodyPr/>
-          <a:lstStyle/>
-          <a:p>
-            <a:fld id="{04AFFD27-C42C-47CD-8755-C4DF35BD4C7E}" type="slidenum">
-              <a:rPr lang="en-US" smtClean="0"/>
-              <a:t>19</a:t>
-            </a:fld>
-            <a:endParaRPr lang="en-US"/>
-          </a:p>
-        </p:txBody>
-      </p:sp>
-    </p:spTree>
-    <p:extLst>
-      <p:ext uri="{BB962C8B-B14F-4D97-AF65-F5344CB8AC3E}">
-        <p14:creationId xmlns:p14="http://schemas.microsoft.com/office/powerpoint/2010/main" val="832951166"/>
-      </p:ext>
-    </p:extLst>
-  </p:cSld>
-  <p:clrMapOvr>
-    <a:masterClrMapping/>
-  </p:clrMapOvr>
-</p:notes>
-</file>
-
 <file path=ppt/notesSlides/notesSlide2.xml><?xml version="1.0" encoding="utf-8"?>
 <p:notes xmlns:a="http://schemas.openxmlformats.org/drawingml/2006/main" xmlns:r="http://schemas.openxmlformats.org/officeDocument/2006/relationships" xmlns:p="http://schemas.openxmlformats.org/presentationml/2006/main">
   <p:cSld>
@@ -2108,128 +877,6 @@
     <p:extLst>
       <p:ext uri="{BB962C8B-B14F-4D97-AF65-F5344CB8AC3E}">
         <p14:creationId xmlns:p14="http://schemas.microsoft.com/office/powerpoint/2010/main" val="3162903457"/>
-      </p:ext>
-    </p:extLst>
-  </p:cSld>
-  <p:clrMapOvr>
-    <a:masterClrMapping/>
-  </p:clrMapOvr>
-</p:notes>
-</file>
-
-<file path=ppt/notesSlides/notesSlide20.xml><?xml version="1.0" encoding="utf-8"?>
-<p:notes xmlns:a="http://schemas.openxmlformats.org/drawingml/2006/main" xmlns:r="http://schemas.openxmlformats.org/officeDocument/2006/relationships" xmlns:p="http://schemas.openxmlformats.org/presentationml/2006/main">
-  <p:cSld>
-    <p:spTree>
-      <p:nvGrpSpPr>
-        <p:cNvPr id="1" name=""/>
-        <p:cNvGrpSpPr/>
-        <p:nvPr/>
-      </p:nvGrpSpPr>
-      <p:grpSpPr>
-        <a:xfrm>
-          <a:off x="0" y="0"/>
-          <a:ext cx="0" cy="0"/>
-          <a:chOff x="0" y="0"/>
-          <a:chExt cx="0" cy="0"/>
-        </a:xfrm>
-      </p:grpSpPr>
-      <p:sp>
-        <p:nvSpPr>
-          <p:cNvPr id="2" name="Slide Image Placeholder 1"/>
-          <p:cNvSpPr>
-            <a:spLocks noGrp="1" noRot="1" noChangeAspect="1"/>
-          </p:cNvSpPr>
-          <p:nvPr>
-            <p:ph type="sldImg"/>
-          </p:nvPr>
-        </p:nvSpPr>
-        <p:spPr/>
-      </p:sp>
-      <p:sp>
-        <p:nvSpPr>
-          <p:cNvPr id="3" name="Notes Placeholder 2"/>
-          <p:cNvSpPr>
-            <a:spLocks noGrp="1"/>
-          </p:cNvSpPr>
-          <p:nvPr>
-            <p:ph type="body" idx="1"/>
-          </p:nvPr>
-        </p:nvSpPr>
-        <p:spPr/>
-        <p:txBody>
-          <a:bodyPr/>
-          <a:lstStyle/>
-          <a:p>
-            <a:endParaRPr lang="en-US" dirty="0"/>
-          </a:p>
-        </p:txBody>
-      </p:sp>
-      <p:sp>
-        <p:nvSpPr>
-          <p:cNvPr id="4" name="Header Placeholder 3"/>
-          <p:cNvSpPr>
-            <a:spLocks noGrp="1"/>
-          </p:cNvSpPr>
-          <p:nvPr>
-            <p:ph type="hdr" sz="quarter" idx="10"/>
-          </p:nvPr>
-        </p:nvSpPr>
-        <p:spPr/>
-        <p:txBody>
-          <a:bodyPr/>
-          <a:lstStyle/>
-          <a:p>
-            <a:endParaRPr lang="en-US"/>
-          </a:p>
-        </p:txBody>
-      </p:sp>
-      <p:sp>
-        <p:nvSpPr>
-          <p:cNvPr id="5" name="Footer Placeholder 4"/>
-          <p:cNvSpPr>
-            <a:spLocks noGrp="1"/>
-          </p:cNvSpPr>
-          <p:nvPr>
-            <p:ph type="ftr" sz="quarter" idx="11"/>
-          </p:nvPr>
-        </p:nvSpPr>
-        <p:spPr/>
-        <p:txBody>
-          <a:bodyPr/>
-          <a:lstStyle/>
-          <a:p>
-            <a:endParaRPr lang="en-US"/>
-          </a:p>
-        </p:txBody>
-      </p:sp>
-      <p:sp>
-        <p:nvSpPr>
-          <p:cNvPr id="6" name="Slide Number Placeholder 5"/>
-          <p:cNvSpPr>
-            <a:spLocks noGrp="1"/>
-          </p:cNvSpPr>
-          <p:nvPr>
-            <p:ph type="sldNum" sz="quarter" idx="12"/>
-          </p:nvPr>
-        </p:nvSpPr>
-        <p:spPr/>
-        <p:txBody>
-          <a:bodyPr/>
-          <a:lstStyle/>
-          <a:p>
-            <a:fld id="{04AFFD27-C42C-47CD-8755-C4DF35BD4C7E}" type="slidenum">
-              <a:rPr lang="en-US" smtClean="0"/>
-              <a:t>20</a:t>
-            </a:fld>
-            <a:endParaRPr lang="en-US"/>
-          </a:p>
-        </p:txBody>
-      </p:sp>
-    </p:spTree>
-    <p:extLst>
-      <p:ext uri="{BB962C8B-B14F-4D97-AF65-F5344CB8AC3E}">
-        <p14:creationId xmlns:p14="http://schemas.microsoft.com/office/powerpoint/2010/main" val="1950293259"/>
       </p:ext>
     </p:extLst>
   </p:cSld>
@@ -2351,7 +998,7 @@
     </p:spTree>
     <p:extLst>
       <p:ext uri="{BB962C8B-B14F-4D97-AF65-F5344CB8AC3E}">
-        <p14:creationId xmlns:p14="http://schemas.microsoft.com/office/powerpoint/2010/main" val="19660763"/>
+        <p14:creationId xmlns:p14="http://schemas.microsoft.com/office/powerpoint/2010/main" val="1703473489"/>
       </p:ext>
     </p:extLst>
   </p:cSld>
@@ -2405,7 +1052,7 @@
           <a:bodyPr/>
           <a:lstStyle/>
           <a:p>
-            <a:endParaRPr lang="en-US"/>
+            <a:endParaRPr lang="en-US" dirty="0"/>
           </a:p>
         </p:txBody>
       </p:sp>
@@ -2473,7 +1120,7 @@
     </p:spTree>
     <p:extLst>
       <p:ext uri="{BB962C8B-B14F-4D97-AF65-F5344CB8AC3E}">
-        <p14:creationId xmlns:p14="http://schemas.microsoft.com/office/powerpoint/2010/main" val="1703473489"/>
+        <p14:creationId xmlns:p14="http://schemas.microsoft.com/office/powerpoint/2010/main" val="1707925867"/>
       </p:ext>
     </p:extLst>
   </p:cSld>
@@ -2527,7 +1174,7 @@
           <a:bodyPr/>
           <a:lstStyle/>
           <a:p>
-            <a:endParaRPr lang="en-US" dirty="0"/>
+            <a:endParaRPr lang="en-US"/>
           </a:p>
         </p:txBody>
       </p:sp>
@@ -2595,7 +1242,7 @@
     </p:spTree>
     <p:extLst>
       <p:ext uri="{BB962C8B-B14F-4D97-AF65-F5344CB8AC3E}">
-        <p14:creationId xmlns:p14="http://schemas.microsoft.com/office/powerpoint/2010/main" val="2119875883"/>
+        <p14:creationId xmlns:p14="http://schemas.microsoft.com/office/powerpoint/2010/main" val="3125904450"/>
       </p:ext>
     </p:extLst>
   </p:cSld>
@@ -2649,7 +1296,7 @@
           <a:bodyPr/>
           <a:lstStyle/>
           <a:p>
-            <a:endParaRPr lang="en-US"/>
+            <a:endParaRPr lang="en-US" dirty="0"/>
           </a:p>
         </p:txBody>
       </p:sp>
@@ -2717,7 +1364,7 @@
     </p:spTree>
     <p:extLst>
       <p:ext uri="{BB962C8B-B14F-4D97-AF65-F5344CB8AC3E}">
-        <p14:creationId xmlns:p14="http://schemas.microsoft.com/office/powerpoint/2010/main" val="2321564984"/>
+        <p14:creationId xmlns:p14="http://schemas.microsoft.com/office/powerpoint/2010/main" val="3373674187"/>
       </p:ext>
     </p:extLst>
   </p:cSld>
@@ -2771,7 +1418,7 @@
           <a:bodyPr/>
           <a:lstStyle/>
           <a:p>
-            <a:endParaRPr lang="en-US"/>
+            <a:endParaRPr lang="en-US" dirty="0"/>
           </a:p>
         </p:txBody>
       </p:sp>
@@ -2839,7 +1486,7 @@
     </p:spTree>
     <p:extLst>
       <p:ext uri="{BB962C8B-B14F-4D97-AF65-F5344CB8AC3E}">
-        <p14:creationId xmlns:p14="http://schemas.microsoft.com/office/powerpoint/2010/main" val="1047188487"/>
+        <p14:creationId xmlns:p14="http://schemas.microsoft.com/office/powerpoint/2010/main" val="1099259115"/>
       </p:ext>
     </p:extLst>
   </p:cSld>
@@ -2893,7 +1540,7 @@
           <a:bodyPr/>
           <a:lstStyle/>
           <a:p>
-            <a:endParaRPr lang="en-US"/>
+            <a:endParaRPr lang="en-US" dirty="0"/>
           </a:p>
         </p:txBody>
       </p:sp>
@@ -2961,7 +1608,7 @@
     </p:spTree>
     <p:extLst>
       <p:ext uri="{BB962C8B-B14F-4D97-AF65-F5344CB8AC3E}">
-        <p14:creationId xmlns:p14="http://schemas.microsoft.com/office/powerpoint/2010/main" val="3762035539"/>
+        <p14:creationId xmlns:p14="http://schemas.microsoft.com/office/powerpoint/2010/main" val="1714772350"/>
       </p:ext>
     </p:extLst>
   </p:cSld>
@@ -3083,7 +1730,7 @@
     </p:spTree>
     <p:extLst>
       <p:ext uri="{BB962C8B-B14F-4D97-AF65-F5344CB8AC3E}">
-        <p14:creationId xmlns:p14="http://schemas.microsoft.com/office/powerpoint/2010/main" val="4103393728"/>
+        <p14:creationId xmlns:p14="http://schemas.microsoft.com/office/powerpoint/2010/main" val="1950293259"/>
       </p:ext>
     </p:extLst>
   </p:cSld>
@@ -7375,7 +6022,7 @@
           <a:p>
             <a:fld id="{882D24FB-7729-40A5-988B-B7F786B2F842}" type="datetimeFigureOut">
               <a:rPr lang="en-US" smtClean="0"/>
-              <a:t>3/31/2019</a:t>
+              <a:t>4/10/2019</a:t>
             </a:fld>
             <a:endParaRPr lang="en-US"/>
           </a:p>
@@ -7642,7 +6289,7 @@
           <a:p>
             <a:fld id="{882D24FB-7729-40A5-988B-B7F786B2F842}" type="datetimeFigureOut">
               <a:rPr lang="en-US" smtClean="0"/>
-              <a:t>3/31/2019</a:t>
+              <a:t>4/10/2019</a:t>
             </a:fld>
             <a:endParaRPr lang="en-US"/>
           </a:p>
@@ -7838,7 +6485,7 @@
           <a:p>
             <a:fld id="{882D24FB-7729-40A5-988B-B7F786B2F842}" type="datetimeFigureOut">
               <a:rPr lang="en-US" smtClean="0"/>
-              <a:t>3/31/2019</a:t>
+              <a:t>4/10/2019</a:t>
             </a:fld>
             <a:endParaRPr lang="en-US"/>
           </a:p>
@@ -8101,7 +6748,7 @@
           <a:p>
             <a:fld id="{882D24FB-7729-40A5-988B-B7F786B2F842}" type="datetimeFigureOut">
               <a:rPr lang="en-US" smtClean="0"/>
-              <a:t>3/31/2019</a:t>
+              <a:t>4/10/2019</a:t>
             </a:fld>
             <a:endParaRPr lang="en-US"/>
           </a:p>
@@ -8535,7 +7182,7 @@
           <a:p>
             <a:fld id="{882D24FB-7729-40A5-988B-B7F786B2F842}" type="datetimeFigureOut">
               <a:rPr lang="en-US" smtClean="0"/>
-              <a:t>3/31/2019</a:t>
+              <a:t>4/10/2019</a:t>
             </a:fld>
             <a:endParaRPr lang="en-US"/>
           </a:p>
@@ -9081,7 +7728,7 @@
           <a:p>
             <a:fld id="{882D24FB-7729-40A5-988B-B7F786B2F842}" type="datetimeFigureOut">
               <a:rPr lang="en-US" smtClean="0"/>
-              <a:t>3/31/2019</a:t>
+              <a:t>4/10/2019</a:t>
             </a:fld>
             <a:endParaRPr lang="en-US"/>
           </a:p>
@@ -9801,7 +8448,7 @@
           <a:p>
             <a:fld id="{882D24FB-7729-40A5-988B-B7F786B2F842}" type="datetimeFigureOut">
               <a:rPr lang="en-US" smtClean="0"/>
-              <a:t>3/31/2019</a:t>
+              <a:t>4/10/2019</a:t>
             </a:fld>
             <a:endParaRPr lang="en-US"/>
           </a:p>
@@ -9971,7 +8618,7 @@
           <a:p>
             <a:fld id="{882D24FB-7729-40A5-988B-B7F786B2F842}" type="datetimeFigureOut">
               <a:rPr lang="en-US" smtClean="0"/>
-              <a:t>3/31/2019</a:t>
+              <a:t>4/10/2019</a:t>
             </a:fld>
             <a:endParaRPr lang="en-US"/>
           </a:p>
@@ -10151,7 +8798,7 @@
           <a:p>
             <a:fld id="{882D24FB-7729-40A5-988B-B7F786B2F842}" type="datetimeFigureOut">
               <a:rPr lang="en-US" smtClean="0"/>
-              <a:t>3/31/2019</a:t>
+              <a:t>4/10/2019</a:t>
             </a:fld>
             <a:endParaRPr lang="en-US"/>
           </a:p>
@@ -10321,7 +8968,7 @@
           <a:p>
             <a:fld id="{882D24FB-7729-40A5-988B-B7F786B2F842}" type="datetimeFigureOut">
               <a:rPr lang="en-US" smtClean="0"/>
-              <a:t>3/31/2019</a:t>
+              <a:t>4/10/2019</a:t>
             </a:fld>
             <a:endParaRPr lang="en-US"/>
           </a:p>
@@ -10571,7 +9218,7 @@
           <a:p>
             <a:fld id="{882D24FB-7729-40A5-988B-B7F786B2F842}" type="datetimeFigureOut">
               <a:rPr lang="en-US" smtClean="0"/>
-              <a:t>3/31/2019</a:t>
+              <a:t>4/10/2019</a:t>
             </a:fld>
             <a:endParaRPr lang="en-US"/>
           </a:p>
@@ -10803,7 +9450,7 @@
           <a:p>
             <a:fld id="{882D24FB-7729-40A5-988B-B7F786B2F842}" type="datetimeFigureOut">
               <a:rPr lang="en-US" smtClean="0"/>
-              <a:t>3/31/2019</a:t>
+              <a:t>4/10/2019</a:t>
             </a:fld>
             <a:endParaRPr lang="en-US"/>
           </a:p>
@@ -11184,7 +9831,7 @@
           <a:p>
             <a:fld id="{882D24FB-7729-40A5-988B-B7F786B2F842}" type="datetimeFigureOut">
               <a:rPr lang="en-US" smtClean="0"/>
-              <a:t>3/31/2019</a:t>
+              <a:t>4/10/2019</a:t>
             </a:fld>
             <a:endParaRPr lang="en-US"/>
           </a:p>
@@ -11302,7 +9949,7 @@
           <a:p>
             <a:fld id="{882D24FB-7729-40A5-988B-B7F786B2F842}" type="datetimeFigureOut">
               <a:rPr lang="en-US" smtClean="0"/>
-              <a:t>3/31/2019</a:t>
+              <a:t>4/10/2019</a:t>
             </a:fld>
             <a:endParaRPr lang="en-US"/>
           </a:p>
@@ -11397,7 +10044,7 @@
           <a:p>
             <a:fld id="{882D24FB-7729-40A5-988B-B7F786B2F842}" type="datetimeFigureOut">
               <a:rPr lang="en-US" smtClean="0"/>
-              <a:t>3/31/2019</a:t>
+              <a:t>4/10/2019</a:t>
             </a:fld>
             <a:endParaRPr lang="en-US"/>
           </a:p>
@@ -11646,7 +10293,7 @@
           <a:p>
             <a:fld id="{882D24FB-7729-40A5-988B-B7F786B2F842}" type="datetimeFigureOut">
               <a:rPr lang="en-US" smtClean="0"/>
-              <a:t>3/31/2019</a:t>
+              <a:t>4/10/2019</a:t>
             </a:fld>
             <a:endParaRPr lang="en-US"/>
           </a:p>
@@ -11926,7 +10573,7 @@
           <a:p>
             <a:fld id="{882D24FB-7729-40A5-988B-B7F786B2F842}" type="datetimeFigureOut">
               <a:rPr lang="en-US" smtClean="0"/>
-              <a:t>3/31/2019</a:t>
+              <a:t>4/10/2019</a:t>
             </a:fld>
             <a:endParaRPr lang="en-US"/>
           </a:p>
@@ -14993,7 +13640,7 @@
           <a:p>
             <a:fld id="{882D24FB-7729-40A5-988B-B7F786B2F842}" type="datetimeFigureOut">
               <a:rPr lang="en-US" smtClean="0"/>
-              <a:t>3/31/2019</a:t>
+              <a:t>4/10/2019</a:t>
             </a:fld>
             <a:endParaRPr lang="en-US"/>
           </a:p>
@@ -15459,7 +14106,15 @@
             </a:br>
             <a:r>
               <a:rPr lang="en-US" sz="2800" i="1" dirty="0" smtClean="0"/>
-              <a:t>December 3, 2018</a:t>
+              <a:t>April 17</a:t>
+            </a:r>
+            <a:r>
+              <a:rPr lang="en-US" sz="2800" i="1" dirty="0" smtClean="0"/>
+              <a:t>, 2019</a:t>
+            </a:r>
+            <a:r>
+              <a:rPr lang="en-US" sz="2800" i="1" dirty="0" smtClean="0"/>
+              <a:t/>
             </a:r>
             <a:br>
               <a:rPr lang="en-US" sz="2800" i="1" dirty="0" smtClean="0"/>
@@ -15603,7 +14258,7 @@
 </p:sld>
 </file>
 
-<file path=ppt/slides/slide10.xml><?xml version="1.0" encoding="utf-8"?>
+<file path=ppt/slides/slide2.xml><?xml version="1.0" encoding="utf-8"?>
 <p:sld xmlns:a="http://schemas.openxmlformats.org/drawingml/2006/main" xmlns:r="http://schemas.openxmlformats.org/officeDocument/2006/relationships" xmlns:p="http://schemas.openxmlformats.org/presentationml/2006/main">
   <p:cSld>
     <p:bg>
@@ -15628,34 +14283,77 @@
           <a:chExt cx="0" cy="0"/>
         </a:xfrm>
       </p:grpSpPr>
-      <p:pic>
-        <p:nvPicPr>
-          <p:cNvPr id="5" name="Picture 4"/>
-          <p:cNvPicPr>
-            <a:picLocks noChangeAspect="1"/>
-          </p:cNvPicPr>
-          <p:nvPr/>
-        </p:nvPicPr>
-        <p:blipFill>
-          <a:blip r:embed="rId3"/>
-          <a:stretch>
-            <a:fillRect/>
-          </a:stretch>
-        </p:blipFill>
-        <p:spPr>
-          <a:xfrm>
-            <a:off x="0" y="0"/>
-            <a:ext cx="12192000" cy="6858000"/>
-          </a:xfrm>
-          <a:prstGeom prst="rect">
-            <a:avLst/>
-          </a:prstGeom>
-        </p:spPr>
-      </p:pic>
+      <p:sp>
+        <p:nvSpPr>
+          <p:cNvPr id="2" name="Title 1"/>
+          <p:cNvSpPr>
+            <a:spLocks noGrp="1"/>
+          </p:cNvSpPr>
+          <p:nvPr>
+            <p:ph type="title"/>
+          </p:nvPr>
+        </p:nvSpPr>
+        <p:spPr/>
+        <p:txBody>
+          <a:bodyPr/>
+          <a:lstStyle/>
+          <a:p>
+            <a:pPr algn="ctr"/>
+            <a:r>
+              <a:rPr lang="en-US" b="1" dirty="0" smtClean="0"/>
+              <a:t>Security Engineering</a:t>
+            </a:r>
+            <a:endParaRPr lang="en-US" b="1" dirty="0"/>
+          </a:p>
+        </p:txBody>
+      </p:sp>
+      <p:sp>
+        <p:nvSpPr>
+          <p:cNvPr id="3" name="Content Placeholder 2"/>
+          <p:cNvSpPr>
+            <a:spLocks noGrp="1"/>
+          </p:cNvSpPr>
+          <p:nvPr>
+            <p:ph idx="1"/>
+          </p:nvPr>
+        </p:nvSpPr>
+        <p:spPr/>
+        <p:txBody>
+          <a:bodyPr>
+            <a:normAutofit/>
+          </a:bodyPr>
+          <a:lstStyle/>
+          <a:p>
+            <a:r>
+              <a:rPr lang="en-US" sz="2800" b="1" dirty="0" smtClean="0"/>
+              <a:t>High demand for cyber security jobs</a:t>
+            </a:r>
+          </a:p>
+          <a:p>
+            <a:r>
+              <a:rPr lang="en-US" sz="2800" b="1" dirty="0" smtClean="0"/>
+              <a:t>Secure coding </a:t>
+            </a:r>
+            <a:r>
+              <a:rPr lang="en-US" sz="2800" b="1" dirty="0" smtClean="0"/>
+              <a:t>extremely useful for all developers: web, desktop, system</a:t>
+            </a:r>
+          </a:p>
+          <a:p>
+            <a:r>
+              <a:rPr lang="en-US" sz="2800" b="1" dirty="0" smtClean="0"/>
+              <a:t>Fixing vulnerabilities in dev is often 100 times cheaper than fixing in production</a:t>
+            </a:r>
+          </a:p>
+          <a:p>
+            <a:endParaRPr lang="en-US" sz="2800" b="1" dirty="0" smtClean="0"/>
+          </a:p>
+        </p:txBody>
+      </p:sp>
     </p:spTree>
     <p:extLst>
       <p:ext uri="{BB962C8B-B14F-4D97-AF65-F5344CB8AC3E}">
-        <p14:creationId xmlns:p14="http://schemas.microsoft.com/office/powerpoint/2010/main" val="2249000637"/>
+        <p14:creationId xmlns:p14="http://schemas.microsoft.com/office/powerpoint/2010/main" val="2815895834"/>
       </p:ext>
     </p:extLst>
   </p:cSld>
@@ -15672,7 +14370,257 @@
 </p:sld>
 </file>
 
-<file path=ppt/slides/slide11.xml><?xml version="1.0" encoding="utf-8"?>
+<file path=ppt/slides/slide3.xml><?xml version="1.0" encoding="utf-8"?>
+<p:sld xmlns:a="http://schemas.openxmlformats.org/drawingml/2006/main" xmlns:r="http://schemas.openxmlformats.org/officeDocument/2006/relationships" xmlns:p="http://schemas.openxmlformats.org/presentationml/2006/main">
+  <p:cSld>
+    <p:bg>
+      <p:bgPr>
+        <a:solidFill>
+          <a:srgbClr val="002060"/>
+        </a:solidFill>
+        <a:effectLst/>
+      </p:bgPr>
+    </p:bg>
+    <p:spTree>
+      <p:nvGrpSpPr>
+        <p:cNvPr id="1" name=""/>
+        <p:cNvGrpSpPr/>
+        <p:nvPr/>
+      </p:nvGrpSpPr>
+      <p:grpSpPr>
+        <a:xfrm>
+          <a:off x="0" y="0"/>
+          <a:ext cx="0" cy="0"/>
+          <a:chOff x="0" y="0"/>
+          <a:chExt cx="0" cy="0"/>
+        </a:xfrm>
+      </p:grpSpPr>
+      <p:sp>
+        <p:nvSpPr>
+          <p:cNvPr id="2" name="Title 1"/>
+          <p:cNvSpPr>
+            <a:spLocks noGrp="1"/>
+          </p:cNvSpPr>
+          <p:nvPr>
+            <p:ph type="title"/>
+          </p:nvPr>
+        </p:nvSpPr>
+        <p:spPr/>
+        <p:txBody>
+          <a:bodyPr/>
+          <a:lstStyle/>
+          <a:p>
+            <a:pPr algn="ctr"/>
+            <a:r>
+              <a:rPr lang="en-US" dirty="0" smtClean="0"/>
+              <a:t>Hands on Learning</a:t>
+            </a:r>
+            <a:endParaRPr lang="en-US" dirty="0"/>
+          </a:p>
+        </p:txBody>
+      </p:sp>
+      <p:sp>
+        <p:nvSpPr>
+          <p:cNvPr id="3" name="Content Placeholder 2"/>
+          <p:cNvSpPr>
+            <a:spLocks noGrp="1"/>
+          </p:cNvSpPr>
+          <p:nvPr>
+            <p:ph idx="1"/>
+          </p:nvPr>
+        </p:nvSpPr>
+        <p:spPr/>
+        <p:txBody>
+          <a:bodyPr>
+            <a:normAutofit/>
+          </a:bodyPr>
+          <a:lstStyle/>
+          <a:p>
+            <a:r>
+              <a:rPr lang="en-US" sz="2800" b="1" dirty="0" smtClean="0"/>
+              <a:t>How do we allow students to virtualize exercises?</a:t>
+            </a:r>
+          </a:p>
+          <a:p>
+            <a:r>
+              <a:rPr lang="en-US" sz="2800" b="1" dirty="0" smtClean="0"/>
+              <a:t>What is the fastest way possible to do this?</a:t>
+            </a:r>
+          </a:p>
+          <a:p>
+            <a:r>
+              <a:rPr lang="en-US" sz="2800" b="1" dirty="0" smtClean="0"/>
+              <a:t>Does this require the students to have powerful computing resources?</a:t>
+            </a:r>
+          </a:p>
+        </p:txBody>
+      </p:sp>
+    </p:spTree>
+    <p:extLst>
+      <p:ext uri="{BB962C8B-B14F-4D97-AF65-F5344CB8AC3E}">
+        <p14:creationId xmlns:p14="http://schemas.microsoft.com/office/powerpoint/2010/main" val="128593542"/>
+      </p:ext>
+    </p:extLst>
+  </p:cSld>
+  <p:clrMapOvr>
+    <a:masterClrMapping/>
+  </p:clrMapOvr>
+  <p:timing>
+    <p:tnLst>
+      <p:par>
+        <p:cTn id="1" dur="indefinite" restart="never" nodeType="tmRoot"/>
+      </p:par>
+    </p:tnLst>
+  </p:timing>
+</p:sld>
+</file>
+
+<file path=ppt/slides/slide4.xml><?xml version="1.0" encoding="utf-8"?>
+<p:sld xmlns:a="http://schemas.openxmlformats.org/drawingml/2006/main" xmlns:r="http://schemas.openxmlformats.org/officeDocument/2006/relationships" xmlns:p="http://schemas.openxmlformats.org/presentationml/2006/main">
+  <p:cSld>
+    <p:bg>
+      <p:bgPr>
+        <a:solidFill>
+          <a:srgbClr val="002060"/>
+        </a:solidFill>
+        <a:effectLst/>
+      </p:bgPr>
+    </p:bg>
+    <p:spTree>
+      <p:nvGrpSpPr>
+        <p:cNvPr id="1" name=""/>
+        <p:cNvGrpSpPr/>
+        <p:nvPr/>
+      </p:nvGrpSpPr>
+      <p:grpSpPr>
+        <a:xfrm>
+          <a:off x="0" y="0"/>
+          <a:ext cx="0" cy="0"/>
+          <a:chOff x="0" y="0"/>
+          <a:chExt cx="0" cy="0"/>
+        </a:xfrm>
+      </p:grpSpPr>
+      <p:sp>
+        <p:nvSpPr>
+          <p:cNvPr id="2" name="Title 1"/>
+          <p:cNvSpPr>
+            <a:spLocks noGrp="1"/>
+          </p:cNvSpPr>
+          <p:nvPr>
+            <p:ph type="title"/>
+          </p:nvPr>
+        </p:nvSpPr>
+        <p:spPr>
+          <a:xfrm>
+            <a:off x="1141413" y="-128733"/>
+            <a:ext cx="9905998" cy="1478570"/>
+          </a:xfrm>
+        </p:spPr>
+        <p:txBody>
+          <a:bodyPr/>
+          <a:lstStyle/>
+          <a:p>
+            <a:pPr algn="ctr"/>
+            <a:r>
+              <a:rPr lang="en-US" dirty="0" smtClean="0"/>
+              <a:t>Design considerations</a:t>
+            </a:r>
+            <a:endParaRPr lang="en-US" dirty="0"/>
+          </a:p>
+        </p:txBody>
+      </p:sp>
+      <p:sp>
+        <p:nvSpPr>
+          <p:cNvPr id="7" name="Content Placeholder 2"/>
+          <p:cNvSpPr>
+            <a:spLocks noGrp="1"/>
+          </p:cNvSpPr>
+          <p:nvPr>
+            <p:ph idx="1"/>
+          </p:nvPr>
+        </p:nvSpPr>
+        <p:spPr>
+          <a:xfrm>
+            <a:off x="1141412" y="1600557"/>
+            <a:ext cx="9905999" cy="4593765"/>
+          </a:xfrm>
+        </p:spPr>
+        <p:txBody>
+          <a:bodyPr>
+            <a:normAutofit/>
+          </a:bodyPr>
+          <a:lstStyle/>
+          <a:p>
+            <a:r>
+              <a:rPr lang="en-US" b="1" dirty="0" smtClean="0"/>
+              <a:t>Docker Containers – Scalability and </a:t>
+            </a:r>
+            <a:r>
+              <a:rPr lang="en-US" b="1" dirty="0" smtClean="0"/>
+              <a:t>Efficiency</a:t>
+            </a:r>
+          </a:p>
+          <a:p>
+            <a:r>
+              <a:rPr lang="en-US" b="1" dirty="0"/>
+              <a:t>Django – Structured web framework because of python </a:t>
+            </a:r>
+            <a:r>
+              <a:rPr lang="en-US" b="1" dirty="0" smtClean="0"/>
+              <a:t>familiarity</a:t>
+            </a:r>
+            <a:endParaRPr lang="en-US" b="1" dirty="0" smtClean="0"/>
+          </a:p>
+          <a:p>
+            <a:r>
+              <a:rPr lang="en-US" b="1" dirty="0" smtClean="0"/>
+              <a:t>Nginx – Load balancing and static file delivery</a:t>
+            </a:r>
+          </a:p>
+          <a:p>
+            <a:r>
+              <a:rPr lang="en-US" b="1" dirty="0" smtClean="0"/>
+              <a:t>Jenkins, Sonarqube, ZAP, mocha </a:t>
+            </a:r>
+            <a:r>
+              <a:rPr lang="en-US" b="1" dirty="0" smtClean="0"/>
+              <a:t>– </a:t>
+            </a:r>
+            <a:r>
+              <a:rPr lang="en-US" b="1" dirty="0" smtClean="0"/>
+              <a:t>keep quality and security high along development</a:t>
+            </a:r>
+            <a:endParaRPr lang="en-US" b="1" dirty="0" smtClean="0"/>
+          </a:p>
+          <a:p>
+            <a:endParaRPr lang="en-US" b="1" dirty="0" smtClean="0"/>
+          </a:p>
+          <a:p>
+            <a:endParaRPr lang="en-US" b="1" dirty="0"/>
+          </a:p>
+        </p:txBody>
+      </p:sp>
+    </p:spTree>
+    <p:extLst>
+      <p:ext uri="{BB962C8B-B14F-4D97-AF65-F5344CB8AC3E}">
+        <p14:creationId xmlns:p14="http://schemas.microsoft.com/office/powerpoint/2010/main" val="35810874"/>
+      </p:ext>
+    </p:extLst>
+  </p:cSld>
+  <p:clrMapOvr>
+    <a:masterClrMapping/>
+  </p:clrMapOvr>
+  <p:timing>
+    <p:tnLst>
+      <p:par>
+        <p:cTn id="1" dur="indefinite" restart="never" nodeType="tmRoot"/>
+      </p:par>
+    </p:tnLst>
+  </p:timing>
+</p:sld>
+</file>
+
+<file path=ppt/slides/slide5.xml><?xml version="1.0" encoding="utf-8"?>
 <p:sld xmlns:a="http://schemas.openxmlformats.org/drawingml/2006/main" xmlns:r="http://schemas.openxmlformats.org/officeDocument/2006/relationships" xmlns:p="http://schemas.openxmlformats.org/presentationml/2006/main">
   <p:cSld>
     <p:bg>
@@ -15828,7 +14776,7 @@
 </p:sld>
 </file>
 
-<file path=ppt/slides/slide12.xml><?xml version="1.0" encoding="utf-8"?>
+<file path=ppt/slides/slide6.xml><?xml version="1.0" encoding="utf-8"?>
 <p:sld xmlns:a="http://schemas.openxmlformats.org/drawingml/2006/main" xmlns:r="http://schemas.openxmlformats.org/officeDocument/2006/relationships" xmlns:p="http://schemas.openxmlformats.org/presentationml/2006/main">
   <p:cSld>
     <p:bg>
@@ -15884,150 +14832,28 @@
       </p:sp>
       <p:sp>
         <p:nvSpPr>
-          <p:cNvPr id="4" name="Content Placeholder 2"/>
-          <p:cNvSpPr>
-            <a:spLocks noGrp="1"/>
-          </p:cNvSpPr>
-          <p:nvPr>
-            <p:ph idx="1"/>
-          </p:nvPr>
+          <p:cNvPr id="3" name="TextBox 2"/>
+          <p:cNvSpPr txBox="1"/>
+          <p:nvPr/>
         </p:nvSpPr>
         <p:spPr>
           <a:xfrm>
-            <a:off x="1141412" y="1600557"/>
-            <a:ext cx="9905999" cy="5132751"/>
+            <a:off x="1014884" y="763675"/>
+            <a:ext cx="9817239" cy="6094325"/>
           </a:xfrm>
+          <a:prstGeom prst="rect">
+            <a:avLst/>
+          </a:prstGeom>
+          <a:solidFill>
+            <a:schemeClr val="tx1"/>
+          </a:solidFill>
         </p:spPr>
         <p:txBody>
-          <a:bodyPr>
-            <a:normAutofit/>
+          <a:bodyPr wrap="square" rtlCol="0">
+            <a:spAutoFit/>
           </a:bodyPr>
           <a:lstStyle/>
           <a:p>
-            <a:r>
-              <a:rPr lang="en-US" b="1" dirty="0" smtClean="0"/>
-              <a:t> PostgreSQL Docker Container</a:t>
-            </a:r>
-          </a:p>
-          <a:p>
-            <a:r>
-              <a:rPr lang="en-US" b="1" dirty="0" smtClean="0"/>
-              <a:t>Tables for</a:t>
-            </a:r>
-          </a:p>
-          <a:p>
-            <a:pPr lvl="1"/>
-            <a:r>
-              <a:rPr lang="en-US" b="1" dirty="0" smtClean="0"/>
-              <a:t>Users</a:t>
-            </a:r>
-          </a:p>
-          <a:p>
-            <a:pPr lvl="1"/>
-            <a:r>
-              <a:rPr lang="en-US" b="1" dirty="0" smtClean="0"/>
-              <a:t>Classes</a:t>
-            </a:r>
-          </a:p>
-          <a:p>
-            <a:pPr lvl="1"/>
-            <a:r>
-              <a:rPr lang="en-US" b="1" dirty="0" smtClean="0"/>
-              <a:t>Exercises</a:t>
-            </a:r>
-          </a:p>
-          <a:p>
-            <a:pPr lvl="1"/>
-            <a:r>
-              <a:rPr lang="en-US" b="1" dirty="0" smtClean="0"/>
-              <a:t>Submissions</a:t>
-            </a:r>
-          </a:p>
-          <a:p>
-            <a:pPr lvl="1"/>
-            <a:r>
-              <a:rPr lang="en-US" b="1" dirty="0" smtClean="0"/>
-              <a:t>Application Performance</a:t>
-            </a:r>
-          </a:p>
-          <a:p>
-            <a:r>
-              <a:rPr lang="en-US" b="1" dirty="0" smtClean="0"/>
-              <a:t>Database accessed via python SQL queries</a:t>
-            </a:r>
-          </a:p>
-        </p:txBody>
-      </p:sp>
-    </p:spTree>
-    <p:extLst>
-      <p:ext uri="{BB962C8B-B14F-4D97-AF65-F5344CB8AC3E}">
-        <p14:creationId xmlns:p14="http://schemas.microsoft.com/office/powerpoint/2010/main" val="3027984131"/>
-      </p:ext>
-    </p:extLst>
-  </p:cSld>
-  <p:clrMapOvr>
-    <a:masterClrMapping/>
-  </p:clrMapOvr>
-  <p:timing>
-    <p:tnLst>
-      <p:par>
-        <p:cTn id="1" dur="indefinite" restart="never" nodeType="tmRoot"/>
-      </p:par>
-    </p:tnLst>
-  </p:timing>
-</p:sld>
-</file>
-
-<file path=ppt/slides/slide13.xml><?xml version="1.0" encoding="utf-8"?>
-<p:sld xmlns:a="http://schemas.openxmlformats.org/drawingml/2006/main" xmlns:r="http://schemas.openxmlformats.org/officeDocument/2006/relationships" xmlns:p="http://schemas.openxmlformats.org/presentationml/2006/main">
-  <p:cSld>
-    <p:bg>
-      <p:bgPr>
-        <a:solidFill>
-          <a:schemeClr val="tx1"/>
-        </a:solidFill>
-        <a:effectLst/>
-      </p:bgPr>
-    </p:bg>
-    <p:spTree>
-      <p:nvGrpSpPr>
-        <p:cNvPr id="1" name=""/>
-        <p:cNvGrpSpPr/>
-        <p:nvPr/>
-      </p:nvGrpSpPr>
-      <p:grpSpPr>
-        <a:xfrm>
-          <a:off x="0" y="0"/>
-          <a:ext cx="0" cy="0"/>
-          <a:chOff x="0" y="0"/>
-          <a:chExt cx="0" cy="0"/>
-        </a:xfrm>
-      </p:grpSpPr>
-      <p:sp>
-        <p:nvSpPr>
-          <p:cNvPr id="2" name="Title 1"/>
-          <p:cNvSpPr>
-            <a:spLocks noGrp="1"/>
-          </p:cNvSpPr>
-          <p:nvPr>
-            <p:ph type="title"/>
-          </p:nvPr>
-        </p:nvSpPr>
-        <p:spPr>
-          <a:xfrm>
-            <a:off x="1141413" y="-128733"/>
-            <a:ext cx="9905998" cy="1478570"/>
-          </a:xfrm>
-        </p:spPr>
-        <p:txBody>
-          <a:bodyPr/>
-          <a:lstStyle/>
-          <a:p>
-            <a:pPr algn="ctr"/>
-            <a:r>
-              <a:rPr lang="en-US" dirty="0" smtClean="0"/>
-              <a:t>Database design</a:t>
-            </a:r>
             <a:endParaRPr lang="en-US" dirty="0"/>
           </a:p>
         </p:txBody>
@@ -16076,7 +14902,7 @@
 </p:sld>
 </file>
 
-<file path=ppt/slides/slide14.xml><?xml version="1.0" encoding="utf-8"?>
+<file path=ppt/slides/slide7.xml><?xml version="1.0" encoding="utf-8"?>
 <p:sld xmlns:a="http://schemas.openxmlformats.org/drawingml/2006/main" xmlns:r="http://schemas.openxmlformats.org/officeDocument/2006/relationships" xmlns:p="http://schemas.openxmlformats.org/presentationml/2006/main">
   <p:cSld>
     <p:bg>
@@ -16202,7 +15028,11 @@
           <a:p>
             <a:r>
               <a:rPr lang="en-US" b="1" dirty="0" smtClean="0"/>
-              <a:t> Ubuntu Docker container hosting JavaScript code</a:t>
+              <a:t>Ubuntu </a:t>
+            </a:r>
+            <a:r>
+              <a:rPr lang="en-US" b="1" dirty="0" smtClean="0"/>
+              <a:t>Docker container hosting JavaScript code</a:t>
             </a:r>
           </a:p>
           <a:p>
@@ -16295,7 +15125,7 @@
 </p:sld>
 </file>
 
-<file path=ppt/slides/slide15.xml><?xml version="1.0" encoding="utf-8"?>
+<file path=ppt/slides/slide8.xml><?xml version="1.0" encoding="utf-8"?>
 <p:sld xmlns:a="http://schemas.openxmlformats.org/drawingml/2006/main" xmlns:r="http://schemas.openxmlformats.org/officeDocument/2006/relationships" xmlns:p="http://schemas.openxmlformats.org/presentationml/2006/main">
   <p:cSld>
     <p:bg>
@@ -16373,8 +15203,17 @@
           <a:p>
             <a:r>
               <a:rPr lang="en-US" b="1" dirty="0" smtClean="0"/>
-              <a:t> Ubuntu Docker container hosting C++ Code</a:t>
+              <a:t>Ubuntu </a:t>
             </a:r>
+            <a:r>
+              <a:rPr lang="en-US" b="1" dirty="0" smtClean="0"/>
+              <a:t>Docker container hosting C++ </a:t>
+            </a:r>
+            <a:r>
+              <a:rPr lang="en-US" b="1" dirty="0" smtClean="0"/>
+              <a:t>Code</a:t>
+            </a:r>
+            <a:endParaRPr lang="en-US" b="1" dirty="0" smtClean="0"/>
           </a:p>
           <a:p>
             <a:r>
@@ -16445,1380 +15284,6 @@
 </p:sld>
 </file>
 
-<file path=ppt/slides/slide16.xml><?xml version="1.0" encoding="utf-8"?>
-<p:sld xmlns:a="http://schemas.openxmlformats.org/drawingml/2006/main" xmlns:r="http://schemas.openxmlformats.org/officeDocument/2006/relationships" xmlns:p="http://schemas.openxmlformats.org/presentationml/2006/main">
-  <p:cSld>
-    <p:bg>
-      <p:bgPr>
-        <a:solidFill>
-          <a:srgbClr val="002060"/>
-        </a:solidFill>
-        <a:effectLst/>
-      </p:bgPr>
-    </p:bg>
-    <p:spTree>
-      <p:nvGrpSpPr>
-        <p:cNvPr id="1" name=""/>
-        <p:cNvGrpSpPr/>
-        <p:nvPr/>
-      </p:nvGrpSpPr>
-      <p:grpSpPr>
-        <a:xfrm>
-          <a:off x="0" y="0"/>
-          <a:ext cx="0" cy="0"/>
-          <a:chOff x="0" y="0"/>
-          <a:chExt cx="0" cy="0"/>
-        </a:xfrm>
-      </p:grpSpPr>
-      <p:sp>
-        <p:nvSpPr>
-          <p:cNvPr id="2" name="Title 1"/>
-          <p:cNvSpPr>
-            <a:spLocks noGrp="1"/>
-          </p:cNvSpPr>
-          <p:nvPr>
-            <p:ph type="title"/>
-          </p:nvPr>
-        </p:nvSpPr>
-        <p:spPr>
-          <a:xfrm>
-            <a:off x="1141413" y="-58994"/>
-            <a:ext cx="9905998" cy="1478570"/>
-          </a:xfrm>
-        </p:spPr>
-        <p:txBody>
-          <a:bodyPr/>
-          <a:lstStyle/>
-          <a:p>
-            <a:pPr algn="ctr"/>
-            <a:r>
-              <a:rPr lang="en-US" dirty="0" smtClean="0"/>
-              <a:t>Developing Securely</a:t>
-            </a:r>
-            <a:endParaRPr lang="en-US" dirty="0"/>
-          </a:p>
-        </p:txBody>
-      </p:sp>
-      <p:sp>
-        <p:nvSpPr>
-          <p:cNvPr id="3" name="Content Placeholder 2"/>
-          <p:cNvSpPr>
-            <a:spLocks noGrp="1"/>
-          </p:cNvSpPr>
-          <p:nvPr>
-            <p:ph idx="1"/>
-          </p:nvPr>
-        </p:nvSpPr>
-        <p:spPr>
-          <a:xfrm>
-            <a:off x="1141412" y="1600558"/>
-            <a:ext cx="9905999" cy="3541714"/>
-          </a:xfrm>
-        </p:spPr>
-        <p:txBody>
-          <a:bodyPr>
-            <a:normAutofit/>
-          </a:bodyPr>
-          <a:lstStyle/>
-          <a:p>
-            <a:r>
-              <a:rPr lang="en-US" dirty="0" err="1" smtClean="0"/>
-              <a:t>Synk</a:t>
-            </a:r>
-            <a:r>
-              <a:rPr lang="en-US" dirty="0" smtClean="0"/>
-              <a:t> for dependency vulnerabilities</a:t>
-            </a:r>
-          </a:p>
-          <a:p>
-            <a:r>
-              <a:rPr lang="en-US" dirty="0" smtClean="0"/>
-              <a:t>Sonarqube for software vulnerabilities</a:t>
-            </a:r>
-          </a:p>
-          <a:p>
-            <a:r>
-              <a:rPr lang="en-US" dirty="0" smtClean="0"/>
-              <a:t>OWASP ZAP for continuous vulnerability scanning </a:t>
-            </a:r>
-          </a:p>
-          <a:p>
-            <a:r>
-              <a:rPr lang="en-US" dirty="0" smtClean="0"/>
-              <a:t>Security assessment for OWASP Top 10</a:t>
-            </a:r>
-          </a:p>
-          <a:p>
-            <a:r>
-              <a:rPr lang="en-US" dirty="0" smtClean="0"/>
-              <a:t>Reporting on </a:t>
-            </a:r>
-            <a:r>
-              <a:rPr lang="en-US" dirty="0" err="1" smtClean="0"/>
-              <a:t>Github</a:t>
-            </a:r>
-            <a:endParaRPr lang="en-US" dirty="0"/>
-          </a:p>
-        </p:txBody>
-      </p:sp>
-      <p:pic>
-        <p:nvPicPr>
-          <p:cNvPr id="4" name="Picture 3"/>
-          <p:cNvPicPr>
-            <a:picLocks noChangeAspect="1"/>
-          </p:cNvPicPr>
-          <p:nvPr/>
-        </p:nvPicPr>
-        <p:blipFill>
-          <a:blip r:embed="rId3"/>
-          <a:stretch>
-            <a:fillRect/>
-          </a:stretch>
-        </p:blipFill>
-        <p:spPr>
-          <a:xfrm>
-            <a:off x="1457325" y="4384881"/>
-            <a:ext cx="8058150" cy="1200150"/>
-          </a:xfrm>
-          <a:prstGeom prst="rect">
-            <a:avLst/>
-          </a:prstGeom>
-        </p:spPr>
-      </p:pic>
-    </p:spTree>
-    <p:extLst>
-      <p:ext uri="{BB962C8B-B14F-4D97-AF65-F5344CB8AC3E}">
-        <p14:creationId xmlns:p14="http://schemas.microsoft.com/office/powerpoint/2010/main" val="2687863557"/>
-      </p:ext>
-    </p:extLst>
-  </p:cSld>
-  <p:clrMapOvr>
-    <a:masterClrMapping/>
-  </p:clrMapOvr>
-  <p:timing>
-    <p:tnLst>
-      <p:par>
-        <p:cTn id="1" dur="indefinite" restart="never" nodeType="tmRoot"/>
-      </p:par>
-    </p:tnLst>
-  </p:timing>
-</p:sld>
-</file>
-
-<file path=ppt/slides/slide17.xml><?xml version="1.0" encoding="utf-8"?>
-<p:sld xmlns:a="http://schemas.openxmlformats.org/drawingml/2006/main" xmlns:r="http://schemas.openxmlformats.org/officeDocument/2006/relationships" xmlns:p="http://schemas.openxmlformats.org/presentationml/2006/main">
-  <p:cSld>
-    <p:bg>
-      <p:bgPr>
-        <a:solidFill>
-          <a:srgbClr val="002060"/>
-        </a:solidFill>
-        <a:effectLst/>
-      </p:bgPr>
-    </p:bg>
-    <p:spTree>
-      <p:nvGrpSpPr>
-        <p:cNvPr id="1" name=""/>
-        <p:cNvGrpSpPr/>
-        <p:nvPr/>
-      </p:nvGrpSpPr>
-      <p:grpSpPr>
-        <a:xfrm>
-          <a:off x="0" y="0"/>
-          <a:ext cx="0" cy="0"/>
-          <a:chOff x="0" y="0"/>
-          <a:chExt cx="0" cy="0"/>
-        </a:xfrm>
-      </p:grpSpPr>
-      <p:sp>
-        <p:nvSpPr>
-          <p:cNvPr id="2" name="Title 1"/>
-          <p:cNvSpPr>
-            <a:spLocks noGrp="1"/>
-          </p:cNvSpPr>
-          <p:nvPr>
-            <p:ph type="title"/>
-          </p:nvPr>
-        </p:nvSpPr>
-        <p:spPr>
-          <a:xfrm>
-            <a:off x="1141413" y="-58994"/>
-            <a:ext cx="9905998" cy="1478570"/>
-          </a:xfrm>
-        </p:spPr>
-        <p:txBody>
-          <a:bodyPr/>
-          <a:lstStyle/>
-          <a:p>
-            <a:pPr algn="ctr"/>
-            <a:r>
-              <a:rPr lang="en-US" dirty="0" smtClean="0"/>
-              <a:t>Static Analysis Results</a:t>
-            </a:r>
-            <a:endParaRPr lang="en-US" dirty="0"/>
-          </a:p>
-        </p:txBody>
-      </p:sp>
-      <p:pic>
-        <p:nvPicPr>
-          <p:cNvPr id="6" name="Picture 5"/>
-          <p:cNvPicPr>
-            <a:picLocks noChangeAspect="1"/>
-          </p:cNvPicPr>
-          <p:nvPr/>
-        </p:nvPicPr>
-        <p:blipFill>
-          <a:blip r:embed="rId3"/>
-          <a:stretch>
-            <a:fillRect/>
-          </a:stretch>
-        </p:blipFill>
-        <p:spPr>
-          <a:xfrm>
-            <a:off x="0" y="1745671"/>
-            <a:ext cx="12192000" cy="4705684"/>
-          </a:xfrm>
-          <a:prstGeom prst="rect">
-            <a:avLst/>
-          </a:prstGeom>
-        </p:spPr>
-      </p:pic>
-    </p:spTree>
-    <p:extLst>
-      <p:ext uri="{BB962C8B-B14F-4D97-AF65-F5344CB8AC3E}">
-        <p14:creationId xmlns:p14="http://schemas.microsoft.com/office/powerpoint/2010/main" val="1460533771"/>
-      </p:ext>
-    </p:extLst>
-  </p:cSld>
-  <p:clrMapOvr>
-    <a:masterClrMapping/>
-  </p:clrMapOvr>
-  <p:timing>
-    <p:tnLst>
-      <p:par>
-        <p:cTn id="1" dur="indefinite" restart="never" nodeType="tmRoot"/>
-      </p:par>
-    </p:tnLst>
-  </p:timing>
-</p:sld>
-</file>
-
-<file path=ppt/slides/slide18.xml><?xml version="1.0" encoding="utf-8"?>
-<p:sld xmlns:a="http://schemas.openxmlformats.org/drawingml/2006/main" xmlns:r="http://schemas.openxmlformats.org/officeDocument/2006/relationships" xmlns:p="http://schemas.openxmlformats.org/presentationml/2006/main">
-  <p:cSld>
-    <p:bg>
-      <p:bgPr>
-        <a:solidFill>
-          <a:srgbClr val="002060"/>
-        </a:solidFill>
-        <a:effectLst/>
-      </p:bgPr>
-    </p:bg>
-    <p:spTree>
-      <p:nvGrpSpPr>
-        <p:cNvPr id="1" name=""/>
-        <p:cNvGrpSpPr/>
-        <p:nvPr/>
-      </p:nvGrpSpPr>
-      <p:grpSpPr>
-        <a:xfrm>
-          <a:off x="0" y="0"/>
-          <a:ext cx="0" cy="0"/>
-          <a:chOff x="0" y="0"/>
-          <a:chExt cx="0" cy="0"/>
-        </a:xfrm>
-      </p:grpSpPr>
-      <p:sp>
-        <p:nvSpPr>
-          <p:cNvPr id="2" name="Title 1"/>
-          <p:cNvSpPr>
-            <a:spLocks noGrp="1"/>
-          </p:cNvSpPr>
-          <p:nvPr>
-            <p:ph type="title"/>
-          </p:nvPr>
-        </p:nvSpPr>
-        <p:spPr>
-          <a:xfrm>
-            <a:off x="1141413" y="-128733"/>
-            <a:ext cx="9905998" cy="1478570"/>
-          </a:xfrm>
-        </p:spPr>
-        <p:txBody>
-          <a:bodyPr/>
-          <a:lstStyle/>
-          <a:p>
-            <a:pPr algn="ctr"/>
-            <a:r>
-              <a:rPr lang="en-US" dirty="0" smtClean="0"/>
-              <a:t>Design considerations</a:t>
-            </a:r>
-            <a:endParaRPr lang="en-US" dirty="0"/>
-          </a:p>
-        </p:txBody>
-      </p:sp>
-      <p:sp>
-        <p:nvSpPr>
-          <p:cNvPr id="7" name="Content Placeholder 2"/>
-          <p:cNvSpPr>
-            <a:spLocks noGrp="1"/>
-          </p:cNvSpPr>
-          <p:nvPr>
-            <p:ph idx="1"/>
-          </p:nvPr>
-        </p:nvSpPr>
-        <p:spPr>
-          <a:xfrm>
-            <a:off x="1141412" y="1600557"/>
-            <a:ext cx="9905999" cy="4593765"/>
-          </a:xfrm>
-        </p:spPr>
-        <p:txBody>
-          <a:bodyPr>
-            <a:normAutofit/>
-          </a:bodyPr>
-          <a:lstStyle/>
-          <a:p>
-            <a:r>
-              <a:rPr lang="en-US" b="1" dirty="0" smtClean="0"/>
-              <a:t>Docker Containers – Scalability and Efficiency</a:t>
-            </a:r>
-          </a:p>
-          <a:p>
-            <a:r>
-              <a:rPr lang="en-US" b="1" dirty="0" smtClean="0"/>
-              <a:t>Nginx – Load balancing and static file delivery</a:t>
-            </a:r>
-          </a:p>
-          <a:p>
-            <a:r>
-              <a:rPr lang="en-US" b="1" dirty="0" smtClean="0"/>
-              <a:t>Django – Structured web framework because of python familiarity</a:t>
-            </a:r>
-          </a:p>
-          <a:p>
-            <a:r>
-              <a:rPr lang="en-US" b="1" dirty="0" smtClean="0"/>
-              <a:t>Sonarqube &amp; OWASP ZAP – secure development </a:t>
-            </a:r>
-          </a:p>
-          <a:p>
-            <a:r>
-              <a:rPr lang="en-US" b="1" dirty="0" smtClean="0"/>
-              <a:t>Selenium and Mocha – simple unit and functional testing frameworks</a:t>
-            </a:r>
-          </a:p>
-          <a:p>
-            <a:r>
-              <a:rPr lang="en-US" b="1" dirty="0" smtClean="0"/>
-              <a:t>Jenkins – continuously integration to speed up development</a:t>
-            </a:r>
-          </a:p>
-          <a:p>
-            <a:endParaRPr lang="en-US" b="1" dirty="0" smtClean="0"/>
-          </a:p>
-          <a:p>
-            <a:endParaRPr lang="en-US" b="1" dirty="0"/>
-          </a:p>
-        </p:txBody>
-      </p:sp>
-    </p:spTree>
-    <p:extLst>
-      <p:ext uri="{BB962C8B-B14F-4D97-AF65-F5344CB8AC3E}">
-        <p14:creationId xmlns:p14="http://schemas.microsoft.com/office/powerpoint/2010/main" val="35810874"/>
-      </p:ext>
-    </p:extLst>
-  </p:cSld>
-  <p:clrMapOvr>
-    <a:masterClrMapping/>
-  </p:clrMapOvr>
-  <p:timing>
-    <p:tnLst>
-      <p:par>
-        <p:cTn id="1" dur="indefinite" restart="never" nodeType="tmRoot"/>
-      </p:par>
-    </p:tnLst>
-  </p:timing>
-</p:sld>
-</file>
-
-<file path=ppt/slides/slide19.xml><?xml version="1.0" encoding="utf-8"?>
-<p:sld xmlns:a="http://schemas.openxmlformats.org/drawingml/2006/main" xmlns:r="http://schemas.openxmlformats.org/officeDocument/2006/relationships" xmlns:p="http://schemas.openxmlformats.org/presentationml/2006/main">
-  <p:cSld>
-    <p:bg>
-      <p:bgPr>
-        <a:solidFill>
-          <a:srgbClr val="002060"/>
-        </a:solidFill>
-        <a:effectLst/>
-      </p:bgPr>
-    </p:bg>
-    <p:spTree>
-      <p:nvGrpSpPr>
-        <p:cNvPr id="1" name=""/>
-        <p:cNvGrpSpPr/>
-        <p:nvPr/>
-      </p:nvGrpSpPr>
-      <p:grpSpPr>
-        <a:xfrm>
-          <a:off x="0" y="0"/>
-          <a:ext cx="0" cy="0"/>
-          <a:chOff x="0" y="0"/>
-          <a:chExt cx="0" cy="0"/>
-        </a:xfrm>
-      </p:grpSpPr>
-      <p:sp>
-        <p:nvSpPr>
-          <p:cNvPr id="2" name="Title 1"/>
-          <p:cNvSpPr>
-            <a:spLocks noGrp="1"/>
-          </p:cNvSpPr>
-          <p:nvPr>
-            <p:ph type="title"/>
-          </p:nvPr>
-        </p:nvSpPr>
-        <p:spPr>
-          <a:xfrm>
-            <a:off x="1141413" y="-128733"/>
-            <a:ext cx="9905998" cy="1478570"/>
-          </a:xfrm>
-        </p:spPr>
-        <p:txBody>
-          <a:bodyPr/>
-          <a:lstStyle/>
-          <a:p>
-            <a:pPr algn="ctr"/>
-            <a:r>
-              <a:rPr lang="en-US" dirty="0" smtClean="0"/>
-              <a:t>Continuous integration</a:t>
-            </a:r>
-            <a:endParaRPr lang="en-US" dirty="0"/>
-          </a:p>
-        </p:txBody>
-      </p:sp>
-      <p:pic>
-        <p:nvPicPr>
-          <p:cNvPr id="2052" name="Picture 4" descr="https://github.com/so87/Security-Lab-Manager/raw/dev/documentation/dev-deploy-process.PNG"/>
-          <p:cNvPicPr>
-            <a:picLocks noChangeAspect="1" noChangeArrowheads="1"/>
-          </p:cNvPicPr>
-          <p:nvPr/>
-        </p:nvPicPr>
-        <p:blipFill>
-          <a:blip r:embed="rId3">
-            <a:extLst>
-              <a:ext uri="{28A0092B-C50C-407E-A947-70E740481C1C}">
-                <a14:useLocalDpi xmlns:a14="http://schemas.microsoft.com/office/drawing/2010/main" val="0"/>
-              </a:ext>
-            </a:extLst>
-          </a:blip>
-          <a:srcRect/>
-          <a:stretch>
-            <a:fillRect/>
-          </a:stretch>
-        </p:blipFill>
-        <p:spPr bwMode="auto">
-          <a:xfrm>
-            <a:off x="540774" y="904568"/>
-            <a:ext cx="10901157" cy="5799238"/>
-          </a:xfrm>
-          <a:prstGeom prst="rect">
-            <a:avLst/>
-          </a:prstGeom>
-          <a:noFill/>
-          <a:extLst>
-            <a:ext uri="{909E8E84-426E-40DD-AFC4-6F175D3DCCD1}">
-              <a14:hiddenFill xmlns:a14="http://schemas.microsoft.com/office/drawing/2010/main">
-                <a:solidFill>
-                  <a:srgbClr val="FFFFFF"/>
-                </a:solidFill>
-              </a14:hiddenFill>
-            </a:ext>
-          </a:extLst>
-        </p:spPr>
-      </p:pic>
-    </p:spTree>
-    <p:extLst>
-      <p:ext uri="{BB962C8B-B14F-4D97-AF65-F5344CB8AC3E}">
-        <p14:creationId xmlns:p14="http://schemas.microsoft.com/office/powerpoint/2010/main" val="3319344842"/>
-      </p:ext>
-    </p:extLst>
-  </p:cSld>
-  <p:clrMapOvr>
-    <a:masterClrMapping/>
-  </p:clrMapOvr>
-  <p:timing>
-    <p:tnLst>
-      <p:par>
-        <p:cTn id="1" dur="indefinite" restart="never" nodeType="tmRoot"/>
-      </p:par>
-    </p:tnLst>
-  </p:timing>
-</p:sld>
-</file>
-
-<file path=ppt/slides/slide2.xml><?xml version="1.0" encoding="utf-8"?>
-<p:sld xmlns:a="http://schemas.openxmlformats.org/drawingml/2006/main" xmlns:r="http://schemas.openxmlformats.org/officeDocument/2006/relationships" xmlns:p="http://schemas.openxmlformats.org/presentationml/2006/main">
-  <p:cSld>
-    <p:bg>
-      <p:bgPr>
-        <a:solidFill>
-          <a:srgbClr val="002060"/>
-        </a:solidFill>
-        <a:effectLst/>
-      </p:bgPr>
-    </p:bg>
-    <p:spTree>
-      <p:nvGrpSpPr>
-        <p:cNvPr id="1" name=""/>
-        <p:cNvGrpSpPr/>
-        <p:nvPr/>
-      </p:nvGrpSpPr>
-      <p:grpSpPr>
-        <a:xfrm>
-          <a:off x="0" y="0"/>
-          <a:ext cx="0" cy="0"/>
-          <a:chOff x="0" y="0"/>
-          <a:chExt cx="0" cy="0"/>
-        </a:xfrm>
-      </p:grpSpPr>
-      <p:sp>
-        <p:nvSpPr>
-          <p:cNvPr id="2" name="Title 1"/>
-          <p:cNvSpPr>
-            <a:spLocks noGrp="1"/>
-          </p:cNvSpPr>
-          <p:nvPr>
-            <p:ph type="title"/>
-          </p:nvPr>
-        </p:nvSpPr>
-        <p:spPr/>
-        <p:txBody>
-          <a:bodyPr/>
-          <a:lstStyle/>
-          <a:p>
-            <a:pPr algn="ctr"/>
-            <a:r>
-              <a:rPr lang="en-US" b="1" dirty="0" smtClean="0"/>
-              <a:t>Security Engineering</a:t>
-            </a:r>
-            <a:endParaRPr lang="en-US" b="1" dirty="0"/>
-          </a:p>
-        </p:txBody>
-      </p:sp>
-      <p:sp>
-        <p:nvSpPr>
-          <p:cNvPr id="3" name="Content Placeholder 2"/>
-          <p:cNvSpPr>
-            <a:spLocks noGrp="1"/>
-          </p:cNvSpPr>
-          <p:nvPr>
-            <p:ph idx="1"/>
-          </p:nvPr>
-        </p:nvSpPr>
-        <p:spPr/>
-        <p:txBody>
-          <a:bodyPr>
-            <a:normAutofit fontScale="92500" lnSpcReduction="10000"/>
-          </a:bodyPr>
-          <a:lstStyle/>
-          <a:p>
-            <a:r>
-              <a:rPr lang="en-US" sz="2800" b="1" dirty="0" smtClean="0"/>
-              <a:t>High demand for cyber security jobs</a:t>
-            </a:r>
-          </a:p>
-          <a:p>
-            <a:r>
-              <a:rPr lang="en-US" sz="2800" b="1" dirty="0" smtClean="0"/>
-              <a:t>Secure coding for desktop and web application required for developers</a:t>
-            </a:r>
-          </a:p>
-          <a:p>
-            <a:r>
-              <a:rPr lang="en-US" sz="2800" b="1" dirty="0" smtClean="0"/>
-              <a:t>Abuse case and fuzz testing required for production software</a:t>
-            </a:r>
-          </a:p>
-          <a:p>
-            <a:r>
-              <a:rPr lang="en-US" sz="2800" b="1" dirty="0" smtClean="0"/>
-              <a:t>Reverse engineers require knowledge of memory management/software flaws</a:t>
-            </a:r>
-            <a:endParaRPr lang="en-US" sz="2800" b="1" dirty="0"/>
-          </a:p>
-        </p:txBody>
-      </p:sp>
-    </p:spTree>
-    <p:extLst>
-      <p:ext uri="{BB962C8B-B14F-4D97-AF65-F5344CB8AC3E}">
-        <p14:creationId xmlns:p14="http://schemas.microsoft.com/office/powerpoint/2010/main" val="2815895834"/>
-      </p:ext>
-    </p:extLst>
-  </p:cSld>
-  <p:clrMapOvr>
-    <a:masterClrMapping/>
-  </p:clrMapOvr>
-  <p:timing>
-    <p:tnLst>
-      <p:par>
-        <p:cTn id="1" dur="indefinite" restart="never" nodeType="tmRoot"/>
-      </p:par>
-    </p:tnLst>
-  </p:timing>
-</p:sld>
-</file>
-
-<file path=ppt/slides/slide20.xml><?xml version="1.0" encoding="utf-8"?>
-<p:sld xmlns:a="http://schemas.openxmlformats.org/drawingml/2006/main" xmlns:r="http://schemas.openxmlformats.org/officeDocument/2006/relationships" xmlns:p="http://schemas.openxmlformats.org/presentationml/2006/main">
-  <p:cSld>
-    <p:bg>
-      <p:bgPr>
-        <a:solidFill>
-          <a:srgbClr val="002060"/>
-        </a:solidFill>
-        <a:effectLst/>
-      </p:bgPr>
-    </p:bg>
-    <p:spTree>
-      <p:nvGrpSpPr>
-        <p:cNvPr id="1" name=""/>
-        <p:cNvGrpSpPr/>
-        <p:nvPr/>
-      </p:nvGrpSpPr>
-      <p:grpSpPr>
-        <a:xfrm>
-          <a:off x="0" y="0"/>
-          <a:ext cx="0" cy="0"/>
-          <a:chOff x="0" y="0"/>
-          <a:chExt cx="0" cy="0"/>
-        </a:xfrm>
-      </p:grpSpPr>
-      <p:sp>
-        <p:nvSpPr>
-          <p:cNvPr id="2" name="Title 1"/>
-          <p:cNvSpPr>
-            <a:spLocks noGrp="1"/>
-          </p:cNvSpPr>
-          <p:nvPr>
-            <p:ph type="title"/>
-          </p:nvPr>
-        </p:nvSpPr>
-        <p:spPr>
-          <a:xfrm>
-            <a:off x="1141413" y="-128733"/>
-            <a:ext cx="9905998" cy="1478570"/>
-          </a:xfrm>
-        </p:spPr>
-        <p:txBody>
-          <a:bodyPr/>
-          <a:lstStyle/>
-          <a:p>
-            <a:pPr algn="ctr"/>
-            <a:r>
-              <a:rPr lang="en-US" dirty="0" smtClean="0"/>
-              <a:t>Conclusion</a:t>
-            </a:r>
-            <a:endParaRPr lang="en-US" dirty="0"/>
-          </a:p>
-        </p:txBody>
-      </p:sp>
-      <p:sp>
-        <p:nvSpPr>
-          <p:cNvPr id="3" name="Rectangle 2"/>
-          <p:cNvSpPr/>
-          <p:nvPr/>
-        </p:nvSpPr>
-        <p:spPr>
-          <a:xfrm>
-            <a:off x="1563328" y="1002890"/>
-            <a:ext cx="9232491" cy="6001643"/>
-          </a:xfrm>
-          <a:prstGeom prst="rect">
-            <a:avLst/>
-          </a:prstGeom>
-        </p:spPr>
-        <p:txBody>
-          <a:bodyPr wrap="square">
-            <a:spAutoFit/>
-          </a:bodyPr>
-          <a:lstStyle/>
-          <a:p>
-            <a:pPr>
-              <a:lnSpc>
-                <a:spcPct val="200000"/>
-              </a:lnSpc>
-              <a:spcAft>
-                <a:spcPts val="800"/>
-              </a:spcAft>
-            </a:pPr>
-            <a:r>
-              <a:rPr lang="en-US" sz="2400" b="1" dirty="0">
-                <a:ea typeface="Calibri" panose="020F0502020204030204" pitchFamily="34" charset="0"/>
-                <a:cs typeface="Calibri" panose="020F0502020204030204" pitchFamily="34" charset="0"/>
-              </a:rPr>
-              <a:t>This application was developed in a way to maximize satisfaction from the product owner by presenting constant demos and gathering feedback.  Modern development practices like test driven development, static analysis, vulnerability scanning, and CI/CD enhanced the applications security and stability.  The Security Lab Manager </a:t>
-            </a:r>
-            <a:r>
-              <a:rPr lang="en-US" sz="2400" b="1" dirty="0" smtClean="0">
-                <a:ea typeface="Calibri" panose="020F0502020204030204" pitchFamily="34" charset="0"/>
-                <a:cs typeface="Calibri" panose="020F0502020204030204" pitchFamily="34" charset="0"/>
-              </a:rPr>
-              <a:t>needs to be further developed to become a </a:t>
-            </a:r>
-            <a:r>
-              <a:rPr lang="en-US" sz="2400" b="1" dirty="0">
-                <a:ea typeface="Calibri" panose="020F0502020204030204" pitchFamily="34" charset="0"/>
-                <a:cs typeface="Calibri" panose="020F0502020204030204" pitchFamily="34" charset="0"/>
-              </a:rPr>
-              <a:t>great tool for learning security in a classroom setting </a:t>
-            </a:r>
-            <a:r>
-              <a:rPr lang="en-US" sz="2400" b="1" dirty="0" smtClean="0">
-                <a:ea typeface="Calibri" panose="020F0502020204030204" pitchFamily="34" charset="0"/>
-                <a:cs typeface="Calibri" panose="020F0502020204030204" pitchFamily="34" charset="0"/>
-              </a:rPr>
-              <a:t>safely.</a:t>
-            </a:r>
-            <a:endParaRPr lang="en-US" sz="2400" b="1" dirty="0">
-              <a:effectLst/>
-              <a:ea typeface="Calibri" panose="020F0502020204030204" pitchFamily="34" charset="0"/>
-              <a:cs typeface="Calibri" panose="020F0502020204030204" pitchFamily="34" charset="0"/>
-            </a:endParaRPr>
-          </a:p>
-        </p:txBody>
-      </p:sp>
-    </p:spTree>
-    <p:extLst>
-      <p:ext uri="{BB962C8B-B14F-4D97-AF65-F5344CB8AC3E}">
-        <p14:creationId xmlns:p14="http://schemas.microsoft.com/office/powerpoint/2010/main" val="2635601856"/>
-      </p:ext>
-    </p:extLst>
-  </p:cSld>
-  <p:clrMapOvr>
-    <a:masterClrMapping/>
-  </p:clrMapOvr>
-  <p:timing>
-    <p:tnLst>
-      <p:par>
-        <p:cTn id="1" dur="indefinite" restart="never" nodeType="tmRoot"/>
-      </p:par>
-    </p:tnLst>
-  </p:timing>
-</p:sld>
-</file>
-
-<file path=ppt/slides/slide3.xml><?xml version="1.0" encoding="utf-8"?>
-<p:sld xmlns:a="http://schemas.openxmlformats.org/drawingml/2006/main" xmlns:r="http://schemas.openxmlformats.org/officeDocument/2006/relationships" xmlns:p="http://schemas.openxmlformats.org/presentationml/2006/main">
-  <p:cSld>
-    <p:bg>
-      <p:bgPr>
-        <a:solidFill>
-          <a:srgbClr val="002060"/>
-        </a:solidFill>
-        <a:effectLst/>
-      </p:bgPr>
-    </p:bg>
-    <p:spTree>
-      <p:nvGrpSpPr>
-        <p:cNvPr id="1" name=""/>
-        <p:cNvGrpSpPr/>
-        <p:nvPr/>
-      </p:nvGrpSpPr>
-      <p:grpSpPr>
-        <a:xfrm>
-          <a:off x="0" y="0"/>
-          <a:ext cx="0" cy="0"/>
-          <a:chOff x="0" y="0"/>
-          <a:chExt cx="0" cy="0"/>
-        </a:xfrm>
-      </p:grpSpPr>
-      <p:sp>
-        <p:nvSpPr>
-          <p:cNvPr id="2" name="Title 1"/>
-          <p:cNvSpPr>
-            <a:spLocks noGrp="1"/>
-          </p:cNvSpPr>
-          <p:nvPr>
-            <p:ph type="title"/>
-          </p:nvPr>
-        </p:nvSpPr>
-        <p:spPr/>
-        <p:txBody>
-          <a:bodyPr/>
-          <a:lstStyle/>
-          <a:p>
-            <a:pPr algn="ctr"/>
-            <a:r>
-              <a:rPr lang="en-US" dirty="0" smtClean="0"/>
-              <a:t>Learning Resources</a:t>
-            </a:r>
-            <a:endParaRPr lang="en-US" dirty="0"/>
-          </a:p>
-        </p:txBody>
-      </p:sp>
-      <p:sp>
-        <p:nvSpPr>
-          <p:cNvPr id="3" name="Content Placeholder 2"/>
-          <p:cNvSpPr>
-            <a:spLocks noGrp="1"/>
-          </p:cNvSpPr>
-          <p:nvPr>
-            <p:ph idx="1"/>
-          </p:nvPr>
-        </p:nvSpPr>
-        <p:spPr/>
-        <p:txBody>
-          <a:bodyPr>
-            <a:normAutofit/>
-          </a:bodyPr>
-          <a:lstStyle/>
-          <a:p>
-            <a:r>
-              <a:rPr lang="en-US" sz="2800" b="1" dirty="0" smtClean="0"/>
-              <a:t>Books with short answer questions</a:t>
-            </a:r>
-          </a:p>
-          <a:p>
-            <a:r>
-              <a:rPr lang="en-US" sz="2800" b="1" dirty="0" smtClean="0"/>
-              <a:t>Capture the flag competitions</a:t>
-            </a:r>
-          </a:p>
-          <a:p>
-            <a:r>
-              <a:rPr lang="en-US" sz="2800" b="1" dirty="0" smtClean="0"/>
-              <a:t>Setup own virtual hacking environment</a:t>
-            </a:r>
-          </a:p>
-        </p:txBody>
-      </p:sp>
-    </p:spTree>
-    <p:extLst>
-      <p:ext uri="{BB962C8B-B14F-4D97-AF65-F5344CB8AC3E}">
-        <p14:creationId xmlns:p14="http://schemas.microsoft.com/office/powerpoint/2010/main" val="92636550"/>
-      </p:ext>
-    </p:extLst>
-  </p:cSld>
-  <p:clrMapOvr>
-    <a:masterClrMapping/>
-  </p:clrMapOvr>
-  <p:timing>
-    <p:tnLst>
-      <p:par>
-        <p:cTn id="1" dur="indefinite" restart="never" nodeType="tmRoot"/>
-      </p:par>
-    </p:tnLst>
-  </p:timing>
-</p:sld>
-</file>
-
-<file path=ppt/slides/slide4.xml><?xml version="1.0" encoding="utf-8"?>
-<p:sld xmlns:a="http://schemas.openxmlformats.org/drawingml/2006/main" xmlns:r="http://schemas.openxmlformats.org/officeDocument/2006/relationships" xmlns:p="http://schemas.openxmlformats.org/presentationml/2006/main">
-  <p:cSld>
-    <p:bg>
-      <p:bgPr>
-        <a:solidFill>
-          <a:srgbClr val="002060"/>
-        </a:solidFill>
-        <a:effectLst/>
-      </p:bgPr>
-    </p:bg>
-    <p:spTree>
-      <p:nvGrpSpPr>
-        <p:cNvPr id="1" name=""/>
-        <p:cNvGrpSpPr/>
-        <p:nvPr/>
-      </p:nvGrpSpPr>
-      <p:grpSpPr>
-        <a:xfrm>
-          <a:off x="0" y="0"/>
-          <a:ext cx="0" cy="0"/>
-          <a:chOff x="0" y="0"/>
-          <a:chExt cx="0" cy="0"/>
-        </a:xfrm>
-      </p:grpSpPr>
-      <p:sp>
-        <p:nvSpPr>
-          <p:cNvPr id="2" name="Title 1"/>
-          <p:cNvSpPr>
-            <a:spLocks noGrp="1"/>
-          </p:cNvSpPr>
-          <p:nvPr>
-            <p:ph type="title"/>
-          </p:nvPr>
-        </p:nvSpPr>
-        <p:spPr/>
-        <p:txBody>
-          <a:bodyPr/>
-          <a:lstStyle/>
-          <a:p>
-            <a:pPr algn="ctr"/>
-            <a:r>
-              <a:rPr lang="en-US" dirty="0" smtClean="0"/>
-              <a:t>Hands on Learning</a:t>
-            </a:r>
-            <a:endParaRPr lang="en-US" dirty="0"/>
-          </a:p>
-        </p:txBody>
-      </p:sp>
-      <p:sp>
-        <p:nvSpPr>
-          <p:cNvPr id="3" name="Content Placeholder 2"/>
-          <p:cNvSpPr>
-            <a:spLocks noGrp="1"/>
-          </p:cNvSpPr>
-          <p:nvPr>
-            <p:ph idx="1"/>
-          </p:nvPr>
-        </p:nvSpPr>
-        <p:spPr/>
-        <p:txBody>
-          <a:bodyPr>
-            <a:normAutofit/>
-          </a:bodyPr>
-          <a:lstStyle/>
-          <a:p>
-            <a:r>
-              <a:rPr lang="en-US" sz="2800" b="1" dirty="0" smtClean="0"/>
-              <a:t>How do we allow students to virtualize exercises?</a:t>
-            </a:r>
-          </a:p>
-          <a:p>
-            <a:r>
-              <a:rPr lang="en-US" sz="2800" b="1" dirty="0" smtClean="0"/>
-              <a:t>What is the fastest way possible to do this?</a:t>
-            </a:r>
-          </a:p>
-          <a:p>
-            <a:r>
-              <a:rPr lang="en-US" sz="2800" b="1" dirty="0" smtClean="0"/>
-              <a:t>Does this require the students to have powerful computing resources?</a:t>
-            </a:r>
-          </a:p>
-        </p:txBody>
-      </p:sp>
-    </p:spTree>
-    <p:extLst>
-      <p:ext uri="{BB962C8B-B14F-4D97-AF65-F5344CB8AC3E}">
-        <p14:creationId xmlns:p14="http://schemas.microsoft.com/office/powerpoint/2010/main" val="128593542"/>
-      </p:ext>
-    </p:extLst>
-  </p:cSld>
-  <p:clrMapOvr>
-    <a:masterClrMapping/>
-  </p:clrMapOvr>
-  <p:timing>
-    <p:tnLst>
-      <p:par>
-        <p:cTn id="1" dur="indefinite" restart="never" nodeType="tmRoot"/>
-      </p:par>
-    </p:tnLst>
-  </p:timing>
-</p:sld>
-</file>
-
-<file path=ppt/slides/slide5.xml><?xml version="1.0" encoding="utf-8"?>
-<p:sld xmlns:a="http://schemas.openxmlformats.org/drawingml/2006/main" xmlns:r="http://schemas.openxmlformats.org/officeDocument/2006/relationships" xmlns:p="http://schemas.openxmlformats.org/presentationml/2006/main">
-  <p:cSld>
-    <p:bg>
-      <p:bgPr>
-        <a:solidFill>
-          <a:srgbClr val="002060"/>
-        </a:solidFill>
-        <a:effectLst/>
-      </p:bgPr>
-    </p:bg>
-    <p:spTree>
-      <p:nvGrpSpPr>
-        <p:cNvPr id="1" name=""/>
-        <p:cNvGrpSpPr/>
-        <p:nvPr/>
-      </p:nvGrpSpPr>
-      <p:grpSpPr>
-        <a:xfrm>
-          <a:off x="0" y="0"/>
-          <a:ext cx="0" cy="0"/>
-          <a:chOff x="0" y="0"/>
-          <a:chExt cx="0" cy="0"/>
-        </a:xfrm>
-      </p:grpSpPr>
-      <p:sp>
-        <p:nvSpPr>
-          <p:cNvPr id="2" name="Title 1"/>
-          <p:cNvSpPr>
-            <a:spLocks noGrp="1"/>
-          </p:cNvSpPr>
-          <p:nvPr>
-            <p:ph type="title"/>
-          </p:nvPr>
-        </p:nvSpPr>
-        <p:spPr/>
-        <p:txBody>
-          <a:bodyPr/>
-          <a:lstStyle/>
-          <a:p>
-            <a:pPr algn="ctr"/>
-            <a:r>
-              <a:rPr lang="en-US" dirty="0" smtClean="0"/>
-              <a:t>Manage virtual machines</a:t>
-            </a:r>
-            <a:endParaRPr lang="en-US" dirty="0"/>
-          </a:p>
-        </p:txBody>
-      </p:sp>
-      <p:sp>
-        <p:nvSpPr>
-          <p:cNvPr id="3" name="Content Placeholder 2"/>
-          <p:cNvSpPr>
-            <a:spLocks noGrp="1"/>
-          </p:cNvSpPr>
-          <p:nvPr>
-            <p:ph idx="1"/>
-          </p:nvPr>
-        </p:nvSpPr>
-        <p:spPr>
-          <a:xfrm>
-            <a:off x="1141412" y="2249487"/>
-            <a:ext cx="9905999" cy="2243855"/>
-          </a:xfrm>
-        </p:spPr>
-        <p:txBody>
-          <a:bodyPr>
-            <a:normAutofit/>
-          </a:bodyPr>
-          <a:lstStyle/>
-          <a:p>
-            <a:r>
-              <a:rPr lang="en-US" sz="2800" b="1" dirty="0" smtClean="0"/>
-              <a:t>Students and Professors</a:t>
-            </a:r>
-          </a:p>
-          <a:p>
-            <a:r>
-              <a:rPr lang="en-US" sz="2800" b="1" dirty="0" smtClean="0"/>
-              <a:t>Training</a:t>
-            </a:r>
-            <a:endParaRPr lang="en-US" sz="2800" b="1" dirty="0"/>
-          </a:p>
-          <a:p>
-            <a:r>
-              <a:rPr lang="en-US" sz="2800" b="1" dirty="0" smtClean="0"/>
-              <a:t>Any class size with little setup time</a:t>
-            </a:r>
-          </a:p>
-        </p:txBody>
-      </p:sp>
-    </p:spTree>
-    <p:extLst>
-      <p:ext uri="{BB962C8B-B14F-4D97-AF65-F5344CB8AC3E}">
-        <p14:creationId xmlns:p14="http://schemas.microsoft.com/office/powerpoint/2010/main" val="2588960364"/>
-      </p:ext>
-    </p:extLst>
-  </p:cSld>
-  <p:clrMapOvr>
-    <a:masterClrMapping/>
-  </p:clrMapOvr>
-  <p:timing>
-    <p:tnLst>
-      <p:par>
-        <p:cTn id="1" dur="indefinite" restart="never" nodeType="tmRoot"/>
-      </p:par>
-    </p:tnLst>
-  </p:timing>
-</p:sld>
-</file>
-
-<file path=ppt/slides/slide6.xml><?xml version="1.0" encoding="utf-8"?>
-<p:sld xmlns:a="http://schemas.openxmlformats.org/drawingml/2006/main" xmlns:r="http://schemas.openxmlformats.org/officeDocument/2006/relationships" xmlns:p="http://schemas.openxmlformats.org/presentationml/2006/main">
-  <p:cSld>
-    <p:bg>
-      <p:bgPr>
-        <a:solidFill>
-          <a:srgbClr val="002060"/>
-        </a:solidFill>
-        <a:effectLst/>
-      </p:bgPr>
-    </p:bg>
-    <p:spTree>
-      <p:nvGrpSpPr>
-        <p:cNvPr id="1" name=""/>
-        <p:cNvGrpSpPr/>
-        <p:nvPr/>
-      </p:nvGrpSpPr>
-      <p:grpSpPr>
-        <a:xfrm>
-          <a:off x="0" y="0"/>
-          <a:ext cx="0" cy="0"/>
-          <a:chOff x="0" y="0"/>
-          <a:chExt cx="0" cy="0"/>
-        </a:xfrm>
-      </p:grpSpPr>
-      <p:sp>
-        <p:nvSpPr>
-          <p:cNvPr id="2" name="Title 1"/>
-          <p:cNvSpPr>
-            <a:spLocks noGrp="1"/>
-          </p:cNvSpPr>
-          <p:nvPr>
-            <p:ph type="title"/>
-          </p:nvPr>
-        </p:nvSpPr>
-        <p:spPr/>
-        <p:txBody>
-          <a:bodyPr/>
-          <a:lstStyle/>
-          <a:p>
-            <a:pPr algn="ctr"/>
-            <a:r>
-              <a:rPr lang="en-US" dirty="0" smtClean="0"/>
-              <a:t>Requirements</a:t>
-            </a:r>
-            <a:endParaRPr lang="en-US" dirty="0"/>
-          </a:p>
-        </p:txBody>
-      </p:sp>
-      <p:sp>
-        <p:nvSpPr>
-          <p:cNvPr id="3" name="Content Placeholder 2"/>
-          <p:cNvSpPr>
-            <a:spLocks noGrp="1"/>
-          </p:cNvSpPr>
-          <p:nvPr>
-            <p:ph idx="1"/>
-          </p:nvPr>
-        </p:nvSpPr>
-        <p:spPr/>
-        <p:txBody>
-          <a:bodyPr/>
-          <a:lstStyle/>
-          <a:p>
-            <a:r>
-              <a:rPr lang="en-US" b="1" dirty="0" smtClean="0"/>
-              <a:t>Student interface for starting, stopping, and restarting exercises.  There should also be a place to submit answers for exercises</a:t>
-            </a:r>
-          </a:p>
-          <a:p>
-            <a:r>
-              <a:rPr lang="en-US" b="1" dirty="0" smtClean="0"/>
-              <a:t>Instructor </a:t>
-            </a:r>
-            <a:r>
-              <a:rPr lang="en-US" b="1" dirty="0"/>
-              <a:t>i</a:t>
-            </a:r>
-            <a:r>
-              <a:rPr lang="en-US" b="1" dirty="0" smtClean="0"/>
-              <a:t>nterface for creating, editing, deleting: classes, exercises, students, and managing application performance</a:t>
-            </a:r>
-          </a:p>
-          <a:p>
-            <a:r>
-              <a:rPr lang="en-US" b="1" dirty="0" smtClean="0"/>
-              <a:t>Instructors should be able to easily check and email grades</a:t>
-            </a:r>
-          </a:p>
-        </p:txBody>
-      </p:sp>
-    </p:spTree>
-    <p:extLst>
-      <p:ext uri="{BB962C8B-B14F-4D97-AF65-F5344CB8AC3E}">
-        <p14:creationId xmlns:p14="http://schemas.microsoft.com/office/powerpoint/2010/main" val="3084097106"/>
-      </p:ext>
-    </p:extLst>
-  </p:cSld>
-  <p:clrMapOvr>
-    <a:masterClrMapping/>
-  </p:clrMapOvr>
-  <p:timing>
-    <p:tnLst>
-      <p:par>
-        <p:cTn id="1" dur="indefinite" restart="never" nodeType="tmRoot"/>
-      </p:par>
-    </p:tnLst>
-  </p:timing>
-</p:sld>
-</file>
-
-<file path=ppt/slides/slide7.xml><?xml version="1.0" encoding="utf-8"?>
-<p:sld xmlns:a="http://schemas.openxmlformats.org/drawingml/2006/main" xmlns:r="http://schemas.openxmlformats.org/officeDocument/2006/relationships" xmlns:p="http://schemas.openxmlformats.org/presentationml/2006/main">
-  <p:cSld>
-    <p:bg>
-      <p:bgPr>
-        <a:solidFill>
-          <a:srgbClr val="002060"/>
-        </a:solidFill>
-        <a:effectLst/>
-      </p:bgPr>
-    </p:bg>
-    <p:spTree>
-      <p:nvGrpSpPr>
-        <p:cNvPr id="1" name=""/>
-        <p:cNvGrpSpPr/>
-        <p:nvPr/>
-      </p:nvGrpSpPr>
-      <p:grpSpPr>
-        <a:xfrm>
-          <a:off x="0" y="0"/>
-          <a:ext cx="0" cy="0"/>
-          <a:chOff x="0" y="0"/>
-          <a:chExt cx="0" cy="0"/>
-        </a:xfrm>
-      </p:grpSpPr>
-      <p:sp>
-        <p:nvSpPr>
-          <p:cNvPr id="2" name="Title 1"/>
-          <p:cNvSpPr>
-            <a:spLocks noGrp="1"/>
-          </p:cNvSpPr>
-          <p:nvPr>
-            <p:ph type="title"/>
-          </p:nvPr>
-        </p:nvSpPr>
-        <p:spPr/>
-        <p:txBody>
-          <a:bodyPr/>
-          <a:lstStyle/>
-          <a:p>
-            <a:pPr algn="ctr"/>
-            <a:r>
-              <a:rPr lang="en-US" dirty="0" smtClean="0"/>
-              <a:t>Requirements</a:t>
-            </a:r>
-            <a:endParaRPr lang="en-US" dirty="0"/>
-          </a:p>
-        </p:txBody>
-      </p:sp>
-      <p:sp>
-        <p:nvSpPr>
-          <p:cNvPr id="3" name="Content Placeholder 2"/>
-          <p:cNvSpPr>
-            <a:spLocks noGrp="1"/>
-          </p:cNvSpPr>
-          <p:nvPr>
-            <p:ph idx="1"/>
-          </p:nvPr>
-        </p:nvSpPr>
-        <p:spPr/>
-        <p:txBody>
-          <a:bodyPr/>
-          <a:lstStyle/>
-          <a:p>
-            <a:r>
-              <a:rPr lang="en-US" b="1" dirty="0" smtClean="0"/>
-              <a:t>Must contain 1 web security exercise</a:t>
-            </a:r>
-          </a:p>
-          <a:p>
-            <a:r>
-              <a:rPr lang="en-US" b="1" dirty="0" smtClean="0"/>
-              <a:t>Must contain 1 desktop security exercise</a:t>
-            </a:r>
-          </a:p>
-          <a:p>
-            <a:r>
-              <a:rPr lang="en-US" b="1" dirty="0" smtClean="0"/>
-              <a:t>Must be developed securely</a:t>
-            </a:r>
-          </a:p>
-          <a:p>
-            <a:r>
-              <a:rPr lang="en-US" b="1" dirty="0" smtClean="0"/>
-              <a:t>Must be easily installed and enhanced</a:t>
-            </a:r>
-            <a:endParaRPr lang="en-US" b="1" dirty="0"/>
-          </a:p>
-        </p:txBody>
-      </p:sp>
-    </p:spTree>
-    <p:extLst>
-      <p:ext uri="{BB962C8B-B14F-4D97-AF65-F5344CB8AC3E}">
-        <p14:creationId xmlns:p14="http://schemas.microsoft.com/office/powerpoint/2010/main" val="2514368935"/>
-      </p:ext>
-    </p:extLst>
-  </p:cSld>
-  <p:clrMapOvr>
-    <a:masterClrMapping/>
-  </p:clrMapOvr>
-  <p:timing>
-    <p:tnLst>
-      <p:par>
-        <p:cTn id="1" dur="indefinite" restart="never" nodeType="tmRoot"/>
-      </p:par>
-    </p:tnLst>
-  </p:timing>
-</p:sld>
-</file>
-
-<file path=ppt/slides/slide8.xml><?xml version="1.0" encoding="utf-8"?>
-<p:sld xmlns:a="http://schemas.openxmlformats.org/drawingml/2006/main" xmlns:r="http://schemas.openxmlformats.org/officeDocument/2006/relationships" xmlns:p="http://schemas.openxmlformats.org/presentationml/2006/main">
-  <p:cSld>
-    <p:bg>
-      <p:bgPr>
-        <a:solidFill>
-          <a:srgbClr val="002060"/>
-        </a:solidFill>
-        <a:effectLst/>
-      </p:bgPr>
-    </p:bg>
-    <p:spTree>
-      <p:nvGrpSpPr>
-        <p:cNvPr id="1" name=""/>
-        <p:cNvGrpSpPr/>
-        <p:nvPr/>
-      </p:nvGrpSpPr>
-      <p:grpSpPr>
-        <a:xfrm>
-          <a:off x="0" y="0"/>
-          <a:ext cx="0" cy="0"/>
-          <a:chOff x="0" y="0"/>
-          <a:chExt cx="0" cy="0"/>
-        </a:xfrm>
-      </p:grpSpPr>
-      <p:pic>
-        <p:nvPicPr>
-          <p:cNvPr id="6" name="Picture 5"/>
-          <p:cNvPicPr>
-            <a:picLocks noChangeAspect="1"/>
-          </p:cNvPicPr>
-          <p:nvPr/>
-        </p:nvPicPr>
-        <p:blipFill>
-          <a:blip r:embed="rId3"/>
-          <a:stretch>
-            <a:fillRect/>
-          </a:stretch>
-        </p:blipFill>
-        <p:spPr>
-          <a:xfrm>
-            <a:off x="0" y="1"/>
-            <a:ext cx="12192000" cy="6858000"/>
-          </a:xfrm>
-          <a:prstGeom prst="rect">
-            <a:avLst/>
-          </a:prstGeom>
-        </p:spPr>
-      </p:pic>
-    </p:spTree>
-    <p:extLst>
-      <p:ext uri="{BB962C8B-B14F-4D97-AF65-F5344CB8AC3E}">
-        <p14:creationId xmlns:p14="http://schemas.microsoft.com/office/powerpoint/2010/main" val="1560655530"/>
-      </p:ext>
-    </p:extLst>
-  </p:cSld>
-  <p:clrMapOvr>
-    <a:masterClrMapping/>
-  </p:clrMapOvr>
-  <p:timing>
-    <p:tnLst>
-      <p:par>
-        <p:cTn id="1" dur="indefinite" restart="never" nodeType="tmRoot"/>
-      </p:par>
-    </p:tnLst>
-  </p:timing>
-</p:sld>
-</file>
-
 <file path=ppt/slides/slide9.xml><?xml version="1.0" encoding="utf-8"?>
 <p:sld xmlns:a="http://schemas.openxmlformats.org/drawingml/2006/main" xmlns:r="http://schemas.openxmlformats.org/officeDocument/2006/relationships" xmlns:p="http://schemas.openxmlformats.org/presentationml/2006/main">
   <p:cSld>
@@ -17844,34 +15309,164 @@
           <a:chExt cx="0" cy="0"/>
         </a:xfrm>
       </p:grpSpPr>
-      <p:pic>
-        <p:nvPicPr>
-          <p:cNvPr id="5" name="Picture 4"/>
-          <p:cNvPicPr>
-            <a:picLocks noChangeAspect="1"/>
-          </p:cNvPicPr>
-          <p:nvPr/>
-        </p:nvPicPr>
-        <p:blipFill>
-          <a:blip r:embed="rId3"/>
-          <a:stretch>
-            <a:fillRect/>
-          </a:stretch>
-        </p:blipFill>
+      <p:sp>
+        <p:nvSpPr>
+          <p:cNvPr id="2" name="Title 1"/>
+          <p:cNvSpPr>
+            <a:spLocks noGrp="1"/>
+          </p:cNvSpPr>
+          <p:nvPr>
+            <p:ph type="title"/>
+          </p:nvPr>
+        </p:nvSpPr>
         <p:spPr>
           <a:xfrm>
-            <a:off x="0" y="-1"/>
-            <a:ext cx="12192000" cy="6858001"/>
+            <a:off x="1141413" y="-128733"/>
+            <a:ext cx="9905998" cy="1478570"/>
+          </a:xfrm>
+        </p:spPr>
+        <p:txBody>
+          <a:bodyPr/>
+          <a:lstStyle/>
+          <a:p>
+            <a:pPr algn="ctr"/>
+            <a:r>
+              <a:rPr lang="en-US" dirty="0" smtClean="0"/>
+              <a:t>Conclusion</a:t>
+            </a:r>
+            <a:endParaRPr lang="en-US" dirty="0"/>
+          </a:p>
+        </p:txBody>
+      </p:sp>
+      <p:sp>
+        <p:nvSpPr>
+          <p:cNvPr id="3" name="Rectangle 2"/>
+          <p:cNvSpPr/>
+          <p:nvPr/>
+        </p:nvSpPr>
+        <p:spPr>
+          <a:xfrm>
+            <a:off x="1563328" y="1002890"/>
+            <a:ext cx="9232491" cy="4832092"/>
           </a:xfrm>
           <a:prstGeom prst="rect">
             <a:avLst/>
           </a:prstGeom>
         </p:spPr>
-      </p:pic>
+        <p:txBody>
+          <a:bodyPr wrap="square">
+            <a:spAutoFit/>
+          </a:bodyPr>
+          <a:lstStyle/>
+          <a:p>
+            <a:pPr marL="342900" indent="-342900">
+              <a:lnSpc>
+                <a:spcPct val="200000"/>
+              </a:lnSpc>
+              <a:spcAft>
+                <a:spcPts val="800"/>
+              </a:spcAft>
+              <a:buFont typeface="Arial" panose="020B0604020202020204" pitchFamily="34" charset="0"/>
+              <a:buChar char="•"/>
+            </a:pPr>
+            <a:r>
+              <a:rPr lang="en-US" sz="2400" b="1" dirty="0" smtClean="0">
+                <a:ea typeface="Calibri" panose="020F0502020204030204" pitchFamily="34" charset="0"/>
+                <a:cs typeface="Calibri" panose="020F0502020204030204" pitchFamily="34" charset="0"/>
+              </a:rPr>
+              <a:t>The application is sometimes one hundred times faster than creating unique virtual </a:t>
+            </a:r>
+            <a:r>
+              <a:rPr lang="en-US" sz="2400" b="1" dirty="0" smtClean="0">
+                <a:ea typeface="Calibri" panose="020F0502020204030204" pitchFamily="34" charset="0"/>
+                <a:cs typeface="Calibri" panose="020F0502020204030204" pitchFamily="34" charset="0"/>
+              </a:rPr>
+              <a:t>machines</a:t>
+            </a:r>
+          </a:p>
+          <a:p>
+            <a:pPr marL="342900" indent="-342900">
+              <a:lnSpc>
+                <a:spcPct val="200000"/>
+              </a:lnSpc>
+              <a:spcAft>
+                <a:spcPts val="800"/>
+              </a:spcAft>
+              <a:buFont typeface="Arial" panose="020B0604020202020204" pitchFamily="34" charset="0"/>
+              <a:buChar char="•"/>
+            </a:pPr>
+            <a:r>
+              <a:rPr lang="en-US" sz="2400" b="1" dirty="0" smtClean="0">
+                <a:ea typeface="Calibri" panose="020F0502020204030204" pitchFamily="34" charset="0"/>
+                <a:cs typeface="Calibri" panose="020F0502020204030204" pitchFamily="34" charset="0"/>
+              </a:rPr>
+              <a:t>The </a:t>
+            </a:r>
+            <a:r>
+              <a:rPr lang="en-US" sz="2400" b="1" dirty="0" smtClean="0">
+                <a:ea typeface="Calibri" panose="020F0502020204030204" pitchFamily="34" charset="0"/>
+                <a:cs typeface="Calibri" panose="020F0502020204030204" pitchFamily="34" charset="0"/>
+              </a:rPr>
+              <a:t>application is also stable and nice to </a:t>
+            </a:r>
+            <a:r>
+              <a:rPr lang="en-US" sz="2400" b="1" dirty="0" smtClean="0">
+                <a:ea typeface="Calibri" panose="020F0502020204030204" pitchFamily="34" charset="0"/>
+                <a:cs typeface="Calibri" panose="020F0502020204030204" pitchFamily="34" charset="0"/>
+              </a:rPr>
+              <a:t>use</a:t>
+            </a:r>
+          </a:p>
+          <a:p>
+            <a:pPr marL="342900" indent="-342900">
+              <a:lnSpc>
+                <a:spcPct val="200000"/>
+              </a:lnSpc>
+              <a:spcAft>
+                <a:spcPts val="800"/>
+              </a:spcAft>
+              <a:buFont typeface="Arial" panose="020B0604020202020204" pitchFamily="34" charset="0"/>
+              <a:buChar char="•"/>
+            </a:pPr>
+            <a:r>
+              <a:rPr lang="en-US" sz="2400" b="1" dirty="0" smtClean="0">
+                <a:effectLst/>
+                <a:ea typeface="Calibri" panose="020F0502020204030204" pitchFamily="34" charset="0"/>
+                <a:cs typeface="Calibri" panose="020F0502020204030204" pitchFamily="34" charset="0"/>
+              </a:rPr>
+              <a:t>The application meets requirements</a:t>
+            </a:r>
+          </a:p>
+          <a:p>
+            <a:pPr marL="342900" indent="-342900">
+              <a:lnSpc>
+                <a:spcPct val="200000"/>
+              </a:lnSpc>
+              <a:spcAft>
+                <a:spcPts val="800"/>
+              </a:spcAft>
+              <a:buFont typeface="Arial" panose="020B0604020202020204" pitchFamily="34" charset="0"/>
+              <a:buChar char="•"/>
+            </a:pPr>
+            <a:r>
+              <a:rPr lang="en-US" sz="2400" b="1" dirty="0" smtClean="0">
+                <a:ea typeface="Calibri" panose="020F0502020204030204" pitchFamily="34" charset="0"/>
+                <a:cs typeface="Calibri" panose="020F0502020204030204" pitchFamily="34" charset="0"/>
+              </a:rPr>
+              <a:t>Needs to be further developed – UI, additional exercises, and multiple choice questions</a:t>
+            </a:r>
+            <a:endParaRPr lang="en-US" sz="2400" b="1" dirty="0">
+              <a:effectLst/>
+              <a:ea typeface="Calibri" panose="020F0502020204030204" pitchFamily="34" charset="0"/>
+              <a:cs typeface="Calibri" panose="020F0502020204030204" pitchFamily="34" charset="0"/>
+            </a:endParaRPr>
+          </a:p>
+        </p:txBody>
+      </p:sp>
     </p:spTree>
     <p:extLst>
       <p:ext uri="{BB962C8B-B14F-4D97-AF65-F5344CB8AC3E}">
-        <p14:creationId xmlns:p14="http://schemas.microsoft.com/office/powerpoint/2010/main" val="2559116723"/>
+        <p14:creationId xmlns:p14="http://schemas.microsoft.com/office/powerpoint/2010/main" val="2635601856"/>
       </p:ext>
     </p:extLst>
   </p:cSld>
@@ -18663,16 +16258,18 @@
 
 <file path=customXml/item1.xml><?xml version="1.0" encoding="utf-8"?>
 <WrappedLabelHistory xmlns:xsi="http://www.w3.org/2001/XMLSchema-instance" xmlns:xsd="http://www.w3.org/2001/XMLSchema" xmlns="http://www.boldonjames.com/2016/02/Classifier/internal/wrappedLabelHistory">
-  <Value>PD94bWwgdmVyc2lvbj0iMS4wIiBlbmNvZGluZz0idXMtYXNjaWkiPz48bGFiZWxIaXN0b3J5IHhtbG5zOnhzaT0iaHR0cDovL3d3dy53My5vcmcvMjAwMS9YTUxTY2hlbWEtaW5zdGFuY2UiIHhtbG5zOnhzZD0iaHR0cDovL3d3dy53My5vcmcvMjAwMS9YTUxTY2hlbWEiIHhtbG5zPSJodHRwOi8vd3d3LmJvbGRvbmphbWVzLmNvbS8yMDE2LzAyL0NsYXNzaWZpZXIvaW50ZXJuYWwvbGFiZWxIaXN0b3J5Ij48aXRlbT48c2lzbCBzaXNsVmVyc2lvbj0iMCIgcG9saWN5PSJjZGU1M2FjMS1iZjVmLTRhYWUtOWNmMS0wNzUwOWUyM2E0YjAiIG9yaWdpbj0idXNlclNlbGVjdGVkIiAvPjxVc2VyTmFtZT5VU1wxMTE5OTY5PC9Vc2VyTmFtZT48RGF0ZVRpbWU+MTAvMjIvMjAxOCA3OjA1OjI1IFBNPC9EYXRlVGltZT48TGFiZWxTdHJpbmc+VGhpcyBhcnRpZmFjdCBoYXMgbm8gY2xhc3NpZmljYXRpb24uPC9MYWJlbFN0cmluZz48L2l0ZW0+PC9sYWJlbEhpc3Rvcnk+</Value>
+  <Value>PD94bWwgdmVyc2lvbj0iMS4wIiBlbmNvZGluZz0idXMtYXNjaWkiPz48bGFiZWxIaXN0b3J5IHhtbG5zOnhzaT0iaHR0cDovL3d3dy53My5vcmcvMjAwMS9YTUxTY2hlbWEtaW5zdGFuY2UiIHhtbG5zOnhzZD0iaHR0cDovL3d3dy53My5vcmcvMjAwMS9YTUxTY2hlbWEiIHhtbG5zPSJodHRwOi8vd3d3LmJvbGRvbmphbWVzLmNvbS8yMDE2LzAyL0NsYXNzaWZpZXIvaW50ZXJuYWwvbGFiZWxIaXN0b3J5Ij48aXRlbT48c2lzbCBzaXNsVmVyc2lvbj0iMCIgcG9saWN5PSJjZGU1M2FjMS1iZjVmLTRhYWUtOWNmMS0wNzUwOWUyM2E0YjAiIG9yaWdpbj0idXNlclNlbGVjdGVkIiAvPjxVc2VyTmFtZT5VU1wxMTE5OTY5PC9Vc2VyTmFtZT48RGF0ZVRpbWU+MTAvMjIvMjAxOCA3OjA1OjI1IFBNPC9EYXRlVGltZT48TGFiZWxTdHJpbmc+VGhpcyBhcnRpZmFjdCBoYXMgbm8gY2xhc3NpZmljYXRpb24uPC9MYWJlbFN0cmluZz48L2l0ZW0+PGl0ZW0+PHNpc2wgc2lzbFZlcnNpb249IjAiIHBvbGljeT0iY2RlNTNhYzEtYmY1Zi00YWFlLTljZjEtMDc1MDllMjNhNGIwIiBvcmlnaW49ImRlZmF1bHRWYWx1ZSI+PGVsZW1lbnQgdWlkPSJiYmE5NGM2NS1hYzNkLTRmMzQtYjJlMS04ZGUxMWVmNmYwMWMiIHZhbHVlPSIiIHhtbG5zPSJodHRwOi8vd3d3LmJvbGRvbmphbWVzLmNvbS8yMDA4LzAxL3NpZS9pbnRlcm5hbC9sYWJlbCIgLz48L3Npc2w+PFVzZXJOYW1lPlVTXDExMTk5Njk8L1VzZXJOYW1lPjxEYXRlVGltZT40LzEwLzIwMTkgMzo1MzoxOSBQTTwvRGF0ZVRpbWU+PExhYmVsU3RyaW5nPk9yaWdpbiBKdXJpc2RpY3Rpb246IFVTIDwvTGFiZWxTdHJpbmc+PC9pdGVtPjwvbGFiZWxIaXN0b3J5Pg==</Value>
 </WrappedLabelHistory>
 </file>
 
 <file path=customXml/item2.xml><?xml version="1.0" encoding="utf-8"?>
-<sisl xmlns:xsi="http://www.w3.org/2001/XMLSchema-instance" xmlns:xsd="http://www.w3.org/2001/XMLSchema" xmlns="http://www.boldonjames.com/2008/01/sie/internal/label" sislVersion="0" policy="cde53ac1-bf5f-4aae-9cf1-07509e23a4b0" origin="userSelected"/>
+<sisl xmlns:xsi="http://www.w3.org/2001/XMLSchema-instance" xmlns:xsd="http://www.w3.org/2001/XMLSchema" xmlns="http://www.boldonjames.com/2008/01/sie/internal/label" sislVersion="0" policy="cde53ac1-bf5f-4aae-9cf1-07509e23a4b0" origin="defaultValue">
+  <element uid="bba94c65-ac3d-4f34-b2e1-8de11ef6f01c" value=""/>
+</sisl>
 </file>
 
 <file path=customXml/itemProps1.xml><?xml version="1.0" encoding="utf-8"?>
-<ds:datastoreItem xmlns:ds="http://schemas.openxmlformats.org/officeDocument/2006/customXml" ds:itemID="{84F13628-08D2-4D08-962B-4054B3C50F1B}">
+<ds:datastoreItem xmlns:ds="http://schemas.openxmlformats.org/officeDocument/2006/customXml" ds:itemID="{CECBB82E-2A84-44DF-BD31-87EA3263B5EA}">
   <ds:schemaRefs>
     <ds:schemaRef ds:uri="http://www.w3.org/2001/XMLSchema"/>
     <ds:schemaRef ds:uri="http://www.boldonjames.com/2016/02/Classifier/internal/wrappedLabelHistory"/>
@@ -18681,7 +16278,7 @@
 </file>
 
 <file path=customXml/itemProps2.xml><?xml version="1.0" encoding="utf-8"?>
-<ds:datastoreItem xmlns:ds="http://schemas.openxmlformats.org/officeDocument/2006/customXml" ds:itemID="{01D60ADF-54DA-4BAB-ADE9-A21C404E7BAB}">
+<ds:datastoreItem xmlns:ds="http://schemas.openxmlformats.org/officeDocument/2006/customXml" ds:itemID="{68D50105-FB1F-4024-B888-50DBBBA9EC6D}">
   <ds:schemaRefs>
     <ds:schemaRef ds:uri="http://www.w3.org/2001/XMLSchema"/>
     <ds:schemaRef ds:uri="http://www.boldonjames.com/2008/01/sie/internal/label"/>
